--- a/Presentation.pptx
+++ b/Presentation.pptx
@@ -5,7 +5,7 @@
     <p:sldMasterId id="2147483660" r:id="rId1"/>
   </p:sldMasterIdLst>
   <p:notesMasterIdLst>
-    <p:notesMasterId r:id="rId10"/>
+    <p:notesMasterId r:id="rId11"/>
   </p:notesMasterIdLst>
   <p:sldIdLst>
     <p:sldId id="256" r:id="rId2"/>
@@ -13,9 +13,10 @@
     <p:sldId id="258" r:id="rId4"/>
     <p:sldId id="266" r:id="rId5"/>
     <p:sldId id="261" r:id="rId6"/>
-    <p:sldId id="262" r:id="rId7"/>
-    <p:sldId id="263" r:id="rId8"/>
-    <p:sldId id="264" r:id="rId9"/>
+    <p:sldId id="267" r:id="rId7"/>
+    <p:sldId id="262" r:id="rId8"/>
+    <p:sldId id="263" r:id="rId9"/>
+    <p:sldId id="264" r:id="rId10"/>
   </p:sldIdLst>
   <p:sldSz cx="12192000" cy="6858000"/>
   <p:notesSz cx="6858000" cy="9144000"/>
@@ -204,7 +205,7 @@
           <a:p>
             <a:fld id="{0B5FF9F3-B8F7-44D8-B55E-59E955E4F250}" type="datetimeFigureOut">
               <a:rPr lang="en-GB" smtClean="0"/>
-              <a:t>04/05/2016</a:t>
+              <a:t>05/05/2016</a:t>
             </a:fld>
             <a:endParaRPr lang="en-GB"/>
           </a:p>
@@ -528,7 +529,7 @@
           <a:p>
             <a:r>
               <a:rPr lang="en-GB" baseline="0" dirty="0" smtClean="0"/>
-              <a:t>I am very grateful to Adam and Shri for providing guidance and support on a weekly basis. You valuable input to our project has made us to successfully implement the necessary Machine Learning tool &amp; techniques.</a:t>
+              <a:t>I am very grateful to Jon and Markus for providing guidance and support on this project.</a:t>
             </a:r>
           </a:p>
           <a:p>
@@ -545,45 +546,28 @@
             </a:r>
             <a:r>
               <a:rPr lang="en-GB" baseline="0" dirty="0" smtClean="0"/>
-              <a:t> for </a:t>
+              <a:t> for Home Depot Product Search Relevance.</a:t>
+            </a:r>
+          </a:p>
+          <a:p>
+            <a:endParaRPr lang="en-GB" baseline="0" dirty="0" smtClean="0"/>
+          </a:p>
+          <a:p>
+            <a:r>
+              <a:rPr lang="en-GB" baseline="0" dirty="0" smtClean="0"/>
+              <a:t>Our team “phi1337” comprises of Tony, Nick, Napoleon, </a:t>
             </a:r>
             <a:r>
               <a:rPr lang="en-GB" baseline="0" dirty="0" err="1" smtClean="0"/>
-              <a:t>BNP</a:t>
+              <a:t>Adisorn</a:t>
             </a:r>
             <a:r>
               <a:rPr lang="en-GB" baseline="0" dirty="0" smtClean="0"/>
-              <a:t> Paribas </a:t>
+              <a:t>, </a:t>
             </a:r>
             <a:r>
               <a:rPr lang="en-GB" baseline="0" dirty="0" err="1" smtClean="0"/>
-              <a:t>Cardif</a:t>
-            </a:r>
-            <a:r>
-              <a:rPr lang="en-GB" baseline="0" dirty="0" smtClean="0"/>
-              <a:t> Claims Management competition.</a:t>
-            </a:r>
-          </a:p>
-          <a:p>
-            <a:endParaRPr lang="en-GB" baseline="0" dirty="0" smtClean="0"/>
-          </a:p>
-          <a:p>
-            <a:r>
-              <a:rPr lang="en-GB" baseline="0" dirty="0" smtClean="0"/>
-              <a:t>Our unique team “Gauss” depicts that we are very much inspired by German mathematician Carl Friedrich Gauss.</a:t>
-            </a:r>
-          </a:p>
-          <a:p>
-            <a:endParaRPr lang="en-GB" baseline="0" dirty="0" smtClean="0"/>
-          </a:p>
-          <a:p>
-            <a:r>
-              <a:rPr lang="en-GB" baseline="0" dirty="0" smtClean="0"/>
-              <a:t>The “Gauss” comprises of Tony, Nick, Napoleon, </a:t>
-            </a:r>
-            <a:r>
-              <a:rPr lang="en-GB" baseline="0" dirty="0" err="1" smtClean="0"/>
-              <a:t>Danial</a:t>
+              <a:t>Emmanouil</a:t>
             </a:r>
             <a:r>
               <a:rPr lang="en-GB" baseline="0" dirty="0" smtClean="0"/>
@@ -806,7 +790,7 @@
             </a:r>
             <a:r>
               <a:rPr lang="en-GB" baseline="0" dirty="0" smtClean="0"/>
-              <a:t> you may know that insurance companies are working very hard to keep themselves save from false claimers. </a:t>
+              <a:t> you may know that online retailers are working very hard to maximize the sales by providing the right product at the right time of purchase. </a:t>
             </a:r>
           </a:p>
           <a:p>
@@ -815,7 +799,13 @@
           <a:p>
             <a:r>
               <a:rPr lang="en-GB" baseline="0" dirty="0" smtClean="0"/>
-              <a:t>The insurance companies are investing a lot of time and money to implement complex Data Mining and Machine Learning tools and techniques to classify between genuine and false claims. </a:t>
+              <a:t>This project is predict the relevance of search results based on search queries. </a:t>
+            </a:r>
+          </a:p>
+          <a:p>
+            <a:r>
+              <a:rPr lang="en-GB" baseline="0" dirty="0" smtClean="0"/>
+              <a:t>The prediction and relevance has commercial importance as displaying right product means that there is high chance of product purchase.</a:t>
             </a:r>
           </a:p>
           <a:p>
@@ -824,18 +814,8 @@
           <a:p>
             <a:r>
               <a:rPr lang="en-GB" baseline="0" dirty="0" smtClean="0"/>
-              <a:t>Insurance companies are also very much interested to analyse the probability of person making a false claim based on retrospective data.</a:t>
-            </a:r>
-          </a:p>
-          <a:p>
-            <a:endParaRPr lang="en-GB" baseline="0" dirty="0" smtClean="0"/>
-          </a:p>
-          <a:p>
-            <a:r>
-              <a:rPr lang="en-GB" baseline="0" dirty="0" smtClean="0"/>
-              <a:t>This project is two dimensional classification problem with an objective to predict a probability of classifying a claim to a class. </a:t>
-            </a:r>
-            <a:endParaRPr lang="en-GB" dirty="0"/>
+              <a:t>This is Supervised Learning Problem and we have successfully implemented as per the expectation of the competition.</a:t>
+            </a:r>
           </a:p>
         </p:txBody>
       </p:sp>
@@ -921,24 +901,44 @@
           <a:p>
             <a:r>
               <a:rPr lang="en-GB" dirty="0" smtClean="0"/>
-              <a:t>The data provided for the competition was</a:t>
+              <a:t>- The training set consists</a:t>
             </a:r>
             <a:r>
               <a:rPr lang="en-GB" baseline="0" dirty="0" smtClean="0"/>
-              <a:t> both numerical and categorical with significant amount of missing values with anonymous feature vectors.</a:t>
-            </a:r>
-          </a:p>
-          <a:p>
-            <a:endParaRPr lang="en-GB" baseline="0" dirty="0" smtClean="0"/>
+              <a:t> of Search Queries, Search Results and Scores depicting the relevance of the search results. </a:t>
+            </a:r>
           </a:p>
           <a:p>
             <a:r>
               <a:rPr lang="en-GB" baseline="0" dirty="0" smtClean="0"/>
-              <a:t>Right from the first day, the team was very much clear that feature reengineering is the most important task in the project that will significantly affect the quality of results. </a:t>
-            </a:r>
-          </a:p>
-          <a:p>
-            <a:endParaRPr lang="en-GB" baseline="0" dirty="0" smtClean="0"/>
+              <a:t>- The test set consists of same Search Queries and Search Results and the expectation was to predict relevance score for each query.</a:t>
+            </a:r>
+          </a:p>
+          <a:p>
+            <a:r>
+              <a:rPr lang="en-GB" baseline="0" dirty="0" smtClean="0"/>
+              <a:t>- The Search Queries provided was fairly noisy containing special characters, punctuation errors, different ways of writing Unit of Measurements, Typing Errors.</a:t>
+            </a:r>
+          </a:p>
+          <a:p>
+            <a:pPr marL="0" indent="0">
+              <a:buFontTx/>
+              <a:buNone/>
+            </a:pPr>
+            <a:r>
+              <a:rPr lang="en-GB" baseline="0" dirty="0" smtClean="0"/>
+              <a:t>- The Search Results are the results based on the QUALITY of Search Query.</a:t>
+            </a:r>
+          </a:p>
+          <a:p>
+            <a:pPr marL="0" indent="0">
+              <a:buFontTx/>
+              <a:buNone/>
+            </a:pPr>
+            <a:r>
+              <a:rPr lang="en-GB" baseline="0" dirty="0" smtClean="0"/>
+              <a:t>- The Scores is the average of three human rates who rated the relevance of search results.</a:t>
+            </a:r>
           </a:p>
           <a:p>
             <a:endParaRPr lang="en-GB" dirty="0"/>
@@ -1025,57 +1025,115 @@
           <a:bodyPr/>
           <a:lstStyle/>
           <a:p>
+            <a:pPr marL="0" indent="0">
+              <a:buNone/>
+            </a:pPr>
             <a:r>
               <a:rPr lang="en-GB" dirty="0" smtClean="0"/>
-              <a:t>In order to transform the categorical values to numerical values we considered an approach called “One-Hot-Encoder” but due to hardware</a:t>
+              <a:t>The following</a:t>
             </a:r>
             <a:r>
               <a:rPr lang="en-GB" baseline="0" dirty="0" smtClean="0"/>
-              <a:t> limitation we were unable to implement this approach as one of the feature have 18000 values and using this approach would have created a matrix with several thousand features.</a:t>
-            </a:r>
-          </a:p>
-          <a:p>
-            <a:endParaRPr lang="en-GB" baseline="0" dirty="0" smtClean="0"/>
-          </a:p>
-          <a:p>
+              <a:t> are the issues we have found in Search Queries, which we think have significant impact of the search relevance:</a:t>
+            </a:r>
+            <a:endParaRPr lang="en-GB" dirty="0" smtClean="0"/>
+          </a:p>
+          <a:p>
+            <a:pPr marL="228600" indent="-228600">
+              <a:buAutoNum type="arabicPeriod"/>
+            </a:pPr>
+            <a:r>
+              <a:rPr lang="en-GB" dirty="0" smtClean="0"/>
+              <a:t>We dealt the special characters</a:t>
+            </a:r>
             <a:r>
               <a:rPr lang="en-GB" baseline="0" dirty="0" smtClean="0"/>
-              <a:t>The second approach we have used was to calculate and replace categorical value with the Conditional Probability value. This approach was successfully implemented.</a:t>
-            </a:r>
-          </a:p>
-          <a:p>
+              <a:t> by using Python built-in library called “</a:t>
+            </a:r>
+            <a:r>
+              <a:rPr lang="en-GB" baseline="0" dirty="0" err="1" smtClean="0"/>
+              <a:t>UniDecode</a:t>
+            </a:r>
             <a:r>
               <a:rPr lang="en-GB" baseline="0" dirty="0" smtClean="0"/>
-              <a:t>_________________</a:t>
-            </a:r>
-          </a:p>
-          <a:p>
+              <a:t>”</a:t>
+            </a:r>
+          </a:p>
+          <a:p>
+            <a:pPr marL="228600" indent="-228600">
+              <a:buAutoNum type="arabicPeriod"/>
+            </a:pPr>
             <a:r>
               <a:rPr lang="en-GB" baseline="0" dirty="0" smtClean="0"/>
-              <a:t>For Missing Values we used Non-Negative Matrix Factorization to fulfil the missing values and the second approach we used was calculating median for each feature where </a:t>
+              <a:t>The </a:t>
             </a:r>
             <a:r>
               <a:rPr lang="en-GB" baseline="0" dirty="0" err="1" smtClean="0"/>
-              <a:t>NaN</a:t>
+              <a:t>Punction</a:t>
             </a:r>
             <a:r>
               <a:rPr lang="en-GB" baseline="0" dirty="0" smtClean="0"/>
-              <a:t> value occurred.</a:t>
-            </a:r>
-          </a:p>
-          <a:p>
+              <a:t> Errors like extra spaces, unnecessary commas and question marks were removed.</a:t>
+            </a:r>
+          </a:p>
+          <a:p>
+            <a:pPr marL="228600" indent="-228600">
+              <a:buAutoNum type="arabicPeriod"/>
+            </a:pPr>
             <a:r>
               <a:rPr lang="en-GB" baseline="0" dirty="0" smtClean="0"/>
-              <a:t>_________________</a:t>
-            </a:r>
-          </a:p>
-          <a:p>
+              <a:t>There were different ways of entering </a:t>
+            </a:r>
+            <a:r>
+              <a:rPr lang="en-GB" baseline="0" dirty="0" err="1" smtClean="0"/>
+              <a:t>UOM</a:t>
+            </a:r>
             <a:r>
               <a:rPr lang="en-GB" baseline="0" dirty="0" smtClean="0"/>
-              <a:t>In the end we decided that transformation of the values in similar scale will add value in the results.</a:t>
-            </a:r>
-          </a:p>
-          <a:p>
+              <a:t> and in order to keep it consistent, we identified and replaced various entries into one consistent Unit of Measurement.</a:t>
+            </a:r>
+          </a:p>
+          <a:p>
+            <a:pPr marL="228600" indent="-228600">
+              <a:buAutoNum type="arabicPeriod"/>
+            </a:pPr>
+            <a:r>
+              <a:rPr lang="en-GB" baseline="0" dirty="0" smtClean="0"/>
+              <a:t>In the search queries there were lots of typing errors which we have corrected using Google Auto-Correct.</a:t>
+            </a:r>
+          </a:p>
+          <a:p>
+            <a:pPr marL="228600" indent="-228600">
+              <a:buAutoNum type="arabicPeriod"/>
+            </a:pPr>
+            <a:r>
+              <a:rPr lang="en-GB" baseline="0" dirty="0" smtClean="0"/>
+              <a:t>We used  </a:t>
+            </a:r>
+            <a:r>
+              <a:rPr lang="en-GB" baseline="0" dirty="0" err="1" smtClean="0"/>
+              <a:t>SnowBallStemmer</a:t>
+            </a:r>
+            <a:r>
+              <a:rPr lang="en-GB" baseline="0" dirty="0" smtClean="0"/>
+              <a:t> (</a:t>
+            </a:r>
+            <a:r>
+              <a:rPr lang="en-GB" baseline="0" dirty="0" err="1" smtClean="0"/>
+              <a:t>NLTK</a:t>
+            </a:r>
+            <a:r>
+              <a:rPr lang="en-GB" baseline="0" dirty="0" smtClean="0"/>
+              <a:t>) to </a:t>
+            </a:r>
+            <a:r>
+              <a:rPr lang="en-GB" baseline="0" dirty="0" err="1" smtClean="0"/>
+              <a:t>to</a:t>
+            </a:r>
+            <a:r>
+              <a:rPr lang="en-GB" baseline="0" dirty="0" smtClean="0"/>
+              <a:t> create bag of words</a:t>
+            </a:r>
             <a:endParaRPr lang="en-GB" dirty="0"/>
           </a:p>
         </p:txBody>
@@ -1160,61 +1218,9 @@
           <a:bodyPr/>
           <a:lstStyle/>
           <a:p>
-            <a:r>
-              <a:rPr lang="en-GB" dirty="0" smtClean="0"/>
-              <a:t>If</a:t>
-            </a:r>
-            <a:r>
-              <a:rPr lang="en-GB" baseline="0" dirty="0" smtClean="0"/>
-              <a:t> the training set is somewhat linear and linearly separable we believe that the best approach is to use the simplest algorithm which is Logistic Regression. </a:t>
-            </a:r>
-          </a:p>
-          <a:p>
-            <a:endParaRPr lang="en-GB" baseline="0" dirty="0" smtClean="0"/>
-          </a:p>
-          <a:p>
-            <a:r>
-              <a:rPr lang="en-GB" baseline="0" dirty="0" smtClean="0"/>
-              <a:t>Using L1 and L2 regularization we can avoid over-fitting problem. This algorithm can give results as a probability of each occurrences.</a:t>
-            </a:r>
-          </a:p>
-          <a:p>
-            <a:endParaRPr lang="en-GB" baseline="0" dirty="0" smtClean="0"/>
-          </a:p>
-          <a:p>
-            <a:r>
-              <a:rPr lang="en-GB" baseline="0" dirty="0" smtClean="0"/>
-              <a:t>The main reason for using Random Forest is that this algorithm estimates the important features in the dataset to calculate classification and also calculates the probability.</a:t>
-            </a:r>
-          </a:p>
-          <a:p>
-            <a:endParaRPr lang="en-GB" baseline="0" dirty="0" smtClean="0"/>
-          </a:p>
-          <a:p>
-            <a:r>
-              <a:rPr lang="en-GB" baseline="0" dirty="0" smtClean="0"/>
-              <a:t>For Support Vector Machine we used non-linear Kernel algorithm called </a:t>
-            </a:r>
-            <a:r>
-              <a:rPr lang="en-GB" baseline="0" dirty="0" err="1" smtClean="0"/>
-              <a:t>RBF</a:t>
-            </a:r>
-            <a:endParaRPr lang="en-GB" baseline="0" dirty="0" smtClean="0"/>
-          </a:p>
-          <a:p>
-            <a:endParaRPr lang="en-GB" baseline="0" dirty="0" smtClean="0"/>
-          </a:p>
-          <a:p>
-            <a:r>
-              <a:rPr lang="en-GB" baseline="0" dirty="0" smtClean="0"/>
-              <a:t>Decision-Tree does not need features that are linear and are capable of managing categorical data.</a:t>
-            </a:r>
-          </a:p>
-          <a:p>
-            <a:r>
-              <a:rPr lang="en-GB" dirty="0" smtClean="0"/>
-              <a:t> </a:t>
-            </a:r>
+            <a:pPr marL="0" indent="0">
+              <a:buNone/>
+            </a:pPr>
             <a:endParaRPr lang="en-GB" dirty="0"/>
           </a:p>
         </p:txBody>
@@ -1245,7 +1251,7 @@
     </p:spTree>
     <p:extLst>
       <p:ext uri="{BB962C8B-B14F-4D97-AF65-F5344CB8AC3E}">
-        <p14:creationId xmlns:p14="http://schemas.microsoft.com/office/powerpoint/2010/main" val="2209151391"/>
+        <p14:creationId xmlns:p14="http://schemas.microsoft.com/office/powerpoint/2010/main" val="879974509"/>
       </p:ext>
     </p:extLst>
   </p:cSld>
@@ -1301,11 +1307,7 @@
           <a:p>
             <a:r>
               <a:rPr lang="en-GB" dirty="0" smtClean="0"/>
-              <a:t>The best results we have received is from Random Forest,</a:t>
-            </a:r>
-            <a:r>
-              <a:rPr lang="en-GB" baseline="0" dirty="0" smtClean="0"/>
-              <a:t> then Decision-Tree and so on.</a:t>
+              <a:t> </a:t>
             </a:r>
             <a:endParaRPr lang="en-GB" dirty="0"/>
           </a:p>
@@ -1337,7 +1339,7 @@
     </p:spTree>
     <p:extLst>
       <p:ext uri="{BB962C8B-B14F-4D97-AF65-F5344CB8AC3E}">
-        <p14:creationId xmlns:p14="http://schemas.microsoft.com/office/powerpoint/2010/main" val="446436855"/>
+        <p14:creationId xmlns:p14="http://schemas.microsoft.com/office/powerpoint/2010/main" val="2209151391"/>
       </p:ext>
     </p:extLst>
   </p:cSld>
@@ -1391,14 +1393,6 @@
           <a:bodyPr/>
           <a:lstStyle/>
           <a:p>
-            <a:r>
-              <a:rPr lang="en-GB" dirty="0" smtClean="0"/>
-              <a:t>As mentioned earlier that this project was for how</a:t>
-            </a:r>
-            <a:r>
-              <a:rPr lang="en-GB" baseline="0" dirty="0" smtClean="0"/>
-              <a:t> best we perform feature reengineering.</a:t>
-            </a:r>
             <a:endParaRPr lang="en-GB" dirty="0"/>
           </a:p>
         </p:txBody>
@@ -1421,6 +1415,90 @@
             <a:fld id="{DD801837-D9B4-4140-8B18-11EA6BF1B100}" type="slidenum">
               <a:rPr lang="en-GB" smtClean="0"/>
               <a:t>8</a:t>
+            </a:fld>
+            <a:endParaRPr lang="en-GB"/>
+          </a:p>
+        </p:txBody>
+      </p:sp>
+    </p:spTree>
+    <p:extLst>
+      <p:ext uri="{BB962C8B-B14F-4D97-AF65-F5344CB8AC3E}">
+        <p14:creationId xmlns:p14="http://schemas.microsoft.com/office/powerpoint/2010/main" val="446436855"/>
+      </p:ext>
+    </p:extLst>
+  </p:cSld>
+  <p:clrMapOvr>
+    <a:masterClrMapping/>
+  </p:clrMapOvr>
+</p:notes>
+</file>
+
+<file path=ppt/notesSlides/notesSlide9.xml><?xml version="1.0" encoding="utf-8"?>
+<p:notes xmlns:a="http://schemas.openxmlformats.org/drawingml/2006/main" xmlns:r="http://schemas.openxmlformats.org/officeDocument/2006/relationships" xmlns:p="http://schemas.openxmlformats.org/presentationml/2006/main">
+  <p:cSld>
+    <p:spTree>
+      <p:nvGrpSpPr>
+        <p:cNvPr id="1" name=""/>
+        <p:cNvGrpSpPr/>
+        <p:nvPr/>
+      </p:nvGrpSpPr>
+      <p:grpSpPr>
+        <a:xfrm>
+          <a:off x="0" y="0"/>
+          <a:ext cx="0" cy="0"/>
+          <a:chOff x="0" y="0"/>
+          <a:chExt cx="0" cy="0"/>
+        </a:xfrm>
+      </p:grpSpPr>
+      <p:sp>
+        <p:nvSpPr>
+          <p:cNvPr id="2" name="Slide Image Placeholder 1"/>
+          <p:cNvSpPr>
+            <a:spLocks noGrp="1" noRot="1" noChangeAspect="1"/>
+          </p:cNvSpPr>
+          <p:nvPr>
+            <p:ph type="sldImg"/>
+          </p:nvPr>
+        </p:nvSpPr>
+        <p:spPr/>
+      </p:sp>
+      <p:sp>
+        <p:nvSpPr>
+          <p:cNvPr id="3" name="Notes Placeholder 2"/>
+          <p:cNvSpPr>
+            <a:spLocks noGrp="1"/>
+          </p:cNvSpPr>
+          <p:nvPr>
+            <p:ph type="body" idx="1"/>
+          </p:nvPr>
+        </p:nvSpPr>
+        <p:spPr/>
+        <p:txBody>
+          <a:bodyPr/>
+          <a:lstStyle/>
+          <a:p>
+            <a:endParaRPr lang="en-GB" dirty="0"/>
+          </a:p>
+        </p:txBody>
+      </p:sp>
+      <p:sp>
+        <p:nvSpPr>
+          <p:cNvPr id="4" name="Slide Number Placeholder 3"/>
+          <p:cNvSpPr>
+            <a:spLocks noGrp="1"/>
+          </p:cNvSpPr>
+          <p:nvPr>
+            <p:ph type="sldNum" sz="quarter" idx="10"/>
+          </p:nvPr>
+        </p:nvSpPr>
+        <p:spPr/>
+        <p:txBody>
+          <a:bodyPr/>
+          <a:lstStyle/>
+          <a:p>
+            <a:fld id="{DD801837-D9B4-4140-8B18-11EA6BF1B100}" type="slidenum">
+              <a:rPr lang="en-GB" smtClean="0"/>
+              <a:t>9</a:t>
             </a:fld>
             <a:endParaRPr lang="en-GB"/>
           </a:p>
@@ -1652,7 +1730,7 @@
           <a:p>
             <a:fld id="{BDDAFA7A-6445-4002-8C74-4055B96B083F}" type="datetimeFigureOut">
               <a:rPr lang="en-US" smtClean="0"/>
-              <a:t>5/4/2016</a:t>
+              <a:t>5/5/2016</a:t>
             </a:fld>
             <a:endParaRPr lang="en-US"/>
           </a:p>
@@ -1943,7 +2021,7 @@
           <a:p>
             <a:fld id="{BDDAFA7A-6445-4002-8C74-4055B96B083F}" type="datetimeFigureOut">
               <a:rPr lang="en-US" smtClean="0"/>
-              <a:t>5/4/2016</a:t>
+              <a:t>5/5/2016</a:t>
             </a:fld>
             <a:endParaRPr lang="en-US"/>
           </a:p>
@@ -2202,7 +2280,7 @@
           <a:p>
             <a:fld id="{BDDAFA7A-6445-4002-8C74-4055B96B083F}" type="datetimeFigureOut">
               <a:rPr lang="en-US" smtClean="0"/>
-              <a:t>5/4/2016</a:t>
+              <a:t>5/5/2016</a:t>
             </a:fld>
             <a:endParaRPr lang="en-US"/>
           </a:p>
@@ -2671,7 +2749,7 @@
           <a:p>
             <a:fld id="{BDDAFA7A-6445-4002-8C74-4055B96B083F}" type="datetimeFigureOut">
               <a:rPr lang="en-US" smtClean="0"/>
-              <a:t>5/4/2016</a:t>
+              <a:t>5/5/2016</a:t>
             </a:fld>
             <a:endParaRPr lang="en-US"/>
           </a:p>
@@ -2851,7 +2929,7 @@
           <a:p>
             <a:fld id="{BDDAFA7A-6445-4002-8C74-4055B96B083F}" type="datetimeFigureOut">
               <a:rPr lang="en-US" smtClean="0"/>
-              <a:t>5/4/2016</a:t>
+              <a:t>5/5/2016</a:t>
             </a:fld>
             <a:endParaRPr lang="en-US"/>
           </a:p>
@@ -3427,7 +3505,7 @@
           <a:p>
             <a:fld id="{BDDAFA7A-6445-4002-8C74-4055B96B083F}" type="datetimeFigureOut">
               <a:rPr lang="en-US" smtClean="0"/>
-              <a:t>5/4/2016</a:t>
+              <a:t>5/5/2016</a:t>
             </a:fld>
             <a:endParaRPr lang="en-US"/>
           </a:p>
@@ -3759,7 +3837,7 @@
           <a:p>
             <a:fld id="{BDDAFA7A-6445-4002-8C74-4055B96B083F}" type="datetimeFigureOut">
               <a:rPr lang="en-US" smtClean="0"/>
-              <a:t>5/4/2016</a:t>
+              <a:t>5/5/2016</a:t>
             </a:fld>
             <a:endParaRPr lang="en-US"/>
           </a:p>
@@ -3934,7 +4012,7 @@
           <a:p>
             <a:fld id="{BDDAFA7A-6445-4002-8C74-4055B96B083F}" type="datetimeFigureOut">
               <a:rPr lang="en-US" smtClean="0"/>
-              <a:t>5/4/2016</a:t>
+              <a:t>5/5/2016</a:t>
             </a:fld>
             <a:endParaRPr lang="en-US"/>
           </a:p>
@@ -4114,7 +4192,7 @@
           <a:p>
             <a:fld id="{BDDAFA7A-6445-4002-8C74-4055B96B083F}" type="datetimeFigureOut">
               <a:rPr lang="en-US" smtClean="0"/>
-              <a:t>5/4/2016</a:t>
+              <a:t>5/5/2016</a:t>
             </a:fld>
             <a:endParaRPr lang="en-US"/>
           </a:p>
@@ -4294,7 +4372,7 @@
           <a:p>
             <a:fld id="{BDDAFA7A-6445-4002-8C74-4055B96B083F}" type="datetimeFigureOut">
               <a:rPr lang="en-US" smtClean="0"/>
-              <a:t>5/4/2016</a:t>
+              <a:t>5/5/2016</a:t>
             </a:fld>
             <a:endParaRPr lang="en-US"/>
           </a:p>
@@ -4558,7 +4636,7 @@
           <a:p>
             <a:fld id="{BDDAFA7A-6445-4002-8C74-4055B96B083F}" type="datetimeFigureOut">
               <a:rPr lang="en-US" smtClean="0"/>
-              <a:t>5/4/2016</a:t>
+              <a:t>5/5/2016</a:t>
             </a:fld>
             <a:endParaRPr lang="en-US"/>
           </a:p>
@@ -4857,7 +4935,7 @@
           <a:p>
             <a:fld id="{BDDAFA7A-6445-4002-8C74-4055B96B083F}" type="datetimeFigureOut">
               <a:rPr lang="en-US" smtClean="0"/>
-              <a:t>5/4/2016</a:t>
+              <a:t>5/5/2016</a:t>
             </a:fld>
             <a:endParaRPr lang="en-US"/>
           </a:p>
@@ -5294,7 +5372,7 @@
           <a:p>
             <a:fld id="{BDDAFA7A-6445-4002-8C74-4055B96B083F}" type="datetimeFigureOut">
               <a:rPr lang="en-US" smtClean="0"/>
-              <a:t>5/4/2016</a:t>
+              <a:t>5/5/2016</a:t>
             </a:fld>
             <a:endParaRPr lang="en-US"/>
           </a:p>
@@ -5419,7 +5497,7 @@
           <a:p>
             <a:fld id="{BDDAFA7A-6445-4002-8C74-4055B96B083F}" type="datetimeFigureOut">
               <a:rPr lang="en-US" smtClean="0"/>
-              <a:t>5/4/2016</a:t>
+              <a:t>5/5/2016</a:t>
             </a:fld>
             <a:endParaRPr lang="en-US"/>
           </a:p>
@@ -5521,7 +5599,7 @@
           <a:p>
             <a:fld id="{BDDAFA7A-6445-4002-8C74-4055B96B083F}" type="datetimeFigureOut">
               <a:rPr lang="en-US" smtClean="0"/>
-              <a:t>5/4/2016</a:t>
+              <a:t>5/5/2016</a:t>
             </a:fld>
             <a:endParaRPr lang="en-US"/>
           </a:p>
@@ -5811,7 +5889,7 @@
           <a:p>
             <a:fld id="{BDDAFA7A-6445-4002-8C74-4055B96B083F}" type="datetimeFigureOut">
               <a:rPr lang="en-US" smtClean="0"/>
-              <a:t>5/4/2016</a:t>
+              <a:t>5/5/2016</a:t>
             </a:fld>
             <a:endParaRPr lang="en-US"/>
           </a:p>
@@ -6109,7 +6187,7 @@
           <a:p>
             <a:fld id="{BDDAFA7A-6445-4002-8C74-4055B96B083F}" type="datetimeFigureOut">
               <a:rPr lang="en-US" smtClean="0"/>
-              <a:t>5/4/2016</a:t>
+              <a:t>5/5/2016</a:t>
             </a:fld>
             <a:endParaRPr lang="en-US"/>
           </a:p>
@@ -6347,7 +6425,7 @@
           <a:p>
             <a:fld id="{BDDAFA7A-6445-4002-8C74-4055B96B083F}" type="datetimeFigureOut">
               <a:rPr lang="en-US" smtClean="0"/>
-              <a:t>5/4/2016</a:t>
+              <a:t>5/5/2016</a:t>
             </a:fld>
             <a:endParaRPr lang="en-US"/>
           </a:p>
@@ -7479,8 +7557,32 @@
                   <a:schemeClr val="bg1"/>
                 </a:solidFill>
               </a:rPr>
-              <a:t>Data Pre-processing</a:t>
-            </a:r>
+              <a:t>Data </a:t>
+            </a:r>
+            <a:r>
+              <a:rPr lang="en-US" sz="2000" dirty="0" smtClean="0">
+                <a:solidFill>
+                  <a:schemeClr val="bg1"/>
+                </a:solidFill>
+              </a:rPr>
+              <a:t>Pre-processing</a:t>
+            </a:r>
+          </a:p>
+          <a:p>
+            <a:pPr lvl="1"/>
+            <a:r>
+              <a:rPr lang="en-US" sz="2000" dirty="0" smtClean="0">
+                <a:solidFill>
+                  <a:schemeClr val="bg1"/>
+                </a:solidFill>
+              </a:rPr>
+              <a:t>Feature Engineering</a:t>
+            </a:r>
+            <a:endParaRPr lang="en-US" sz="2000" dirty="0" smtClean="0">
+              <a:solidFill>
+                <a:schemeClr val="bg1"/>
+              </a:solidFill>
+            </a:endParaRPr>
           </a:p>
           <a:p>
             <a:pPr lvl="1"/>
@@ -7620,6 +7722,13 @@
           <a:bodyPr/>
           <a:lstStyle/>
           <a:p>
+            <a:endParaRPr lang="en-US" sz="3200" dirty="0" smtClean="0">
+              <a:solidFill>
+                <a:schemeClr val="bg1"/>
+              </a:solidFill>
+            </a:endParaRPr>
+          </a:p>
+          <a:p>
             <a:r>
               <a:rPr lang="en-US" sz="3200" dirty="0" smtClean="0">
                 <a:solidFill>
@@ -7637,7 +7746,7 @@
                   <a:schemeClr val="bg1"/>
                 </a:solidFill>
               </a:rPr>
-              <a:t>Two-Class Classification Problem</a:t>
+              <a:t>Supervised Learning Problem</a:t>
             </a:r>
           </a:p>
           <a:p>
@@ -7658,7 +7767,7 @@
                   <a:schemeClr val="bg1"/>
                 </a:solidFill>
               </a:rPr>
-              <a:t>Predict a Probability of Classifying a claim</a:t>
+              <a:t>Predict the relevance of Search Results.</a:t>
             </a:r>
           </a:p>
           <a:p>
@@ -7768,7 +7877,11 @@
           </a:bodyPr>
           <a:lstStyle/>
           <a:p>
-            <a:endParaRPr lang="en-GB" sz="3600" dirty="0" smtClean="0"/>
+            <a:endParaRPr lang="en-GB" sz="3600" dirty="0" smtClean="0">
+              <a:solidFill>
+                <a:schemeClr val="bg1"/>
+              </a:solidFill>
+            </a:endParaRPr>
           </a:p>
           <a:p>
             <a:r>
@@ -7777,7 +7890,7 @@
                   <a:schemeClr val="bg1"/>
                 </a:solidFill>
               </a:rPr>
-              <a:t>Numerical and Categorical Data</a:t>
+              <a:t>Search Queries</a:t>
             </a:r>
           </a:p>
           <a:p>
@@ -7787,7 +7900,7 @@
                   <a:schemeClr val="bg1"/>
                 </a:solidFill>
               </a:rPr>
-              <a:t>Missing Values</a:t>
+              <a:t>Search Results</a:t>
             </a:r>
           </a:p>
           <a:p>
@@ -7797,8 +7910,18 @@
                   <a:schemeClr val="bg1"/>
                 </a:solidFill>
               </a:rPr>
-              <a:t>Anonymous features</a:t>
-            </a:r>
+              <a:t>Scores</a:t>
+            </a:r>
+          </a:p>
+          <a:p>
+            <a:pPr marL="0" indent="0">
+              <a:buNone/>
+            </a:pPr>
+            <a:endParaRPr lang="en-GB" sz="3600" dirty="0">
+              <a:solidFill>
+                <a:schemeClr val="bg1"/>
+              </a:solidFill>
+            </a:endParaRPr>
           </a:p>
         </p:txBody>
       </p:sp>
@@ -7897,86 +8020,66 @@
           </a:xfrm>
         </p:spPr>
         <p:txBody>
-          <a:bodyPr/>
+          <a:bodyPr>
+            <a:normAutofit/>
+          </a:bodyPr>
           <a:lstStyle/>
           <a:p>
-            <a:r>
-              <a:rPr lang="en-US" sz="2800" dirty="0" smtClean="0">
-                <a:solidFill>
-                  <a:schemeClr val="bg1"/>
-                </a:solidFill>
-              </a:rPr>
-              <a:t>Transformation of Categorical to Numerical values</a:t>
-            </a:r>
-          </a:p>
-          <a:p>
-            <a:pPr lvl="1"/>
-            <a:r>
-              <a:rPr lang="en-US" sz="2600" dirty="0" smtClean="0">
-                <a:solidFill>
-                  <a:schemeClr val="bg1"/>
-                </a:solidFill>
-              </a:rPr>
-              <a:t>One-Hot-Encoder</a:t>
-            </a:r>
-          </a:p>
-          <a:p>
-            <a:pPr lvl="1"/>
-            <a:r>
-              <a:rPr lang="en-US" sz="2600" dirty="0" smtClean="0">
-                <a:solidFill>
-                  <a:schemeClr val="bg1"/>
-                </a:solidFill>
-              </a:rPr>
-              <a:t>Conditional Probability</a:t>
-            </a:r>
-          </a:p>
-          <a:p>
-            <a:r>
-              <a:rPr lang="en-US" sz="2800" dirty="0" smtClean="0">
-                <a:solidFill>
-                  <a:schemeClr val="bg1"/>
-                </a:solidFill>
-              </a:rPr>
-              <a:t>Missing Values</a:t>
-            </a:r>
-          </a:p>
-          <a:p>
-            <a:pPr lvl="1"/>
-            <a:r>
-              <a:rPr lang="en-US" sz="2600" dirty="0" smtClean="0">
-                <a:solidFill>
-                  <a:schemeClr val="bg1"/>
-                </a:solidFill>
-              </a:rPr>
-              <a:t>Non-Negative Matrix Factorization</a:t>
-            </a:r>
-          </a:p>
-          <a:p>
-            <a:pPr lvl="1"/>
-            <a:r>
-              <a:rPr lang="en-US" sz="2600" dirty="0" smtClean="0">
-                <a:solidFill>
-                  <a:schemeClr val="bg1"/>
-                </a:solidFill>
-              </a:rPr>
-              <a:t>Calculating Median</a:t>
-            </a:r>
-          </a:p>
-          <a:p>
-            <a:r>
-              <a:rPr lang="en-US" sz="2800" dirty="0" smtClean="0">
-                <a:solidFill>
-                  <a:schemeClr val="bg1"/>
-                </a:solidFill>
-              </a:rPr>
-              <a:t>Standardization</a:t>
-            </a:r>
-            <a:endParaRPr lang="en-US" sz="2600" dirty="0" smtClean="0">
+            <a:endParaRPr lang="en-US" sz="2800" dirty="0" smtClean="0">
               <a:solidFill>
                 <a:schemeClr val="bg1"/>
               </a:solidFill>
             </a:endParaRPr>
+          </a:p>
+          <a:p>
+            <a:r>
+              <a:rPr lang="en-US" sz="2800" dirty="0" smtClean="0">
+                <a:solidFill>
+                  <a:schemeClr val="bg1"/>
+                </a:solidFill>
+              </a:rPr>
+              <a:t>Special Character</a:t>
+            </a:r>
+          </a:p>
+          <a:p>
+            <a:r>
+              <a:rPr lang="en-US" sz="2800" dirty="0" smtClean="0">
+                <a:solidFill>
+                  <a:schemeClr val="bg1"/>
+                </a:solidFill>
+              </a:rPr>
+              <a:t>Punctuation Errors</a:t>
+            </a:r>
+          </a:p>
+          <a:p>
+            <a:r>
+              <a:rPr lang="en-US" sz="2800" dirty="0" smtClean="0">
+                <a:solidFill>
+                  <a:schemeClr val="bg1"/>
+                </a:solidFill>
+              </a:rPr>
+              <a:t>Unit of Measurement Error</a:t>
+            </a:r>
+          </a:p>
+          <a:p>
+            <a:r>
+              <a:rPr lang="en-US" sz="2800" dirty="0" smtClean="0">
+                <a:solidFill>
+                  <a:schemeClr val="bg1"/>
+                </a:solidFill>
+              </a:rPr>
+              <a:t>Typing Errors</a:t>
+            </a:r>
+          </a:p>
+          <a:p>
+            <a:r>
+              <a:rPr lang="en-US" sz="2800" dirty="0" smtClean="0">
+                <a:solidFill>
+                  <a:schemeClr val="bg1"/>
+                </a:solidFill>
+              </a:rPr>
+              <a:t>Tokenizing/Stemming and Stopwords</a:t>
+            </a:r>
           </a:p>
           <a:p>
             <a:endParaRPr lang="en-US" dirty="0"/>
@@ -8058,7 +8161,7 @@
                   <a:schemeClr val="bg1"/>
                 </a:solidFill>
               </a:rPr>
-              <a:t>Data Modelling ALGORITHMS</a:t>
+              <a:t>Feature Engineering</a:t>
             </a:r>
             <a:endParaRPr lang="en-US" sz="3600" b="1" dirty="0">
               <a:solidFill>
@@ -8078,66 +8181,117 @@
             <p:ph idx="1"/>
           </p:nvPr>
         </p:nvSpPr>
-        <p:spPr/>
+        <p:spPr>
+          <a:xfrm>
+            <a:off x="1141412" y="1626209"/>
+            <a:ext cx="9310603" cy="4164992"/>
+          </a:xfrm>
+        </p:spPr>
         <p:txBody>
           <a:bodyPr>
-            <a:normAutofit/>
+            <a:normAutofit lnSpcReduction="10000"/>
           </a:bodyPr>
           <a:lstStyle/>
           <a:p>
-            <a:endParaRPr lang="en-US" sz="3200" dirty="0" smtClean="0"/>
-          </a:p>
-          <a:p>
-            <a:r>
-              <a:rPr lang="en-US" sz="3200" dirty="0" smtClean="0">
+            <a:r>
+              <a:rPr lang="en-US" sz="3600" dirty="0" smtClean="0">
                 <a:solidFill>
                   <a:schemeClr val="bg1"/>
                 </a:solidFill>
               </a:rPr>
-              <a:t>Logistic Regression</a:t>
-            </a:r>
-          </a:p>
-          <a:p>
-            <a:r>
-              <a:rPr lang="en-US" sz="3200" dirty="0" smtClean="0">
+              <a:t>Common word Ratios</a:t>
+            </a:r>
+          </a:p>
+          <a:p>
+            <a:r>
+              <a:rPr lang="en-US" sz="3600" dirty="0" err="1" smtClean="0">
                 <a:solidFill>
                   <a:schemeClr val="bg1"/>
                 </a:solidFill>
               </a:rPr>
-              <a:t>Random Forest</a:t>
-            </a:r>
-          </a:p>
-          <a:p>
-            <a:r>
-              <a:rPr lang="en-US" sz="3200" dirty="0" smtClean="0">
+              <a:t>TF-IDF</a:t>
+            </a:r>
+            <a:endParaRPr lang="en-US" sz="3600" dirty="0" smtClean="0">
+              <a:solidFill>
+                <a:schemeClr val="bg1"/>
+              </a:solidFill>
+            </a:endParaRPr>
+          </a:p>
+          <a:p>
+            <a:r>
+              <a:rPr lang="en-US" sz="3600" dirty="0" err="1" smtClean="0">
                 <a:solidFill>
                   <a:schemeClr val="bg1"/>
                 </a:solidFill>
               </a:rPr>
-              <a:t>Support Vector Machine</a:t>
-            </a:r>
-          </a:p>
-          <a:p>
-            <a:r>
-              <a:rPr lang="en-US" sz="3200" dirty="0" smtClean="0">
+              <a:t>LSA</a:t>
+            </a:r>
+            <a:r>
+              <a:rPr lang="en-US" sz="3600" dirty="0" smtClean="0">
                 <a:solidFill>
                   <a:schemeClr val="bg1"/>
                 </a:solidFill>
               </a:rPr>
-              <a:t>Decision-Tree</a:t>
-            </a:r>
+              <a:t> with </a:t>
+            </a:r>
+            <a:r>
+              <a:rPr lang="en-US" sz="3600" dirty="0" err="1" smtClean="0">
+                <a:solidFill>
+                  <a:schemeClr val="bg1"/>
+                </a:solidFill>
+              </a:rPr>
+              <a:t>SVD</a:t>
+            </a:r>
+            <a:endParaRPr lang="en-US" sz="3600" dirty="0" smtClean="0">
+              <a:solidFill>
+                <a:schemeClr val="bg1"/>
+              </a:solidFill>
+            </a:endParaRPr>
+          </a:p>
+          <a:p>
+            <a:r>
+              <a:rPr lang="en-US" sz="3600" dirty="0" smtClean="0">
+                <a:solidFill>
+                  <a:schemeClr val="bg1"/>
+                </a:solidFill>
+              </a:rPr>
+              <a:t>Analyzing the Search Query</a:t>
+            </a:r>
+          </a:p>
+          <a:p>
+            <a:r>
+              <a:rPr lang="en-US" sz="3600" dirty="0" smtClean="0">
+                <a:solidFill>
+                  <a:schemeClr val="bg1"/>
+                </a:solidFill>
+              </a:rPr>
+              <a:t>Exploring the Brands</a:t>
+            </a:r>
+          </a:p>
+          <a:p>
+            <a:r>
+              <a:rPr lang="en-US" sz="3600" dirty="0" smtClean="0">
+                <a:solidFill>
+                  <a:schemeClr val="bg1"/>
+                </a:solidFill>
+              </a:rPr>
+              <a:t>Simple word counts as features</a:t>
+            </a:r>
+          </a:p>
+          <a:p>
+            <a:endParaRPr lang="en-US" dirty="0"/>
           </a:p>
         </p:txBody>
       </p:sp>
     </p:spTree>
     <p:extLst>
       <p:ext uri="{BB962C8B-B14F-4D97-AF65-F5344CB8AC3E}">
-        <p14:creationId xmlns:p14="http://schemas.microsoft.com/office/powerpoint/2010/main" val="203187620"/>
+        <p14:creationId xmlns:p14="http://schemas.microsoft.com/office/powerpoint/2010/main" val="4019694722"/>
       </p:ext>
     </p:extLst>
   </p:cSld>
   <p:clrMapOvr>
-    <a:masterClrMapping/>
+    <a:overrideClrMapping bg1="dk1" tx1="lt1" bg2="dk2" tx2="lt2" accent1="accent1" accent2="accent2" accent3="accent3" accent4="accent4" accent5="accent5" accent6="accent6" hlink="hlink" folHlink="folHlink"/>
   </p:clrMapOvr>
   <p:timing>
     <p:tnLst>
@@ -8204,6 +8358,155 @@
                   <a:schemeClr val="bg1"/>
                 </a:solidFill>
               </a:rPr>
+              <a:t>Data Modelling ALGORITHMS</a:t>
+            </a:r>
+            <a:endParaRPr lang="en-US" sz="3600" b="1" dirty="0">
+              <a:solidFill>
+                <a:schemeClr val="bg1"/>
+              </a:solidFill>
+            </a:endParaRPr>
+          </a:p>
+        </p:txBody>
+      </p:sp>
+      <p:sp>
+        <p:nvSpPr>
+          <p:cNvPr id="3" name="Content Placeholder 2"/>
+          <p:cNvSpPr>
+            <a:spLocks noGrp="1"/>
+          </p:cNvSpPr>
+          <p:nvPr>
+            <p:ph idx="1"/>
+          </p:nvPr>
+        </p:nvSpPr>
+        <p:spPr/>
+        <p:txBody>
+          <a:bodyPr>
+            <a:normAutofit/>
+          </a:bodyPr>
+          <a:lstStyle/>
+          <a:p>
+            <a:endParaRPr lang="en-US" sz="3200" dirty="0" smtClean="0"/>
+          </a:p>
+          <a:p>
+            <a:r>
+              <a:rPr lang="en-US" sz="3600" dirty="0" smtClean="0">
+                <a:solidFill>
+                  <a:schemeClr val="bg1"/>
+                </a:solidFill>
+              </a:rPr>
+              <a:t>Linear Regression</a:t>
+            </a:r>
+          </a:p>
+          <a:p>
+            <a:r>
+              <a:rPr lang="en-US" sz="3600" dirty="0" smtClean="0">
+                <a:solidFill>
+                  <a:schemeClr val="bg1"/>
+                </a:solidFill>
+              </a:rPr>
+              <a:t>Support Vector Machines</a:t>
+            </a:r>
+          </a:p>
+          <a:p>
+            <a:r>
+              <a:rPr lang="en-US" sz="3600" dirty="0" smtClean="0">
+                <a:solidFill>
+                  <a:schemeClr val="bg1"/>
+                </a:solidFill>
+              </a:rPr>
+              <a:t>Random Forest </a:t>
+            </a:r>
+            <a:r>
+              <a:rPr lang="en-US" sz="3600" dirty="0" err="1" smtClean="0">
+                <a:solidFill>
+                  <a:schemeClr val="bg1"/>
+                </a:solidFill>
+              </a:rPr>
+              <a:t>Regressor</a:t>
+            </a:r>
+            <a:endParaRPr lang="en-US" sz="3600" dirty="0" smtClean="0">
+              <a:solidFill>
+                <a:schemeClr val="bg1"/>
+              </a:solidFill>
+            </a:endParaRPr>
+          </a:p>
+        </p:txBody>
+      </p:sp>
+    </p:spTree>
+    <p:extLst>
+      <p:ext uri="{BB962C8B-B14F-4D97-AF65-F5344CB8AC3E}">
+        <p14:creationId xmlns:p14="http://schemas.microsoft.com/office/powerpoint/2010/main" val="203187620"/>
+      </p:ext>
+    </p:extLst>
+  </p:cSld>
+  <p:clrMapOvr>
+    <a:masterClrMapping/>
+  </p:clrMapOvr>
+  <p:timing>
+    <p:tnLst>
+      <p:par>
+        <p:cTn id="1" dur="indefinite" restart="never" nodeType="tmRoot"/>
+      </p:par>
+    </p:tnLst>
+  </p:timing>
+</p:sld>
+</file>
+
+<file path=ppt/slides/slide8.xml><?xml version="1.0" encoding="utf-8"?>
+<p:sld xmlns:a="http://schemas.openxmlformats.org/drawingml/2006/main" xmlns:r="http://schemas.openxmlformats.org/officeDocument/2006/relationships" xmlns:p="http://schemas.openxmlformats.org/presentationml/2006/main">
+  <p:cSld>
+    <p:bg>
+      <p:bgPr>
+        <a:pattFill prst="pct50">
+          <a:fgClr>
+            <a:schemeClr val="tx1"/>
+          </a:fgClr>
+          <a:bgClr>
+            <a:schemeClr val="tx1">
+              <a:lumMod val="95000"/>
+            </a:schemeClr>
+          </a:bgClr>
+        </a:pattFill>
+        <a:effectLst/>
+      </p:bgPr>
+    </p:bg>
+    <p:spTree>
+      <p:nvGrpSpPr>
+        <p:cNvPr id="1" name=""/>
+        <p:cNvGrpSpPr/>
+        <p:nvPr/>
+      </p:nvGrpSpPr>
+      <p:grpSpPr>
+        <a:xfrm>
+          <a:off x="0" y="0"/>
+          <a:ext cx="0" cy="0"/>
+          <a:chOff x="0" y="0"/>
+          <a:chExt cx="0" cy="0"/>
+        </a:xfrm>
+      </p:grpSpPr>
+      <p:sp>
+        <p:nvSpPr>
+          <p:cNvPr id="2" name="Title 1"/>
+          <p:cNvSpPr>
+            <a:spLocks noGrp="1"/>
+          </p:cNvSpPr>
+          <p:nvPr>
+            <p:ph type="title"/>
+          </p:nvPr>
+        </p:nvSpPr>
+        <p:spPr/>
+        <p:txBody>
+          <a:bodyPr>
+            <a:normAutofit/>
+          </a:bodyPr>
+          <a:lstStyle/>
+          <a:p>
+            <a:r>
+              <a:rPr lang="en-US" sz="3600" b="1" dirty="0" smtClean="0">
+                <a:solidFill>
+                  <a:schemeClr val="bg1"/>
+                </a:solidFill>
+              </a:rPr>
               <a:t>Analytics results</a:t>
             </a:r>
             <a:endParaRPr lang="en-US" sz="3600" b="1" dirty="0">
@@ -8224,14 +8527,14 @@
             <p:ph idx="1"/>
             <p:extLst>
               <p:ext uri="{D42A27DB-BD31-4B8C-83A1-F6EECF244321}">
-                <p14:modId xmlns:p14="http://schemas.microsoft.com/office/powerpoint/2010/main" val="1881911449"/>
+                <p14:modId xmlns:p14="http://schemas.microsoft.com/office/powerpoint/2010/main" val="1204239002"/>
               </p:ext>
             </p:extLst>
           </p:nvPr>
         </p:nvGraphicFramePr>
         <p:xfrm>
           <a:off x="725214" y="1608083"/>
-          <a:ext cx="10736317" cy="3704897"/>
+          <a:ext cx="10736317" cy="2951359"/>
         </p:xfrm>
         <a:graphic>
           <a:graphicData uri="http://schemas.openxmlformats.org/drawingml/2006/table">
@@ -8365,15 +8668,22 @@
                     <a:p>
                       <a:pPr algn="l" fontAlgn="b"/>
                       <a:r>
-                        <a:rPr lang="en-GB" sz="3200" b="0" i="0" u="none" strike="noStrike">
+                        <a:rPr lang="en-GB" sz="3200" b="0" i="0" u="none" strike="noStrike" dirty="0" smtClean="0">
                           <a:solidFill>
                             <a:schemeClr val="bg1"/>
                           </a:solidFill>
                           <a:effectLst/>
                           <a:latin typeface="Calibri" panose="020F0502020204030204" pitchFamily="34" charset="0"/>
                         </a:rPr>
-                        <a:t>Random Forest</a:t>
+                        <a:t>Linear Regression</a:t>
                       </a:r>
+                      <a:endParaRPr lang="en-GB" sz="3200" b="0" i="0" u="none" strike="noStrike" dirty="0">
+                        <a:solidFill>
+                          <a:schemeClr val="bg1"/>
+                        </a:solidFill>
+                        <a:effectLst/>
+                        <a:latin typeface="Calibri" panose="020F0502020204030204" pitchFamily="34" charset="0"/>
+                      </a:endParaRPr>
                     </a:p>
                   </a:txBody>
                   <a:tcPr marL="7620" marR="7620" marT="7620" marB="0" anchor="b">
@@ -8422,15 +8732,22 @@
                     <a:p>
                       <a:pPr algn="ctr" fontAlgn="b"/>
                       <a:r>
-                        <a:rPr lang="en-GB" sz="3200" b="0" i="0" u="none" strike="noStrike" dirty="0">
+                        <a:rPr lang="en-GB" sz="3200" b="0" i="0" u="none" strike="noStrike" dirty="0" smtClean="0">
                           <a:solidFill>
                             <a:schemeClr val="bg1"/>
                           </a:solidFill>
                           <a:effectLst/>
                           <a:latin typeface="Calibri" panose="020F0502020204030204" pitchFamily="34" charset="0"/>
                         </a:rPr>
-                        <a:t>0.49881</a:t>
+                        <a:t>0.48765</a:t>
                       </a:r>
+                      <a:endParaRPr lang="en-GB" sz="3200" b="0" i="0" u="none" strike="noStrike" dirty="0">
+                        <a:solidFill>
+                          <a:schemeClr val="bg1"/>
+                        </a:solidFill>
+                        <a:effectLst/>
+                        <a:latin typeface="Calibri" panose="020F0502020204030204" pitchFamily="34" charset="0"/>
+                      </a:endParaRPr>
                     </a:p>
                   </a:txBody>
                   <a:tcPr marL="7620" marR="7620" marT="7620" marB="0" anchor="b">
@@ -8481,15 +8798,32 @@
                     <a:p>
                       <a:pPr algn="l" fontAlgn="b"/>
                       <a:r>
-                        <a:rPr lang="en-GB" sz="3200" b="0" i="0" u="none" strike="noStrike" dirty="0">
+                        <a:rPr lang="en-GB" sz="3200" b="0" i="0" u="none" strike="noStrike" dirty="0" smtClean="0">
                           <a:solidFill>
                             <a:schemeClr val="bg1"/>
                           </a:solidFill>
                           <a:effectLst/>
                           <a:latin typeface="Calibri" panose="020F0502020204030204" pitchFamily="34" charset="0"/>
                         </a:rPr>
-                        <a:t>Decision-Tree</a:t>
+                        <a:t>Random Forest </a:t>
                       </a:r>
+                      <a:r>
+                        <a:rPr lang="en-GB" sz="3200" b="0" i="0" u="none" strike="noStrike" dirty="0" err="1" smtClean="0">
+                          <a:solidFill>
+                            <a:schemeClr val="bg1"/>
+                          </a:solidFill>
+                          <a:effectLst/>
+                          <a:latin typeface="Calibri" panose="020F0502020204030204" pitchFamily="34" charset="0"/>
+                        </a:rPr>
+                        <a:t>Regressor</a:t>
+                      </a:r>
+                      <a:endParaRPr lang="en-GB" sz="3200" b="0" i="0" u="none" strike="noStrike" dirty="0">
+                        <a:solidFill>
+                          <a:schemeClr val="bg1"/>
+                        </a:solidFill>
+                        <a:effectLst/>
+                        <a:latin typeface="Calibri" panose="020F0502020204030204" pitchFamily="34" charset="0"/>
+                      </a:endParaRPr>
                     </a:p>
                   </a:txBody>
                   <a:tcPr marL="7620" marR="7620" marT="7620" marB="0" anchor="b">
@@ -8538,15 +8872,22 @@
                     <a:p>
                       <a:pPr algn="ctr" fontAlgn="b"/>
                       <a:r>
-                        <a:rPr lang="en-GB" sz="3200" b="0" i="0" u="none" strike="noStrike" dirty="0">
+                        <a:rPr lang="en-GB" sz="3200" b="0" i="0" u="none" strike="noStrike" dirty="0" smtClean="0">
                           <a:solidFill>
                             <a:schemeClr val="bg1"/>
                           </a:solidFill>
                           <a:effectLst/>
                           <a:latin typeface="Calibri" panose="020F0502020204030204" pitchFamily="34" charset="0"/>
                         </a:rPr>
-                        <a:t>0.53094</a:t>
+                        <a:t>0.48815</a:t>
                       </a:r>
+                      <a:endParaRPr lang="en-GB" sz="3200" b="0" i="0" u="none" strike="noStrike" dirty="0">
+                        <a:solidFill>
+                          <a:schemeClr val="bg1"/>
+                        </a:solidFill>
+                        <a:effectLst/>
+                        <a:latin typeface="Calibri" panose="020F0502020204030204" pitchFamily="34" charset="0"/>
+                      </a:endParaRPr>
                     </a:p>
                   </a:txBody>
                   <a:tcPr marL="7620" marR="7620" marT="7620" marB="0" anchor="b">
@@ -8654,15 +8995,22 @@
                     <a:p>
                       <a:pPr algn="ctr" fontAlgn="b"/>
                       <a:r>
-                        <a:rPr lang="en-GB" sz="3200" b="0" i="0" u="none" strike="noStrike" dirty="0">
+                        <a:rPr lang="en-GB" sz="3200" b="0" i="0" u="none" strike="noStrike" dirty="0" smtClean="0">
                           <a:solidFill>
                             <a:schemeClr val="bg1"/>
                           </a:solidFill>
                           <a:effectLst/>
                           <a:latin typeface="Calibri" panose="020F0502020204030204" pitchFamily="34" charset="0"/>
                         </a:rPr>
-                        <a:t>0.55214</a:t>
+                        <a:t>0.49091</a:t>
                       </a:r>
+                      <a:endParaRPr lang="en-GB" sz="3200" b="0" i="0" u="none" strike="noStrike" dirty="0">
+                        <a:solidFill>
+                          <a:schemeClr val="bg1"/>
+                        </a:solidFill>
+                        <a:effectLst/>
+                        <a:latin typeface="Calibri" panose="020F0502020204030204" pitchFamily="34" charset="0"/>
+                      </a:endParaRPr>
                     </a:p>
                   </a:txBody>
                   <a:tcPr marL="7620" marR="7620" marT="7620" marB="0" anchor="b">
@@ -8705,122 +9053,6 @@
                   </a:tcPr>
                 </a:tc>
               </a:tr>
-              <a:tr h="753538">
-                <a:tc>
-                  <a:txBody>
-                    <a:bodyPr/>
-                    <a:lstStyle/>
-                    <a:p>
-                      <a:pPr algn="l" fontAlgn="b"/>
-                      <a:r>
-                        <a:rPr lang="en-GB" sz="3200" b="0" i="0" u="none" strike="noStrike">
-                          <a:solidFill>
-                            <a:schemeClr val="bg1"/>
-                          </a:solidFill>
-                          <a:effectLst/>
-                          <a:latin typeface="Calibri" panose="020F0502020204030204" pitchFamily="34" charset="0"/>
-                        </a:rPr>
-                        <a:t>Logistic Regression</a:t>
-                      </a:r>
-                    </a:p>
-                  </a:txBody>
-                  <a:tcPr marL="7620" marR="7620" marT="7620" marB="0" anchor="b">
-                    <a:lnL w="12700" cap="flat" cmpd="sng" algn="ctr">
-                      <a:solidFill>
-                        <a:srgbClr val="000000"/>
-                      </a:solidFill>
-                      <a:prstDash val="solid"/>
-                      <a:round/>
-                      <a:headEnd type="none" w="med" len="med"/>
-                      <a:tailEnd type="none" w="med" len="med"/>
-                    </a:lnL>
-                    <a:lnR w="6350" cap="flat" cmpd="sng" algn="ctr">
-                      <a:solidFill>
-                        <a:srgbClr val="000000"/>
-                      </a:solidFill>
-                      <a:prstDash val="solid"/>
-                      <a:round/>
-                      <a:headEnd type="none" w="med" len="med"/>
-                      <a:tailEnd type="none" w="med" len="med"/>
-                    </a:lnR>
-                    <a:lnT w="6350" cap="flat" cmpd="sng" algn="ctr">
-                      <a:solidFill>
-                        <a:srgbClr val="000000"/>
-                      </a:solidFill>
-                      <a:prstDash val="solid"/>
-                      <a:round/>
-                      <a:headEnd type="none" w="med" len="med"/>
-                      <a:tailEnd type="none" w="med" len="med"/>
-                    </a:lnT>
-                    <a:lnB w="12700" cap="flat" cmpd="sng" algn="ctr">
-                      <a:solidFill>
-                        <a:srgbClr val="000000"/>
-                      </a:solidFill>
-                      <a:prstDash val="solid"/>
-                      <a:round/>
-                      <a:headEnd type="none" w="med" len="med"/>
-                      <a:tailEnd type="none" w="med" len="med"/>
-                    </a:lnB>
-                  </a:tcPr>
-                </a:tc>
-                <a:tc>
-                  <a:txBody>
-                    <a:bodyPr/>
-                    <a:lstStyle/>
-                    <a:p>
-                      <a:pPr algn="ctr" fontAlgn="b"/>
-                      <a:r>
-                        <a:rPr lang="en-GB" sz="3200" b="0" i="0" u="none" strike="noStrike" dirty="0">
-                          <a:solidFill>
-                            <a:schemeClr val="bg1"/>
-                          </a:solidFill>
-                          <a:effectLst/>
-                          <a:latin typeface="Calibri" panose="020F0502020204030204" pitchFamily="34" charset="0"/>
-                        </a:rPr>
-                        <a:t>0.56916</a:t>
-                      </a:r>
-                    </a:p>
-                  </a:txBody>
-                  <a:tcPr marL="7620" marR="7620" marT="7620" marB="0" anchor="b">
-                    <a:lnL w="6350" cap="flat" cmpd="sng" algn="ctr">
-                      <a:solidFill>
-                        <a:srgbClr val="000000"/>
-                      </a:solidFill>
-                      <a:prstDash val="solid"/>
-                      <a:round/>
-                      <a:headEnd type="none" w="med" len="med"/>
-                      <a:tailEnd type="none" w="med" len="med"/>
-                    </a:lnL>
-                    <a:lnR w="12700" cap="flat" cmpd="sng" algn="ctr">
-                      <a:solidFill>
-                        <a:srgbClr val="000000"/>
-                      </a:solidFill>
-                      <a:prstDash val="solid"/>
-                      <a:round/>
-                      <a:headEnd type="none" w="med" len="med"/>
-                      <a:tailEnd type="none" w="med" len="med"/>
-                    </a:lnR>
-                    <a:lnT w="6350" cap="flat" cmpd="sng" algn="ctr">
-                      <a:solidFill>
-                        <a:srgbClr val="000000"/>
-                      </a:solidFill>
-                      <a:prstDash val="solid"/>
-                      <a:round/>
-                      <a:headEnd type="none" w="med" len="med"/>
-                      <a:tailEnd type="none" w="med" len="med"/>
-                    </a:lnT>
-                    <a:lnB w="12700" cap="flat" cmpd="sng" algn="ctr">
-                      <a:solidFill>
-                        <a:srgbClr val="000000"/>
-                      </a:solidFill>
-                      <a:prstDash val="solid"/>
-                      <a:round/>
-                      <a:headEnd type="none" w="med" len="med"/>
-                      <a:tailEnd type="none" w="med" len="med"/>
-                    </a:lnB>
-                  </a:tcPr>
-                </a:tc>
-              </a:tr>
             </a:tbl>
           </a:graphicData>
         </a:graphic>
@@ -8845,7 +9077,7 @@
 </p:sld>
 </file>
 
-<file path=ppt/slides/slide8.xml><?xml version="1.0" encoding="utf-8"?>
+<file path=ppt/slides/slide9.xml><?xml version="1.0" encoding="utf-8"?>
 <p:sld xmlns:a="http://schemas.openxmlformats.org/drawingml/2006/main" xmlns:r="http://schemas.openxmlformats.org/officeDocument/2006/relationships" xmlns:p="http://schemas.openxmlformats.org/presentationml/2006/main">
   <p:cSld>
     <p:bg>
@@ -8927,14 +9159,51 @@
           </a:bodyPr>
           <a:lstStyle/>
           <a:p>
+            <a:endParaRPr lang="en-US" sz="2800" dirty="0" smtClean="0">
+              <a:solidFill>
+                <a:schemeClr val="bg1"/>
+              </a:solidFill>
+            </a:endParaRPr>
+          </a:p>
+          <a:p>
             <a:r>
               <a:rPr lang="en-US" sz="2800" dirty="0" smtClean="0">
                 <a:solidFill>
                   <a:schemeClr val="bg1"/>
                 </a:solidFill>
               </a:rPr>
-              <a:t>Feature Engineering</a:t>
-            </a:r>
+              <a:t>As the dataset was noisy, our model was prone to </a:t>
+            </a:r>
+            <a:r>
+              <a:rPr lang="en-US" sz="2800" dirty="0" err="1" smtClean="0">
+                <a:solidFill>
+                  <a:schemeClr val="bg1"/>
+                </a:solidFill>
+              </a:rPr>
+              <a:t>overfit</a:t>
+            </a:r>
+            <a:endParaRPr lang="en-US" sz="2800" dirty="0" smtClean="0">
+              <a:solidFill>
+                <a:schemeClr val="bg1"/>
+              </a:solidFill>
+            </a:endParaRPr>
+          </a:p>
+          <a:p>
+            <a:r>
+              <a:rPr lang="en-US" sz="2800" dirty="0" smtClean="0">
+                <a:solidFill>
+                  <a:schemeClr val="bg1"/>
+                </a:solidFill>
+              </a:rPr>
+              <a:t>Pre-processing and Feature Extraction was the key</a:t>
+            </a:r>
+          </a:p>
+          <a:p>
+            <a:endParaRPr lang="en-US" sz="2800" dirty="0" smtClean="0">
+              <a:solidFill>
+                <a:schemeClr val="bg1"/>
+              </a:solidFill>
+            </a:endParaRPr>
           </a:p>
           <a:p>
             <a:endParaRPr lang="en-US" sz="2800" dirty="0"/>
@@ -9476,4 +9745,47 @@
     </a:ext>
   </a:extLst>
 </a:theme>
+</file>
+
+<file path=ppt/theme/themeOverride1.xml><?xml version="1.0" encoding="utf-8"?>
+<a:themeOverride xmlns:a="http://schemas.openxmlformats.org/drawingml/2006/main">
+  <a:clrScheme name="Mesh">
+    <a:dk1>
+      <a:sysClr val="windowText" lastClr="000000"/>
+    </a:dk1>
+    <a:lt1>
+      <a:sysClr val="window" lastClr="FFFFFF"/>
+    </a:lt1>
+    <a:dk2>
+      <a:srgbClr val="363D46"/>
+    </a:dk2>
+    <a:lt2>
+      <a:srgbClr val="EBEBEB"/>
+    </a:lt2>
+    <a:accent1>
+      <a:srgbClr val="6F6F6F"/>
+    </a:accent1>
+    <a:accent2>
+      <a:srgbClr val="BFBFA5"/>
+    </a:accent2>
+    <a:accent3>
+      <a:srgbClr val="DCD084"/>
+    </a:accent3>
+    <a:accent4>
+      <a:srgbClr val="E7BF5F"/>
+    </a:accent4>
+    <a:accent5>
+      <a:srgbClr val="E9A039"/>
+    </a:accent5>
+    <a:accent6>
+      <a:srgbClr val="CF7133"/>
+    </a:accent6>
+    <a:hlink>
+      <a:srgbClr val="F28943"/>
+    </a:hlink>
+    <a:folHlink>
+      <a:srgbClr val="F1B76C"/>
+    </a:folHlink>
+  </a:clrScheme>
+</a:themeOverride>
 </file>
--- a/Presentation.pptx
+++ b/Presentation.pptx
@@ -205,7 +205,7 @@
           <a:p>
             <a:fld id="{0B5FF9F3-B8F7-44D8-B55E-59E955E4F250}" type="datetimeFigureOut">
               <a:rPr lang="en-GB" smtClean="0"/>
-              <a:t>05/05/2016</a:t>
+              <a:t>06/05/2016</a:t>
             </a:fld>
             <a:endParaRPr lang="en-GB"/>
           </a:p>
@@ -269,35 +269,35 @@
           <a:p>
             <a:pPr lvl="0"/>
             <a:r>
-              <a:rPr lang="en-US" smtClean="0"/>
+              <a:rPr lang="en-US"/>
               <a:t>Click to edit Master text styles</a:t>
             </a:r>
           </a:p>
           <a:p>
             <a:pPr lvl="1"/>
             <a:r>
-              <a:rPr lang="en-US" smtClean="0"/>
+              <a:rPr lang="en-US"/>
               <a:t>Second level</a:t>
             </a:r>
           </a:p>
           <a:p>
             <a:pPr lvl="2"/>
             <a:r>
-              <a:rPr lang="en-US" smtClean="0"/>
+              <a:rPr lang="en-US"/>
               <a:t>Third level</a:t>
             </a:r>
           </a:p>
           <a:p>
             <a:pPr lvl="3"/>
             <a:r>
-              <a:rPr lang="en-US" smtClean="0"/>
+              <a:rPr lang="en-US"/>
               <a:t>Fourth level</a:t>
             </a:r>
           </a:p>
           <a:p>
             <a:pPr lvl="4"/>
             <a:r>
-              <a:rPr lang="en-US" smtClean="0"/>
+              <a:rPr lang="en-US"/>
               <a:t>Fifth level</a:t>
             </a:r>
             <a:endParaRPr lang="en-GB"/>
@@ -518,59 +518,59 @@
           <a:lstStyle/>
           <a:p>
             <a:r>
-              <a:rPr lang="en-GB" dirty="0" smtClean="0"/>
+              <a:rPr lang="en-GB" dirty="0"/>
               <a:t>Thank you very much for providing us an opportunity</a:t>
             </a:r>
             <a:r>
-              <a:rPr lang="en-GB" baseline="0" dirty="0" smtClean="0"/>
+              <a:rPr lang="en-GB" baseline="0" dirty="0"/>
               <a:t> to work on very challenging project.</a:t>
             </a:r>
           </a:p>
           <a:p>
             <a:r>
-              <a:rPr lang="en-GB" baseline="0" dirty="0" smtClean="0"/>
+              <a:rPr lang="en-GB" baseline="0" dirty="0"/>
               <a:t>I am very grateful to Jon and Markus for providing guidance and support on this project.</a:t>
             </a:r>
           </a:p>
           <a:p>
-            <a:endParaRPr lang="en-GB" baseline="0" dirty="0" smtClean="0"/>
-          </a:p>
-          <a:p>
-            <a:r>
-              <a:rPr lang="en-GB" baseline="0" dirty="0" smtClean="0"/>
+            <a:endParaRPr lang="en-GB" baseline="0" dirty="0"/>
+          </a:p>
+          <a:p>
+            <a:r>
+              <a:rPr lang="en-GB" baseline="0" dirty="0"/>
               <a:t>Our project was to participate as team in </a:t>
             </a:r>
             <a:r>
-              <a:rPr lang="en-GB" baseline="0" dirty="0" err="1" smtClean="0"/>
+              <a:rPr lang="en-GB" baseline="0" dirty="0" err="1"/>
               <a:t>Kaggle</a:t>
             </a:r>
             <a:r>
-              <a:rPr lang="en-GB" baseline="0" dirty="0" smtClean="0"/>
+              <a:rPr lang="en-GB" baseline="0" dirty="0"/>
               <a:t> for Home Depot Product Search Relevance.</a:t>
             </a:r>
           </a:p>
           <a:p>
-            <a:endParaRPr lang="en-GB" baseline="0" dirty="0" smtClean="0"/>
-          </a:p>
-          <a:p>
-            <a:r>
-              <a:rPr lang="en-GB" baseline="0" dirty="0" smtClean="0"/>
+            <a:endParaRPr lang="en-GB" baseline="0" dirty="0"/>
+          </a:p>
+          <a:p>
+            <a:r>
+              <a:rPr lang="en-GB" baseline="0" dirty="0"/>
               <a:t>Our team “phi1337” comprises of Tony, Nick, Napoleon, </a:t>
             </a:r>
             <a:r>
-              <a:rPr lang="en-GB" baseline="0" dirty="0" err="1" smtClean="0"/>
+              <a:rPr lang="en-GB" baseline="0" dirty="0" err="1"/>
               <a:t>Adisorn</a:t>
             </a:r>
             <a:r>
-              <a:rPr lang="en-GB" baseline="0" dirty="0" smtClean="0"/>
+              <a:rPr lang="en-GB" baseline="0" dirty="0"/>
               <a:t>, </a:t>
             </a:r>
             <a:r>
-              <a:rPr lang="en-GB" baseline="0" dirty="0" err="1" smtClean="0"/>
+              <a:rPr lang="en-GB" baseline="0" dirty="0" err="1"/>
               <a:t>Emmanouil</a:t>
             </a:r>
             <a:r>
-              <a:rPr lang="en-GB" baseline="0" dirty="0" smtClean="0"/>
+              <a:rPr lang="en-GB" baseline="0" dirty="0"/>
               <a:t> and Ali.</a:t>
             </a:r>
             <a:endParaRPr lang="en-GB" dirty="0"/>
@@ -658,46 +658,46 @@
           <a:lstStyle/>
           <a:p>
             <a:r>
-              <a:rPr lang="en-GB" dirty="0" smtClean="0"/>
+              <a:rPr lang="en-GB" dirty="0"/>
               <a:t>The Agenda of today’s presentation is that.</a:t>
             </a:r>
             <a:r>
-              <a:rPr lang="en-GB" baseline="0" dirty="0" smtClean="0"/>
+              <a:rPr lang="en-GB" baseline="0" dirty="0"/>
               <a:t> </a:t>
             </a:r>
           </a:p>
           <a:p>
-            <a:endParaRPr lang="en-GB" baseline="0" dirty="0" smtClean="0"/>
-          </a:p>
-          <a:p>
-            <a:r>
-              <a:rPr lang="en-GB" baseline="0" dirty="0" smtClean="0"/>
+            <a:endParaRPr lang="en-GB" baseline="0" dirty="0"/>
+          </a:p>
+          <a:p>
+            <a:r>
+              <a:rPr lang="en-GB" baseline="0" dirty="0"/>
               <a:t>Firstly </a:t>
             </a:r>
             <a:r>
-              <a:rPr lang="en-GB" dirty="0" smtClean="0"/>
+              <a:rPr lang="en-GB" dirty="0"/>
               <a:t>we will briefly present</a:t>
             </a:r>
             <a:r>
-              <a:rPr lang="en-GB" baseline="0" dirty="0" smtClean="0"/>
+              <a:rPr lang="en-GB" baseline="0" dirty="0"/>
               <a:t> the project background and Dataset provided. </a:t>
             </a:r>
           </a:p>
           <a:p>
-            <a:endParaRPr lang="en-GB" baseline="0" dirty="0" smtClean="0"/>
-          </a:p>
-          <a:p>
-            <a:r>
-              <a:rPr lang="en-GB" baseline="0" dirty="0" smtClean="0"/>
+            <a:endParaRPr lang="en-GB" baseline="0" dirty="0"/>
+          </a:p>
+          <a:p>
+            <a:r>
+              <a:rPr lang="en-GB" baseline="0" dirty="0"/>
               <a:t>In the second section, we will present the Data Processing techniques used with various algorithms and results.</a:t>
             </a:r>
           </a:p>
           <a:p>
-            <a:endParaRPr lang="en-GB" baseline="0" dirty="0" smtClean="0"/>
-          </a:p>
-          <a:p>
-            <a:r>
-              <a:rPr lang="en-GB" baseline="0" dirty="0" smtClean="0"/>
+            <a:endParaRPr lang="en-GB" baseline="0" dirty="0"/>
+          </a:p>
+          <a:p>
+            <a:r>
+              <a:rPr lang="en-GB" baseline="0" dirty="0"/>
               <a:t>In the end we will present the conclusion and provide opportunity of any questions.</a:t>
             </a:r>
             <a:endParaRPr lang="en-GB" dirty="0"/>
@@ -785,35 +785,35 @@
           <a:lstStyle/>
           <a:p>
             <a:r>
-              <a:rPr lang="en-GB" dirty="0" smtClean="0"/>
+              <a:rPr lang="en-GB" dirty="0"/>
               <a:t>As</a:t>
             </a:r>
             <a:r>
-              <a:rPr lang="en-GB" baseline="0" dirty="0" smtClean="0"/>
+              <a:rPr lang="en-GB" baseline="0" dirty="0"/>
               <a:t> you may know that online retailers are working very hard to maximize the sales by providing the right product at the right time of purchase. </a:t>
             </a:r>
           </a:p>
           <a:p>
-            <a:endParaRPr lang="en-GB" baseline="0" dirty="0" smtClean="0"/>
-          </a:p>
-          <a:p>
-            <a:r>
-              <a:rPr lang="en-GB" baseline="0" dirty="0" smtClean="0"/>
+            <a:endParaRPr lang="en-GB" baseline="0" dirty="0"/>
+          </a:p>
+          <a:p>
+            <a:r>
+              <a:rPr lang="en-GB" baseline="0" dirty="0"/>
               <a:t>This project is predict the relevance of search results based on search queries. </a:t>
             </a:r>
           </a:p>
           <a:p>
             <a:r>
-              <a:rPr lang="en-GB" baseline="0" dirty="0" smtClean="0"/>
+              <a:rPr lang="en-GB" baseline="0" dirty="0"/>
               <a:t>The prediction and relevance has commercial importance as displaying right product means that there is high chance of product purchase.</a:t>
             </a:r>
           </a:p>
           <a:p>
-            <a:endParaRPr lang="en-GB" baseline="0" dirty="0" smtClean="0"/>
-          </a:p>
-          <a:p>
-            <a:r>
-              <a:rPr lang="en-GB" baseline="0" dirty="0" smtClean="0"/>
+            <a:endParaRPr lang="en-GB" baseline="0" dirty="0"/>
+          </a:p>
+          <a:p>
+            <a:r>
+              <a:rPr lang="en-GB" baseline="0" dirty="0"/>
               <a:t>This is Supervised Learning Problem and we have successfully implemented as per the expectation of the competition.</a:t>
             </a:r>
           </a:p>
@@ -900,23 +900,23 @@
           <a:lstStyle/>
           <a:p>
             <a:r>
-              <a:rPr lang="en-GB" dirty="0" smtClean="0"/>
+              <a:rPr lang="en-GB" dirty="0"/>
               <a:t>- The training set consists</a:t>
             </a:r>
             <a:r>
-              <a:rPr lang="en-GB" baseline="0" dirty="0" smtClean="0"/>
+              <a:rPr lang="en-GB" baseline="0" dirty="0"/>
               <a:t> of Search Queries, Search Results and Scores depicting the relevance of the search results. </a:t>
             </a:r>
           </a:p>
           <a:p>
             <a:r>
-              <a:rPr lang="en-GB" baseline="0" dirty="0" smtClean="0"/>
+              <a:rPr lang="en-GB" baseline="0" dirty="0"/>
               <a:t>- The test set consists of same Search Queries and Search Results and the expectation was to predict relevance score for each query.</a:t>
             </a:r>
           </a:p>
           <a:p>
             <a:r>
-              <a:rPr lang="en-GB" baseline="0" dirty="0" smtClean="0"/>
+              <a:rPr lang="en-GB" baseline="0" dirty="0"/>
               <a:t>- The Search Queries provided was fairly noisy containing special characters, punctuation errors, different ways of writing Unit of Measurements, Typing Errors.</a:t>
             </a:r>
           </a:p>
@@ -926,7 +926,7 @@
               <a:buNone/>
             </a:pPr>
             <a:r>
-              <a:rPr lang="en-GB" baseline="0" dirty="0" smtClean="0"/>
+              <a:rPr lang="en-GB" baseline="0" dirty="0"/>
               <a:t>- The Search Results are the results based on the QUALITY of Search Query.</a:t>
             </a:r>
           </a:p>
@@ -936,7 +936,7 @@
               <a:buNone/>
             </a:pPr>
             <a:r>
-              <a:rPr lang="en-GB" baseline="0" dirty="0" smtClean="0"/>
+              <a:rPr lang="en-GB" baseline="0" dirty="0"/>
               <a:t>- The Scores is the average of three human rates who rated the relevance of search results.</a:t>
             </a:r>
           </a:p>
@@ -1029,33 +1029,33 @@
               <a:buNone/>
             </a:pPr>
             <a:r>
-              <a:rPr lang="en-GB" dirty="0" smtClean="0"/>
+              <a:rPr lang="en-GB" dirty="0"/>
               <a:t>The following</a:t>
             </a:r>
             <a:r>
-              <a:rPr lang="en-GB" baseline="0" dirty="0" smtClean="0"/>
+              <a:rPr lang="en-GB" baseline="0" dirty="0"/>
               <a:t> are the issues we have found in Search Queries, which we think have significant impact of the search relevance:</a:t>
             </a:r>
-            <a:endParaRPr lang="en-GB" dirty="0" smtClean="0"/>
+            <a:endParaRPr lang="en-GB" dirty="0"/>
           </a:p>
           <a:p>
             <a:pPr marL="228600" indent="-228600">
               <a:buAutoNum type="arabicPeriod"/>
             </a:pPr>
             <a:r>
-              <a:rPr lang="en-GB" dirty="0" smtClean="0"/>
+              <a:rPr lang="en-GB" dirty="0"/>
               <a:t>We dealt the special characters</a:t>
             </a:r>
             <a:r>
-              <a:rPr lang="en-GB" baseline="0" dirty="0" smtClean="0"/>
+              <a:rPr lang="en-GB" baseline="0" dirty="0"/>
               <a:t> by using Python built-in library called “</a:t>
             </a:r>
             <a:r>
-              <a:rPr lang="en-GB" baseline="0" dirty="0" err="1" smtClean="0"/>
+              <a:rPr lang="en-GB" baseline="0" dirty="0" err="1"/>
               <a:t>UniDecode</a:t>
             </a:r>
             <a:r>
-              <a:rPr lang="en-GB" baseline="0" dirty="0" smtClean="0"/>
+              <a:rPr lang="en-GB" baseline="0" dirty="0"/>
               <a:t>”</a:t>
             </a:r>
           </a:p>
@@ -1064,15 +1064,15 @@
               <a:buAutoNum type="arabicPeriod"/>
             </a:pPr>
             <a:r>
-              <a:rPr lang="en-GB" baseline="0" dirty="0" smtClean="0"/>
+              <a:rPr lang="en-GB" baseline="0" dirty="0"/>
               <a:t>The </a:t>
             </a:r>
             <a:r>
-              <a:rPr lang="en-GB" baseline="0" dirty="0" err="1" smtClean="0"/>
+              <a:rPr lang="en-GB" baseline="0" dirty="0" err="1"/>
               <a:t>Punction</a:t>
             </a:r>
             <a:r>
-              <a:rPr lang="en-GB" baseline="0" dirty="0" smtClean="0"/>
+              <a:rPr lang="en-GB" baseline="0" dirty="0"/>
               <a:t> Errors like extra spaces, unnecessary commas and question marks were removed.</a:t>
             </a:r>
           </a:p>
@@ -1081,15 +1081,15 @@
               <a:buAutoNum type="arabicPeriod"/>
             </a:pPr>
             <a:r>
-              <a:rPr lang="en-GB" baseline="0" dirty="0" smtClean="0"/>
+              <a:rPr lang="en-GB" baseline="0" dirty="0"/>
               <a:t>There were different ways of entering </a:t>
             </a:r>
             <a:r>
-              <a:rPr lang="en-GB" baseline="0" dirty="0" err="1" smtClean="0"/>
+              <a:rPr lang="en-GB" baseline="0" dirty="0" err="1"/>
               <a:t>UOM</a:t>
             </a:r>
             <a:r>
-              <a:rPr lang="en-GB" baseline="0" dirty="0" smtClean="0"/>
+              <a:rPr lang="en-GB" baseline="0" dirty="0"/>
               <a:t> and in order to keep it consistent, we identified and replaced various entries into one consistent Unit of Measurement.</a:t>
             </a:r>
           </a:p>
@@ -1098,7 +1098,7 @@
               <a:buAutoNum type="arabicPeriod"/>
             </a:pPr>
             <a:r>
-              <a:rPr lang="en-GB" baseline="0" dirty="0" smtClean="0"/>
+              <a:rPr lang="en-GB" baseline="0" dirty="0"/>
               <a:t>In the search queries there were lots of typing errors which we have corrected using Google Auto-Correct.</a:t>
             </a:r>
           </a:p>
@@ -1107,31 +1107,31 @@
               <a:buAutoNum type="arabicPeriod"/>
             </a:pPr>
             <a:r>
-              <a:rPr lang="en-GB" baseline="0" dirty="0" smtClean="0"/>
+              <a:rPr lang="en-GB" baseline="0" dirty="0"/>
               <a:t>We used  </a:t>
             </a:r>
             <a:r>
-              <a:rPr lang="en-GB" baseline="0" dirty="0" err="1" smtClean="0"/>
+              <a:rPr lang="en-GB" baseline="0" dirty="0" err="1"/>
               <a:t>SnowBallStemmer</a:t>
             </a:r>
             <a:r>
-              <a:rPr lang="en-GB" baseline="0" dirty="0" smtClean="0"/>
+              <a:rPr lang="en-GB" baseline="0" dirty="0"/>
               <a:t> (</a:t>
             </a:r>
             <a:r>
-              <a:rPr lang="en-GB" baseline="0" dirty="0" err="1" smtClean="0"/>
+              <a:rPr lang="en-GB" baseline="0" dirty="0" err="1"/>
               <a:t>NLTK</a:t>
             </a:r>
             <a:r>
-              <a:rPr lang="en-GB" baseline="0" dirty="0" smtClean="0"/>
+              <a:rPr lang="en-GB" baseline="0" dirty="0"/>
               <a:t>) to </a:t>
             </a:r>
             <a:r>
-              <a:rPr lang="en-GB" baseline="0" dirty="0" err="1" smtClean="0"/>
+              <a:rPr lang="en-GB" baseline="0" dirty="0" err="1"/>
               <a:t>to</a:t>
             </a:r>
             <a:r>
-              <a:rPr lang="en-GB" baseline="0" dirty="0" smtClean="0"/>
+              <a:rPr lang="en-GB" baseline="0" dirty="0"/>
               <a:t> create bag of words</a:t>
             </a:r>
             <a:endParaRPr lang="en-GB" dirty="0"/>
@@ -1218,10 +1218,309 @@
           <a:bodyPr/>
           <a:lstStyle/>
           <a:p>
-            <a:pPr marL="0" indent="0">
+            <a:pPr marL="0" indent="0" algn="just">
               <a:buNone/>
             </a:pPr>
-            <a:endParaRPr lang="en-GB" dirty="0"/>
+            <a:r>
+              <a:rPr lang="en-GB" b="1" u="none" dirty="0"/>
+              <a:t>Common</a:t>
+            </a:r>
+            <a:r>
+              <a:rPr lang="en-GB" b="1" u="none" baseline="0" dirty="0"/>
+              <a:t> words: </a:t>
+            </a:r>
+            <a:r>
+              <a:rPr lang="en-GB" u="none" baseline="0" dirty="0"/>
+              <a:t>- First, intuitive approach</a:t>
+            </a:r>
+          </a:p>
+          <a:p>
+            <a:pPr marL="0" indent="0" algn="just">
+              <a:buNone/>
+            </a:pPr>
+            <a:r>
+              <a:rPr lang="en-GB" baseline="0" dirty="0"/>
+              <a:t>	     - Common words between search and title/</a:t>
+            </a:r>
+            <a:r>
+              <a:rPr lang="en-GB" baseline="0" dirty="0" err="1"/>
+              <a:t>desc</a:t>
+            </a:r>
+            <a:r>
+              <a:rPr lang="en-GB" baseline="0" dirty="0"/>
+              <a:t>/</a:t>
+            </a:r>
+            <a:r>
+              <a:rPr lang="en-GB" baseline="0" dirty="0" err="1"/>
+              <a:t>attrs</a:t>
+            </a:r>
+            <a:r>
+              <a:rPr lang="en-GB" baseline="0" dirty="0"/>
+              <a:t> divided by the search term</a:t>
+            </a:r>
+          </a:p>
+          <a:p>
+            <a:pPr marL="0" indent="0" algn="just">
+              <a:buNone/>
+            </a:pPr>
+            <a:r>
+              <a:rPr lang="en-GB" u="sng" baseline="0" dirty="0"/>
+              <a:t>	     - Ratio: importance of a matching word is inversely proportional to the length of the query</a:t>
+            </a:r>
+          </a:p>
+          <a:p>
+            <a:pPr marL="0" indent="0" algn="just">
+              <a:buNone/>
+            </a:pPr>
+            <a:r>
+              <a:rPr lang="en-GB" b="1" u="none" baseline="0" dirty="0"/>
+              <a:t>TFIDF:</a:t>
+            </a:r>
+            <a:r>
+              <a:rPr lang="en-GB" u="none" baseline="0" dirty="0"/>
+              <a:t> 	     - Popular method, that is a basic way to get the most descriptive terms in a document.</a:t>
+            </a:r>
+          </a:p>
+          <a:p>
+            <a:pPr marL="0" indent="0" algn="just">
+              <a:buNone/>
+            </a:pPr>
+            <a:r>
+              <a:rPr lang="en-GB" u="sng" baseline="0" dirty="0"/>
+              <a:t>	     - Three more features, representing the similarity between query and title/</a:t>
+            </a:r>
+            <a:r>
+              <a:rPr lang="en-GB" u="sng" baseline="0" dirty="0" err="1"/>
+              <a:t>desc</a:t>
+            </a:r>
+            <a:r>
+              <a:rPr lang="en-GB" u="sng" baseline="0" dirty="0"/>
+              <a:t>/</a:t>
+            </a:r>
+            <a:r>
+              <a:rPr lang="en-GB" u="sng" baseline="0" dirty="0" err="1"/>
+              <a:t>attrs</a:t>
+            </a:r>
+            <a:endParaRPr lang="en-GB" u="sng" baseline="0" dirty="0"/>
+          </a:p>
+          <a:p>
+            <a:pPr marL="0" indent="0" algn="just">
+              <a:buNone/>
+            </a:pPr>
+            <a:r>
+              <a:rPr lang="en-GB" b="1" baseline="0" dirty="0"/>
+              <a:t>LSA with SVD:</a:t>
+            </a:r>
+            <a:r>
+              <a:rPr lang="en-GB" b="0" baseline="0" dirty="0"/>
+              <a:t>     </a:t>
+            </a:r>
+            <a:r>
+              <a:rPr lang="en-GB" baseline="0" dirty="0"/>
+              <a:t>- Generated vectors of word counts and then applied Truncated-SVD(aka Latent Semantic Analysis - LSA).</a:t>
+            </a:r>
+          </a:p>
+          <a:p>
+            <a:pPr marL="0" indent="0" algn="just">
+              <a:buNone/>
+            </a:pPr>
+            <a:r>
+              <a:rPr lang="en-GB" baseline="0" dirty="0"/>
+              <a:t>	     - Transforms feature matrix </a:t>
+            </a:r>
+            <a:r>
+              <a:rPr lang="en-GB" baseline="0" dirty="0">
+                <a:sym typeface="Wingdings" panose="05000000000000000000" pitchFamily="2" charset="2"/>
+              </a:rPr>
+              <a:t> “Semantic space” of lower dimensions keeping vectors with highest eigenvalues</a:t>
+            </a:r>
+          </a:p>
+          <a:p>
+            <a:pPr marL="0" indent="0" algn="just">
+              <a:buNone/>
+            </a:pPr>
+            <a:r>
+              <a:rPr lang="en-GB" u="sng" baseline="0" dirty="0">
+                <a:sym typeface="Wingdings" panose="05000000000000000000" pitchFamily="2" charset="2"/>
+              </a:rPr>
+              <a:t>	     - Captures synonymous and </a:t>
+            </a:r>
+            <a:r>
+              <a:rPr lang="en-GB" u="sng" baseline="0" dirty="0" err="1">
+                <a:sym typeface="Wingdings" panose="05000000000000000000" pitchFamily="2" charset="2"/>
+              </a:rPr>
+              <a:t>polysemous</a:t>
+            </a:r>
+            <a:r>
+              <a:rPr lang="en-GB" u="sng" baseline="0" dirty="0">
+                <a:sym typeface="Wingdings" panose="05000000000000000000" pitchFamily="2" charset="2"/>
+              </a:rPr>
+              <a:t> words  Roots of SPARSE matrix</a:t>
+            </a:r>
+          </a:p>
+          <a:p>
+            <a:pPr marL="0" indent="0" algn="just">
+              <a:buNone/>
+            </a:pPr>
+            <a:r>
+              <a:rPr lang="en-GB" b="1" baseline="0" dirty="0">
+                <a:sym typeface="Wingdings" panose="05000000000000000000" pitchFamily="2" charset="2"/>
+              </a:rPr>
+              <a:t>Search Query:</a:t>
+            </a:r>
+            <a:r>
+              <a:rPr lang="en-GB" baseline="0" dirty="0">
+                <a:sym typeface="Wingdings" panose="05000000000000000000" pitchFamily="2" charset="2"/>
+              </a:rPr>
+              <a:t>	     - Users search few words so existence of search query important</a:t>
+            </a:r>
+          </a:p>
+          <a:p>
+            <a:pPr marL="0" indent="0" algn="just">
+              <a:buNone/>
+            </a:pPr>
+            <a:r>
+              <a:rPr lang="en-GB" u="sng" baseline="0" dirty="0">
+                <a:sym typeface="Wingdings" panose="05000000000000000000" pitchFamily="2" charset="2"/>
+              </a:rPr>
+              <a:t>	     - Existence in title/</a:t>
+            </a:r>
+            <a:r>
+              <a:rPr lang="en-GB" u="sng" baseline="0" dirty="0" err="1">
+                <a:sym typeface="Wingdings" panose="05000000000000000000" pitchFamily="2" charset="2"/>
+              </a:rPr>
+              <a:t>Desc</a:t>
+            </a:r>
+            <a:r>
+              <a:rPr lang="en-GB" u="sng" baseline="0" dirty="0">
+                <a:sym typeface="Wingdings" panose="05000000000000000000" pitchFamily="2" charset="2"/>
+              </a:rPr>
+              <a:t> – Last word in title/</a:t>
+            </a:r>
+            <a:r>
+              <a:rPr lang="en-GB" u="sng" baseline="0" dirty="0" err="1">
+                <a:sym typeface="Wingdings" panose="05000000000000000000" pitchFamily="2" charset="2"/>
+              </a:rPr>
+              <a:t>Desc</a:t>
+            </a:r>
+            <a:endParaRPr lang="en-GB" u="sng" baseline="0" dirty="0">
+              <a:sym typeface="Wingdings" panose="05000000000000000000" pitchFamily="2" charset="2"/>
+            </a:endParaRPr>
+          </a:p>
+          <a:p>
+            <a:pPr marL="0" indent="0" algn="just">
+              <a:buNone/>
+            </a:pPr>
+            <a:r>
+              <a:rPr lang="en-GB" b="1" baseline="0" dirty="0">
+                <a:sym typeface="Wingdings" panose="05000000000000000000" pitchFamily="2" charset="2"/>
+              </a:rPr>
+              <a:t>Brands: 	     </a:t>
+            </a:r>
+            <a:r>
+              <a:rPr lang="en-GB" b="0" baseline="0" dirty="0">
+                <a:sym typeface="Wingdings" panose="05000000000000000000" pitchFamily="2" charset="2"/>
+              </a:rPr>
+              <a:t>- Most </a:t>
+            </a:r>
+            <a:r>
+              <a:rPr lang="en-GB" baseline="0" dirty="0">
+                <a:sym typeface="Wingdings" panose="05000000000000000000" pitchFamily="2" charset="2"/>
+              </a:rPr>
+              <a:t>common attribute (86250/86264 products)</a:t>
+            </a:r>
+          </a:p>
+          <a:p>
+            <a:pPr marL="0" indent="0" algn="just">
+              <a:buNone/>
+            </a:pPr>
+            <a:r>
+              <a:rPr lang="en-GB" baseline="0" dirty="0">
+                <a:sym typeface="Wingdings" panose="05000000000000000000" pitchFamily="2" charset="2"/>
+              </a:rPr>
+              <a:t>              	     - Distinct brand values – 4290</a:t>
+            </a:r>
+          </a:p>
+          <a:p>
+            <a:pPr marL="0" indent="0" algn="just">
+              <a:buNone/>
+            </a:pPr>
+            <a:r>
+              <a:rPr lang="en-GB" u="sng" baseline="0" dirty="0">
+                <a:sym typeface="Wingdings" panose="05000000000000000000" pitchFamily="2" charset="2"/>
+              </a:rPr>
+              <a:t>              	     - 3 Features: Word Count – Brand Ratio(Made more </a:t>
+            </a:r>
+            <a:r>
+              <a:rPr lang="en-GB" u="sng" baseline="0" dirty="0" err="1">
+                <a:sym typeface="Wingdings" panose="05000000000000000000" pitchFamily="2" charset="2"/>
+              </a:rPr>
+              <a:t>sence</a:t>
+            </a:r>
+            <a:r>
+              <a:rPr lang="en-GB" u="sng" baseline="0" dirty="0">
+                <a:sym typeface="Wingdings" panose="05000000000000000000" pitchFamily="2" charset="2"/>
+              </a:rPr>
+              <a:t> to divide by the brand) – Brand Numerical</a:t>
+            </a:r>
+          </a:p>
+          <a:p>
+            <a:pPr marL="0" indent="0" algn="just">
+              <a:buNone/>
+            </a:pPr>
+            <a:r>
+              <a:rPr lang="en-GB" b="1" baseline="0" dirty="0">
+                <a:sym typeface="Wingdings" panose="05000000000000000000" pitchFamily="2" charset="2"/>
+              </a:rPr>
+              <a:t>Extra features:</a:t>
+            </a:r>
+            <a:r>
+              <a:rPr lang="en-GB" b="0" baseline="0" dirty="0">
+                <a:sym typeface="Wingdings" panose="05000000000000000000" pitchFamily="2" charset="2"/>
+              </a:rPr>
+              <a:t>    - </a:t>
+            </a:r>
+            <a:r>
+              <a:rPr lang="en-GB" baseline="0" dirty="0">
+                <a:sym typeface="Wingdings" panose="05000000000000000000" pitchFamily="2" charset="2"/>
+              </a:rPr>
+              <a:t>Word Counts: Query, Title, </a:t>
+            </a:r>
+            <a:r>
+              <a:rPr lang="en-GB" baseline="0" dirty="0" err="1">
+                <a:sym typeface="Wingdings" panose="05000000000000000000" pitchFamily="2" charset="2"/>
+              </a:rPr>
+              <a:t>Desc</a:t>
+            </a:r>
+            <a:r>
+              <a:rPr lang="en-GB" baseline="0" dirty="0">
+                <a:sym typeface="Wingdings" panose="05000000000000000000" pitchFamily="2" charset="2"/>
+              </a:rPr>
+              <a:t>. – Common words: Search / Title, Search/</a:t>
+            </a:r>
+            <a:r>
+              <a:rPr lang="en-GB" baseline="0" dirty="0" err="1">
+                <a:sym typeface="Wingdings" panose="05000000000000000000" pitchFamily="2" charset="2"/>
+              </a:rPr>
+              <a:t>Desc</a:t>
+            </a:r>
+            <a:r>
+              <a:rPr lang="en-GB" baseline="0" dirty="0">
+                <a:sym typeface="Wingdings" panose="05000000000000000000" pitchFamily="2" charset="2"/>
+              </a:rPr>
+              <a:t> – Query Length</a:t>
+            </a:r>
+          </a:p>
+          <a:p>
+            <a:pPr marL="0" indent="0" algn="just">
+              <a:buNone/>
+            </a:pPr>
+            <a:r>
+              <a:rPr lang="en-GB" baseline="0" dirty="0">
+                <a:sym typeface="Wingdings" panose="05000000000000000000" pitchFamily="2" charset="2"/>
+              </a:rPr>
+              <a:t>	</a:t>
+            </a:r>
           </a:p>
         </p:txBody>
       </p:sp>
@@ -1306,10 +1605,9 @@
           <a:lstStyle/>
           <a:p>
             <a:r>
-              <a:rPr lang="en-GB" dirty="0" smtClean="0"/>
+              <a:rPr lang="en-GB" dirty="0"/>
               <a:t> </a:t>
             </a:r>
-            <a:endParaRPr lang="en-GB" dirty="0"/>
           </a:p>
         </p:txBody>
       </p:sp>
@@ -1576,7 +1874,7 @@
           </a:lstStyle>
           <a:p>
             <a:r>
-              <a:rPr lang="en-US" smtClean="0"/>
+              <a:rPr lang="en-US"/>
               <a:t>Click to edit Master title style</a:t>
             </a:r>
             <a:endParaRPr lang="en-US" dirty="0"/>
@@ -1706,7 +2004,7 @@
           </a:lstStyle>
           <a:p>
             <a:r>
-              <a:rPr lang="en-US" smtClean="0"/>
+              <a:rPr lang="en-US"/>
               <a:t>Click to edit Master subtitle style</a:t>
             </a:r>
             <a:endParaRPr lang="en-US" dirty="0"/>
@@ -1730,7 +2028,7 @@
           <a:p>
             <a:fld id="{BDDAFA7A-6445-4002-8C74-4055B96B083F}" type="datetimeFigureOut">
               <a:rPr lang="en-US" smtClean="0"/>
-              <a:t>5/5/2016</a:t>
+              <a:t>06-May-16</a:t>
             </a:fld>
             <a:endParaRPr lang="en-US"/>
           </a:p>
@@ -1835,7 +2133,7 @@
           </a:lstStyle>
           <a:p>
             <a:r>
-              <a:rPr lang="en-US" smtClean="0"/>
+              <a:rPr lang="en-US"/>
               <a:t>Click to edit Master title style</a:t>
             </a:r>
             <a:endParaRPr lang="en-US" dirty="0"/>
@@ -1930,7 +2228,7 @@
           </a:lstStyle>
           <a:p>
             <a:r>
-              <a:rPr lang="en-US" smtClean="0"/>
+              <a:rPr lang="en-US"/>
               <a:t>Click icon to add picture</a:t>
             </a:r>
             <a:endParaRPr lang="en-US" dirty="0"/>
@@ -1998,7 +2296,7 @@
           <a:p>
             <a:pPr lvl="0"/>
             <a:r>
-              <a:rPr lang="en-US" smtClean="0"/>
+              <a:rPr lang="en-US"/>
               <a:t>Click to edit Master text styles</a:t>
             </a:r>
           </a:p>
@@ -2021,7 +2319,7 @@
           <a:p>
             <a:fld id="{BDDAFA7A-6445-4002-8C74-4055B96B083F}" type="datetimeFigureOut">
               <a:rPr lang="en-US" smtClean="0"/>
-              <a:t>5/5/2016</a:t>
+              <a:t>06-May-16</a:t>
             </a:fld>
             <a:endParaRPr lang="en-US"/>
           </a:p>
@@ -2126,7 +2424,7 @@
           </a:lstStyle>
           <a:p>
             <a:r>
-              <a:rPr lang="en-US" smtClean="0"/>
+              <a:rPr lang="en-US"/>
               <a:t>Click to edit Master title style</a:t>
             </a:r>
             <a:endParaRPr lang="en-US" dirty="0"/>
@@ -2257,7 +2555,7 @@
           <a:p>
             <a:pPr lvl="0"/>
             <a:r>
-              <a:rPr lang="en-US" smtClean="0"/>
+              <a:rPr lang="en-US"/>
               <a:t>Click to edit Master text styles</a:t>
             </a:r>
           </a:p>
@@ -2280,7 +2578,7 @@
           <a:p>
             <a:fld id="{BDDAFA7A-6445-4002-8C74-4055B96B083F}" type="datetimeFigureOut">
               <a:rPr lang="en-US" smtClean="0"/>
-              <a:t>5/5/2016</a:t>
+              <a:t>06-May-16</a:t>
             </a:fld>
             <a:endParaRPr lang="en-US"/>
           </a:p>
@@ -2619,7 +2917,7 @@
           </a:lstStyle>
           <a:p>
             <a:r>
-              <a:rPr lang="en-US" smtClean="0"/>
+              <a:rPr lang="en-US"/>
               <a:t>Click to edit Master title style</a:t>
             </a:r>
             <a:endParaRPr lang="en-US" dirty="0"/>
@@ -2674,7 +2972,7 @@
           <a:p>
             <a:pPr lvl="0"/>
             <a:r>
-              <a:rPr lang="en-US" smtClean="0"/>
+              <a:rPr lang="en-US"/>
               <a:t>Click to edit Master text styles</a:t>
             </a:r>
           </a:p>
@@ -2726,7 +3024,7 @@
               <a:buNone/>
             </a:pPr>
             <a:r>
-              <a:rPr lang="en-US" smtClean="0"/>
+              <a:rPr lang="en-US"/>
               <a:t>Click to edit Master text styles</a:t>
             </a:r>
           </a:p>
@@ -2749,7 +3047,7 @@
           <a:p>
             <a:fld id="{BDDAFA7A-6445-4002-8C74-4055B96B083F}" type="datetimeFigureOut">
               <a:rPr lang="en-US" smtClean="0"/>
-              <a:t>5/5/2016</a:t>
+              <a:t>06-May-16</a:t>
             </a:fld>
             <a:endParaRPr lang="en-US"/>
           </a:p>
@@ -2854,7 +3152,7 @@
           </a:lstStyle>
           <a:p>
             <a:r>
-              <a:rPr lang="en-US" smtClean="0"/>
+              <a:rPr lang="en-US"/>
               <a:t>Click to edit Master title style</a:t>
             </a:r>
             <a:endParaRPr lang="en-US" dirty="0"/>
@@ -2906,7 +3204,7 @@
               <a:buNone/>
             </a:pPr>
             <a:r>
-              <a:rPr lang="en-US" smtClean="0"/>
+              <a:rPr lang="en-US"/>
               <a:t>Click to edit Master text styles</a:t>
             </a:r>
           </a:p>
@@ -2929,7 +3227,7 @@
           <a:p>
             <a:fld id="{BDDAFA7A-6445-4002-8C74-4055B96B083F}" type="datetimeFigureOut">
               <a:rPr lang="en-US" smtClean="0"/>
-              <a:t>5/5/2016</a:t>
+              <a:t>06-May-16</a:t>
             </a:fld>
             <a:endParaRPr lang="en-US"/>
           </a:p>
@@ -3279,7 +3577,7 @@
           </a:lstStyle>
           <a:p>
             <a:r>
-              <a:rPr lang="en-US" smtClean="0"/>
+              <a:rPr lang="en-US"/>
               <a:t>Click to edit Master title style</a:t>
             </a:r>
             <a:endParaRPr lang="en-US" dirty="0"/>
@@ -3352,7 +3650,7 @@
               <a:buNone/>
             </a:pPr>
             <a:r>
-              <a:rPr lang="en-US" smtClean="0"/>
+              <a:rPr lang="en-US"/>
               <a:t>Click to edit Master text styles</a:t>
             </a:r>
           </a:p>
@@ -3482,7 +3780,7 @@
           <a:p>
             <a:pPr lvl="0"/>
             <a:r>
-              <a:rPr lang="en-US" smtClean="0"/>
+              <a:rPr lang="en-US"/>
               <a:t>Click to edit Master text styles</a:t>
             </a:r>
           </a:p>
@@ -3505,7 +3803,7 @@
           <a:p>
             <a:fld id="{BDDAFA7A-6445-4002-8C74-4055B96B083F}" type="datetimeFigureOut">
               <a:rPr lang="en-US" smtClean="0"/>
-              <a:t>5/5/2016</a:t>
+              <a:t>06-May-16</a:t>
             </a:fld>
             <a:endParaRPr lang="en-US"/>
           </a:p>
@@ -3611,7 +3909,7 @@
           <a:p>
             <a:pPr marL="0" lvl="0"/>
             <a:r>
-              <a:rPr lang="en-US" smtClean="0"/>
+              <a:rPr lang="en-US"/>
               <a:t>Click to edit Master title style</a:t>
             </a:r>
             <a:endParaRPr lang="en-US" dirty="0"/>
@@ -3684,7 +3982,7 @@
               <a:buNone/>
             </a:pPr>
             <a:r>
-              <a:rPr lang="en-US" smtClean="0"/>
+              <a:rPr lang="en-US"/>
               <a:t>Click to edit Master text styles</a:t>
             </a:r>
           </a:p>
@@ -3814,7 +4112,7 @@
           <a:p>
             <a:pPr lvl="0"/>
             <a:r>
-              <a:rPr lang="en-US" smtClean="0"/>
+              <a:rPr lang="en-US"/>
               <a:t>Click to edit Master text styles</a:t>
             </a:r>
           </a:p>
@@ -3837,7 +4135,7 @@
           <a:p>
             <a:fld id="{BDDAFA7A-6445-4002-8C74-4055B96B083F}" type="datetimeFigureOut">
               <a:rPr lang="en-US" smtClean="0"/>
-              <a:t>5/5/2016</a:t>
+              <a:t>06-May-16</a:t>
             </a:fld>
             <a:endParaRPr lang="en-US"/>
           </a:p>
@@ -3936,7 +4234,7 @@
           <a:lstStyle/>
           <a:p>
             <a:r>
-              <a:rPr lang="en-US" smtClean="0"/>
+              <a:rPr lang="en-US"/>
               <a:t>Click to edit Master title style</a:t>
             </a:r>
             <a:endParaRPr lang="en-US" dirty="0"/>
@@ -3960,35 +4258,35 @@
           <a:p>
             <a:pPr lvl="0"/>
             <a:r>
-              <a:rPr lang="en-US" smtClean="0"/>
+              <a:rPr lang="en-US"/>
               <a:t>Click to edit Master text styles</a:t>
             </a:r>
           </a:p>
           <a:p>
             <a:pPr lvl="1"/>
             <a:r>
-              <a:rPr lang="en-US" smtClean="0"/>
+              <a:rPr lang="en-US"/>
               <a:t>Second level</a:t>
             </a:r>
           </a:p>
           <a:p>
             <a:pPr lvl="2"/>
             <a:r>
-              <a:rPr lang="en-US" smtClean="0"/>
+              <a:rPr lang="en-US"/>
               <a:t>Third level</a:t>
             </a:r>
           </a:p>
           <a:p>
             <a:pPr lvl="3"/>
             <a:r>
-              <a:rPr lang="en-US" smtClean="0"/>
+              <a:rPr lang="en-US"/>
               <a:t>Fourth level</a:t>
             </a:r>
           </a:p>
           <a:p>
             <a:pPr lvl="4"/>
             <a:r>
-              <a:rPr lang="en-US" smtClean="0"/>
+              <a:rPr lang="en-US"/>
               <a:t>Fifth level</a:t>
             </a:r>
             <a:endParaRPr lang="en-US" dirty="0"/>
@@ -4012,7 +4310,7 @@
           <a:p>
             <a:fld id="{BDDAFA7A-6445-4002-8C74-4055B96B083F}" type="datetimeFigureOut">
               <a:rPr lang="en-US" smtClean="0"/>
-              <a:t>5/5/2016</a:t>
+              <a:t>06-May-16</a:t>
             </a:fld>
             <a:endParaRPr lang="en-US"/>
           </a:p>
@@ -4111,7 +4409,7 @@
           <a:lstStyle/>
           <a:p>
             <a:r>
-              <a:rPr lang="en-US" smtClean="0"/>
+              <a:rPr lang="en-US"/>
               <a:t>Click to edit Master title style</a:t>
             </a:r>
             <a:endParaRPr lang="en-US" dirty="0"/>
@@ -4140,35 +4438,35 @@
           <a:p>
             <a:pPr lvl="0"/>
             <a:r>
-              <a:rPr lang="en-US" smtClean="0"/>
+              <a:rPr lang="en-US"/>
               <a:t>Click to edit Master text styles</a:t>
             </a:r>
           </a:p>
           <a:p>
             <a:pPr lvl="1"/>
             <a:r>
-              <a:rPr lang="en-US" smtClean="0"/>
+              <a:rPr lang="en-US"/>
               <a:t>Second level</a:t>
             </a:r>
           </a:p>
           <a:p>
             <a:pPr lvl="2"/>
             <a:r>
-              <a:rPr lang="en-US" smtClean="0"/>
+              <a:rPr lang="en-US"/>
               <a:t>Third level</a:t>
             </a:r>
           </a:p>
           <a:p>
             <a:pPr lvl="3"/>
             <a:r>
-              <a:rPr lang="en-US" smtClean="0"/>
+              <a:rPr lang="en-US"/>
               <a:t>Fourth level</a:t>
             </a:r>
           </a:p>
           <a:p>
             <a:pPr lvl="4"/>
             <a:r>
-              <a:rPr lang="en-US" smtClean="0"/>
+              <a:rPr lang="en-US"/>
               <a:t>Fifth level</a:t>
             </a:r>
             <a:endParaRPr lang="en-US" dirty="0"/>
@@ -4192,7 +4490,7 @@
           <a:p>
             <a:fld id="{BDDAFA7A-6445-4002-8C74-4055B96B083F}" type="datetimeFigureOut">
               <a:rPr lang="en-US" smtClean="0"/>
-              <a:t>5/5/2016</a:t>
+              <a:t>06-May-16</a:t>
             </a:fld>
             <a:endParaRPr lang="en-US"/>
           </a:p>
@@ -4291,7 +4589,7 @@
           <a:lstStyle/>
           <a:p>
             <a:r>
-              <a:rPr lang="en-US" smtClean="0"/>
+              <a:rPr lang="en-US"/>
               <a:t>Click to edit Master title style</a:t>
             </a:r>
             <a:endParaRPr lang="en-US" dirty="0"/>
@@ -4320,35 +4618,35 @@
           <a:p>
             <a:pPr lvl="0"/>
             <a:r>
-              <a:rPr lang="en-US" smtClean="0"/>
+              <a:rPr lang="en-US"/>
               <a:t>Click to edit Master text styles</a:t>
             </a:r>
           </a:p>
           <a:p>
             <a:pPr lvl="1"/>
             <a:r>
-              <a:rPr lang="en-US" smtClean="0"/>
+              <a:rPr lang="en-US"/>
               <a:t>Second level</a:t>
             </a:r>
           </a:p>
           <a:p>
             <a:pPr lvl="2"/>
             <a:r>
-              <a:rPr lang="en-US" smtClean="0"/>
+              <a:rPr lang="en-US"/>
               <a:t>Third level</a:t>
             </a:r>
           </a:p>
           <a:p>
             <a:pPr lvl="3"/>
             <a:r>
-              <a:rPr lang="en-US" smtClean="0"/>
+              <a:rPr lang="en-US"/>
               <a:t>Fourth level</a:t>
             </a:r>
           </a:p>
           <a:p>
             <a:pPr lvl="4"/>
             <a:r>
-              <a:rPr lang="en-US" smtClean="0"/>
+              <a:rPr lang="en-US"/>
               <a:t>Fifth level</a:t>
             </a:r>
             <a:endParaRPr lang="en-US" dirty="0"/>
@@ -4372,7 +4670,7 @@
           <a:p>
             <a:fld id="{BDDAFA7A-6445-4002-8C74-4055B96B083F}" type="datetimeFigureOut">
               <a:rPr lang="en-US" smtClean="0"/>
-              <a:t>5/5/2016</a:t>
+              <a:t>06-May-16</a:t>
             </a:fld>
             <a:endParaRPr lang="en-US"/>
           </a:p>
@@ -4430,13 +4728,6 @@
   <p:clrMapOvr>
     <a:masterClrMapping/>
   </p:clrMapOvr>
-  <p:timing>
-    <p:tnLst>
-      <p:par>
-        <p:cTn id="1" dur="indefinite" restart="never" nodeType="tmRoot"/>
-      </p:par>
-    </p:tnLst>
-  </p:timing>
 </p:sldLayout>
 </file>
 
@@ -4482,7 +4773,7 @@
           </a:lstStyle>
           <a:p>
             <a:r>
-              <a:rPr lang="en-US" smtClean="0"/>
+              <a:rPr lang="en-US"/>
               <a:t>Click to edit Master title style</a:t>
             </a:r>
             <a:endParaRPr lang="en-US" dirty="0"/>
@@ -4613,7 +4904,7 @@
           <a:p>
             <a:pPr lvl="0"/>
             <a:r>
-              <a:rPr lang="en-US" smtClean="0"/>
+              <a:rPr lang="en-US"/>
               <a:t>Click to edit Master text styles</a:t>
             </a:r>
           </a:p>
@@ -4636,7 +4927,7 @@
           <a:p>
             <a:fld id="{BDDAFA7A-6445-4002-8C74-4055B96B083F}" type="datetimeFigureOut">
               <a:rPr lang="en-US" smtClean="0"/>
-              <a:t>5/5/2016</a:t>
+              <a:t>06-May-16</a:t>
             </a:fld>
             <a:endParaRPr lang="en-US"/>
           </a:p>
@@ -4694,13 +4985,6 @@
   <p:clrMapOvr>
     <a:masterClrMapping/>
   </p:clrMapOvr>
-  <p:timing>
-    <p:tnLst>
-      <p:par>
-        <p:cTn id="1" dur="indefinite" restart="never" nodeType="tmRoot"/>
-      </p:par>
-    </p:tnLst>
-  </p:timing>
 </p:sldLayout>
 </file>
 
@@ -4737,7 +5021,7 @@
           <a:lstStyle/>
           <a:p>
             <a:r>
-              <a:rPr lang="en-US" smtClean="0"/>
+              <a:rPr lang="en-US"/>
               <a:t>Click to edit Master title style</a:t>
             </a:r>
             <a:endParaRPr lang="en-US" dirty="0"/>
@@ -4796,35 +5080,35 @@
           <a:p>
             <a:pPr lvl="0"/>
             <a:r>
-              <a:rPr lang="en-US" smtClean="0"/>
+              <a:rPr lang="en-US"/>
               <a:t>Click to edit Master text styles</a:t>
             </a:r>
           </a:p>
           <a:p>
             <a:pPr lvl="1"/>
             <a:r>
-              <a:rPr lang="en-US" smtClean="0"/>
+              <a:rPr lang="en-US"/>
               <a:t>Second level</a:t>
             </a:r>
           </a:p>
           <a:p>
             <a:pPr lvl="2"/>
             <a:r>
-              <a:rPr lang="en-US" smtClean="0"/>
+              <a:rPr lang="en-US"/>
               <a:t>Third level</a:t>
             </a:r>
           </a:p>
           <a:p>
             <a:pPr lvl="3"/>
             <a:r>
-              <a:rPr lang="en-US" smtClean="0"/>
+              <a:rPr lang="en-US"/>
               <a:t>Fourth level</a:t>
             </a:r>
           </a:p>
           <a:p>
             <a:pPr lvl="4"/>
             <a:r>
-              <a:rPr lang="en-US" smtClean="0"/>
+              <a:rPr lang="en-US"/>
               <a:t>Fifth level</a:t>
             </a:r>
             <a:endParaRPr lang="en-US" dirty="0"/>
@@ -4883,35 +5167,35 @@
           <a:p>
             <a:pPr lvl="0"/>
             <a:r>
-              <a:rPr lang="en-US" smtClean="0"/>
+              <a:rPr lang="en-US"/>
               <a:t>Click to edit Master text styles</a:t>
             </a:r>
           </a:p>
           <a:p>
             <a:pPr lvl="1"/>
             <a:r>
-              <a:rPr lang="en-US" smtClean="0"/>
+              <a:rPr lang="en-US"/>
               <a:t>Second level</a:t>
             </a:r>
           </a:p>
           <a:p>
             <a:pPr lvl="2"/>
             <a:r>
-              <a:rPr lang="en-US" smtClean="0"/>
+              <a:rPr lang="en-US"/>
               <a:t>Third level</a:t>
             </a:r>
           </a:p>
           <a:p>
             <a:pPr lvl="3"/>
             <a:r>
-              <a:rPr lang="en-US" smtClean="0"/>
+              <a:rPr lang="en-US"/>
               <a:t>Fourth level</a:t>
             </a:r>
           </a:p>
           <a:p>
             <a:pPr lvl="4"/>
             <a:r>
-              <a:rPr lang="en-US" smtClean="0"/>
+              <a:rPr lang="en-US"/>
               <a:t>Fifth level</a:t>
             </a:r>
             <a:endParaRPr lang="en-US" dirty="0"/>
@@ -4935,7 +5219,7 @@
           <a:p>
             <a:fld id="{BDDAFA7A-6445-4002-8C74-4055B96B083F}" type="datetimeFigureOut">
               <a:rPr lang="en-US" smtClean="0"/>
-              <a:t>5/5/2016</a:t>
+              <a:t>06-May-16</a:t>
             </a:fld>
             <a:endParaRPr lang="en-US"/>
           </a:p>
@@ -4993,13 +5277,6 @@
   <p:clrMapOvr>
     <a:masterClrMapping/>
   </p:clrMapOvr>
-  <p:timing>
-    <p:tnLst>
-      <p:par>
-        <p:cTn id="1" dur="indefinite" restart="never" nodeType="tmRoot"/>
-      </p:par>
-    </p:tnLst>
-  </p:timing>
 </p:sldLayout>
 </file>
 
@@ -5040,7 +5317,7 @@
           </a:lstStyle>
           <a:p>
             <a:r>
-              <a:rPr lang="en-US" smtClean="0"/>
+              <a:rPr lang="en-US"/>
               <a:t>Click to edit Master title style</a:t>
             </a:r>
             <a:endParaRPr lang="en-US" dirty="0"/>
@@ -5108,7 +5385,7 @@
           <a:p>
             <a:pPr lvl="0"/>
             <a:r>
-              <a:rPr lang="en-US" smtClean="0"/>
+              <a:rPr lang="en-US"/>
               <a:t>Click to edit Master text styles</a:t>
             </a:r>
           </a:p>
@@ -5166,35 +5443,35 @@
           <a:p>
             <a:pPr lvl="0"/>
             <a:r>
-              <a:rPr lang="en-US" smtClean="0"/>
+              <a:rPr lang="en-US"/>
               <a:t>Click to edit Master text styles</a:t>
             </a:r>
           </a:p>
           <a:p>
             <a:pPr lvl="1"/>
             <a:r>
-              <a:rPr lang="en-US" smtClean="0"/>
+              <a:rPr lang="en-US"/>
               <a:t>Second level</a:t>
             </a:r>
           </a:p>
           <a:p>
             <a:pPr lvl="2"/>
             <a:r>
-              <a:rPr lang="en-US" smtClean="0"/>
+              <a:rPr lang="en-US"/>
               <a:t>Third level</a:t>
             </a:r>
           </a:p>
           <a:p>
             <a:pPr lvl="3"/>
             <a:r>
-              <a:rPr lang="en-US" smtClean="0"/>
+              <a:rPr lang="en-US"/>
               <a:t>Fourth level</a:t>
             </a:r>
           </a:p>
           <a:p>
             <a:pPr lvl="4"/>
             <a:r>
-              <a:rPr lang="en-US" smtClean="0"/>
+              <a:rPr lang="en-US"/>
               <a:t>Fifth level</a:t>
             </a:r>
             <a:endParaRPr lang="en-US" dirty="0"/>
@@ -5262,7 +5539,7 @@
           <a:p>
             <a:pPr lvl="0"/>
             <a:r>
-              <a:rPr lang="en-US" smtClean="0"/>
+              <a:rPr lang="en-US"/>
               <a:t>Click to edit Master text styles</a:t>
             </a:r>
           </a:p>
@@ -5320,35 +5597,35 @@
           <a:p>
             <a:pPr lvl="0"/>
             <a:r>
-              <a:rPr lang="en-US" smtClean="0"/>
+              <a:rPr lang="en-US"/>
               <a:t>Click to edit Master text styles</a:t>
             </a:r>
           </a:p>
           <a:p>
             <a:pPr lvl="1"/>
             <a:r>
-              <a:rPr lang="en-US" smtClean="0"/>
+              <a:rPr lang="en-US"/>
               <a:t>Second level</a:t>
             </a:r>
           </a:p>
           <a:p>
             <a:pPr lvl="2"/>
             <a:r>
-              <a:rPr lang="en-US" smtClean="0"/>
+              <a:rPr lang="en-US"/>
               <a:t>Third level</a:t>
             </a:r>
           </a:p>
           <a:p>
             <a:pPr lvl="3"/>
             <a:r>
-              <a:rPr lang="en-US" smtClean="0"/>
+              <a:rPr lang="en-US"/>
               <a:t>Fourth level</a:t>
             </a:r>
           </a:p>
           <a:p>
             <a:pPr lvl="4"/>
             <a:r>
-              <a:rPr lang="en-US" smtClean="0"/>
+              <a:rPr lang="en-US"/>
               <a:t>Fifth level</a:t>
             </a:r>
             <a:endParaRPr lang="en-US" dirty="0"/>
@@ -5372,7 +5649,7 @@
           <a:p>
             <a:fld id="{BDDAFA7A-6445-4002-8C74-4055B96B083F}" type="datetimeFigureOut">
               <a:rPr lang="en-US" smtClean="0"/>
-              <a:t>5/5/2016</a:t>
+              <a:t>06-May-16</a:t>
             </a:fld>
             <a:endParaRPr lang="en-US"/>
           </a:p>
@@ -5430,13 +5707,6 @@
   <p:clrMapOvr>
     <a:masterClrMapping/>
   </p:clrMapOvr>
-  <p:timing>
-    <p:tnLst>
-      <p:par>
-        <p:cTn id="1" dur="indefinite" restart="never" nodeType="tmRoot"/>
-      </p:par>
-    </p:tnLst>
-  </p:timing>
 </p:sldLayout>
 </file>
 
@@ -5473,7 +5743,7 @@
           <a:lstStyle/>
           <a:p>
             <a:r>
-              <a:rPr lang="en-US" smtClean="0"/>
+              <a:rPr lang="en-US"/>
               <a:t>Click to edit Master title style</a:t>
             </a:r>
             <a:endParaRPr lang="en-US" dirty="0"/>
@@ -5497,7 +5767,7 @@
           <a:p>
             <a:fld id="{BDDAFA7A-6445-4002-8C74-4055B96B083F}" type="datetimeFigureOut">
               <a:rPr lang="en-US" smtClean="0"/>
-              <a:t>5/5/2016</a:t>
+              <a:t>06-May-16</a:t>
             </a:fld>
             <a:endParaRPr lang="en-US"/>
           </a:p>
@@ -5555,13 +5825,6 @@
   <p:clrMapOvr>
     <a:masterClrMapping/>
   </p:clrMapOvr>
-  <p:timing>
-    <p:tnLst>
-      <p:par>
-        <p:cTn id="1" dur="indefinite" restart="never" nodeType="tmRoot"/>
-      </p:par>
-    </p:tnLst>
-  </p:timing>
 </p:sldLayout>
 </file>
 
@@ -5599,7 +5862,7 @@
           <a:p>
             <a:fld id="{BDDAFA7A-6445-4002-8C74-4055B96B083F}" type="datetimeFigureOut">
               <a:rPr lang="en-US" smtClean="0"/>
-              <a:t>5/5/2016</a:t>
+              <a:t>06-May-16</a:t>
             </a:fld>
             <a:endParaRPr lang="en-US"/>
           </a:p>
@@ -5657,13 +5920,6 @@
   <p:clrMapOvr>
     <a:masterClrMapping/>
   </p:clrMapOvr>
-  <p:timing>
-    <p:tnLst>
-      <p:par>
-        <p:cTn id="1" dur="indefinite" restart="never" nodeType="tmRoot"/>
-      </p:par>
-    </p:tnLst>
-  </p:timing>
 </p:sldLayout>
 </file>
 
@@ -5711,7 +5967,7 @@
           </a:lstStyle>
           <a:p>
             <a:r>
-              <a:rPr lang="en-US" smtClean="0"/>
+              <a:rPr lang="en-US"/>
               <a:t>Click to edit Master title style</a:t>
             </a:r>
             <a:endParaRPr lang="en-US" dirty="0"/>
@@ -5770,35 +6026,35 @@
           <a:p>
             <a:pPr lvl="0"/>
             <a:r>
-              <a:rPr lang="en-US" smtClean="0"/>
+              <a:rPr lang="en-US"/>
               <a:t>Click to edit Master text styles</a:t>
             </a:r>
           </a:p>
           <a:p>
             <a:pPr lvl="1"/>
             <a:r>
-              <a:rPr lang="en-US" smtClean="0"/>
+              <a:rPr lang="en-US"/>
               <a:t>Second level</a:t>
             </a:r>
           </a:p>
           <a:p>
             <a:pPr lvl="2"/>
             <a:r>
-              <a:rPr lang="en-US" smtClean="0"/>
+              <a:rPr lang="en-US"/>
               <a:t>Third level</a:t>
             </a:r>
           </a:p>
           <a:p>
             <a:pPr lvl="3"/>
             <a:r>
-              <a:rPr lang="en-US" smtClean="0"/>
+              <a:rPr lang="en-US"/>
               <a:t>Fourth level</a:t>
             </a:r>
           </a:p>
           <a:p>
             <a:pPr lvl="4"/>
             <a:r>
-              <a:rPr lang="en-US" smtClean="0"/>
+              <a:rPr lang="en-US"/>
               <a:t>Fifth level</a:t>
             </a:r>
             <a:endParaRPr lang="en-US" dirty="0"/>
@@ -5866,7 +6122,7 @@
           <a:p>
             <a:pPr lvl="0"/>
             <a:r>
-              <a:rPr lang="en-US" smtClean="0"/>
+              <a:rPr lang="en-US"/>
               <a:t>Click to edit Master text styles</a:t>
             </a:r>
           </a:p>
@@ -5889,7 +6145,7 @@
           <a:p>
             <a:fld id="{BDDAFA7A-6445-4002-8C74-4055B96B083F}" type="datetimeFigureOut">
               <a:rPr lang="en-US" smtClean="0"/>
-              <a:t>5/5/2016</a:t>
+              <a:t>06-May-16</a:t>
             </a:fld>
             <a:endParaRPr lang="en-US"/>
           </a:p>
@@ -5947,13 +6203,6 @@
   <p:clrMapOvr>
     <a:masterClrMapping/>
   </p:clrMapOvr>
-  <p:timing>
-    <p:tnLst>
-      <p:par>
-        <p:cTn id="1" dur="indefinite" restart="never" nodeType="tmRoot"/>
-      </p:par>
-    </p:tnLst>
-  </p:timing>
 </p:sldLayout>
 </file>
 
@@ -6001,7 +6250,7 @@
           </a:lstStyle>
           <a:p>
             <a:r>
-              <a:rPr lang="en-US" smtClean="0"/>
+              <a:rPr lang="en-US"/>
               <a:t>Click to edit Master title style</a:t>
             </a:r>
             <a:endParaRPr lang="en-US" dirty="0"/>
@@ -6091,7 +6340,7 @@
           </a:lstStyle>
           <a:p>
             <a:r>
-              <a:rPr lang="en-US" smtClean="0"/>
+              <a:rPr lang="en-US"/>
               <a:t>Click icon to add picture</a:t>
             </a:r>
             <a:endParaRPr lang="en-US" dirty="0"/>
@@ -6159,7 +6408,7 @@
           <a:p>
             <a:pPr lvl="0"/>
             <a:r>
-              <a:rPr lang="en-US" smtClean="0"/>
+              <a:rPr lang="en-US"/>
               <a:t>Click to edit Master text styles</a:t>
             </a:r>
           </a:p>
@@ -6187,7 +6436,7 @@
           <a:p>
             <a:fld id="{BDDAFA7A-6445-4002-8C74-4055B96B083F}" type="datetimeFigureOut">
               <a:rPr lang="en-US" smtClean="0"/>
-              <a:t>5/5/2016</a:t>
+              <a:t>06-May-16</a:t>
             </a:fld>
             <a:endParaRPr lang="en-US"/>
           </a:p>
@@ -6255,13 +6504,6 @@
   <p:clrMapOvr>
     <a:masterClrMapping/>
   </p:clrMapOvr>
-  <p:timing>
-    <p:tnLst>
-      <p:par>
-        <p:cTn id="1" dur="indefinite" restart="never" nodeType="tmRoot"/>
-      </p:par>
-    </p:tnLst>
-  </p:timing>
 </p:sldLayout>
 </file>
 
@@ -6313,7 +6555,7 @@
           <a:lstStyle/>
           <a:p>
             <a:r>
-              <a:rPr lang="en-US" smtClean="0"/>
+              <a:rPr lang="en-US"/>
               <a:t>Click to edit Master title style</a:t>
             </a:r>
             <a:endParaRPr lang="en-US" dirty="0"/>
@@ -6347,35 +6589,35 @@
           <a:p>
             <a:pPr lvl="0"/>
             <a:r>
-              <a:rPr lang="en-US" smtClean="0"/>
+              <a:rPr lang="en-US"/>
               <a:t>Click to edit Master text styles</a:t>
             </a:r>
           </a:p>
           <a:p>
             <a:pPr lvl="1"/>
             <a:r>
-              <a:rPr lang="en-US" smtClean="0"/>
+              <a:rPr lang="en-US"/>
               <a:t>Second level</a:t>
             </a:r>
           </a:p>
           <a:p>
             <a:pPr lvl="2"/>
             <a:r>
-              <a:rPr lang="en-US" smtClean="0"/>
+              <a:rPr lang="en-US"/>
               <a:t>Third level</a:t>
             </a:r>
           </a:p>
           <a:p>
             <a:pPr lvl="3"/>
             <a:r>
-              <a:rPr lang="en-US" smtClean="0"/>
+              <a:rPr lang="en-US"/>
               <a:t>Fourth level</a:t>
             </a:r>
           </a:p>
           <a:p>
             <a:pPr lvl="4"/>
             <a:r>
-              <a:rPr lang="en-US" smtClean="0"/>
+              <a:rPr lang="en-US"/>
               <a:t>Fifth level</a:t>
             </a:r>
             <a:endParaRPr lang="en-US" dirty="0"/>
@@ -6425,7 +6667,7 @@
           <a:p>
             <a:fld id="{BDDAFA7A-6445-4002-8C74-4055B96B083F}" type="datetimeFigureOut">
               <a:rPr lang="en-US" smtClean="0"/>
-              <a:t>5/5/2016</a:t>
+              <a:t>06-May-16</a:t>
             </a:fld>
             <a:endParaRPr lang="en-US"/>
           </a:p>
@@ -7231,15 +7473,11 @@
           </a:bodyPr>
           <a:lstStyle/>
           <a:p>
-            <a:r>
-              <a:rPr lang="en-US" sz="6000" b="1" dirty="0" smtClean="0"/>
-              <a:t/>
-            </a:r>
             <a:br>
-              <a:rPr lang="en-US" sz="6000" b="1" dirty="0" smtClean="0"/>
+              <a:rPr lang="en-US" sz="6000" b="1" dirty="0"/>
             </a:br>
             <a:r>
-              <a:rPr lang="en-US" sz="6000" b="1" dirty="0" smtClean="0">
+              <a:rPr lang="en-US" sz="6000" b="1" dirty="0">
                 <a:solidFill>
                   <a:schemeClr val="bg1"/>
                 </a:solidFill>
@@ -7247,14 +7485,14 @@
               <a:t>Home Depot</a:t>
             </a:r>
             <a:br>
-              <a:rPr lang="en-US" sz="6000" b="1" dirty="0" smtClean="0">
+              <a:rPr lang="en-US" sz="6000" b="1" dirty="0">
                 <a:solidFill>
                   <a:schemeClr val="bg1"/>
                 </a:solidFill>
               </a:rPr>
             </a:br>
             <a:r>
-              <a:rPr lang="en-US" sz="6000" b="1" dirty="0" smtClean="0">
+              <a:rPr lang="en-US" sz="6000" b="1" dirty="0">
                 <a:solidFill>
                   <a:schemeClr val="bg1"/>
                 </a:solidFill>
@@ -7302,7 +7540,7 @@
           <a:lstStyle/>
           <a:p>
             <a:r>
-              <a:rPr lang="en-US" dirty="0" smtClean="0">
+              <a:rPr lang="en-US" dirty="0">
                 <a:solidFill>
                   <a:schemeClr val="bg1"/>
                 </a:solidFill>
@@ -7312,7 +7550,7 @@
           </a:p>
           <a:p>
             <a:r>
-              <a:rPr lang="en-US" sz="3200" b="1" dirty="0" smtClean="0">
+              <a:rPr lang="en-US" sz="3200" b="1" dirty="0">
                 <a:solidFill>
                   <a:schemeClr val="bg1"/>
                 </a:solidFill>
@@ -7322,7 +7560,7 @@
           </a:p>
           <a:p>
             <a:r>
-              <a:rPr lang="en-GB" dirty="0" err="1" smtClean="0">
+              <a:rPr lang="en-GB" dirty="0" err="1">
                 <a:solidFill>
                   <a:schemeClr val="bg1"/>
                 </a:solidFill>
@@ -7331,7 +7569,7 @@
               <a:t>Antonios</a:t>
             </a:r>
             <a:r>
-              <a:rPr lang="en-GB" dirty="0" smtClean="0">
+              <a:rPr lang="en-GB" dirty="0">
                 <a:solidFill>
                   <a:schemeClr val="bg1"/>
                 </a:solidFill>
@@ -7340,7 +7578,7 @@
               <a:t>, </a:t>
             </a:r>
             <a:r>
-              <a:rPr lang="en-GB" dirty="0" err="1" smtClean="0">
+              <a:rPr lang="en-GB" dirty="0" err="1">
                 <a:solidFill>
                   <a:schemeClr val="bg1"/>
                 </a:solidFill>
@@ -7349,7 +7587,7 @@
               <a:t>Nikolaos</a:t>
             </a:r>
             <a:r>
-              <a:rPr lang="en-GB" dirty="0" smtClean="0">
+              <a:rPr lang="en-GB" dirty="0">
                 <a:solidFill>
                   <a:schemeClr val="bg1"/>
                 </a:solidFill>
@@ -7358,7 +7596,7 @@
               <a:t>, Napoleon, </a:t>
             </a:r>
             <a:r>
-              <a:rPr lang="en-GB" dirty="0" err="1" smtClean="0">
+              <a:rPr lang="en-GB" dirty="0" err="1">
                 <a:solidFill>
                   <a:schemeClr val="bg1"/>
                 </a:solidFill>
@@ -7367,7 +7605,7 @@
               <a:t>Adisorn</a:t>
             </a:r>
             <a:r>
-              <a:rPr lang="en-GB" dirty="0" smtClean="0">
+              <a:rPr lang="en-GB" dirty="0">
                 <a:solidFill>
                   <a:schemeClr val="bg1"/>
                 </a:solidFill>
@@ -7376,7 +7614,7 @@
               <a:t>, </a:t>
             </a:r>
             <a:r>
-              <a:rPr lang="en-GB" dirty="0" err="1" smtClean="0">
+              <a:rPr lang="en-GB" dirty="0" err="1">
                 <a:solidFill>
                   <a:schemeClr val="bg1"/>
                 </a:solidFill>
@@ -7385,7 +7623,7 @@
               <a:t>Emmanouil</a:t>
             </a:r>
             <a:r>
-              <a:rPr lang="en-GB" dirty="0" smtClean="0">
+              <a:rPr lang="en-GB" dirty="0">
                 <a:solidFill>
                   <a:schemeClr val="bg1"/>
                 </a:solidFill>
@@ -7411,13 +7649,6 @@
   <p:clrMapOvr>
     <a:masterClrMapping/>
   </p:clrMapOvr>
-  <p:timing>
-    <p:tnLst>
-      <p:par>
-        <p:cTn id="1" dur="indefinite" restart="never" nodeType="tmRoot"/>
-      </p:par>
-    </p:tnLst>
-  </p:timing>
 </p:sld>
 </file>
 
@@ -7471,18 +7702,13 @@
           <a:lstStyle/>
           <a:p>
             <a:r>
-              <a:rPr lang="en-US" sz="3600" b="1" dirty="0" smtClean="0">
+              <a:rPr lang="en-US" sz="3600" b="1" dirty="0">
                 <a:solidFill>
                   <a:schemeClr val="bg1"/>
                 </a:solidFill>
               </a:rPr>
               <a:t>Agenda</a:t>
             </a:r>
-            <a:endParaRPr lang="en-US" sz="3600" b="1" dirty="0">
-              <a:solidFill>
-                <a:schemeClr val="bg1"/>
-              </a:solidFill>
-            </a:endParaRPr>
           </a:p>
         </p:txBody>
       </p:sp>
@@ -7509,7 +7735,7 @@
           <a:lstStyle/>
           <a:p>
             <a:r>
-              <a:rPr lang="en-US" dirty="0" smtClean="0">
+              <a:rPr lang="en-US" dirty="0">
                 <a:solidFill>
                   <a:schemeClr val="bg1"/>
                 </a:solidFill>
@@ -7520,7 +7746,7 @@
           <a:p>
             <a:pPr lvl="1"/>
             <a:r>
-              <a:rPr lang="en-US" sz="2000" dirty="0" smtClean="0">
+              <a:rPr lang="en-US" sz="2000" dirty="0">
                 <a:solidFill>
                   <a:schemeClr val="bg1"/>
                 </a:solidFill>
@@ -7531,7 +7757,7 @@
           <a:p>
             <a:pPr lvl="1"/>
             <a:r>
-              <a:rPr lang="en-US" sz="2000" dirty="0" smtClean="0">
+              <a:rPr lang="en-US" sz="2000" dirty="0">
                 <a:solidFill>
                   <a:schemeClr val="bg1"/>
                 </a:solidFill>
@@ -7541,7 +7767,7 @@
           </a:p>
           <a:p>
             <a:r>
-              <a:rPr lang="en-US" dirty="0" smtClean="0">
+              <a:rPr lang="en-US" dirty="0">
                 <a:solidFill>
                   <a:schemeClr val="bg1"/>
                 </a:solidFill>
@@ -7552,42 +7778,29 @@
           <a:p>
             <a:pPr lvl="1"/>
             <a:r>
-              <a:rPr lang="en-US" sz="2000" dirty="0" smtClean="0">
+              <a:rPr lang="en-US" sz="2000" dirty="0">
                 <a:solidFill>
                   <a:schemeClr val="bg1"/>
                 </a:solidFill>
               </a:rPr>
-              <a:t>Data </a:t>
-            </a:r>
-            <a:r>
-              <a:rPr lang="en-US" sz="2000" dirty="0" smtClean="0">
-                <a:solidFill>
-                  <a:schemeClr val="bg1"/>
-                </a:solidFill>
-              </a:rPr>
-              <a:t>Pre-processing</a:t>
+              <a:t>Data Pre-processing</a:t>
             </a:r>
           </a:p>
           <a:p>
             <a:pPr lvl="1"/>
             <a:r>
-              <a:rPr lang="en-US" sz="2000" dirty="0" smtClean="0">
+              <a:rPr lang="en-US" sz="2000" dirty="0">
                 <a:solidFill>
                   <a:schemeClr val="bg1"/>
                 </a:solidFill>
               </a:rPr>
               <a:t>Feature Engineering</a:t>
             </a:r>
-            <a:endParaRPr lang="en-US" sz="2000" dirty="0" smtClean="0">
-              <a:solidFill>
-                <a:schemeClr val="bg1"/>
-              </a:solidFill>
-            </a:endParaRPr>
           </a:p>
           <a:p>
             <a:pPr lvl="1"/>
             <a:r>
-              <a:rPr lang="en-US" sz="2000" dirty="0" smtClean="0">
+              <a:rPr lang="en-US" sz="2000" dirty="0">
                 <a:solidFill>
                   <a:schemeClr val="bg1"/>
                 </a:solidFill>
@@ -7598,7 +7811,7 @@
           <a:p>
             <a:pPr lvl="1"/>
             <a:r>
-              <a:rPr lang="en-US" sz="2000" dirty="0" smtClean="0">
+              <a:rPr lang="en-US" sz="2000" dirty="0">
                 <a:solidFill>
                   <a:schemeClr val="bg1"/>
                 </a:solidFill>
@@ -7608,7 +7821,7 @@
           </a:p>
           <a:p>
             <a:r>
-              <a:rPr lang="en-US" dirty="0" smtClean="0">
+              <a:rPr lang="en-US" dirty="0">
                 <a:solidFill>
                   <a:schemeClr val="bg1"/>
                 </a:solidFill>
@@ -7632,13 +7845,6 @@
   <p:clrMapOvr>
     <a:masterClrMapping/>
   </p:clrMapOvr>
-  <p:timing>
-    <p:tnLst>
-      <p:par>
-        <p:cTn id="1" dur="indefinite" restart="never" nodeType="tmRoot"/>
-      </p:par>
-    </p:tnLst>
-  </p:timing>
 </p:sld>
 </file>
 
@@ -7692,45 +7898,40 @@
           <a:lstStyle/>
           <a:p>
             <a:r>
-              <a:rPr lang="en-US" sz="3600" b="1" dirty="0" smtClean="0">
+              <a:rPr lang="en-US" sz="3600" b="1" dirty="0">
                 <a:solidFill>
                   <a:schemeClr val="bg1"/>
                 </a:solidFill>
               </a:rPr>
               <a:t>The Project</a:t>
             </a:r>
-            <a:endParaRPr lang="en-US" sz="3600" b="1" dirty="0">
+          </a:p>
+        </p:txBody>
+      </p:sp>
+      <p:sp>
+        <p:nvSpPr>
+          <p:cNvPr id="3" name="Content Placeholder 2"/>
+          <p:cNvSpPr>
+            <a:spLocks noGrp="1"/>
+          </p:cNvSpPr>
+          <p:nvPr>
+            <p:ph idx="1"/>
+          </p:nvPr>
+        </p:nvSpPr>
+        <p:spPr/>
+        <p:txBody>
+          <a:bodyPr/>
+          <a:lstStyle/>
+          <a:p>
+            <a:endParaRPr lang="en-US" sz="3200" dirty="0">
               <a:solidFill>
                 <a:schemeClr val="bg1"/>
               </a:solidFill>
             </a:endParaRPr>
           </a:p>
-        </p:txBody>
-      </p:sp>
-      <p:sp>
-        <p:nvSpPr>
-          <p:cNvPr id="3" name="Content Placeholder 2"/>
-          <p:cNvSpPr>
-            <a:spLocks noGrp="1"/>
-          </p:cNvSpPr>
-          <p:nvPr>
-            <p:ph idx="1"/>
-          </p:nvPr>
-        </p:nvSpPr>
-        <p:spPr/>
-        <p:txBody>
-          <a:bodyPr/>
-          <a:lstStyle/>
-          <a:p>
-            <a:endParaRPr lang="en-US" sz="3200" dirty="0" smtClean="0">
-              <a:solidFill>
-                <a:schemeClr val="bg1"/>
-              </a:solidFill>
-            </a:endParaRPr>
-          </a:p>
-          <a:p>
-            <a:r>
-              <a:rPr lang="en-US" sz="3200" dirty="0" smtClean="0">
+          <a:p>
+            <a:r>
+              <a:rPr lang="en-US" sz="3200" dirty="0">
                 <a:solidFill>
                   <a:schemeClr val="bg1"/>
                 </a:solidFill>
@@ -7741,7 +7942,7 @@
           <a:p>
             <a:pPr lvl="1"/>
             <a:r>
-              <a:rPr lang="en-US" sz="3000" dirty="0" smtClean="0">
+              <a:rPr lang="en-US" sz="3000" dirty="0">
                 <a:solidFill>
                   <a:schemeClr val="bg1"/>
                 </a:solidFill>
@@ -7751,7 +7952,7 @@
           </a:p>
           <a:p>
             <a:r>
-              <a:rPr lang="en-US" sz="3200" dirty="0" smtClean="0">
+              <a:rPr lang="en-US" sz="3200" dirty="0">
                 <a:solidFill>
                   <a:schemeClr val="bg1"/>
                 </a:solidFill>
@@ -7762,7 +7963,7 @@
           <a:p>
             <a:pPr lvl="1"/>
             <a:r>
-              <a:rPr lang="en-US" sz="3000" dirty="0" smtClean="0">
+              <a:rPr lang="en-US" sz="3000" dirty="0">
                 <a:solidFill>
                   <a:schemeClr val="bg1"/>
                 </a:solidFill>
@@ -7785,13 +7986,6 @@
   <p:clrMapOvr>
     <a:masterClrMapping/>
   </p:clrMapOvr>
-  <p:timing>
-    <p:tnLst>
-      <p:par>
-        <p:cTn id="1" dur="indefinite" restart="never" nodeType="tmRoot"/>
-      </p:par>
-    </p:tnLst>
-  </p:timing>
 </p:sld>
 </file>
 
@@ -7845,47 +8039,42 @@
           <a:lstStyle/>
           <a:p>
             <a:r>
-              <a:rPr lang="en-GB" sz="3600" b="1" dirty="0" smtClean="0">
+              <a:rPr lang="en-GB" sz="3600" b="1" dirty="0">
                 <a:solidFill>
                   <a:schemeClr val="bg1"/>
                 </a:solidFill>
               </a:rPr>
               <a:t>The Data</a:t>
             </a:r>
-            <a:endParaRPr lang="en-GB" sz="3600" b="1" dirty="0">
+          </a:p>
+        </p:txBody>
+      </p:sp>
+      <p:sp>
+        <p:nvSpPr>
+          <p:cNvPr id="3" name="Content Placeholder 2"/>
+          <p:cNvSpPr>
+            <a:spLocks noGrp="1"/>
+          </p:cNvSpPr>
+          <p:nvPr>
+            <p:ph idx="1"/>
+          </p:nvPr>
+        </p:nvSpPr>
+        <p:spPr/>
+        <p:txBody>
+          <a:bodyPr>
+            <a:normAutofit/>
+          </a:bodyPr>
+          <a:lstStyle/>
+          <a:p>
+            <a:endParaRPr lang="en-GB" sz="3600" dirty="0">
               <a:solidFill>
                 <a:schemeClr val="bg1"/>
               </a:solidFill>
             </a:endParaRPr>
           </a:p>
-        </p:txBody>
-      </p:sp>
-      <p:sp>
-        <p:nvSpPr>
-          <p:cNvPr id="3" name="Content Placeholder 2"/>
-          <p:cNvSpPr>
-            <a:spLocks noGrp="1"/>
-          </p:cNvSpPr>
-          <p:nvPr>
-            <p:ph idx="1"/>
-          </p:nvPr>
-        </p:nvSpPr>
-        <p:spPr/>
-        <p:txBody>
-          <a:bodyPr>
-            <a:normAutofit/>
-          </a:bodyPr>
-          <a:lstStyle/>
-          <a:p>
-            <a:endParaRPr lang="en-GB" sz="3600" dirty="0" smtClean="0">
-              <a:solidFill>
-                <a:schemeClr val="bg1"/>
-              </a:solidFill>
-            </a:endParaRPr>
-          </a:p>
-          <a:p>
-            <a:r>
-              <a:rPr lang="en-GB" sz="3600" dirty="0" smtClean="0">
+          <a:p>
+            <a:r>
+              <a:rPr lang="en-GB" sz="3600" dirty="0">
                 <a:solidFill>
                   <a:schemeClr val="bg1"/>
                 </a:solidFill>
@@ -7895,7 +8084,7 @@
           </a:p>
           <a:p>
             <a:r>
-              <a:rPr lang="en-GB" sz="3600" dirty="0" smtClean="0">
+              <a:rPr lang="en-GB" sz="3600" dirty="0">
                 <a:solidFill>
                   <a:schemeClr val="bg1"/>
                 </a:solidFill>
@@ -7905,7 +8094,7 @@
           </a:p>
           <a:p>
             <a:r>
-              <a:rPr lang="en-GB" sz="3600" dirty="0" smtClean="0">
+              <a:rPr lang="en-GB" sz="3600" dirty="0">
                 <a:solidFill>
                   <a:schemeClr val="bg1"/>
                 </a:solidFill>
@@ -7988,18 +8177,13 @@
           <a:lstStyle/>
           <a:p>
             <a:r>
-              <a:rPr lang="en-US" sz="3600" b="1" dirty="0" smtClean="0">
+              <a:rPr lang="en-US" sz="3600" b="1" dirty="0">
                 <a:solidFill>
                   <a:schemeClr val="bg1"/>
                 </a:solidFill>
               </a:rPr>
               <a:t>Data Pre-processing</a:t>
             </a:r>
-            <a:endParaRPr lang="en-US" sz="3600" b="1" dirty="0">
-              <a:solidFill>
-                <a:schemeClr val="bg1"/>
-              </a:solidFill>
-            </a:endParaRPr>
           </a:p>
         </p:txBody>
       </p:sp>
@@ -8025,7 +8209,7 @@
           </a:bodyPr>
           <a:lstStyle/>
           <a:p>
-            <a:endParaRPr lang="en-US" sz="2800" dirty="0" smtClean="0">
+            <a:endParaRPr lang="en-US" sz="2800" dirty="0">
               <a:solidFill>
                 <a:schemeClr val="bg1"/>
               </a:solidFill>
@@ -8033,17 +8217,17 @@
           </a:p>
           <a:p>
             <a:r>
-              <a:rPr lang="en-US" sz="2800" dirty="0" smtClean="0">
+              <a:rPr lang="en-US" sz="2800" dirty="0">
                 <a:solidFill>
                   <a:schemeClr val="bg1"/>
                 </a:solidFill>
               </a:rPr>
-              <a:t>Special Character</a:t>
-            </a:r>
-          </a:p>
-          <a:p>
-            <a:r>
-              <a:rPr lang="en-US" sz="2800" dirty="0" smtClean="0">
+              <a:t>Special Characters</a:t>
+            </a:r>
+          </a:p>
+          <a:p>
+            <a:r>
+              <a:rPr lang="en-US" sz="2800" dirty="0">
                 <a:solidFill>
                   <a:schemeClr val="bg1"/>
                 </a:solidFill>
@@ -8053,27 +8237,27 @@
           </a:p>
           <a:p>
             <a:r>
-              <a:rPr lang="en-US" sz="2800" dirty="0" smtClean="0">
+              <a:rPr lang="en-US" sz="2800" dirty="0">
                 <a:solidFill>
                   <a:schemeClr val="bg1"/>
                 </a:solidFill>
               </a:rPr>
-              <a:t>Unit of Measurement Error</a:t>
-            </a:r>
-          </a:p>
-          <a:p>
-            <a:r>
-              <a:rPr lang="en-US" sz="2800" dirty="0" smtClean="0">
+              <a:t>Unit of Measurement Errors</a:t>
+            </a:r>
+          </a:p>
+          <a:p>
+            <a:r>
+              <a:rPr lang="en-US" sz="2800" dirty="0">
                 <a:solidFill>
                   <a:schemeClr val="bg1"/>
                 </a:solidFill>
               </a:rPr>
-              <a:t>Typing Errors</a:t>
-            </a:r>
-          </a:p>
-          <a:p>
-            <a:r>
-              <a:rPr lang="en-US" sz="2800" dirty="0" smtClean="0">
+              <a:t>Typographical Errors</a:t>
+            </a:r>
+          </a:p>
+          <a:p>
+            <a:r>
+              <a:rPr lang="en-US" sz="2800" dirty="0">
                 <a:solidFill>
                   <a:schemeClr val="bg1"/>
                 </a:solidFill>
@@ -8096,13 +8280,6 @@
   <p:clrMapOvr>
     <a:masterClrMapping/>
   </p:clrMapOvr>
-  <p:timing>
-    <p:tnLst>
-      <p:par>
-        <p:cTn id="1" dur="indefinite" restart="never" nodeType="tmRoot"/>
-      </p:par>
-    </p:tnLst>
-  </p:timing>
 </p:sld>
 </file>
 
@@ -8156,18 +8333,13 @@
           <a:lstStyle/>
           <a:p>
             <a:r>
-              <a:rPr lang="en-US" sz="3600" b="1" dirty="0" smtClean="0">
+              <a:rPr lang="en-US" sz="3600" b="1" dirty="0">
                 <a:solidFill>
                   <a:schemeClr val="bg1"/>
                 </a:solidFill>
               </a:rPr>
               <a:t>Feature Engineering</a:t>
             </a:r>
-            <a:endParaRPr lang="en-US" sz="3600" b="1" dirty="0">
-              <a:solidFill>
-                <a:schemeClr val="bg1"/>
-              </a:solidFill>
-            </a:endParaRPr>
           </a:p>
         </p:txBody>
       </p:sp>
@@ -8194,7 +8366,7 @@
           <a:lstStyle/>
           <a:p>
             <a:r>
-              <a:rPr lang="en-US" sz="3600" dirty="0" smtClean="0">
+              <a:rPr lang="en-US" sz="3600" dirty="0">
                 <a:solidFill>
                   <a:schemeClr val="bg1"/>
                 </a:solidFill>
@@ -8204,14 +8376,14 @@
           </a:p>
           <a:p>
             <a:r>
-              <a:rPr lang="en-US" sz="3600" dirty="0" err="1" smtClean="0">
+              <a:rPr lang="en-US" sz="3600" dirty="0" err="1">
                 <a:solidFill>
                   <a:schemeClr val="bg1"/>
                 </a:solidFill>
               </a:rPr>
               <a:t>TF-IDF</a:t>
             </a:r>
-            <a:endParaRPr lang="en-US" sz="3600" dirty="0" smtClean="0">
+            <a:endParaRPr lang="en-US" sz="3600" dirty="0">
               <a:solidFill>
                 <a:schemeClr val="bg1"/>
               </a:solidFill>
@@ -8219,7 +8391,7 @@
           </a:p>
           <a:p>
             <a:r>
-              <a:rPr lang="en-US" sz="3600" dirty="0" err="1" smtClean="0">
+              <a:rPr lang="en-US" sz="3600" dirty="0" err="1">
                 <a:solidFill>
                   <a:schemeClr val="bg1"/>
                 </a:solidFill>
@@ -8227,7 +8399,7 @@
               <a:t>LSA</a:t>
             </a:r>
             <a:r>
-              <a:rPr lang="en-US" sz="3600" dirty="0" smtClean="0">
+              <a:rPr lang="en-US" sz="3600" dirty="0">
                 <a:solidFill>
                   <a:schemeClr val="bg1"/>
                 </a:solidFill>
@@ -8235,14 +8407,14 @@
               <a:t> with </a:t>
             </a:r>
             <a:r>
-              <a:rPr lang="en-US" sz="3600" dirty="0" err="1" smtClean="0">
+              <a:rPr lang="en-US" sz="3600" dirty="0" err="1">
                 <a:solidFill>
                   <a:schemeClr val="bg1"/>
                 </a:solidFill>
               </a:rPr>
               <a:t>SVD</a:t>
             </a:r>
-            <a:endParaRPr lang="en-US" sz="3600" dirty="0" smtClean="0">
+            <a:endParaRPr lang="en-US" sz="3600" dirty="0">
               <a:solidFill>
                 <a:schemeClr val="bg1"/>
               </a:solidFill>
@@ -8250,7 +8422,7 @@
           </a:p>
           <a:p>
             <a:r>
-              <a:rPr lang="en-US" sz="3600" dirty="0" smtClean="0">
+              <a:rPr lang="en-US" sz="3600" dirty="0">
                 <a:solidFill>
                   <a:schemeClr val="bg1"/>
                 </a:solidFill>
@@ -8260,7 +8432,7 @@
           </a:p>
           <a:p>
             <a:r>
-              <a:rPr lang="en-US" sz="3600" dirty="0" smtClean="0">
+              <a:rPr lang="en-US" sz="3600" dirty="0">
                 <a:solidFill>
                   <a:schemeClr val="bg1"/>
                 </a:solidFill>
@@ -8270,7 +8442,7 @@
           </a:p>
           <a:p>
             <a:r>
-              <a:rPr lang="en-US" sz="3600" dirty="0" smtClean="0">
+              <a:rPr lang="en-US" sz="3600" dirty="0">
                 <a:solidFill>
                   <a:schemeClr val="bg1"/>
                 </a:solidFill>
@@ -8293,13 +8465,6 @@
   <p:clrMapOvr>
     <a:overrideClrMapping bg1="dk1" tx1="lt1" bg2="dk2" tx2="lt2" accent1="accent1" accent2="accent2" accent3="accent3" accent4="accent4" accent5="accent5" accent6="accent6" hlink="hlink" folHlink="folHlink"/>
   </p:clrMapOvr>
-  <p:timing>
-    <p:tnLst>
-      <p:par>
-        <p:cTn id="1" dur="indefinite" restart="never" nodeType="tmRoot"/>
-      </p:par>
-    </p:tnLst>
-  </p:timing>
 </p:sld>
 </file>
 
@@ -8353,18 +8518,13 @@
           <a:lstStyle/>
           <a:p>
             <a:r>
-              <a:rPr lang="en-US" sz="3600" b="1" dirty="0" smtClean="0">
+              <a:rPr lang="en-US" sz="3600" b="1" dirty="0">
                 <a:solidFill>
                   <a:schemeClr val="bg1"/>
                 </a:solidFill>
               </a:rPr>
               <a:t>Data Modelling ALGORITHMS</a:t>
             </a:r>
-            <a:endParaRPr lang="en-US" sz="3600" b="1" dirty="0">
-              <a:solidFill>
-                <a:schemeClr val="bg1"/>
-              </a:solidFill>
-            </a:endParaRPr>
           </a:p>
         </p:txBody>
       </p:sp>
@@ -8385,11 +8545,11 @@
           </a:bodyPr>
           <a:lstStyle/>
           <a:p>
-            <a:endParaRPr lang="en-US" sz="3200" dirty="0" smtClean="0"/>
-          </a:p>
-          <a:p>
-            <a:r>
-              <a:rPr lang="en-US" sz="3600" dirty="0" smtClean="0">
+            <a:endParaRPr lang="en-US" sz="3200" dirty="0"/>
+          </a:p>
+          <a:p>
+            <a:r>
+              <a:rPr lang="en-US" sz="3600" dirty="0">
                 <a:solidFill>
                   <a:schemeClr val="bg1"/>
                 </a:solidFill>
@@ -8399,7 +8559,7 @@
           </a:p>
           <a:p>
             <a:r>
-              <a:rPr lang="en-US" sz="3600" dirty="0" smtClean="0">
+              <a:rPr lang="en-US" sz="3600" dirty="0">
                 <a:solidFill>
                   <a:schemeClr val="bg1"/>
                 </a:solidFill>
@@ -8409,7 +8569,7 @@
           </a:p>
           <a:p>
             <a:r>
-              <a:rPr lang="en-US" sz="3600" dirty="0" smtClean="0">
+              <a:rPr lang="en-US" sz="3600" dirty="0">
                 <a:solidFill>
                   <a:schemeClr val="bg1"/>
                 </a:solidFill>
@@ -8417,14 +8577,14 @@
               <a:t>Random Forest </a:t>
             </a:r>
             <a:r>
-              <a:rPr lang="en-US" sz="3600" dirty="0" err="1" smtClean="0">
+              <a:rPr lang="en-US" sz="3600" dirty="0" err="1">
                 <a:solidFill>
                   <a:schemeClr val="bg1"/>
                 </a:solidFill>
               </a:rPr>
               <a:t>Regressor</a:t>
             </a:r>
-            <a:endParaRPr lang="en-US" sz="3600" dirty="0" smtClean="0">
+            <a:endParaRPr lang="en-US" sz="3600" dirty="0">
               <a:solidFill>
                 <a:schemeClr val="bg1"/>
               </a:solidFill>
@@ -8442,13 +8602,6 @@
   <p:clrMapOvr>
     <a:masterClrMapping/>
   </p:clrMapOvr>
-  <p:timing>
-    <p:tnLst>
-      <p:par>
-        <p:cTn id="1" dur="indefinite" restart="never" nodeType="tmRoot"/>
-      </p:par>
-    </p:tnLst>
-  </p:timing>
 </p:sld>
 </file>
 
@@ -8502,18 +8655,13 @@
           <a:lstStyle/>
           <a:p>
             <a:r>
-              <a:rPr lang="en-US" sz="3600" b="1" dirty="0" smtClean="0">
+              <a:rPr lang="en-US" sz="3600" b="1" dirty="0">
                 <a:solidFill>
                   <a:schemeClr val="bg1"/>
                 </a:solidFill>
               </a:rPr>
               <a:t>Analytics results</a:t>
             </a:r>
-            <a:endParaRPr lang="en-US" sz="3600" b="1" dirty="0">
-              <a:solidFill>
-                <a:schemeClr val="bg1"/>
-              </a:solidFill>
-            </a:endParaRPr>
           </a:p>
         </p:txBody>
       </p:sp>
@@ -8527,32 +8675,58 @@
             <p:ph idx="1"/>
             <p:extLst>
               <p:ext uri="{D42A27DB-BD31-4B8C-83A1-F6EECF244321}">
-                <p14:modId xmlns:p14="http://schemas.microsoft.com/office/powerpoint/2010/main" val="1204239002"/>
+                <p14:modId xmlns:p14="http://schemas.microsoft.com/office/powerpoint/2010/main" val="3198823252"/>
               </p:ext>
             </p:extLst>
           </p:nvPr>
         </p:nvGraphicFramePr>
         <p:xfrm>
-          <a:off x="725214" y="1608083"/>
-          <a:ext cx="10736317" cy="2951359"/>
+          <a:off x="415636" y="1608082"/>
+          <a:ext cx="11045895" cy="4127699"/>
         </p:xfrm>
         <a:graphic>
           <a:graphicData uri="http://schemas.openxmlformats.org/drawingml/2006/table">
             <a:tbl>
               <a:tblPr/>
               <a:tblGrid>
-                <a:gridCol w="7728297"/>
-                <a:gridCol w="3008020"/>
+                <a:gridCol w="2650380">
+                  <a:extLst>
+                    <a:ext uri="{9D8B030D-6E8A-4147-A177-3AD203B41FA5}">
+                      <a16:colId xmlns:a16="http://schemas.microsoft.com/office/drawing/2014/main" val="20000"/>
+                    </a:ext>
+                  </a:extLst>
+                </a:gridCol>
+                <a:gridCol w="2650380">
+                  <a:extLst>
+                    <a:ext uri="{9D8B030D-6E8A-4147-A177-3AD203B41FA5}">
+                      <a16:colId xmlns:a16="http://schemas.microsoft.com/office/drawing/2014/main" val="1446668731"/>
+                    </a:ext>
+                  </a:extLst>
+                </a:gridCol>
+                <a:gridCol w="2650380">
+                  <a:extLst>
+                    <a:ext uri="{9D8B030D-6E8A-4147-A177-3AD203B41FA5}">
+                      <a16:colId xmlns:a16="http://schemas.microsoft.com/office/drawing/2014/main" val="3945954696"/>
+                    </a:ext>
+                  </a:extLst>
+                </a:gridCol>
+                <a:gridCol w="3094755">
+                  <a:extLst>
+                    <a:ext uri="{9D8B030D-6E8A-4147-A177-3AD203B41FA5}">
+                      <a16:colId xmlns:a16="http://schemas.microsoft.com/office/drawing/2014/main" val="20001"/>
+                    </a:ext>
+                  </a:extLst>
+                </a:gridCol>
               </a:tblGrid>
-              <a:tr h="753538">
+              <a:tr h="1049235">
                 <a:tc>
                   <a:txBody>
                     <a:bodyPr/>
                     <a:lstStyle/>
                     <a:p>
-                      <a:pPr algn="l" fontAlgn="b"/>
+                      <a:pPr algn="ctr" fontAlgn="b"/>
                       <a:r>
-                        <a:rPr lang="en-GB" sz="3200" b="0" i="0" u="none" strike="noStrike" dirty="0">
+                        <a:rPr lang="en-GB" sz="2500" b="1" i="0" u="none" strike="noStrike" dirty="0">
                           <a:solidFill>
                             <a:schemeClr val="bg1"/>
                           </a:solidFill>
@@ -8563,7 +8737,7 @@
                       </a:r>
                     </a:p>
                   </a:txBody>
-                  <a:tcPr marL="7620" marR="7620" marT="7620" marB="0" anchor="b">
+                  <a:tcPr marL="7620" marR="7620" marT="7620" marB="0" anchor="ctr">
                     <a:lnL w="12700" cap="flat" cmpd="sng" algn="ctr">
                       <a:solidFill>
                         <a:srgbClr val="000000"/>
@@ -8609,18 +8783,18 @@
                     <a:p>
                       <a:pPr algn="ctr" fontAlgn="b"/>
                       <a:r>
-                        <a:rPr lang="en-GB" sz="3200" b="0" i="0" u="none" strike="noStrike" dirty="0">
+                        <a:rPr lang="en-GB" sz="2500" b="1" i="0" u="none" strike="noStrike" dirty="0">
                           <a:solidFill>
                             <a:schemeClr val="bg1"/>
                           </a:solidFill>
                           <a:effectLst/>
                           <a:latin typeface="Calibri" panose="020F0502020204030204" pitchFamily="34" charset="0"/>
                         </a:rPr>
-                        <a:t>Score</a:t>
+                        <a:t>Training Set</a:t>
                       </a:r>
                     </a:p>
                   </a:txBody>
-                  <a:tcPr marL="7620" marR="7620" marT="7620" marB="0" anchor="b">
+                  <a:tcPr marL="7620" marR="7620" marT="7620" marB="0" anchor="ctr">
                     <a:lnL w="12700" cap="flat" cmpd="sng" algn="ctr">
                       <a:solidFill>
                         <a:srgbClr val="000000"/>
@@ -8659,16 +8833,148 @@
                     </a:lnB>
                   </a:tcPr>
                 </a:tc>
-              </a:tr>
-              <a:tr h="732607">
                 <a:tc>
                   <a:txBody>
                     <a:bodyPr/>
                     <a:lstStyle/>
                     <a:p>
-                      <a:pPr algn="l" fontAlgn="b"/>
+                      <a:pPr algn="ctr" fontAlgn="b"/>
                       <a:r>
-                        <a:rPr lang="en-GB" sz="3200" b="0" i="0" u="none" strike="noStrike" dirty="0" smtClean="0">
+                        <a:rPr lang="en-GB" sz="2500" b="1" i="0" u="none" strike="noStrike" dirty="0">
+                          <a:solidFill>
+                            <a:schemeClr val="bg1"/>
+                          </a:solidFill>
+                          <a:effectLst/>
+                          <a:latin typeface="Calibri" panose="020F0502020204030204" pitchFamily="34" charset="0"/>
+                        </a:rPr>
+                        <a:t>Validation Set</a:t>
+                      </a:r>
+                    </a:p>
+                  </a:txBody>
+                  <a:tcPr marL="7620" marR="7620" marT="7620" marB="0" anchor="ctr">
+                    <a:lnL w="12700" cap="flat" cmpd="sng" algn="ctr">
+                      <a:solidFill>
+                        <a:srgbClr val="000000"/>
+                      </a:solidFill>
+                      <a:prstDash val="solid"/>
+                      <a:round/>
+                      <a:headEnd type="none" w="med" len="med"/>
+                      <a:tailEnd type="none" w="med" len="med"/>
+                    </a:lnL>
+                    <a:lnR w="12700" cap="flat" cmpd="sng" algn="ctr">
+                      <a:solidFill>
+                        <a:srgbClr val="000000"/>
+                      </a:solidFill>
+                      <a:prstDash val="solid"/>
+                      <a:round/>
+                      <a:headEnd type="none" w="med" len="med"/>
+                      <a:tailEnd type="none" w="med" len="med"/>
+                    </a:lnR>
+                    <a:lnT w="12700" cap="flat" cmpd="sng" algn="ctr">
+                      <a:solidFill>
+                        <a:srgbClr val="000000"/>
+                      </a:solidFill>
+                      <a:prstDash val="solid"/>
+                      <a:round/>
+                      <a:headEnd type="none" w="med" len="med"/>
+                      <a:tailEnd type="none" w="med" len="med"/>
+                    </a:lnT>
+                    <a:lnB w="12700" cap="flat" cmpd="sng" algn="ctr">
+                      <a:solidFill>
+                        <a:srgbClr val="000000"/>
+                      </a:solidFill>
+                      <a:prstDash val="solid"/>
+                      <a:round/>
+                      <a:headEnd type="none" w="med" len="med"/>
+                      <a:tailEnd type="none" w="med" len="med"/>
+                    </a:lnB>
+                  </a:tcPr>
+                </a:tc>
+                <a:tc>
+                  <a:txBody>
+                    <a:bodyPr/>
+                    <a:lstStyle/>
+                    <a:p>
+                      <a:pPr algn="ctr" fontAlgn="b"/>
+                      <a:r>
+                        <a:rPr lang="en-GB" sz="2500" b="1" i="0" u="none" strike="noStrike" dirty="0">
+                          <a:solidFill>
+                            <a:schemeClr val="bg1"/>
+                          </a:solidFill>
+                          <a:effectLst/>
+                          <a:latin typeface="Calibri" panose="020F0502020204030204" pitchFamily="34" charset="0"/>
+                        </a:rPr>
+                        <a:t>Submission Score </a:t>
+                      </a:r>
+                    </a:p>
+                    <a:p>
+                      <a:pPr algn="ctr" fontAlgn="b"/>
+                      <a:r>
+                        <a:rPr lang="en-GB" sz="2500" b="1" i="0" u="none" strike="noStrike" dirty="0">
+                          <a:solidFill>
+                            <a:schemeClr val="bg1"/>
+                          </a:solidFill>
+                          <a:effectLst/>
+                          <a:latin typeface="Calibri" panose="020F0502020204030204" pitchFamily="34" charset="0"/>
+                        </a:rPr>
+                        <a:t>(Test Set)</a:t>
+                      </a:r>
+                    </a:p>
+                  </a:txBody>
+                  <a:tcPr marL="7620" marR="7620" marT="7620" marB="0" anchor="ctr">
+                    <a:lnL w="12700" cap="flat" cmpd="sng" algn="ctr">
+                      <a:solidFill>
+                        <a:srgbClr val="000000"/>
+                      </a:solidFill>
+                      <a:prstDash val="solid"/>
+                      <a:round/>
+                      <a:headEnd type="none" w="med" len="med"/>
+                      <a:tailEnd type="none" w="med" len="med"/>
+                    </a:lnL>
+                    <a:lnR w="12700" cap="flat" cmpd="sng" algn="ctr">
+                      <a:solidFill>
+                        <a:srgbClr val="000000"/>
+                      </a:solidFill>
+                      <a:prstDash val="solid"/>
+                      <a:round/>
+                      <a:headEnd type="none" w="med" len="med"/>
+                      <a:tailEnd type="none" w="med" len="med"/>
+                    </a:lnR>
+                    <a:lnT w="12700" cap="flat" cmpd="sng" algn="ctr">
+                      <a:solidFill>
+                        <a:srgbClr val="000000"/>
+                      </a:solidFill>
+                      <a:prstDash val="solid"/>
+                      <a:round/>
+                      <a:headEnd type="none" w="med" len="med"/>
+                      <a:tailEnd type="none" w="med" len="med"/>
+                    </a:lnT>
+                    <a:lnB w="12700" cap="flat" cmpd="sng" algn="ctr">
+                      <a:solidFill>
+                        <a:srgbClr val="000000"/>
+                      </a:solidFill>
+                      <a:prstDash val="solid"/>
+                      <a:round/>
+                      <a:headEnd type="none" w="med" len="med"/>
+                      <a:tailEnd type="none" w="med" len="med"/>
+                    </a:lnB>
+                  </a:tcPr>
+                </a:tc>
+                <a:extLst>
+                  <a:ext uri="{0D108BD9-81ED-4DB2-BD59-A6C34878D82A}">
+                    <a16:rowId xmlns:a16="http://schemas.microsoft.com/office/drawing/2014/main" val="10000"/>
+                  </a:ext>
+                </a:extLst>
+              </a:tr>
+              <a:tr h="1020090">
+                <a:tc>
+                  <a:txBody>
+                    <a:bodyPr/>
+                    <a:lstStyle/>
+                    <a:p>
+                      <a:pPr algn="ctr" fontAlgn="b"/>
+                      <a:r>
+                        <a:rPr lang="en-GB" sz="2400" b="0" i="0" u="none" strike="noStrike" dirty="0">
                           <a:solidFill>
                             <a:schemeClr val="bg1"/>
                           </a:solidFill>
@@ -8677,16 +8983,9 @@
                         </a:rPr>
                         <a:t>Linear Regression</a:t>
                       </a:r>
-                      <a:endParaRPr lang="en-GB" sz="3200" b="0" i="0" u="none" strike="noStrike" dirty="0">
-                        <a:solidFill>
-                          <a:schemeClr val="bg1"/>
-                        </a:solidFill>
-                        <a:effectLst/>
-                        <a:latin typeface="Calibri" panose="020F0502020204030204" pitchFamily="34" charset="0"/>
-                      </a:endParaRPr>
                     </a:p>
                   </a:txBody>
-                  <a:tcPr marL="7620" marR="7620" marT="7620" marB="0" anchor="b">
+                  <a:tcPr marL="7620" marR="7620" marT="7620" marB="0" anchor="ctr">
                     <a:lnL w="12700" cap="flat" cmpd="sng" algn="ctr">
                       <a:solidFill>
                         <a:srgbClr val="000000"/>
@@ -8732,7 +9031,121 @@
                     <a:p>
                       <a:pPr algn="ctr" fontAlgn="b"/>
                       <a:r>
-                        <a:rPr lang="en-GB" sz="3200" b="0" i="0" u="none" strike="noStrike" dirty="0" smtClean="0">
+                        <a:rPr lang="en-GB" sz="2400" b="0" i="0" u="none" strike="noStrike" dirty="0">
+                          <a:solidFill>
+                            <a:schemeClr val="bg1"/>
+                          </a:solidFill>
+                          <a:effectLst/>
+                          <a:latin typeface="Calibri" panose="020F0502020204030204" pitchFamily="34" charset="0"/>
+                        </a:rPr>
+                        <a:t>0.48063</a:t>
+                      </a:r>
+                    </a:p>
+                  </a:txBody>
+                  <a:tcPr marL="7620" marR="7620" marT="7620" marB="0" anchor="ctr">
+                    <a:lnL w="6350" cap="flat" cmpd="sng" algn="ctr">
+                      <a:solidFill>
+                        <a:srgbClr val="000000"/>
+                      </a:solidFill>
+                      <a:prstDash val="solid"/>
+                      <a:round/>
+                      <a:headEnd type="none" w="med" len="med"/>
+                      <a:tailEnd type="none" w="med" len="med"/>
+                    </a:lnL>
+                    <a:lnR w="6350" cap="flat" cmpd="sng" algn="ctr">
+                      <a:solidFill>
+                        <a:srgbClr val="000000"/>
+                      </a:solidFill>
+                      <a:prstDash val="solid"/>
+                      <a:round/>
+                      <a:headEnd type="none" w="med" len="med"/>
+                      <a:tailEnd type="none" w="med" len="med"/>
+                    </a:lnR>
+                    <a:lnT w="12700" cap="flat" cmpd="sng" algn="ctr">
+                      <a:solidFill>
+                        <a:srgbClr val="000000"/>
+                      </a:solidFill>
+                      <a:prstDash val="solid"/>
+                      <a:round/>
+                      <a:headEnd type="none" w="med" len="med"/>
+                      <a:tailEnd type="none" w="med" len="med"/>
+                    </a:lnT>
+                    <a:lnB w="6350" cap="flat" cmpd="sng" algn="ctr">
+                      <a:solidFill>
+                        <a:srgbClr val="000000"/>
+                      </a:solidFill>
+                      <a:prstDash val="solid"/>
+                      <a:round/>
+                      <a:headEnd type="none" w="med" len="med"/>
+                      <a:tailEnd type="none" w="med" len="med"/>
+                    </a:lnB>
+                  </a:tcPr>
+                </a:tc>
+                <a:tc>
+                  <a:txBody>
+                    <a:bodyPr/>
+                    <a:lstStyle/>
+                    <a:p>
+                      <a:pPr algn="ctr" fontAlgn="b"/>
+                      <a:r>
+                        <a:rPr lang="en-GB" sz="2400" b="0" i="0" u="none" strike="noStrike" dirty="0">
+                          <a:solidFill>
+                            <a:schemeClr val="bg1"/>
+                          </a:solidFill>
+                          <a:effectLst/>
+                          <a:latin typeface="Calibri" panose="020F0502020204030204" pitchFamily="34" charset="0"/>
+                        </a:rPr>
+                        <a:t>0.47979</a:t>
+                      </a:r>
+                    </a:p>
+                  </a:txBody>
+                  <a:tcPr marL="7620" marR="7620" marT="7620" marB="0" anchor="ctr">
+                    <a:lnL w="6350" cap="flat" cmpd="sng" algn="ctr">
+                      <a:solidFill>
+                        <a:srgbClr val="000000"/>
+                      </a:solidFill>
+                      <a:prstDash val="solid"/>
+                      <a:round/>
+                      <a:headEnd type="none" w="med" len="med"/>
+                      <a:tailEnd type="none" w="med" len="med"/>
+                    </a:lnL>
+                    <a:lnR w="6350" cap="flat" cmpd="sng" algn="ctr">
+                      <a:solidFill>
+                        <a:srgbClr val="000000"/>
+                      </a:solidFill>
+                      <a:prstDash val="solid"/>
+                      <a:round/>
+                      <a:headEnd type="none" w="med" len="med"/>
+                      <a:tailEnd type="none" w="med" len="med"/>
+                    </a:lnR>
+                    <a:lnT w="12700" cap="flat" cmpd="sng" algn="ctr">
+                      <a:solidFill>
+                        <a:srgbClr val="000000"/>
+                      </a:solidFill>
+                      <a:prstDash val="solid"/>
+                      <a:round/>
+                      <a:headEnd type="none" w="med" len="med"/>
+                      <a:tailEnd type="none" w="med" len="med"/>
+                    </a:lnT>
+                    <a:lnB w="6350" cap="flat" cmpd="sng" algn="ctr">
+                      <a:solidFill>
+                        <a:srgbClr val="000000"/>
+                      </a:solidFill>
+                      <a:prstDash val="solid"/>
+                      <a:round/>
+                      <a:headEnd type="none" w="med" len="med"/>
+                      <a:tailEnd type="none" w="med" len="med"/>
+                    </a:lnB>
+                  </a:tcPr>
+                </a:tc>
+                <a:tc>
+                  <a:txBody>
+                    <a:bodyPr/>
+                    <a:lstStyle/>
+                    <a:p>
+                      <a:pPr algn="ctr" fontAlgn="b"/>
+                      <a:r>
+                        <a:rPr lang="en-GB" sz="2400" b="1" i="0" u="none" strike="noStrike" dirty="0">
                           <a:solidFill>
                             <a:schemeClr val="bg1"/>
                           </a:solidFill>
@@ -8741,16 +9154,9 @@
                         </a:rPr>
                         <a:t>0.48765</a:t>
                       </a:r>
-                      <a:endParaRPr lang="en-GB" sz="3200" b="0" i="0" u="none" strike="noStrike" dirty="0">
-                        <a:solidFill>
-                          <a:schemeClr val="bg1"/>
-                        </a:solidFill>
-                        <a:effectLst/>
-                        <a:latin typeface="Calibri" panose="020F0502020204030204" pitchFamily="34" charset="0"/>
-                      </a:endParaRPr>
                     </a:p>
                   </a:txBody>
-                  <a:tcPr marL="7620" marR="7620" marT="7620" marB="0" anchor="b">
+                  <a:tcPr marL="7620" marR="7620" marT="7620" marB="0" anchor="ctr">
                     <a:lnL w="6350" cap="flat" cmpd="sng" algn="ctr">
                       <a:solidFill>
                         <a:srgbClr val="000000"/>
@@ -8789,16 +9195,21 @@
                     </a:lnB>
                   </a:tcPr>
                 </a:tc>
+                <a:extLst>
+                  <a:ext uri="{0D108BD9-81ED-4DB2-BD59-A6C34878D82A}">
+                    <a16:rowId xmlns:a16="http://schemas.microsoft.com/office/drawing/2014/main" val="10001"/>
+                  </a:ext>
+                </a:extLst>
               </a:tr>
-              <a:tr h="732607">
+              <a:tr h="1029187">
                 <a:tc>
                   <a:txBody>
                     <a:bodyPr/>
                     <a:lstStyle/>
                     <a:p>
-                      <a:pPr algn="l" fontAlgn="b"/>
+                      <a:pPr algn="ctr" fontAlgn="b"/>
                       <a:r>
-                        <a:rPr lang="en-GB" sz="3200" b="0" i="0" u="none" strike="noStrike" dirty="0" smtClean="0">
+                        <a:rPr lang="en-GB" sz="2400" b="0" i="0" u="none" strike="noStrike" dirty="0">
                           <a:solidFill>
                             <a:schemeClr val="bg1"/>
                           </a:solidFill>
@@ -8808,7 +9219,7 @@
                         <a:t>Random Forest </a:t>
                       </a:r>
                       <a:r>
-                        <a:rPr lang="en-GB" sz="3200" b="0" i="0" u="none" strike="noStrike" dirty="0" err="1" smtClean="0">
+                        <a:rPr lang="en-GB" sz="2400" b="0" i="0" u="none" strike="noStrike" dirty="0" err="1">
                           <a:solidFill>
                             <a:schemeClr val="bg1"/>
                           </a:solidFill>
@@ -8817,7 +9228,7 @@
                         </a:rPr>
                         <a:t>Regressor</a:t>
                       </a:r>
-                      <a:endParaRPr lang="en-GB" sz="3200" b="0" i="0" u="none" strike="noStrike" dirty="0">
+                      <a:endParaRPr lang="en-GB" sz="2400" b="0" i="0" u="none" strike="noStrike" dirty="0">
                         <a:solidFill>
                           <a:schemeClr val="bg1"/>
                         </a:solidFill>
@@ -8826,7 +9237,7 @@
                       </a:endParaRPr>
                     </a:p>
                   </a:txBody>
-                  <a:tcPr marL="7620" marR="7620" marT="7620" marB="0" anchor="b">
+                  <a:tcPr marL="7620" marR="7620" marT="7620" marB="0" anchor="ctr">
                     <a:lnL w="12700" cap="flat" cmpd="sng" algn="ctr">
                       <a:solidFill>
                         <a:srgbClr val="000000"/>
@@ -8872,7 +9283,121 @@
                     <a:p>
                       <a:pPr algn="ctr" fontAlgn="b"/>
                       <a:r>
-                        <a:rPr lang="en-GB" sz="3200" b="0" i="0" u="none" strike="noStrike" dirty="0" smtClean="0">
+                        <a:rPr lang="en-GB" sz="2400" b="0" i="0" u="none" strike="noStrike" dirty="0">
+                          <a:solidFill>
+                            <a:schemeClr val="bg1"/>
+                          </a:solidFill>
+                          <a:effectLst/>
+                          <a:latin typeface="Calibri" panose="020F0502020204030204" pitchFamily="34" charset="0"/>
+                        </a:rPr>
+                        <a:t>0.47444</a:t>
+                      </a:r>
+                    </a:p>
+                  </a:txBody>
+                  <a:tcPr marL="7620" marR="7620" marT="7620" marB="0" anchor="ctr">
+                    <a:lnL w="6350" cap="flat" cmpd="sng" algn="ctr">
+                      <a:solidFill>
+                        <a:srgbClr val="000000"/>
+                      </a:solidFill>
+                      <a:prstDash val="solid"/>
+                      <a:round/>
+                      <a:headEnd type="none" w="med" len="med"/>
+                      <a:tailEnd type="none" w="med" len="med"/>
+                    </a:lnL>
+                    <a:lnR w="6350" cap="flat" cmpd="sng" algn="ctr">
+                      <a:solidFill>
+                        <a:srgbClr val="000000"/>
+                      </a:solidFill>
+                      <a:prstDash val="solid"/>
+                      <a:round/>
+                      <a:headEnd type="none" w="med" len="med"/>
+                      <a:tailEnd type="none" w="med" len="med"/>
+                    </a:lnR>
+                    <a:lnT w="6350" cap="flat" cmpd="sng" algn="ctr">
+                      <a:solidFill>
+                        <a:srgbClr val="000000"/>
+                      </a:solidFill>
+                      <a:prstDash val="solid"/>
+                      <a:round/>
+                      <a:headEnd type="none" w="med" len="med"/>
+                      <a:tailEnd type="none" w="med" len="med"/>
+                    </a:lnT>
+                    <a:lnB w="6350" cap="flat" cmpd="sng" algn="ctr">
+                      <a:solidFill>
+                        <a:srgbClr val="000000"/>
+                      </a:solidFill>
+                      <a:prstDash val="solid"/>
+                      <a:round/>
+                      <a:headEnd type="none" w="med" len="med"/>
+                      <a:tailEnd type="none" w="med" len="med"/>
+                    </a:lnB>
+                  </a:tcPr>
+                </a:tc>
+                <a:tc>
+                  <a:txBody>
+                    <a:bodyPr/>
+                    <a:lstStyle/>
+                    <a:p>
+                      <a:pPr algn="ctr" fontAlgn="b"/>
+                      <a:r>
+                        <a:rPr lang="en-GB" sz="2400" b="0" i="0" u="none" strike="noStrike" dirty="0">
+                          <a:solidFill>
+                            <a:schemeClr val="bg1"/>
+                          </a:solidFill>
+                          <a:effectLst/>
+                          <a:latin typeface="Calibri" panose="020F0502020204030204" pitchFamily="34" charset="0"/>
+                        </a:rPr>
+                        <a:t>0.47777</a:t>
+                      </a:r>
+                    </a:p>
+                  </a:txBody>
+                  <a:tcPr marL="7620" marR="7620" marT="7620" marB="0" anchor="ctr">
+                    <a:lnL w="6350" cap="flat" cmpd="sng" algn="ctr">
+                      <a:solidFill>
+                        <a:srgbClr val="000000"/>
+                      </a:solidFill>
+                      <a:prstDash val="solid"/>
+                      <a:round/>
+                      <a:headEnd type="none" w="med" len="med"/>
+                      <a:tailEnd type="none" w="med" len="med"/>
+                    </a:lnL>
+                    <a:lnR w="6350" cap="flat" cmpd="sng" algn="ctr">
+                      <a:solidFill>
+                        <a:srgbClr val="000000"/>
+                      </a:solidFill>
+                      <a:prstDash val="solid"/>
+                      <a:round/>
+                      <a:headEnd type="none" w="med" len="med"/>
+                      <a:tailEnd type="none" w="med" len="med"/>
+                    </a:lnR>
+                    <a:lnT w="6350" cap="flat" cmpd="sng" algn="ctr">
+                      <a:solidFill>
+                        <a:srgbClr val="000000"/>
+                      </a:solidFill>
+                      <a:prstDash val="solid"/>
+                      <a:round/>
+                      <a:headEnd type="none" w="med" len="med"/>
+                      <a:tailEnd type="none" w="med" len="med"/>
+                    </a:lnT>
+                    <a:lnB w="6350" cap="flat" cmpd="sng" algn="ctr">
+                      <a:solidFill>
+                        <a:srgbClr val="000000"/>
+                      </a:solidFill>
+                      <a:prstDash val="solid"/>
+                      <a:round/>
+                      <a:headEnd type="none" w="med" len="med"/>
+                      <a:tailEnd type="none" w="med" len="med"/>
+                    </a:lnB>
+                  </a:tcPr>
+                </a:tc>
+                <a:tc>
+                  <a:txBody>
+                    <a:bodyPr/>
+                    <a:lstStyle/>
+                    <a:p>
+                      <a:pPr algn="ctr" fontAlgn="b"/>
+                      <a:r>
+                        <a:rPr lang="en-GB" sz="2400" b="1" i="0" u="none" strike="noStrike" dirty="0">
                           <a:solidFill>
                             <a:schemeClr val="bg1"/>
                           </a:solidFill>
@@ -8881,16 +9406,9 @@
                         </a:rPr>
                         <a:t>0.48815</a:t>
                       </a:r>
-                      <a:endParaRPr lang="en-GB" sz="3200" b="0" i="0" u="none" strike="noStrike" dirty="0">
-                        <a:solidFill>
-                          <a:schemeClr val="bg1"/>
-                        </a:solidFill>
-                        <a:effectLst/>
-                        <a:latin typeface="Calibri" panose="020F0502020204030204" pitchFamily="34" charset="0"/>
-                      </a:endParaRPr>
                     </a:p>
                   </a:txBody>
-                  <a:tcPr marL="7620" marR="7620" marT="7620" marB="0" anchor="b">
+                  <a:tcPr marL="7620" marR="7620" marT="7620" marB="0" anchor="ctr">
                     <a:lnL w="6350" cap="flat" cmpd="sng" algn="ctr">
                       <a:solidFill>
                         <a:srgbClr val="000000"/>
@@ -8929,16 +9447,21 @@
                     </a:lnB>
                   </a:tcPr>
                 </a:tc>
+                <a:extLst>
+                  <a:ext uri="{0D108BD9-81ED-4DB2-BD59-A6C34878D82A}">
+                    <a16:rowId xmlns:a16="http://schemas.microsoft.com/office/drawing/2014/main" val="10002"/>
+                  </a:ext>
+                </a:extLst>
               </a:tr>
-              <a:tr h="732607">
+              <a:tr h="1029187">
                 <a:tc>
                   <a:txBody>
                     <a:bodyPr/>
                     <a:lstStyle/>
                     <a:p>
-                      <a:pPr algn="l" fontAlgn="b"/>
+                      <a:pPr algn="ctr" fontAlgn="b"/>
                       <a:r>
-                        <a:rPr lang="en-GB" sz="3200" b="0" i="0" u="none" strike="noStrike">
+                        <a:rPr lang="en-GB" sz="2400" b="0" i="0" u="none" strike="noStrike" dirty="0">
                           <a:solidFill>
                             <a:schemeClr val="bg1"/>
                           </a:solidFill>
@@ -8949,7 +9472,7 @@
                       </a:r>
                     </a:p>
                   </a:txBody>
-                  <a:tcPr marL="7620" marR="7620" marT="7620" marB="0" anchor="b">
+                  <a:tcPr marL="7620" marR="7620" marT="7620" marB="0" anchor="ctr">
                     <a:lnL w="12700" cap="flat" cmpd="sng" algn="ctr">
                       <a:solidFill>
                         <a:srgbClr val="000000"/>
@@ -8995,7 +9518,121 @@
                     <a:p>
                       <a:pPr algn="ctr" fontAlgn="b"/>
                       <a:r>
-                        <a:rPr lang="en-GB" sz="3200" b="0" i="0" u="none" strike="noStrike" dirty="0" smtClean="0">
+                        <a:rPr lang="en-GB" sz="2400" b="0" i="0" u="none" strike="noStrike" dirty="0">
+                          <a:solidFill>
+                            <a:schemeClr val="bg1"/>
+                          </a:solidFill>
+                          <a:effectLst/>
+                          <a:latin typeface="Calibri" panose="020F0502020204030204" pitchFamily="34" charset="0"/>
+                        </a:rPr>
+                        <a:t>0.45059</a:t>
+                      </a:r>
+                    </a:p>
+                  </a:txBody>
+                  <a:tcPr marL="7620" marR="7620" marT="7620" marB="0" anchor="ctr">
+                    <a:lnL w="6350" cap="flat" cmpd="sng" algn="ctr">
+                      <a:solidFill>
+                        <a:srgbClr val="000000"/>
+                      </a:solidFill>
+                      <a:prstDash val="solid"/>
+                      <a:round/>
+                      <a:headEnd type="none" w="med" len="med"/>
+                      <a:tailEnd type="none" w="med" len="med"/>
+                    </a:lnL>
+                    <a:lnR w="6350" cap="flat" cmpd="sng" algn="ctr">
+                      <a:solidFill>
+                        <a:srgbClr val="000000"/>
+                      </a:solidFill>
+                      <a:prstDash val="solid"/>
+                      <a:round/>
+                      <a:headEnd type="none" w="med" len="med"/>
+                      <a:tailEnd type="none" w="med" len="med"/>
+                    </a:lnR>
+                    <a:lnT w="6350" cap="flat" cmpd="sng" algn="ctr">
+                      <a:solidFill>
+                        <a:srgbClr val="000000"/>
+                      </a:solidFill>
+                      <a:prstDash val="solid"/>
+                      <a:round/>
+                      <a:headEnd type="none" w="med" len="med"/>
+                      <a:tailEnd type="none" w="med" len="med"/>
+                    </a:lnT>
+                    <a:lnB w="6350" cap="flat" cmpd="sng" algn="ctr">
+                      <a:solidFill>
+                        <a:srgbClr val="000000"/>
+                      </a:solidFill>
+                      <a:prstDash val="solid"/>
+                      <a:round/>
+                      <a:headEnd type="none" w="med" len="med"/>
+                      <a:tailEnd type="none" w="med" len="med"/>
+                    </a:lnB>
+                  </a:tcPr>
+                </a:tc>
+                <a:tc>
+                  <a:txBody>
+                    <a:bodyPr/>
+                    <a:lstStyle/>
+                    <a:p>
+                      <a:pPr algn="ctr" fontAlgn="b"/>
+                      <a:r>
+                        <a:rPr lang="en-GB" sz="2400" b="0" i="0" u="none" strike="noStrike" dirty="0">
+                          <a:solidFill>
+                            <a:schemeClr val="bg1"/>
+                          </a:solidFill>
+                          <a:effectLst/>
+                          <a:latin typeface="Calibri" panose="020F0502020204030204" pitchFamily="34" charset="0"/>
+                        </a:rPr>
+                        <a:t>0.47641</a:t>
+                      </a:r>
+                    </a:p>
+                  </a:txBody>
+                  <a:tcPr marL="7620" marR="7620" marT="7620" marB="0" anchor="ctr">
+                    <a:lnL w="6350" cap="flat" cmpd="sng" algn="ctr">
+                      <a:solidFill>
+                        <a:srgbClr val="000000"/>
+                      </a:solidFill>
+                      <a:prstDash val="solid"/>
+                      <a:round/>
+                      <a:headEnd type="none" w="med" len="med"/>
+                      <a:tailEnd type="none" w="med" len="med"/>
+                    </a:lnL>
+                    <a:lnR w="6350" cap="flat" cmpd="sng" algn="ctr">
+                      <a:solidFill>
+                        <a:srgbClr val="000000"/>
+                      </a:solidFill>
+                      <a:prstDash val="solid"/>
+                      <a:round/>
+                      <a:headEnd type="none" w="med" len="med"/>
+                      <a:tailEnd type="none" w="med" len="med"/>
+                    </a:lnR>
+                    <a:lnT w="6350" cap="flat" cmpd="sng" algn="ctr">
+                      <a:solidFill>
+                        <a:srgbClr val="000000"/>
+                      </a:solidFill>
+                      <a:prstDash val="solid"/>
+                      <a:round/>
+                      <a:headEnd type="none" w="med" len="med"/>
+                      <a:tailEnd type="none" w="med" len="med"/>
+                    </a:lnT>
+                    <a:lnB w="6350" cap="flat" cmpd="sng" algn="ctr">
+                      <a:solidFill>
+                        <a:srgbClr val="000000"/>
+                      </a:solidFill>
+                      <a:prstDash val="solid"/>
+                      <a:round/>
+                      <a:headEnd type="none" w="med" len="med"/>
+                      <a:tailEnd type="none" w="med" len="med"/>
+                    </a:lnB>
+                  </a:tcPr>
+                </a:tc>
+                <a:tc>
+                  <a:txBody>
+                    <a:bodyPr/>
+                    <a:lstStyle/>
+                    <a:p>
+                      <a:pPr algn="ctr" fontAlgn="b"/>
+                      <a:r>
+                        <a:rPr lang="en-GB" sz="2400" b="1" i="0" u="none" strike="noStrike" dirty="0">
                           <a:solidFill>
                             <a:schemeClr val="bg1"/>
                           </a:solidFill>
@@ -9004,16 +9641,9 @@
                         </a:rPr>
                         <a:t>0.49091</a:t>
                       </a:r>
-                      <a:endParaRPr lang="en-GB" sz="3200" b="0" i="0" u="none" strike="noStrike" dirty="0">
-                        <a:solidFill>
-                          <a:schemeClr val="bg1"/>
-                        </a:solidFill>
-                        <a:effectLst/>
-                        <a:latin typeface="Calibri" panose="020F0502020204030204" pitchFamily="34" charset="0"/>
-                      </a:endParaRPr>
                     </a:p>
                   </a:txBody>
-                  <a:tcPr marL="7620" marR="7620" marT="7620" marB="0" anchor="b">
+                  <a:tcPr marL="7620" marR="7620" marT="7620" marB="0" anchor="ctr">
                     <a:lnL w="6350" cap="flat" cmpd="sng" algn="ctr">
                       <a:solidFill>
                         <a:srgbClr val="000000"/>
@@ -9052,6 +9682,11 @@
                     </a:lnB>
                   </a:tcPr>
                 </a:tc>
+                <a:extLst>
+                  <a:ext uri="{0D108BD9-81ED-4DB2-BD59-A6C34878D82A}">
+                    <a16:rowId xmlns:a16="http://schemas.microsoft.com/office/drawing/2014/main" val="10003"/>
+                  </a:ext>
+                </a:extLst>
               </a:tr>
             </a:tbl>
           </a:graphicData>
@@ -9067,13 +9702,6 @@
   <p:clrMapOvr>
     <a:masterClrMapping/>
   </p:clrMapOvr>
-  <p:timing>
-    <p:tnLst>
-      <p:par>
-        <p:cTn id="1" dur="indefinite" restart="never" nodeType="tmRoot"/>
-      </p:par>
-    </p:tnLst>
-  </p:timing>
 </p:sld>
 </file>
 
@@ -9127,39 +9755,57 @@
           <a:lstStyle/>
           <a:p>
             <a:r>
-              <a:rPr lang="en-US" sz="3600" b="1" dirty="0" smtClean="0">
+              <a:rPr lang="en-US" sz="3600" b="1" dirty="0">
                 <a:solidFill>
                   <a:schemeClr val="bg1"/>
                 </a:solidFill>
               </a:rPr>
               <a:t>conclusion</a:t>
             </a:r>
-            <a:endParaRPr lang="en-US" sz="3600" b="1" dirty="0">
+          </a:p>
+        </p:txBody>
+      </p:sp>
+      <p:sp>
+        <p:nvSpPr>
+          <p:cNvPr id="3" name="Content Placeholder 2"/>
+          <p:cNvSpPr>
+            <a:spLocks noGrp="1"/>
+          </p:cNvSpPr>
+          <p:nvPr>
+            <p:ph idx="1"/>
+          </p:nvPr>
+        </p:nvSpPr>
+        <p:spPr/>
+        <p:txBody>
+          <a:bodyPr>
+            <a:normAutofit/>
+          </a:bodyPr>
+          <a:lstStyle/>
+          <a:p>
+            <a:endParaRPr lang="en-US" sz="2800" dirty="0">
               <a:solidFill>
                 <a:schemeClr val="bg1"/>
               </a:solidFill>
             </a:endParaRPr>
           </a:p>
-        </p:txBody>
-      </p:sp>
-      <p:sp>
-        <p:nvSpPr>
-          <p:cNvPr id="3" name="Content Placeholder 2"/>
-          <p:cNvSpPr>
-            <a:spLocks noGrp="1"/>
-          </p:cNvSpPr>
-          <p:nvPr>
-            <p:ph idx="1"/>
-          </p:nvPr>
-        </p:nvSpPr>
-        <p:spPr/>
-        <p:txBody>
-          <a:bodyPr>
-            <a:normAutofit/>
-          </a:bodyPr>
-          <a:lstStyle/>
-          <a:p>
-            <a:endParaRPr lang="en-US" sz="2800" dirty="0" smtClean="0">
+          <a:p>
+            <a:r>
+              <a:rPr lang="en-US" sz="2800" dirty="0">
+                <a:solidFill>
+                  <a:schemeClr val="bg1"/>
+                </a:solidFill>
+              </a:rPr>
+              <a:t>As the dataset was noisy, our model was prone to </a:t>
+            </a:r>
+            <a:r>
+              <a:rPr lang="en-US" sz="2800" dirty="0" err="1">
+                <a:solidFill>
+                  <a:schemeClr val="bg1"/>
+                </a:solidFill>
+              </a:rPr>
+              <a:t>overfit</a:t>
+            </a:r>
+            <a:endParaRPr lang="en-US" sz="2800" dirty="0">
               <a:solidFill>
                 <a:schemeClr val="bg1"/>
               </a:solidFill>
@@ -9167,39 +9813,16 @@
           </a:p>
           <a:p>
             <a:r>
-              <a:rPr lang="en-US" sz="2800" dirty="0" smtClean="0">
+              <a:rPr lang="en-US" sz="2800" dirty="0">
                 <a:solidFill>
                   <a:schemeClr val="bg1"/>
                 </a:solidFill>
               </a:rPr>
-              <a:t>As the dataset was noisy, our model was prone to </a:t>
-            </a:r>
-            <a:r>
-              <a:rPr lang="en-US" sz="2800" dirty="0" err="1" smtClean="0">
-                <a:solidFill>
-                  <a:schemeClr val="bg1"/>
-                </a:solidFill>
-              </a:rPr>
-              <a:t>overfit</a:t>
-            </a:r>
-            <a:endParaRPr lang="en-US" sz="2800" dirty="0" smtClean="0">
-              <a:solidFill>
-                <a:schemeClr val="bg1"/>
-              </a:solidFill>
-            </a:endParaRPr>
-          </a:p>
-          <a:p>
-            <a:r>
-              <a:rPr lang="en-US" sz="2800" dirty="0" smtClean="0">
-                <a:solidFill>
-                  <a:schemeClr val="bg1"/>
-                </a:solidFill>
-              </a:rPr>
-              <a:t>Pre-processing and Feature Extraction was the key</a:t>
-            </a:r>
-          </a:p>
-          <a:p>
-            <a:endParaRPr lang="en-US" sz="2800" dirty="0" smtClean="0">
+              <a:t>Pre-processing and Manual Feature Extraction was the key</a:t>
+            </a:r>
+          </a:p>
+          <a:p>
+            <a:endParaRPr lang="en-US" sz="2800" dirty="0">
               <a:solidFill>
                 <a:schemeClr val="bg1"/>
               </a:solidFill>
@@ -9220,13 +9843,6 @@
   <p:clrMapOvr>
     <a:masterClrMapping/>
   </p:clrMapOvr>
-  <p:timing>
-    <p:tnLst>
-      <p:par>
-        <p:cTn id="1" dur="indefinite" restart="never" nodeType="tmRoot"/>
-      </p:par>
-    </p:tnLst>
-  </p:timing>
 </p:sld>
 </file>
 

--- a/Presentation.pptx
+++ b/Presentation.pptx
@@ -5,7 +5,7 @@
     <p:sldMasterId id="2147483660" r:id="rId1"/>
   </p:sldMasterIdLst>
   <p:notesMasterIdLst>
-    <p:notesMasterId r:id="rId11"/>
+    <p:notesMasterId r:id="rId12"/>
   </p:notesMasterIdLst>
   <p:sldIdLst>
     <p:sldId id="256" r:id="rId2"/>
@@ -15,8 +15,9 @@
     <p:sldId id="261" r:id="rId6"/>
     <p:sldId id="267" r:id="rId7"/>
     <p:sldId id="262" r:id="rId8"/>
-    <p:sldId id="263" r:id="rId9"/>
-    <p:sldId id="264" r:id="rId10"/>
+    <p:sldId id="268" r:id="rId9"/>
+    <p:sldId id="263" r:id="rId10"/>
+    <p:sldId id="264" r:id="rId11"/>
   </p:sldIdLst>
   <p:sldSz cx="12192000" cy="6858000"/>
   <p:notesSz cx="6858000" cy="9144000"/>
@@ -613,6 +614,90 @@
 </p:notes>
 </file>
 
+<file path=ppt/notesSlides/notesSlide10.xml><?xml version="1.0" encoding="utf-8"?>
+<p:notes xmlns:a="http://schemas.openxmlformats.org/drawingml/2006/main" xmlns:r="http://schemas.openxmlformats.org/officeDocument/2006/relationships" xmlns:p="http://schemas.openxmlformats.org/presentationml/2006/main">
+  <p:cSld>
+    <p:spTree>
+      <p:nvGrpSpPr>
+        <p:cNvPr id="1" name=""/>
+        <p:cNvGrpSpPr/>
+        <p:nvPr/>
+      </p:nvGrpSpPr>
+      <p:grpSpPr>
+        <a:xfrm>
+          <a:off x="0" y="0"/>
+          <a:ext cx="0" cy="0"/>
+          <a:chOff x="0" y="0"/>
+          <a:chExt cx="0" cy="0"/>
+        </a:xfrm>
+      </p:grpSpPr>
+      <p:sp>
+        <p:nvSpPr>
+          <p:cNvPr id="2" name="Slide Image Placeholder 1"/>
+          <p:cNvSpPr>
+            <a:spLocks noGrp="1" noRot="1" noChangeAspect="1"/>
+          </p:cNvSpPr>
+          <p:nvPr>
+            <p:ph type="sldImg"/>
+          </p:nvPr>
+        </p:nvSpPr>
+        <p:spPr/>
+      </p:sp>
+      <p:sp>
+        <p:nvSpPr>
+          <p:cNvPr id="3" name="Notes Placeholder 2"/>
+          <p:cNvSpPr>
+            <a:spLocks noGrp="1"/>
+          </p:cNvSpPr>
+          <p:nvPr>
+            <p:ph type="body" idx="1"/>
+          </p:nvPr>
+        </p:nvSpPr>
+        <p:spPr/>
+        <p:txBody>
+          <a:bodyPr/>
+          <a:lstStyle/>
+          <a:p>
+            <a:endParaRPr lang="en-GB" dirty="0"/>
+          </a:p>
+        </p:txBody>
+      </p:sp>
+      <p:sp>
+        <p:nvSpPr>
+          <p:cNvPr id="4" name="Slide Number Placeholder 3"/>
+          <p:cNvSpPr>
+            <a:spLocks noGrp="1"/>
+          </p:cNvSpPr>
+          <p:nvPr>
+            <p:ph type="sldNum" sz="quarter" idx="10"/>
+          </p:nvPr>
+        </p:nvSpPr>
+        <p:spPr/>
+        <p:txBody>
+          <a:bodyPr/>
+          <a:lstStyle/>
+          <a:p>
+            <a:fld id="{DD801837-D9B4-4140-8B18-11EA6BF1B100}" type="slidenum">
+              <a:rPr lang="en-GB" smtClean="0"/>
+              <a:t>10</a:t>
+            </a:fld>
+            <a:endParaRPr lang="en-GB"/>
+          </a:p>
+        </p:txBody>
+      </p:sp>
+    </p:spTree>
+    <p:extLst>
+      <p:ext uri="{BB962C8B-B14F-4D97-AF65-F5344CB8AC3E}">
+        <p14:creationId xmlns:p14="http://schemas.microsoft.com/office/powerpoint/2010/main" val="496418837"/>
+      </p:ext>
+    </p:extLst>
+  </p:cSld>
+  <p:clrMapOvr>
+    <a:masterClrMapping/>
+  </p:clrMapOvr>
+</p:notes>
+</file>
+
 <file path=ppt/notesSlides/notesSlide2.xml><?xml version="1.0" encoding="utf-8"?>
 <p:notes xmlns:a="http://schemas.openxmlformats.org/drawingml/2006/main" xmlns:r="http://schemas.openxmlformats.org/officeDocument/2006/relationships" xmlns:p="http://schemas.openxmlformats.org/presentationml/2006/main">
   <p:cSld>
@@ -1691,7 +1776,10 @@
           <a:bodyPr/>
           <a:lstStyle/>
           <a:p>
-            <a:endParaRPr lang="en-GB" dirty="0"/>
+            <a:r>
+              <a:rPr lang="en-GB" dirty="0"/>
+              <a:t> </a:t>
+            </a:r>
           </a:p>
         </p:txBody>
       </p:sp>
@@ -1721,7 +1809,7 @@
     </p:spTree>
     <p:extLst>
       <p:ext uri="{BB962C8B-B14F-4D97-AF65-F5344CB8AC3E}">
-        <p14:creationId xmlns:p14="http://schemas.microsoft.com/office/powerpoint/2010/main" val="446436855"/>
+        <p14:creationId xmlns:p14="http://schemas.microsoft.com/office/powerpoint/2010/main" val="913463290"/>
       </p:ext>
     </p:extLst>
   </p:cSld>
@@ -1805,7 +1893,7 @@
     </p:spTree>
     <p:extLst>
       <p:ext uri="{BB962C8B-B14F-4D97-AF65-F5344CB8AC3E}">
-        <p14:creationId xmlns:p14="http://schemas.microsoft.com/office/powerpoint/2010/main" val="496418837"/>
+        <p14:creationId xmlns:p14="http://schemas.microsoft.com/office/powerpoint/2010/main" val="446436855"/>
       </p:ext>
     </p:extLst>
   </p:cSld>
@@ -2028,7 +2116,7 @@
           <a:p>
             <a:fld id="{BDDAFA7A-6445-4002-8C74-4055B96B083F}" type="datetimeFigureOut">
               <a:rPr lang="en-US" smtClean="0"/>
-              <a:t>06-May-16</a:t>
+              <a:t>5/6/2016</a:t>
             </a:fld>
             <a:endParaRPr lang="en-US"/>
           </a:p>
@@ -2319,7 +2407,7 @@
           <a:p>
             <a:fld id="{BDDAFA7A-6445-4002-8C74-4055B96B083F}" type="datetimeFigureOut">
               <a:rPr lang="en-US" smtClean="0"/>
-              <a:t>06-May-16</a:t>
+              <a:t>5/6/2016</a:t>
             </a:fld>
             <a:endParaRPr lang="en-US"/>
           </a:p>
@@ -2578,7 +2666,7 @@
           <a:p>
             <a:fld id="{BDDAFA7A-6445-4002-8C74-4055B96B083F}" type="datetimeFigureOut">
               <a:rPr lang="en-US" smtClean="0"/>
-              <a:t>06-May-16</a:t>
+              <a:t>5/6/2016</a:t>
             </a:fld>
             <a:endParaRPr lang="en-US"/>
           </a:p>
@@ -3047,7 +3135,7 @@
           <a:p>
             <a:fld id="{BDDAFA7A-6445-4002-8C74-4055B96B083F}" type="datetimeFigureOut">
               <a:rPr lang="en-US" smtClean="0"/>
-              <a:t>06-May-16</a:t>
+              <a:t>5/6/2016</a:t>
             </a:fld>
             <a:endParaRPr lang="en-US"/>
           </a:p>
@@ -3227,7 +3315,7 @@
           <a:p>
             <a:fld id="{BDDAFA7A-6445-4002-8C74-4055B96B083F}" type="datetimeFigureOut">
               <a:rPr lang="en-US" smtClean="0"/>
-              <a:t>06-May-16</a:t>
+              <a:t>5/6/2016</a:t>
             </a:fld>
             <a:endParaRPr lang="en-US"/>
           </a:p>
@@ -3803,7 +3891,7 @@
           <a:p>
             <a:fld id="{BDDAFA7A-6445-4002-8C74-4055B96B083F}" type="datetimeFigureOut">
               <a:rPr lang="en-US" smtClean="0"/>
-              <a:t>06-May-16</a:t>
+              <a:t>5/6/2016</a:t>
             </a:fld>
             <a:endParaRPr lang="en-US"/>
           </a:p>
@@ -4135,7 +4223,7 @@
           <a:p>
             <a:fld id="{BDDAFA7A-6445-4002-8C74-4055B96B083F}" type="datetimeFigureOut">
               <a:rPr lang="en-US" smtClean="0"/>
-              <a:t>06-May-16</a:t>
+              <a:t>5/6/2016</a:t>
             </a:fld>
             <a:endParaRPr lang="en-US"/>
           </a:p>
@@ -4310,7 +4398,7 @@
           <a:p>
             <a:fld id="{BDDAFA7A-6445-4002-8C74-4055B96B083F}" type="datetimeFigureOut">
               <a:rPr lang="en-US" smtClean="0"/>
-              <a:t>06-May-16</a:t>
+              <a:t>5/6/2016</a:t>
             </a:fld>
             <a:endParaRPr lang="en-US"/>
           </a:p>
@@ -4490,7 +4578,7 @@
           <a:p>
             <a:fld id="{BDDAFA7A-6445-4002-8C74-4055B96B083F}" type="datetimeFigureOut">
               <a:rPr lang="en-US" smtClean="0"/>
-              <a:t>06-May-16</a:t>
+              <a:t>5/6/2016</a:t>
             </a:fld>
             <a:endParaRPr lang="en-US"/>
           </a:p>
@@ -4670,7 +4758,7 @@
           <a:p>
             <a:fld id="{BDDAFA7A-6445-4002-8C74-4055B96B083F}" type="datetimeFigureOut">
               <a:rPr lang="en-US" smtClean="0"/>
-              <a:t>06-May-16</a:t>
+              <a:t>5/6/2016</a:t>
             </a:fld>
             <a:endParaRPr lang="en-US"/>
           </a:p>
@@ -4927,7 +5015,7 @@
           <a:p>
             <a:fld id="{BDDAFA7A-6445-4002-8C74-4055B96B083F}" type="datetimeFigureOut">
               <a:rPr lang="en-US" smtClean="0"/>
-              <a:t>06-May-16</a:t>
+              <a:t>5/6/2016</a:t>
             </a:fld>
             <a:endParaRPr lang="en-US"/>
           </a:p>
@@ -5219,7 +5307,7 @@
           <a:p>
             <a:fld id="{BDDAFA7A-6445-4002-8C74-4055B96B083F}" type="datetimeFigureOut">
               <a:rPr lang="en-US" smtClean="0"/>
-              <a:t>06-May-16</a:t>
+              <a:t>5/6/2016</a:t>
             </a:fld>
             <a:endParaRPr lang="en-US"/>
           </a:p>
@@ -5649,7 +5737,7 @@
           <a:p>
             <a:fld id="{BDDAFA7A-6445-4002-8C74-4055B96B083F}" type="datetimeFigureOut">
               <a:rPr lang="en-US" smtClean="0"/>
-              <a:t>06-May-16</a:t>
+              <a:t>5/6/2016</a:t>
             </a:fld>
             <a:endParaRPr lang="en-US"/>
           </a:p>
@@ -5767,7 +5855,7 @@
           <a:p>
             <a:fld id="{BDDAFA7A-6445-4002-8C74-4055B96B083F}" type="datetimeFigureOut">
               <a:rPr lang="en-US" smtClean="0"/>
-              <a:t>06-May-16</a:t>
+              <a:t>5/6/2016</a:t>
             </a:fld>
             <a:endParaRPr lang="en-US"/>
           </a:p>
@@ -5862,7 +5950,7 @@
           <a:p>
             <a:fld id="{BDDAFA7A-6445-4002-8C74-4055B96B083F}" type="datetimeFigureOut">
               <a:rPr lang="en-US" smtClean="0"/>
-              <a:t>06-May-16</a:t>
+              <a:t>5/6/2016</a:t>
             </a:fld>
             <a:endParaRPr lang="en-US"/>
           </a:p>
@@ -6145,7 +6233,7 @@
           <a:p>
             <a:fld id="{BDDAFA7A-6445-4002-8C74-4055B96B083F}" type="datetimeFigureOut">
               <a:rPr lang="en-US" smtClean="0"/>
-              <a:t>06-May-16</a:t>
+              <a:t>5/6/2016</a:t>
             </a:fld>
             <a:endParaRPr lang="en-US"/>
           </a:p>
@@ -6436,7 +6524,7 @@
           <a:p>
             <a:fld id="{BDDAFA7A-6445-4002-8C74-4055B96B083F}" type="datetimeFigureOut">
               <a:rPr lang="en-US" smtClean="0"/>
-              <a:t>06-May-16</a:t>
+              <a:t>5/6/2016</a:t>
             </a:fld>
             <a:endParaRPr lang="en-US"/>
           </a:p>
@@ -6667,7 +6755,7 @@
           <a:p>
             <a:fld id="{BDDAFA7A-6445-4002-8C74-4055B96B083F}" type="datetimeFigureOut">
               <a:rPr lang="en-US" smtClean="0"/>
-              <a:t>06-May-16</a:t>
+              <a:t>5/6/2016</a:t>
             </a:fld>
             <a:endParaRPr lang="en-US"/>
           </a:p>
@@ -7473,6 +7561,10 @@
           </a:bodyPr>
           <a:lstStyle/>
           <a:p>
+            <a:r>
+              <a:rPr lang="en-US" sz="6000" b="1" dirty="0"/>
+              <a:t/>
+            </a:r>
             <a:br>
               <a:rPr lang="en-US" sz="6000" b="1" dirty="0"/>
             </a:br>
@@ -7649,6 +7741,150 @@
   <p:clrMapOvr>
     <a:masterClrMapping/>
   </p:clrMapOvr>
+</p:sld>
+</file>
+
+<file path=ppt/slides/slide10.xml><?xml version="1.0" encoding="utf-8"?>
+<p:sld xmlns:a="http://schemas.openxmlformats.org/drawingml/2006/main" xmlns:r="http://schemas.openxmlformats.org/officeDocument/2006/relationships" xmlns:p="http://schemas.openxmlformats.org/presentationml/2006/main">
+  <p:cSld>
+    <p:bg>
+      <p:bgPr>
+        <a:pattFill prst="pct50">
+          <a:fgClr>
+            <a:schemeClr val="tx1"/>
+          </a:fgClr>
+          <a:bgClr>
+            <a:schemeClr val="tx1">
+              <a:lumMod val="95000"/>
+            </a:schemeClr>
+          </a:bgClr>
+        </a:pattFill>
+        <a:effectLst/>
+      </p:bgPr>
+    </p:bg>
+    <p:spTree>
+      <p:nvGrpSpPr>
+        <p:cNvPr id="1" name=""/>
+        <p:cNvGrpSpPr/>
+        <p:nvPr/>
+      </p:nvGrpSpPr>
+      <p:grpSpPr>
+        <a:xfrm>
+          <a:off x="0" y="0"/>
+          <a:ext cx="0" cy="0"/>
+          <a:chOff x="0" y="0"/>
+          <a:chExt cx="0" cy="0"/>
+        </a:xfrm>
+      </p:grpSpPr>
+      <p:sp>
+        <p:nvSpPr>
+          <p:cNvPr id="2" name="Title 1"/>
+          <p:cNvSpPr>
+            <a:spLocks noGrp="1"/>
+          </p:cNvSpPr>
+          <p:nvPr>
+            <p:ph type="title"/>
+          </p:nvPr>
+        </p:nvSpPr>
+        <p:spPr/>
+        <p:txBody>
+          <a:bodyPr>
+            <a:normAutofit/>
+          </a:bodyPr>
+          <a:lstStyle/>
+          <a:p>
+            <a:r>
+              <a:rPr lang="en-US" sz="3600" b="1" dirty="0">
+                <a:solidFill>
+                  <a:schemeClr val="bg1"/>
+                </a:solidFill>
+              </a:rPr>
+              <a:t>conclusion</a:t>
+            </a:r>
+          </a:p>
+        </p:txBody>
+      </p:sp>
+      <p:sp>
+        <p:nvSpPr>
+          <p:cNvPr id="3" name="Content Placeholder 2"/>
+          <p:cNvSpPr>
+            <a:spLocks noGrp="1"/>
+          </p:cNvSpPr>
+          <p:nvPr>
+            <p:ph idx="1"/>
+          </p:nvPr>
+        </p:nvSpPr>
+        <p:spPr/>
+        <p:txBody>
+          <a:bodyPr>
+            <a:normAutofit/>
+          </a:bodyPr>
+          <a:lstStyle/>
+          <a:p>
+            <a:endParaRPr lang="en-US" sz="3200" dirty="0">
+              <a:solidFill>
+                <a:schemeClr val="bg1"/>
+              </a:solidFill>
+            </a:endParaRPr>
+          </a:p>
+          <a:p>
+            <a:r>
+              <a:rPr lang="en-US" sz="3200" dirty="0" smtClean="0">
+                <a:solidFill>
+                  <a:schemeClr val="bg1"/>
+                </a:solidFill>
+              </a:rPr>
+              <a:t>Noisy dataset</a:t>
+            </a:r>
+          </a:p>
+          <a:p>
+            <a:r>
+              <a:rPr lang="en-US" sz="3200" dirty="0" smtClean="0">
+                <a:solidFill>
+                  <a:schemeClr val="bg1"/>
+                </a:solidFill>
+              </a:rPr>
+              <a:t>Models prone to overfitting</a:t>
+            </a:r>
+          </a:p>
+          <a:p>
+            <a:r>
+              <a:rPr lang="en-US" sz="3200" dirty="0" smtClean="0">
+                <a:solidFill>
+                  <a:schemeClr val="bg1"/>
+                </a:solidFill>
+              </a:rPr>
+              <a:t>Preprocessing and </a:t>
+            </a:r>
+            <a:r>
+              <a:rPr lang="en-US" sz="3200" dirty="0" smtClean="0">
+                <a:solidFill>
+                  <a:schemeClr val="bg1"/>
+                </a:solidFill>
+              </a:rPr>
+              <a:t>feature extraction key to success</a:t>
+            </a:r>
+            <a:endParaRPr lang="en-US" sz="3200" dirty="0"/>
+          </a:p>
+        </p:txBody>
+      </p:sp>
+    </p:spTree>
+    <p:extLst>
+      <p:ext uri="{BB962C8B-B14F-4D97-AF65-F5344CB8AC3E}">
+        <p14:creationId xmlns:p14="http://schemas.microsoft.com/office/powerpoint/2010/main" val="1678848181"/>
+      </p:ext>
+    </p:extLst>
+  </p:cSld>
+  <p:clrMapOvr>
+    <a:masterClrMapping/>
+  </p:clrMapOvr>
+  <p:timing>
+    <p:tnLst>
+      <p:par>
+        <p:cTn id="1" dur="indefinite" restart="never" nodeType="tmRoot"/>
+      </p:par>
+    </p:tnLst>
+  </p:timing>
 </p:sld>
 </file>
 
@@ -8637,6 +8873,114 @@
           <a:chExt cx="0" cy="0"/>
         </a:xfrm>
       </p:grpSpPr>
+      <p:pic>
+        <p:nvPicPr>
+          <p:cNvPr id="5" name="Content Placeholder 4"/>
+          <p:cNvPicPr>
+            <a:picLocks noGrp="1" noChangeAspect="1"/>
+          </p:cNvPicPr>
+          <p:nvPr>
+            <p:ph idx="1"/>
+          </p:nvPr>
+        </p:nvPicPr>
+        <p:blipFill>
+          <a:blip r:embed="rId3" cstate="print">
+            <a:extLst>
+              <a:ext uri="{28A0092B-C50C-407E-A947-70E740481C1C}">
+                <a14:useLocalDpi xmlns:a14="http://schemas.microsoft.com/office/drawing/2010/main" val="0"/>
+              </a:ext>
+            </a:extLst>
+          </a:blip>
+          <a:stretch>
+            <a:fillRect/>
+          </a:stretch>
+        </p:blipFill>
+        <p:spPr>
+          <a:xfrm>
+            <a:off x="880837" y="1390265"/>
+            <a:ext cx="10427147" cy="5467735"/>
+          </a:xfrm>
+        </p:spPr>
+      </p:pic>
+      <p:sp>
+        <p:nvSpPr>
+          <p:cNvPr id="4" name="Title 3"/>
+          <p:cNvSpPr>
+            <a:spLocks noGrp="1"/>
+          </p:cNvSpPr>
+          <p:nvPr>
+            <p:ph type="title"/>
+          </p:nvPr>
+        </p:nvSpPr>
+        <p:spPr/>
+        <p:txBody>
+          <a:bodyPr>
+            <a:normAutofit/>
+          </a:bodyPr>
+          <a:lstStyle/>
+          <a:p>
+            <a:pPr algn="ctr"/>
+            <a:r>
+              <a:rPr lang="en-US" sz="3600" b="1" dirty="0" smtClean="0">
+                <a:solidFill>
+                  <a:schemeClr val="bg1"/>
+                </a:solidFill>
+              </a:rPr>
+              <a:t>FEATURE IMPORTANCE</a:t>
+            </a:r>
+            <a:endParaRPr lang="en-GB" sz="3600" b="1" dirty="0">
+              <a:solidFill>
+                <a:schemeClr val="bg1"/>
+              </a:solidFill>
+            </a:endParaRPr>
+          </a:p>
+        </p:txBody>
+      </p:sp>
+    </p:spTree>
+    <p:extLst>
+      <p:ext uri="{BB962C8B-B14F-4D97-AF65-F5344CB8AC3E}">
+        <p14:creationId xmlns:p14="http://schemas.microsoft.com/office/powerpoint/2010/main" val="3790333308"/>
+      </p:ext>
+    </p:extLst>
+  </p:cSld>
+  <p:clrMapOvr>
+    <a:masterClrMapping/>
+  </p:clrMapOvr>
+</p:sld>
+</file>
+
+<file path=ppt/slides/slide9.xml><?xml version="1.0" encoding="utf-8"?>
+<p:sld xmlns:a="http://schemas.openxmlformats.org/drawingml/2006/main" xmlns:r="http://schemas.openxmlformats.org/officeDocument/2006/relationships" xmlns:p="http://schemas.openxmlformats.org/presentationml/2006/main">
+  <p:cSld>
+    <p:bg>
+      <p:bgPr>
+        <a:pattFill prst="pct50">
+          <a:fgClr>
+            <a:schemeClr val="tx1"/>
+          </a:fgClr>
+          <a:bgClr>
+            <a:schemeClr val="tx1">
+              <a:lumMod val="95000"/>
+            </a:schemeClr>
+          </a:bgClr>
+        </a:pattFill>
+        <a:effectLst/>
+      </p:bgPr>
+    </p:bg>
+    <p:spTree>
+      <p:nvGrpSpPr>
+        <p:cNvPr id="1" name=""/>
+        <p:cNvGrpSpPr/>
+        <p:nvPr/>
+      </p:nvGrpSpPr>
+      <p:grpSpPr>
+        <a:xfrm>
+          <a:off x="0" y="0"/>
+          <a:ext cx="0" cy="0"/>
+          <a:chOff x="0" y="0"/>
+          <a:chExt cx="0" cy="0"/>
+        </a:xfrm>
+      </p:grpSpPr>
       <p:sp>
         <p:nvSpPr>
           <p:cNvPr id="2" name="Title 1"/>
@@ -8692,28 +9036,28 @@
                 <a:gridCol w="2650380">
                   <a:extLst>
                     <a:ext uri="{9D8B030D-6E8A-4147-A177-3AD203B41FA5}">
-                      <a16:colId xmlns:a16="http://schemas.microsoft.com/office/drawing/2014/main" val="20000"/>
+                      <a16:colId xmlns:a16="http://schemas.microsoft.com/office/drawing/2014/main" xmlns="" val="20000"/>
                     </a:ext>
                   </a:extLst>
                 </a:gridCol>
                 <a:gridCol w="2650380">
                   <a:extLst>
                     <a:ext uri="{9D8B030D-6E8A-4147-A177-3AD203B41FA5}">
-                      <a16:colId xmlns:a16="http://schemas.microsoft.com/office/drawing/2014/main" val="1446668731"/>
+                      <a16:colId xmlns:a16="http://schemas.microsoft.com/office/drawing/2014/main" xmlns="" val="1446668731"/>
                     </a:ext>
                   </a:extLst>
                 </a:gridCol>
                 <a:gridCol w="2650380">
                   <a:extLst>
                     <a:ext uri="{9D8B030D-6E8A-4147-A177-3AD203B41FA5}">
-                      <a16:colId xmlns:a16="http://schemas.microsoft.com/office/drawing/2014/main" val="3945954696"/>
+                      <a16:colId xmlns:a16="http://schemas.microsoft.com/office/drawing/2014/main" xmlns="" val="3945954696"/>
                     </a:ext>
                   </a:extLst>
                 </a:gridCol>
                 <a:gridCol w="3094755">
                   <a:extLst>
                     <a:ext uri="{9D8B030D-6E8A-4147-A177-3AD203B41FA5}">
-                      <a16:colId xmlns:a16="http://schemas.microsoft.com/office/drawing/2014/main" val="20001"/>
+                      <a16:colId xmlns:a16="http://schemas.microsoft.com/office/drawing/2014/main" xmlns="" val="20001"/>
                     </a:ext>
                   </a:extLst>
                 </a:gridCol>
@@ -8962,7 +9306,7 @@
                 </a:tc>
                 <a:extLst>
                   <a:ext uri="{0D108BD9-81ED-4DB2-BD59-A6C34878D82A}">
-                    <a16:rowId xmlns:a16="http://schemas.microsoft.com/office/drawing/2014/main" val="10000"/>
+                    <a16:rowId xmlns:a16="http://schemas.microsoft.com/office/drawing/2014/main" xmlns="" val="10000"/>
                   </a:ext>
                 </a:extLst>
               </a:tr>
@@ -9197,7 +9541,7 @@
                 </a:tc>
                 <a:extLst>
                   <a:ext uri="{0D108BD9-81ED-4DB2-BD59-A6C34878D82A}">
-                    <a16:rowId xmlns:a16="http://schemas.microsoft.com/office/drawing/2014/main" val="10001"/>
+                    <a16:rowId xmlns:a16="http://schemas.microsoft.com/office/drawing/2014/main" xmlns="" val="10001"/>
                   </a:ext>
                 </a:extLst>
               </a:tr>
@@ -9449,7 +9793,7 @@
                 </a:tc>
                 <a:extLst>
                   <a:ext uri="{0D108BD9-81ED-4DB2-BD59-A6C34878D82A}">
-                    <a16:rowId xmlns:a16="http://schemas.microsoft.com/office/drawing/2014/main" val="10002"/>
+                    <a16:rowId xmlns:a16="http://schemas.microsoft.com/office/drawing/2014/main" xmlns="" val="10002"/>
                   </a:ext>
                 </a:extLst>
               </a:tr>
@@ -9684,7 +10028,7 @@
                 </a:tc>
                 <a:extLst>
                   <a:ext uri="{0D108BD9-81ED-4DB2-BD59-A6C34878D82A}">
-                    <a16:rowId xmlns:a16="http://schemas.microsoft.com/office/drawing/2014/main" val="10003"/>
+                    <a16:rowId xmlns:a16="http://schemas.microsoft.com/office/drawing/2014/main" xmlns="" val="10003"/>
                   </a:ext>
                 </a:extLst>
               </a:tr>
@@ -9702,147 +10046,13 @@
   <p:clrMapOvr>
     <a:masterClrMapping/>
   </p:clrMapOvr>
-</p:sld>
-</file>
-
-<file path=ppt/slides/slide9.xml><?xml version="1.0" encoding="utf-8"?>
-<p:sld xmlns:a="http://schemas.openxmlformats.org/drawingml/2006/main" xmlns:r="http://schemas.openxmlformats.org/officeDocument/2006/relationships" xmlns:p="http://schemas.openxmlformats.org/presentationml/2006/main">
-  <p:cSld>
-    <p:bg>
-      <p:bgPr>
-        <a:pattFill prst="pct50">
-          <a:fgClr>
-            <a:schemeClr val="tx1"/>
-          </a:fgClr>
-          <a:bgClr>
-            <a:schemeClr val="tx1">
-              <a:lumMod val="95000"/>
-            </a:schemeClr>
-          </a:bgClr>
-        </a:pattFill>
-        <a:effectLst/>
-      </p:bgPr>
-    </p:bg>
-    <p:spTree>
-      <p:nvGrpSpPr>
-        <p:cNvPr id="1" name=""/>
-        <p:cNvGrpSpPr/>
-        <p:nvPr/>
-      </p:nvGrpSpPr>
-      <p:grpSpPr>
-        <a:xfrm>
-          <a:off x="0" y="0"/>
-          <a:ext cx="0" cy="0"/>
-          <a:chOff x="0" y="0"/>
-          <a:chExt cx="0" cy="0"/>
-        </a:xfrm>
-      </p:grpSpPr>
-      <p:sp>
-        <p:nvSpPr>
-          <p:cNvPr id="2" name="Title 1"/>
-          <p:cNvSpPr>
-            <a:spLocks noGrp="1"/>
-          </p:cNvSpPr>
-          <p:nvPr>
-            <p:ph type="title"/>
-          </p:nvPr>
-        </p:nvSpPr>
-        <p:spPr/>
-        <p:txBody>
-          <a:bodyPr>
-            <a:normAutofit/>
-          </a:bodyPr>
-          <a:lstStyle/>
-          <a:p>
-            <a:r>
-              <a:rPr lang="en-US" sz="3600" b="1" dirty="0">
-                <a:solidFill>
-                  <a:schemeClr val="bg1"/>
-                </a:solidFill>
-              </a:rPr>
-              <a:t>conclusion</a:t>
-            </a:r>
-          </a:p>
-        </p:txBody>
-      </p:sp>
-      <p:sp>
-        <p:nvSpPr>
-          <p:cNvPr id="3" name="Content Placeholder 2"/>
-          <p:cNvSpPr>
-            <a:spLocks noGrp="1"/>
-          </p:cNvSpPr>
-          <p:nvPr>
-            <p:ph idx="1"/>
-          </p:nvPr>
-        </p:nvSpPr>
-        <p:spPr/>
-        <p:txBody>
-          <a:bodyPr>
-            <a:normAutofit/>
-          </a:bodyPr>
-          <a:lstStyle/>
-          <a:p>
-            <a:endParaRPr lang="en-US" sz="2800" dirty="0">
-              <a:solidFill>
-                <a:schemeClr val="bg1"/>
-              </a:solidFill>
-            </a:endParaRPr>
-          </a:p>
-          <a:p>
-            <a:r>
-              <a:rPr lang="en-US" sz="2800" dirty="0">
-                <a:solidFill>
-                  <a:schemeClr val="bg1"/>
-                </a:solidFill>
-              </a:rPr>
-              <a:t>As the dataset was noisy, our model was prone to </a:t>
-            </a:r>
-            <a:r>
-              <a:rPr lang="en-US" sz="2800" dirty="0" err="1">
-                <a:solidFill>
-                  <a:schemeClr val="bg1"/>
-                </a:solidFill>
-              </a:rPr>
-              <a:t>overfit</a:t>
-            </a:r>
-            <a:endParaRPr lang="en-US" sz="2800" dirty="0">
-              <a:solidFill>
-                <a:schemeClr val="bg1"/>
-              </a:solidFill>
-            </a:endParaRPr>
-          </a:p>
-          <a:p>
-            <a:r>
-              <a:rPr lang="en-US" sz="2800" dirty="0">
-                <a:solidFill>
-                  <a:schemeClr val="bg1"/>
-                </a:solidFill>
-              </a:rPr>
-              <a:t>Pre-processing and Manual Feature Extraction was the key</a:t>
-            </a:r>
-          </a:p>
-          <a:p>
-            <a:endParaRPr lang="en-US" sz="2800" dirty="0">
-              <a:solidFill>
-                <a:schemeClr val="bg1"/>
-              </a:solidFill>
-            </a:endParaRPr>
-          </a:p>
-          <a:p>
-            <a:endParaRPr lang="en-US" sz="2800" dirty="0"/>
-          </a:p>
-        </p:txBody>
-      </p:sp>
-    </p:spTree>
-    <p:extLst>
-      <p:ext uri="{BB962C8B-B14F-4D97-AF65-F5344CB8AC3E}">
-        <p14:creationId xmlns:p14="http://schemas.microsoft.com/office/powerpoint/2010/main" val="1678848181"/>
-      </p:ext>
-    </p:extLst>
-  </p:cSld>
-  <p:clrMapOvr>
-    <a:masterClrMapping/>
-  </p:clrMapOvr>
+  <p:timing>
+    <p:tnLst>
+      <p:par>
+        <p:cTn id="1" dur="indefinite" restart="never" nodeType="tmRoot"/>
+      </p:par>
+    </p:tnLst>
+  </p:timing>
 </p:sld>
 </file>
 

--- a/Presentation.pptx
+++ b/Presentation.pptx
@@ -206,7 +206,7 @@
           <a:p>
             <a:fld id="{0B5FF9F3-B8F7-44D8-B55E-59E955E4F250}" type="datetimeFigureOut">
               <a:rPr lang="en-GB" smtClean="0"/>
-              <a:t>06/05/2016</a:t>
+              <a:t>08/05/2016</a:t>
             </a:fld>
             <a:endParaRPr lang="en-GB"/>
           </a:p>
@@ -2116,7 +2116,7 @@
           <a:p>
             <a:fld id="{BDDAFA7A-6445-4002-8C74-4055B96B083F}" type="datetimeFigureOut">
               <a:rPr lang="en-US" smtClean="0"/>
-              <a:t>5/6/2016</a:t>
+              <a:t>5/8/2016</a:t>
             </a:fld>
             <a:endParaRPr lang="en-US"/>
           </a:p>
@@ -2407,7 +2407,7 @@
           <a:p>
             <a:fld id="{BDDAFA7A-6445-4002-8C74-4055B96B083F}" type="datetimeFigureOut">
               <a:rPr lang="en-US" smtClean="0"/>
-              <a:t>5/6/2016</a:t>
+              <a:t>5/8/2016</a:t>
             </a:fld>
             <a:endParaRPr lang="en-US"/>
           </a:p>
@@ -2666,7 +2666,7 @@
           <a:p>
             <a:fld id="{BDDAFA7A-6445-4002-8C74-4055B96B083F}" type="datetimeFigureOut">
               <a:rPr lang="en-US" smtClean="0"/>
-              <a:t>5/6/2016</a:t>
+              <a:t>5/8/2016</a:t>
             </a:fld>
             <a:endParaRPr lang="en-US"/>
           </a:p>
@@ -3135,7 +3135,7 @@
           <a:p>
             <a:fld id="{BDDAFA7A-6445-4002-8C74-4055B96B083F}" type="datetimeFigureOut">
               <a:rPr lang="en-US" smtClean="0"/>
-              <a:t>5/6/2016</a:t>
+              <a:t>5/8/2016</a:t>
             </a:fld>
             <a:endParaRPr lang="en-US"/>
           </a:p>
@@ -3315,7 +3315,7 @@
           <a:p>
             <a:fld id="{BDDAFA7A-6445-4002-8C74-4055B96B083F}" type="datetimeFigureOut">
               <a:rPr lang="en-US" smtClean="0"/>
-              <a:t>5/6/2016</a:t>
+              <a:t>5/8/2016</a:t>
             </a:fld>
             <a:endParaRPr lang="en-US"/>
           </a:p>
@@ -3891,7 +3891,7 @@
           <a:p>
             <a:fld id="{BDDAFA7A-6445-4002-8C74-4055B96B083F}" type="datetimeFigureOut">
               <a:rPr lang="en-US" smtClean="0"/>
-              <a:t>5/6/2016</a:t>
+              <a:t>5/8/2016</a:t>
             </a:fld>
             <a:endParaRPr lang="en-US"/>
           </a:p>
@@ -4223,7 +4223,7 @@
           <a:p>
             <a:fld id="{BDDAFA7A-6445-4002-8C74-4055B96B083F}" type="datetimeFigureOut">
               <a:rPr lang="en-US" smtClean="0"/>
-              <a:t>5/6/2016</a:t>
+              <a:t>5/8/2016</a:t>
             </a:fld>
             <a:endParaRPr lang="en-US"/>
           </a:p>
@@ -4398,7 +4398,7 @@
           <a:p>
             <a:fld id="{BDDAFA7A-6445-4002-8C74-4055B96B083F}" type="datetimeFigureOut">
               <a:rPr lang="en-US" smtClean="0"/>
-              <a:t>5/6/2016</a:t>
+              <a:t>5/8/2016</a:t>
             </a:fld>
             <a:endParaRPr lang="en-US"/>
           </a:p>
@@ -4578,7 +4578,7 @@
           <a:p>
             <a:fld id="{BDDAFA7A-6445-4002-8C74-4055B96B083F}" type="datetimeFigureOut">
               <a:rPr lang="en-US" smtClean="0"/>
-              <a:t>5/6/2016</a:t>
+              <a:t>5/8/2016</a:t>
             </a:fld>
             <a:endParaRPr lang="en-US"/>
           </a:p>
@@ -4758,7 +4758,7 @@
           <a:p>
             <a:fld id="{BDDAFA7A-6445-4002-8C74-4055B96B083F}" type="datetimeFigureOut">
               <a:rPr lang="en-US" smtClean="0"/>
-              <a:t>5/6/2016</a:t>
+              <a:t>5/8/2016</a:t>
             </a:fld>
             <a:endParaRPr lang="en-US"/>
           </a:p>
@@ -5015,7 +5015,7 @@
           <a:p>
             <a:fld id="{BDDAFA7A-6445-4002-8C74-4055B96B083F}" type="datetimeFigureOut">
               <a:rPr lang="en-US" smtClean="0"/>
-              <a:t>5/6/2016</a:t>
+              <a:t>5/8/2016</a:t>
             </a:fld>
             <a:endParaRPr lang="en-US"/>
           </a:p>
@@ -5307,7 +5307,7 @@
           <a:p>
             <a:fld id="{BDDAFA7A-6445-4002-8C74-4055B96B083F}" type="datetimeFigureOut">
               <a:rPr lang="en-US" smtClean="0"/>
-              <a:t>5/6/2016</a:t>
+              <a:t>5/8/2016</a:t>
             </a:fld>
             <a:endParaRPr lang="en-US"/>
           </a:p>
@@ -5737,7 +5737,7 @@
           <a:p>
             <a:fld id="{BDDAFA7A-6445-4002-8C74-4055B96B083F}" type="datetimeFigureOut">
               <a:rPr lang="en-US" smtClean="0"/>
-              <a:t>5/6/2016</a:t>
+              <a:t>5/8/2016</a:t>
             </a:fld>
             <a:endParaRPr lang="en-US"/>
           </a:p>
@@ -5855,7 +5855,7 @@
           <a:p>
             <a:fld id="{BDDAFA7A-6445-4002-8C74-4055B96B083F}" type="datetimeFigureOut">
               <a:rPr lang="en-US" smtClean="0"/>
-              <a:t>5/6/2016</a:t>
+              <a:t>5/8/2016</a:t>
             </a:fld>
             <a:endParaRPr lang="en-US"/>
           </a:p>
@@ -5950,7 +5950,7 @@
           <a:p>
             <a:fld id="{BDDAFA7A-6445-4002-8C74-4055B96B083F}" type="datetimeFigureOut">
               <a:rPr lang="en-US" smtClean="0"/>
-              <a:t>5/6/2016</a:t>
+              <a:t>5/8/2016</a:t>
             </a:fld>
             <a:endParaRPr lang="en-US"/>
           </a:p>
@@ -6233,7 +6233,7 @@
           <a:p>
             <a:fld id="{BDDAFA7A-6445-4002-8C74-4055B96B083F}" type="datetimeFigureOut">
               <a:rPr lang="en-US" smtClean="0"/>
-              <a:t>5/6/2016</a:t>
+              <a:t>5/8/2016</a:t>
             </a:fld>
             <a:endParaRPr lang="en-US"/>
           </a:p>
@@ -6524,7 +6524,7 @@
           <a:p>
             <a:fld id="{BDDAFA7A-6445-4002-8C74-4055B96B083F}" type="datetimeFigureOut">
               <a:rPr lang="en-US" smtClean="0"/>
-              <a:t>5/6/2016</a:t>
+              <a:t>5/8/2016</a:t>
             </a:fld>
             <a:endParaRPr lang="en-US"/>
           </a:p>
@@ -6755,7 +6755,7 @@
           <a:p>
             <a:fld id="{BDDAFA7A-6445-4002-8C74-4055B96B083F}" type="datetimeFigureOut">
               <a:rPr lang="en-US" smtClean="0"/>
-              <a:t>5/6/2016</a:t>
+              <a:t>5/8/2016</a:t>
             </a:fld>
             <a:endParaRPr lang="en-US"/>
           </a:p>
@@ -7854,15 +7854,7 @@
                   <a:schemeClr val="bg1"/>
                 </a:solidFill>
               </a:rPr>
-              <a:t>Preprocessing and </a:t>
-            </a:r>
-            <a:r>
-              <a:rPr lang="en-US" sz="3200" dirty="0" smtClean="0">
-                <a:solidFill>
-                  <a:schemeClr val="bg1"/>
-                </a:solidFill>
-              </a:rPr>
-              <a:t>feature extraction key to success</a:t>
+              <a:t>Preprocessing and feature extraction key to success</a:t>
             </a:r>
             <a:endParaRPr lang="en-US" sz="3200" dirty="0"/>
           </a:p>
@@ -8315,28 +8307,46 @@
                   <a:schemeClr val="bg1"/>
                 </a:solidFill>
               </a:rPr>
-              <a:t>Search Queries</a:t>
-            </a:r>
-          </a:p>
-          <a:p>
-            <a:r>
-              <a:rPr lang="en-GB" sz="3600" dirty="0">
+              <a:t>Search </a:t>
+            </a:r>
+            <a:r>
+              <a:rPr lang="en-GB" sz="3600" dirty="0" smtClean="0">
                 <a:solidFill>
                   <a:schemeClr val="bg1"/>
                 </a:solidFill>
               </a:rPr>
-              <a:t>Search Results</a:t>
-            </a:r>
-          </a:p>
-          <a:p>
-            <a:r>
-              <a:rPr lang="en-GB" sz="3600" dirty="0">
+              <a:t>Queries</a:t>
+            </a:r>
+          </a:p>
+          <a:p>
+            <a:r>
+              <a:rPr lang="en-GB" sz="3600" dirty="0" smtClean="0">
                 <a:solidFill>
                   <a:schemeClr val="bg1"/>
                 </a:solidFill>
               </a:rPr>
-              <a:t>Scores</a:t>
-            </a:r>
+              <a:t>Relevance Scores</a:t>
+            </a:r>
+            <a:endParaRPr lang="en-GB" sz="3600" dirty="0">
+              <a:solidFill>
+                <a:schemeClr val="bg1"/>
+              </a:solidFill>
+            </a:endParaRPr>
+          </a:p>
+          <a:p>
+            <a:r>
+              <a:rPr lang="en-US" sz="3600" dirty="0" smtClean="0">
+                <a:solidFill>
+                  <a:schemeClr val="bg1"/>
+                </a:solidFill>
+              </a:rPr>
+              <a:t>Product Information</a:t>
+            </a:r>
+            <a:endParaRPr lang="en-GB" sz="3600" dirty="0">
+              <a:solidFill>
+                <a:schemeClr val="bg1"/>
+              </a:solidFill>
+            </a:endParaRPr>
           </a:p>
           <a:p>
             <a:pPr marL="0" indent="0">
@@ -8468,28 +8478,55 @@
                   <a:schemeClr val="bg1"/>
                 </a:solidFill>
               </a:rPr>
-              <a:t>Punctuation Errors</a:t>
-            </a:r>
-          </a:p>
-          <a:p>
+              <a:t>Punctuation/ </a:t>
+            </a:r>
+            <a:r>
+              <a:rPr lang="en-US" sz="2800" dirty="0" smtClean="0">
+                <a:solidFill>
+                  <a:schemeClr val="bg1"/>
+                </a:solidFill>
+              </a:rPr>
+              <a:t>Typographical </a:t>
+            </a:r>
             <a:r>
               <a:rPr lang="en-US" sz="2800" dirty="0">
                 <a:solidFill>
                   <a:schemeClr val="bg1"/>
                 </a:solidFill>
               </a:rPr>
-              <a:t>Unit of Measurement Errors</a:t>
-            </a:r>
-          </a:p>
-          <a:p>
+              <a:t>Errors</a:t>
+            </a:r>
+          </a:p>
+          <a:p>
+            <a:r>
+              <a:rPr lang="en-US" sz="2800" dirty="0" smtClean="0">
+                <a:solidFill>
+                  <a:schemeClr val="bg1"/>
+                </a:solidFill>
+              </a:rPr>
+              <a:t>Units </a:t>
+            </a:r>
             <a:r>
               <a:rPr lang="en-US" sz="2800" dirty="0">
                 <a:solidFill>
                   <a:schemeClr val="bg1"/>
                 </a:solidFill>
               </a:rPr>
-              <a:t>Typographical Errors</a:t>
-            </a:r>
+              <a:t>of Measurement </a:t>
+            </a:r>
+            <a:r>
+              <a:rPr lang="en-US" sz="2800" dirty="0" smtClean="0">
+                <a:solidFill>
+                  <a:schemeClr val="bg1"/>
+                </a:solidFill>
+              </a:rPr>
+              <a:t>handling</a:t>
+            </a:r>
+            <a:endParaRPr lang="en-US" sz="2800" dirty="0">
+              <a:solidFill>
+                <a:schemeClr val="bg1"/>
+              </a:solidFill>
+            </a:endParaRPr>
           </a:p>
           <a:p>
             <a:r>
@@ -8678,12 +8715,20 @@
           </a:p>
           <a:p>
             <a:r>
+              <a:rPr lang="en-US" sz="3600" dirty="0" smtClean="0">
+                <a:solidFill>
+                  <a:schemeClr val="bg1"/>
+                </a:solidFill>
+              </a:rPr>
+              <a:t>Special </a:t>
+            </a:r>
+            <a:r>
               <a:rPr lang="en-US" sz="3600" dirty="0">
                 <a:solidFill>
                   <a:schemeClr val="bg1"/>
                 </a:solidFill>
               </a:rPr>
-              <a:t>Simple word counts as features</a:t>
+              <a:t>word counts as features</a:t>
             </a:r>
           </a:p>
           <a:p>
@@ -9036,28 +9081,28 @@
                 <a:gridCol w="2650380">
                   <a:extLst>
                     <a:ext uri="{9D8B030D-6E8A-4147-A177-3AD203B41FA5}">
-                      <a16:colId xmlns:a16="http://schemas.microsoft.com/office/drawing/2014/main" xmlns="" val="20000"/>
+                      <a16:colId xmlns="" xmlns:a16="http://schemas.microsoft.com/office/drawing/2014/main" val="20000"/>
                     </a:ext>
                   </a:extLst>
                 </a:gridCol>
                 <a:gridCol w="2650380">
                   <a:extLst>
                     <a:ext uri="{9D8B030D-6E8A-4147-A177-3AD203B41FA5}">
-                      <a16:colId xmlns:a16="http://schemas.microsoft.com/office/drawing/2014/main" xmlns="" val="1446668731"/>
+                      <a16:colId xmlns="" xmlns:a16="http://schemas.microsoft.com/office/drawing/2014/main" val="1446668731"/>
                     </a:ext>
                   </a:extLst>
                 </a:gridCol>
                 <a:gridCol w="2650380">
                   <a:extLst>
                     <a:ext uri="{9D8B030D-6E8A-4147-A177-3AD203B41FA5}">
-                      <a16:colId xmlns:a16="http://schemas.microsoft.com/office/drawing/2014/main" xmlns="" val="3945954696"/>
+                      <a16:colId xmlns="" xmlns:a16="http://schemas.microsoft.com/office/drawing/2014/main" val="3945954696"/>
                     </a:ext>
                   </a:extLst>
                 </a:gridCol>
                 <a:gridCol w="3094755">
                   <a:extLst>
                     <a:ext uri="{9D8B030D-6E8A-4147-A177-3AD203B41FA5}">
-                      <a16:colId xmlns:a16="http://schemas.microsoft.com/office/drawing/2014/main" xmlns="" val="20001"/>
+                      <a16:colId xmlns="" xmlns:a16="http://schemas.microsoft.com/office/drawing/2014/main" val="20001"/>
                     </a:ext>
                   </a:extLst>
                 </a:gridCol>
@@ -9306,7 +9351,7 @@
                 </a:tc>
                 <a:extLst>
                   <a:ext uri="{0D108BD9-81ED-4DB2-BD59-A6C34878D82A}">
-                    <a16:rowId xmlns:a16="http://schemas.microsoft.com/office/drawing/2014/main" xmlns="" val="10000"/>
+                    <a16:rowId xmlns="" xmlns:a16="http://schemas.microsoft.com/office/drawing/2014/main" val="10000"/>
                   </a:ext>
                 </a:extLst>
               </a:tr>
@@ -9541,7 +9586,7 @@
                 </a:tc>
                 <a:extLst>
                   <a:ext uri="{0D108BD9-81ED-4DB2-BD59-A6C34878D82A}">
-                    <a16:rowId xmlns:a16="http://schemas.microsoft.com/office/drawing/2014/main" xmlns="" val="10001"/>
+                    <a16:rowId xmlns="" xmlns:a16="http://schemas.microsoft.com/office/drawing/2014/main" val="10001"/>
                   </a:ext>
                 </a:extLst>
               </a:tr>
@@ -9793,7 +9838,7 @@
                 </a:tc>
                 <a:extLst>
                   <a:ext uri="{0D108BD9-81ED-4DB2-BD59-A6C34878D82A}">
-                    <a16:rowId xmlns:a16="http://schemas.microsoft.com/office/drawing/2014/main" xmlns="" val="10002"/>
+                    <a16:rowId xmlns="" xmlns:a16="http://schemas.microsoft.com/office/drawing/2014/main" val="10002"/>
                   </a:ext>
                 </a:extLst>
               </a:tr>
@@ -10028,7 +10073,7 @@
                 </a:tc>
                 <a:extLst>
                   <a:ext uri="{0D108BD9-81ED-4DB2-BD59-A6C34878D82A}">
-                    <a16:rowId xmlns:a16="http://schemas.microsoft.com/office/drawing/2014/main" xmlns="" val="10003"/>
+                    <a16:rowId xmlns="" xmlns:a16="http://schemas.microsoft.com/office/drawing/2014/main" val="10003"/>
                   </a:ext>
                 </a:extLst>
               </a:tr>

--- a/Presentation.pptx
+++ b/Presentation.pptx
@@ -2,7 +2,7 @@
 <file path=ppt/presentation.xml><?xml version="1.0" encoding="utf-8"?>
 <p:presentation xmlns:a="http://schemas.openxmlformats.org/drawingml/2006/main" xmlns:r="http://schemas.openxmlformats.org/officeDocument/2006/relationships" xmlns:p="http://schemas.openxmlformats.org/presentationml/2006/main" saveSubsetFonts="1">
   <p:sldMasterIdLst>
-    <p:sldMasterId id="2147483660" r:id="rId1"/>
+    <p:sldMasterId id="2147484284" r:id="rId1"/>
   </p:sldMasterIdLst>
   <p:notesMasterIdLst>
     <p:notesMasterId r:id="rId12"/>
@@ -206,7 +206,7 @@
           <a:p>
             <a:fld id="{0B5FF9F3-B8F7-44D8-B55E-59E955E4F250}" type="datetimeFigureOut">
               <a:rPr lang="en-GB" smtClean="0"/>
-              <a:t>08/05/2016</a:t>
+              <a:t>09/05/2016</a:t>
             </a:fld>
             <a:endParaRPr lang="en-GB"/>
           </a:p>
@@ -1920,20 +1920,50 @@
           <a:chExt cx="0" cy="0"/>
         </a:xfrm>
       </p:grpSpPr>
-      <p:sp>
-        <p:nvSpPr>
-          <p:cNvPr id="2" name="Title 1"/>
-          <p:cNvSpPr>
-            <a:spLocks noGrp="1"/>
-          </p:cNvSpPr>
-          <p:nvPr>
-            <p:ph type="ctrTitle"/>
-          </p:nvPr>
-        </p:nvSpPr>
+      <p:pic>
+        <p:nvPicPr>
+          <p:cNvPr id="7" name="Picture 6" descr="C0-HD-BTM.png"/>
+          <p:cNvPicPr>
+            <a:picLocks noChangeAspect="1"/>
+          </p:cNvPicPr>
+          <p:nvPr/>
+        </p:nvPicPr>
+        <p:blipFill>
+          <a:blip r:embed="rId2">
+            <a:extLst>
+              <a:ext uri="{28A0092B-C50C-407E-A947-70E740481C1C}">
+                <a14:useLocalDpi xmlns:a14="http://schemas.microsoft.com/office/drawing/2010/main" val="0"/>
+              </a:ext>
+            </a:extLst>
+          </a:blip>
+          <a:stretch>
+            <a:fillRect/>
+          </a:stretch>
+        </p:blipFill>
         <p:spPr>
           <a:xfrm>
-            <a:off x="1751012" y="609601"/>
-            <a:ext cx="8676222" cy="3200400"/>
+            <a:off x="0" y="4375150"/>
+            <a:ext cx="12192000" cy="2482850"/>
+          </a:xfrm>
+          <a:prstGeom prst="rect">
+            <a:avLst/>
+          </a:prstGeom>
+        </p:spPr>
+      </p:pic>
+      <p:sp>
+        <p:nvSpPr>
+          <p:cNvPr id="2" name="Title 1"/>
+          <p:cNvSpPr>
+            <a:spLocks noGrp="1"/>
+          </p:cNvSpPr>
+          <p:nvPr>
+            <p:ph type="ctrTitle"/>
+          </p:nvPr>
+        </p:nvSpPr>
+        <p:spPr>
+          <a:xfrm>
+            <a:off x="1371600" y="1803405"/>
+            <a:ext cx="9448800" cy="1825096"/>
           </a:xfrm>
         </p:spPr>
         <p:txBody>
@@ -1941,28 +1971,13 @@
             <a:normAutofit/>
           </a:bodyPr>
           <a:lstStyle>
-            <a:lvl1pPr algn="ctr">
-              <a:defRPr sz="4800">
-                <a:effectLst>
-                  <a:glow rad="38100">
-                    <a:schemeClr val="bg1">
-                      <a:lumMod val="65000"/>
-                      <a:lumOff val="35000"/>
-                      <a:alpha val="50000"/>
-                    </a:schemeClr>
-                  </a:glow>
-                  <a:outerShdw blurRad="28575" dist="31750" dir="13200000" algn="tl" rotWithShape="0">
-                    <a:srgbClr val="000000">
-                      <a:alpha val="25000"/>
-                    </a:srgbClr>
-                  </a:outerShdw>
-                </a:effectLst>
-              </a:defRPr>
+            <a:lvl1pPr algn="l">
+              <a:defRPr sz="6000"/>
             </a:lvl1pPr>
           </a:lstStyle>
           <a:p>
             <a:r>
-              <a:rPr lang="en-US"/>
+              <a:rPr lang="en-US" smtClean="0"/>
               <a:t>Click to edit Master title style</a:t>
             </a:r>
             <a:endParaRPr lang="en-US" dirty="0"/>
@@ -1981,118 +1996,55 @@
         </p:nvSpPr>
         <p:spPr>
           <a:xfrm>
-            <a:off x="1751012" y="3886200"/>
-            <a:ext cx="8676222" cy="1905000"/>
+            <a:off x="1371600" y="3632201"/>
+            <a:ext cx="9448800" cy="685800"/>
           </a:xfrm>
         </p:spPr>
         <p:txBody>
-          <a:bodyPr anchor="t">
+          <a:bodyPr>
             <a:normAutofit/>
           </a:bodyPr>
           <a:lstStyle>
-            <a:lvl1pPr marL="0" indent="0" algn="ctr">
-              <a:buNone/>
-              <a:defRPr sz="2100">
-                <a:gradFill flip="none" rotWithShape="1">
-                  <a:gsLst>
-                    <a:gs pos="0">
-                      <a:schemeClr val="tx1"/>
-                    </a:gs>
-                    <a:gs pos="100000">
-                      <a:schemeClr val="tx1">
-                        <a:lumMod val="75000"/>
-                      </a:schemeClr>
-                    </a:gs>
-                  </a:gsLst>
-                  <a:lin ang="5400000" scaled="0"/>
-                  <a:tileRect/>
-                </a:gradFill>
-              </a:defRPr>
+            <a:lvl1pPr marL="0" indent="0" algn="l">
+              <a:buNone/>
+              <a:defRPr sz="2000"/>
             </a:lvl1pPr>
             <a:lvl2pPr marL="457200" indent="0" algn="ctr">
               <a:buNone/>
-              <a:defRPr>
-                <a:solidFill>
-                  <a:schemeClr val="tx1">
-                    <a:tint val="75000"/>
-                  </a:schemeClr>
-                </a:solidFill>
-              </a:defRPr>
+              <a:defRPr sz="2000"/>
             </a:lvl2pPr>
             <a:lvl3pPr marL="914400" indent="0" algn="ctr">
               <a:buNone/>
-              <a:defRPr>
-                <a:solidFill>
-                  <a:schemeClr val="tx1">
-                    <a:tint val="75000"/>
-                  </a:schemeClr>
-                </a:solidFill>
-              </a:defRPr>
+              <a:defRPr sz="1800"/>
             </a:lvl3pPr>
             <a:lvl4pPr marL="1371600" indent="0" algn="ctr">
               <a:buNone/>
-              <a:defRPr>
-                <a:solidFill>
-                  <a:schemeClr val="tx1">
-                    <a:tint val="75000"/>
-                  </a:schemeClr>
-                </a:solidFill>
-              </a:defRPr>
+              <a:defRPr sz="1600"/>
             </a:lvl4pPr>
             <a:lvl5pPr marL="1828800" indent="0" algn="ctr">
               <a:buNone/>
-              <a:defRPr>
-                <a:solidFill>
-                  <a:schemeClr val="tx1">
-                    <a:tint val="75000"/>
-                  </a:schemeClr>
-                </a:solidFill>
-              </a:defRPr>
+              <a:defRPr sz="1600"/>
             </a:lvl5pPr>
             <a:lvl6pPr marL="2286000" indent="0" algn="ctr">
               <a:buNone/>
-              <a:defRPr>
-                <a:solidFill>
-                  <a:schemeClr val="tx1">
-                    <a:tint val="75000"/>
-                  </a:schemeClr>
-                </a:solidFill>
-              </a:defRPr>
+              <a:defRPr sz="1600"/>
             </a:lvl6pPr>
             <a:lvl7pPr marL="2743200" indent="0" algn="ctr">
               <a:buNone/>
-              <a:defRPr>
-                <a:solidFill>
-                  <a:schemeClr val="tx1">
-                    <a:tint val="75000"/>
-                  </a:schemeClr>
-                </a:solidFill>
-              </a:defRPr>
+              <a:defRPr sz="1600"/>
             </a:lvl7pPr>
             <a:lvl8pPr marL="3200400" indent="0" algn="ctr">
               <a:buNone/>
-              <a:defRPr>
-                <a:solidFill>
-                  <a:schemeClr val="tx1">
-                    <a:tint val="75000"/>
-                  </a:schemeClr>
-                </a:solidFill>
-              </a:defRPr>
+              <a:defRPr sz="1600"/>
             </a:lvl8pPr>
             <a:lvl9pPr marL="3657600" indent="0" algn="ctr">
               <a:buNone/>
-              <a:defRPr>
-                <a:solidFill>
-                  <a:schemeClr val="tx1">
-                    <a:tint val="75000"/>
-                  </a:schemeClr>
-                </a:solidFill>
-              </a:defRPr>
+              <a:defRPr sz="1600"/>
             </a:lvl9pPr>
           </a:lstStyle>
           <a:p>
             <a:r>
-              <a:rPr lang="en-US"/>
+              <a:rPr lang="en-US" smtClean="0"/>
               <a:t>Click to edit Master subtitle style</a:t>
             </a:r>
             <a:endParaRPr lang="en-US" dirty="0"/>
@@ -2109,14 +2061,19 @@
             <p:ph type="dt" sz="half" idx="10"/>
           </p:nvPr>
         </p:nvSpPr>
-        <p:spPr/>
+        <p:spPr>
+          <a:xfrm>
+            <a:off x="7909561" y="4314328"/>
+            <a:ext cx="2910840" cy="374642"/>
+          </a:xfrm>
+        </p:spPr>
         <p:txBody>
           <a:bodyPr/>
           <a:lstStyle/>
           <a:p>
             <a:fld id="{BDDAFA7A-6445-4002-8C74-4055B96B083F}" type="datetimeFigureOut">
               <a:rPr lang="en-US" smtClean="0"/>
-              <a:t>5/8/2016</a:t>
+              <a:t>5/9/16</a:t>
             </a:fld>
             <a:endParaRPr lang="en-US"/>
           </a:p>
@@ -2132,7 +2089,12 @@
             <p:ph type="ftr" sz="quarter" idx="11"/>
           </p:nvPr>
         </p:nvSpPr>
-        <p:spPr/>
+        <p:spPr>
+          <a:xfrm>
+            <a:off x="1371600" y="4323845"/>
+            <a:ext cx="6400800" cy="365125"/>
+          </a:xfrm>
+        </p:spPr>
         <p:txBody>
           <a:bodyPr/>
           <a:lstStyle/>
@@ -2151,7 +2113,12 @@
             <p:ph type="sldNum" sz="quarter" idx="12"/>
           </p:nvPr>
         </p:nvSpPr>
-        <p:spPr/>
+        <p:spPr>
+          <a:xfrm>
+            <a:off x="8077200" y="1430866"/>
+            <a:ext cx="2743200" cy="365125"/>
+          </a:xfrm>
+        </p:spPr>
         <p:txBody>
           <a:bodyPr/>
           <a:lstStyle/>
@@ -2167,13 +2134,18 @@
     </p:spTree>
     <p:extLst>
       <p:ext uri="{BB962C8B-B14F-4D97-AF65-F5344CB8AC3E}">
-        <p14:creationId xmlns:p14="http://schemas.microsoft.com/office/powerpoint/2010/main" val="615810658"/>
+        <p14:creationId xmlns:p14="http://schemas.microsoft.com/office/powerpoint/2010/main" val="1879135666"/>
       </p:ext>
     </p:extLst>
   </p:cSld>
   <p:clrMapOvr>
     <a:masterClrMapping/>
   </p:clrMapOvr>
+  <p:extLst>
+    <p:ext uri="{DCECCB84-F9BA-43D5-87BE-67443E8EF086}">
+      <p15:sldGuideLst xmlns:p15="http://schemas.microsoft.com/office/powerpoint/2012/main"/>
+    </p:ext>
+  </p:extLst>
 </p:sldLayout>
 </file>
 
@@ -2206,22 +2178,20 @@
         </p:nvSpPr>
         <p:spPr>
           <a:xfrm>
-            <a:off x="1141413" y="4732865"/>
-            <a:ext cx="9906000" cy="566738"/>
+            <a:off x="685777" y="4697360"/>
+            <a:ext cx="10822034" cy="819355"/>
           </a:xfrm>
         </p:spPr>
         <p:txBody>
-          <a:bodyPr anchor="b">
-            <a:normAutofit/>
-          </a:bodyPr>
+          <a:bodyPr anchor="b"/>
           <a:lstStyle>
             <a:lvl1pPr algn="l">
-              <a:defRPr sz="2400" b="0"/>
+              <a:defRPr sz="3200"/>
             </a:lvl1pPr>
           </a:lstStyle>
           <a:p>
             <a:r>
-              <a:rPr lang="en-US"/>
+              <a:rPr lang="en-US" smtClean="0"/>
               <a:t>Click to edit Master title style</a:t>
             </a:r>
             <a:endParaRPr lang="en-US" dirty="0"/>
@@ -2240,151 +2210,119 @@
         </p:nvSpPr>
         <p:spPr>
           <a:xfrm>
-            <a:off x="1979612" y="932112"/>
-            <a:ext cx="8225944" cy="3164976"/>
+            <a:off x="681727" y="941439"/>
+            <a:ext cx="10821840" cy="3478161"/>
           </a:xfrm>
-          <a:prstGeom prst="roundRect">
-            <a:avLst>
-              <a:gd name="adj" fmla="val 4380"/>
-            </a:avLst>
-          </a:prstGeom>
-          <a:ln w="38100">
-            <a:gradFill flip="none" rotWithShape="1">
-              <a:gsLst>
-                <a:gs pos="0">
-                  <a:schemeClr val="bg2"/>
-                </a:gs>
-                <a:gs pos="100000">
-                  <a:schemeClr val="bg2">
-                    <a:lumMod val="75000"/>
-                  </a:schemeClr>
-                </a:gs>
-              </a:gsLst>
-              <a:lin ang="5400000" scaled="0"/>
-              <a:tileRect/>
-            </a:gradFill>
-          </a:ln>
-          <a:effectLst>
-            <a:innerShdw blurRad="57150" dist="38100" dir="14460000">
-              <a:srgbClr val="000000">
-                <a:alpha val="70000"/>
-              </a:srgbClr>
-            </a:innerShdw>
-          </a:effectLst>
         </p:spPr>
         <p:txBody>
-          <a:bodyPr anchor="t">
-            <a:normAutofit/>
-          </a:bodyPr>
+          <a:bodyPr anchor="t"/>
           <a:lstStyle>
-            <a:lvl1pPr marL="0" indent="0" algn="ctr">
+            <a:lvl1pPr marL="0" indent="0">
+              <a:buNone/>
+              <a:defRPr sz="3200"/>
+            </a:lvl1pPr>
+            <a:lvl2pPr marL="457200" indent="0">
+              <a:buNone/>
+              <a:defRPr sz="2800"/>
+            </a:lvl2pPr>
+            <a:lvl3pPr marL="914400" indent="0">
+              <a:buNone/>
+              <a:defRPr sz="2400"/>
+            </a:lvl3pPr>
+            <a:lvl4pPr marL="1371600" indent="0">
+              <a:buNone/>
+              <a:defRPr sz="2000"/>
+            </a:lvl4pPr>
+            <a:lvl5pPr marL="1828800" indent="0">
+              <a:buNone/>
+              <a:defRPr sz="2000"/>
+            </a:lvl5pPr>
+            <a:lvl6pPr marL="2286000" indent="0">
+              <a:buNone/>
+              <a:defRPr sz="2000"/>
+            </a:lvl6pPr>
+            <a:lvl7pPr marL="2743200" indent="0">
+              <a:buNone/>
+              <a:defRPr sz="2000"/>
+            </a:lvl7pPr>
+            <a:lvl8pPr marL="3200400" indent="0">
+              <a:buNone/>
+              <a:defRPr sz="2000"/>
+            </a:lvl8pPr>
+            <a:lvl9pPr marL="3657600" indent="0">
+              <a:buNone/>
+              <a:defRPr sz="2000"/>
+            </a:lvl9pPr>
+          </a:lstStyle>
+          <a:p>
+            <a:r>
+              <a:rPr lang="en-US" smtClean="0"/>
+              <a:t>Drag picture to placeholder or click icon to add</a:t>
+            </a:r>
+            <a:endParaRPr lang="en-US" dirty="0"/>
+          </a:p>
+        </p:txBody>
+      </p:sp>
+      <p:sp>
+        <p:nvSpPr>
+          <p:cNvPr id="4" name="Text Placeholder 3"/>
+          <p:cNvSpPr>
+            <a:spLocks noGrp="1"/>
+          </p:cNvSpPr>
+          <p:nvPr>
+            <p:ph type="body" sz="half" idx="2"/>
+          </p:nvPr>
+        </p:nvSpPr>
+        <p:spPr>
+          <a:xfrm>
+            <a:off x="685800" y="5516715"/>
+            <a:ext cx="10820400" cy="701969"/>
+          </a:xfrm>
+        </p:spPr>
+        <p:txBody>
+          <a:bodyPr/>
+          <a:lstStyle>
+            <a:lvl1pPr marL="0" indent="0" algn="l">
               <a:buNone/>
               <a:defRPr sz="1600"/>
             </a:lvl1pPr>
             <a:lvl2pPr marL="457200" indent="0">
               <a:buNone/>
-              <a:defRPr sz="1600"/>
+              <a:defRPr sz="1400"/>
             </a:lvl2pPr>
             <a:lvl3pPr marL="914400" indent="0">
               <a:buNone/>
-              <a:defRPr sz="1600"/>
+              <a:defRPr sz="1200"/>
             </a:lvl3pPr>
             <a:lvl4pPr marL="1371600" indent="0">
               <a:buNone/>
-              <a:defRPr sz="1600"/>
+              <a:defRPr sz="1000"/>
             </a:lvl4pPr>
             <a:lvl5pPr marL="1828800" indent="0">
               <a:buNone/>
-              <a:defRPr sz="1600"/>
+              <a:defRPr sz="1000"/>
             </a:lvl5pPr>
             <a:lvl6pPr marL="2286000" indent="0">
               <a:buNone/>
-              <a:defRPr sz="1600"/>
+              <a:defRPr sz="1000"/>
             </a:lvl6pPr>
             <a:lvl7pPr marL="2743200" indent="0">
               <a:buNone/>
-              <a:defRPr sz="1600"/>
+              <a:defRPr sz="1000"/>
             </a:lvl7pPr>
             <a:lvl8pPr marL="3200400" indent="0">
               <a:buNone/>
-              <a:defRPr sz="1600"/>
+              <a:defRPr sz="1000"/>
             </a:lvl8pPr>
             <a:lvl9pPr marL="3657600" indent="0">
               <a:buNone/>
-              <a:defRPr sz="1600"/>
+              <a:defRPr sz="1000"/>
             </a:lvl9pPr>
           </a:lstStyle>
           <a:p>
-            <a:r>
-              <a:rPr lang="en-US"/>
-              <a:t>Click icon to add picture</a:t>
-            </a:r>
-            <a:endParaRPr lang="en-US" dirty="0"/>
-          </a:p>
-        </p:txBody>
-      </p:sp>
-      <p:sp>
-        <p:nvSpPr>
-          <p:cNvPr id="4" name="Text Placeholder 3"/>
-          <p:cNvSpPr>
-            <a:spLocks noGrp="1"/>
-          </p:cNvSpPr>
-          <p:nvPr>
-            <p:ph type="body" sz="half" idx="2"/>
-          </p:nvPr>
-        </p:nvSpPr>
-        <p:spPr>
-          <a:xfrm>
-            <a:off x="1141413" y="5299603"/>
-            <a:ext cx="9906000" cy="493712"/>
-          </a:xfrm>
-        </p:spPr>
-        <p:txBody>
-          <a:bodyPr>
-            <a:normAutofit/>
-          </a:bodyPr>
-          <a:lstStyle>
-            <a:lvl1pPr marL="0" indent="0">
-              <a:buNone/>
-              <a:defRPr sz="1400"/>
-            </a:lvl1pPr>
-            <a:lvl2pPr marL="457200" indent="0">
-              <a:buNone/>
-              <a:defRPr sz="1200"/>
-            </a:lvl2pPr>
-            <a:lvl3pPr marL="914400" indent="0">
-              <a:buNone/>
-              <a:defRPr sz="1000"/>
-            </a:lvl3pPr>
-            <a:lvl4pPr marL="1371600" indent="0">
-              <a:buNone/>
-              <a:defRPr sz="900"/>
-            </a:lvl4pPr>
-            <a:lvl5pPr marL="1828800" indent="0">
-              <a:buNone/>
-              <a:defRPr sz="900"/>
-            </a:lvl5pPr>
-            <a:lvl6pPr marL="2286000" indent="0">
-              <a:buNone/>
-              <a:defRPr sz="900"/>
-            </a:lvl6pPr>
-            <a:lvl7pPr marL="2743200" indent="0">
-              <a:buNone/>
-              <a:defRPr sz="900"/>
-            </a:lvl7pPr>
-            <a:lvl8pPr marL="3200400" indent="0">
-              <a:buNone/>
-              <a:defRPr sz="900"/>
-            </a:lvl8pPr>
-            <a:lvl9pPr marL="3657600" indent="0">
-              <a:buNone/>
-              <a:defRPr sz="900"/>
-            </a:lvl9pPr>
-          </a:lstStyle>
-          <a:p>
             <a:pPr lvl="0"/>
             <a:r>
-              <a:rPr lang="en-US"/>
+              <a:rPr lang="en-US" smtClean="0"/>
               <a:t>Click to edit Master text styles</a:t>
             </a:r>
           </a:p>
@@ -2407,7 +2345,7 @@
           <a:p>
             <a:fld id="{BDDAFA7A-6445-4002-8C74-4055B96B083F}" type="datetimeFigureOut">
               <a:rPr lang="en-US" smtClean="0"/>
-              <a:t>5/8/2016</a:t>
+              <a:t>5/9/16</a:t>
             </a:fld>
             <a:endParaRPr lang="en-US"/>
           </a:p>
@@ -2458,7 +2396,7 @@
     </p:spTree>
     <p:extLst>
       <p:ext uri="{BB962C8B-B14F-4D97-AF65-F5344CB8AC3E}">
-        <p14:creationId xmlns:p14="http://schemas.microsoft.com/office/powerpoint/2010/main" val="622694778"/>
+        <p14:creationId xmlns:p14="http://schemas.microsoft.com/office/powerpoint/2010/main" val="2132856077"/>
       </p:ext>
     </p:extLst>
   </p:cSld>
@@ -2469,7 +2407,7 @@
 </file>
 
 <file path=ppt/slideLayouts/slideLayout11.xml><?xml version="1.0" encoding="utf-8"?>
-<p:sldLayout xmlns:a="http://schemas.openxmlformats.org/drawingml/2006/main" xmlns:r="http://schemas.openxmlformats.org/officeDocument/2006/relationships" xmlns:p="http://schemas.openxmlformats.org/presentationml/2006/main" preserve="1">
+<p:sldLayout xmlns:a="http://schemas.openxmlformats.org/drawingml/2006/main" xmlns:r="http://schemas.openxmlformats.org/officeDocument/2006/relationships" xmlns:p="http://schemas.openxmlformats.org/presentationml/2006/main" showMasterSp="0" preserve="1">
   <p:cSld name="Title and Caption">
     <p:spTree>
       <p:nvGrpSpPr>
@@ -2485,34 +2423,62 @@
           <a:chExt cx="0" cy="0"/>
         </a:xfrm>
       </p:grpSpPr>
-      <p:sp>
-        <p:nvSpPr>
-          <p:cNvPr id="2" name="Title 1"/>
-          <p:cNvSpPr>
-            <a:spLocks noGrp="1"/>
-          </p:cNvSpPr>
-          <p:nvPr>
-            <p:ph type="title"/>
-          </p:nvPr>
-        </p:nvSpPr>
+      <p:pic>
+        <p:nvPicPr>
+          <p:cNvPr id="8" name="Picture 7" descr="C0-HD-BTM.png"/>
+          <p:cNvPicPr>
+            <a:picLocks noChangeAspect="1"/>
+          </p:cNvPicPr>
+          <p:nvPr/>
+        </p:nvPicPr>
+        <p:blipFill>
+          <a:blip r:embed="rId2">
+            <a:extLst>
+              <a:ext uri="{28A0092B-C50C-407E-A947-70E740481C1C}">
+                <a14:useLocalDpi xmlns:a14="http://schemas.microsoft.com/office/drawing/2010/main" val="0"/>
+              </a:ext>
+            </a:extLst>
+          </a:blip>
+          <a:stretch>
+            <a:fillRect/>
+          </a:stretch>
+        </p:blipFill>
         <p:spPr>
           <a:xfrm>
-            <a:off x="1141412" y="609601"/>
-            <a:ext cx="9905999" cy="3124199"/>
+            <a:off x="0" y="4375150"/>
+            <a:ext cx="12192000" cy="2482850"/>
+          </a:xfrm>
+          <a:prstGeom prst="rect">
+            <a:avLst/>
+          </a:prstGeom>
+        </p:spPr>
+      </p:pic>
+      <p:sp>
+        <p:nvSpPr>
+          <p:cNvPr id="2" name="Title 1"/>
+          <p:cNvSpPr>
+            <a:spLocks noGrp="1"/>
+          </p:cNvSpPr>
+          <p:nvPr>
+            <p:ph type="title"/>
+          </p:nvPr>
+        </p:nvSpPr>
+        <p:spPr>
+          <a:xfrm>
+            <a:off x="685800" y="753532"/>
+            <a:ext cx="10820400" cy="2802467"/>
           </a:xfrm>
         </p:spPr>
         <p:txBody>
-          <a:bodyPr anchor="ctr">
-            <a:normAutofit/>
-          </a:bodyPr>
+          <a:bodyPr anchor="ctr"/>
           <a:lstStyle>
             <a:lvl1pPr algn="l">
-              <a:defRPr sz="3200" b="0" cap="all"/>
+              <a:defRPr sz="3200"/>
             </a:lvl1pPr>
           </a:lstStyle>
           <a:p>
             <a:r>
-              <a:rPr lang="en-US"/>
+              <a:rPr lang="en-US" smtClean="0"/>
               <a:t>Click to edit Master title style</a:t>
             </a:r>
             <a:endParaRPr lang="en-US" dirty="0"/>
@@ -2521,129 +2487,64 @@
       </p:sp>
       <p:sp>
         <p:nvSpPr>
-          <p:cNvPr id="3" name="Text Placeholder 2"/>
-          <p:cNvSpPr>
-            <a:spLocks noGrp="1"/>
-          </p:cNvSpPr>
-          <p:nvPr>
-            <p:ph type="body" idx="1"/>
+          <p:cNvPr id="4" name="Text Placeholder 3"/>
+          <p:cNvSpPr>
+            <a:spLocks noGrp="1"/>
+          </p:cNvSpPr>
+          <p:nvPr>
+            <p:ph type="body" sz="half" idx="2"/>
           </p:nvPr>
         </p:nvSpPr>
         <p:spPr>
           <a:xfrm>
-            <a:off x="1141411" y="4343400"/>
-            <a:ext cx="9906000" cy="1447800"/>
+            <a:off x="1024467" y="3649133"/>
+            <a:ext cx="10130516" cy="999067"/>
           </a:xfrm>
         </p:spPr>
         <p:txBody>
-          <a:bodyPr anchor="ctr">
-            <a:normAutofit/>
-          </a:bodyPr>
+          <a:bodyPr anchor="ctr"/>
           <a:lstStyle>
-            <a:lvl1pPr marL="0" indent="0" algn="l">
-              <a:buNone/>
-              <a:defRPr sz="2000">
-                <a:gradFill flip="none" rotWithShape="1">
-                  <a:gsLst>
-                    <a:gs pos="0">
-                      <a:schemeClr val="tx1"/>
-                    </a:gs>
-                    <a:gs pos="100000">
-                      <a:schemeClr val="tx1">
-                        <a:lumMod val="75000"/>
-                      </a:schemeClr>
-                    </a:gs>
-                  </a:gsLst>
-                  <a:lin ang="5400000" scaled="0"/>
-                  <a:tileRect/>
-                </a:gradFill>
-              </a:defRPr>
+            <a:lvl1pPr marL="0" indent="0">
+              <a:buNone/>
+              <a:defRPr sz="1600"/>
             </a:lvl1pPr>
             <a:lvl2pPr marL="457200" indent="0">
               <a:buNone/>
-              <a:defRPr sz="1800">
-                <a:solidFill>
-                  <a:schemeClr val="tx1">
-                    <a:tint val="75000"/>
-                  </a:schemeClr>
-                </a:solidFill>
-              </a:defRPr>
+              <a:defRPr sz="1400"/>
             </a:lvl2pPr>
             <a:lvl3pPr marL="914400" indent="0">
               <a:buNone/>
-              <a:defRPr sz="1600">
-                <a:solidFill>
-                  <a:schemeClr val="tx1">
-                    <a:tint val="75000"/>
-                  </a:schemeClr>
-                </a:solidFill>
-              </a:defRPr>
+              <a:defRPr sz="1200"/>
             </a:lvl3pPr>
             <a:lvl4pPr marL="1371600" indent="0">
               <a:buNone/>
-              <a:defRPr sz="1400">
-                <a:solidFill>
-                  <a:schemeClr val="tx1">
-                    <a:tint val="75000"/>
-                  </a:schemeClr>
-                </a:solidFill>
-              </a:defRPr>
+              <a:defRPr sz="1000"/>
             </a:lvl4pPr>
             <a:lvl5pPr marL="1828800" indent="0">
               <a:buNone/>
-              <a:defRPr sz="1400">
-                <a:solidFill>
-                  <a:schemeClr val="tx1">
-                    <a:tint val="75000"/>
-                  </a:schemeClr>
-                </a:solidFill>
-              </a:defRPr>
+              <a:defRPr sz="1000"/>
             </a:lvl5pPr>
             <a:lvl6pPr marL="2286000" indent="0">
               <a:buNone/>
-              <a:defRPr sz="1400">
-                <a:solidFill>
-                  <a:schemeClr val="tx1">
-                    <a:tint val="75000"/>
-                  </a:schemeClr>
-                </a:solidFill>
-              </a:defRPr>
+              <a:defRPr sz="1000"/>
             </a:lvl6pPr>
             <a:lvl7pPr marL="2743200" indent="0">
               <a:buNone/>
-              <a:defRPr sz="1400">
-                <a:solidFill>
-                  <a:schemeClr val="tx1">
-                    <a:tint val="75000"/>
-                  </a:schemeClr>
-                </a:solidFill>
-              </a:defRPr>
+              <a:defRPr sz="1000"/>
             </a:lvl7pPr>
             <a:lvl8pPr marL="3200400" indent="0">
               <a:buNone/>
-              <a:defRPr sz="1400">
-                <a:solidFill>
-                  <a:schemeClr val="tx1">
-                    <a:tint val="75000"/>
-                  </a:schemeClr>
-                </a:solidFill>
-              </a:defRPr>
+              <a:defRPr sz="1000"/>
             </a:lvl8pPr>
             <a:lvl9pPr marL="3657600" indent="0">
               <a:buNone/>
-              <a:defRPr sz="1400">
-                <a:solidFill>
-                  <a:schemeClr val="tx1">
-                    <a:tint val="75000"/>
-                  </a:schemeClr>
-                </a:solidFill>
-              </a:defRPr>
+              <a:defRPr sz="1000"/>
             </a:lvl9pPr>
           </a:lstStyle>
           <a:p>
             <a:pPr lvl="0"/>
             <a:r>
-              <a:rPr lang="en-US"/>
+              <a:rPr lang="en-US" smtClean="0"/>
               <a:t>Click to edit Master text styles</a:t>
             </a:r>
           </a:p>
@@ -2651,7 +2552,7 @@
       </p:sp>
       <p:sp>
         <p:nvSpPr>
-          <p:cNvPr id="4" name="Date Placeholder 3"/>
+          <p:cNvPr id="5" name="Date Placeholder 4"/>
           <p:cNvSpPr>
             <a:spLocks noGrp="1"/>
           </p:cNvSpPr>
@@ -2659,41 +2560,55 @@
             <p:ph type="dt" sz="half" idx="10"/>
           </p:nvPr>
         </p:nvSpPr>
-        <p:spPr/>
+        <p:spPr>
+          <a:xfrm>
+            <a:off x="7814452" y="381000"/>
+            <a:ext cx="2910840" cy="365125"/>
+          </a:xfrm>
+        </p:spPr>
+        <p:txBody>
+          <a:bodyPr/>
+          <a:lstStyle>
+            <a:lvl1pPr algn="r">
+              <a:defRPr/>
+            </a:lvl1pPr>
+          </a:lstStyle>
+          <a:p>
+            <a:fld id="{BDDAFA7A-6445-4002-8C74-4055B96B083F}" type="datetimeFigureOut">
+              <a:rPr lang="en-US" smtClean="0"/>
+              <a:t>5/9/16</a:t>
+            </a:fld>
+            <a:endParaRPr lang="en-US"/>
+          </a:p>
+        </p:txBody>
+      </p:sp>
+      <p:sp>
+        <p:nvSpPr>
+          <p:cNvPr id="6" name="Footer Placeholder 5"/>
+          <p:cNvSpPr>
+            <a:spLocks noGrp="1"/>
+          </p:cNvSpPr>
+          <p:nvPr>
+            <p:ph type="ftr" sz="quarter" idx="11"/>
+          </p:nvPr>
+        </p:nvSpPr>
+        <p:spPr>
+          <a:xfrm>
+            <a:off x="685800" y="379941"/>
+            <a:ext cx="6991492" cy="365125"/>
+          </a:xfrm>
+        </p:spPr>
         <p:txBody>
           <a:bodyPr/>
           <a:lstStyle/>
           <a:p>
-            <a:fld id="{BDDAFA7A-6445-4002-8C74-4055B96B083F}" type="datetimeFigureOut">
-              <a:rPr lang="en-US" smtClean="0"/>
-              <a:t>5/8/2016</a:t>
-            </a:fld>
             <a:endParaRPr lang="en-US"/>
           </a:p>
         </p:txBody>
       </p:sp>
       <p:sp>
         <p:nvSpPr>
-          <p:cNvPr id="5" name="Footer Placeholder 4"/>
-          <p:cNvSpPr>
-            <a:spLocks noGrp="1"/>
-          </p:cNvSpPr>
-          <p:nvPr>
-            <p:ph type="ftr" sz="quarter" idx="11"/>
-          </p:nvPr>
-        </p:nvSpPr>
-        <p:spPr/>
-        <p:txBody>
-          <a:bodyPr/>
-          <a:lstStyle/>
-          <a:p>
-            <a:endParaRPr lang="en-US"/>
-          </a:p>
-        </p:txBody>
-      </p:sp>
-      <p:sp>
-        <p:nvSpPr>
-          <p:cNvPr id="6" name="Slide Number Placeholder 5"/>
+          <p:cNvPr id="7" name="Slide Number Placeholder 6"/>
           <p:cNvSpPr>
             <a:spLocks noGrp="1"/>
           </p:cNvSpPr>
@@ -2701,7 +2616,12 @@
             <p:ph type="sldNum" sz="quarter" idx="12"/>
           </p:nvPr>
         </p:nvSpPr>
-        <p:spPr/>
+        <p:spPr>
+          <a:xfrm>
+            <a:off x="10862452" y="381000"/>
+            <a:ext cx="643748" cy="365125"/>
+          </a:xfrm>
+        </p:spPr>
         <p:txBody>
           <a:bodyPr/>
           <a:lstStyle/>
@@ -2717,7 +2637,7 @@
     </p:spTree>
     <p:extLst>
       <p:ext uri="{BB962C8B-B14F-4D97-AF65-F5344CB8AC3E}">
-        <p14:creationId xmlns:p14="http://schemas.microsoft.com/office/powerpoint/2010/main" val="1798324828"/>
+        <p14:creationId xmlns:p14="http://schemas.microsoft.com/office/powerpoint/2010/main" val="1115050415"/>
       </p:ext>
     </p:extLst>
   </p:cSld>
@@ -2728,7 +2648,7 @@
 </file>
 
 <file path=ppt/slideLayouts/slideLayout12.xml><?xml version="1.0" encoding="utf-8"?>
-<p:sldLayout xmlns:a="http://schemas.openxmlformats.org/drawingml/2006/main" xmlns:r="http://schemas.openxmlformats.org/officeDocument/2006/relationships" xmlns:p="http://schemas.openxmlformats.org/presentationml/2006/main" preserve="1">
+<p:sldLayout xmlns:a="http://schemas.openxmlformats.org/drawingml/2006/main" xmlns:r="http://schemas.openxmlformats.org/officeDocument/2006/relationships" xmlns:p="http://schemas.openxmlformats.org/presentationml/2006/main" showMasterSp="0" preserve="1">
   <p:cSld name="Quote with Caption">
     <p:spTree>
       <p:nvGrpSpPr>
@@ -2744,15 +2664,295 @@
           <a:chExt cx="0" cy="0"/>
         </a:xfrm>
       </p:grpSpPr>
-      <p:sp>
-        <p:nvSpPr>
-          <p:cNvPr id="14" name="TextBox 13"/>
+      <p:pic>
+        <p:nvPicPr>
+          <p:cNvPr id="13" name="Picture 12" descr="C0-HD-BTM.png"/>
+          <p:cNvPicPr>
+            <a:picLocks noChangeAspect="1"/>
+          </p:cNvPicPr>
+          <p:nvPr/>
+        </p:nvPicPr>
+        <p:blipFill>
+          <a:blip r:embed="rId2">
+            <a:extLst>
+              <a:ext uri="{28A0092B-C50C-407E-A947-70E740481C1C}">
+                <a14:useLocalDpi xmlns:a14="http://schemas.microsoft.com/office/drawing/2010/main" val="0"/>
+              </a:ext>
+            </a:extLst>
+          </a:blip>
+          <a:stretch>
+            <a:fillRect/>
+          </a:stretch>
+        </p:blipFill>
+        <p:spPr>
+          <a:xfrm>
+            <a:off x="0" y="4375150"/>
+            <a:ext cx="12192000" cy="2482850"/>
+          </a:xfrm>
+          <a:prstGeom prst="rect">
+            <a:avLst/>
+          </a:prstGeom>
+        </p:spPr>
+      </p:pic>
+      <p:sp>
+        <p:nvSpPr>
+          <p:cNvPr id="2" name="Title 1"/>
+          <p:cNvSpPr>
+            <a:spLocks noGrp="1"/>
+          </p:cNvSpPr>
+          <p:nvPr>
+            <p:ph type="title"/>
+          </p:nvPr>
+        </p:nvSpPr>
+        <p:spPr>
+          <a:xfrm>
+            <a:off x="1024467" y="753533"/>
+            <a:ext cx="10151533" cy="2604495"/>
+          </a:xfrm>
+        </p:spPr>
+        <p:txBody>
+          <a:bodyPr anchor="ctr"/>
+          <a:lstStyle>
+            <a:lvl1pPr algn="l">
+              <a:defRPr sz="3200"/>
+            </a:lvl1pPr>
+          </a:lstStyle>
+          <a:p>
+            <a:r>
+              <a:rPr lang="en-US" smtClean="0"/>
+              <a:t>Click to edit Master title style</a:t>
+            </a:r>
+            <a:endParaRPr lang="en-US" dirty="0"/>
+          </a:p>
+        </p:txBody>
+      </p:sp>
+      <p:sp>
+        <p:nvSpPr>
+          <p:cNvPr id="12" name="Text Placeholder 3"/>
+          <p:cNvSpPr>
+            <a:spLocks noGrp="1"/>
+          </p:cNvSpPr>
+          <p:nvPr>
+            <p:ph type="body" sz="half" idx="13"/>
+          </p:nvPr>
+        </p:nvSpPr>
+        <p:spPr>
+          <a:xfrm>
+            <a:off x="1303865" y="3365556"/>
+            <a:ext cx="9592736" cy="444443"/>
+          </a:xfrm>
+        </p:spPr>
+        <p:txBody>
+          <a:bodyPr anchor="t">
+            <a:normAutofit/>
+          </a:bodyPr>
+          <a:lstStyle>
+            <a:lvl1pPr marL="0" indent="0">
+              <a:buNone/>
+              <a:defRPr sz="1400"/>
+            </a:lvl1pPr>
+            <a:lvl2pPr marL="457200" indent="0">
+              <a:buNone/>
+              <a:defRPr sz="1400"/>
+            </a:lvl2pPr>
+            <a:lvl3pPr marL="914400" indent="0">
+              <a:buNone/>
+              <a:defRPr sz="1200"/>
+            </a:lvl3pPr>
+            <a:lvl4pPr marL="1371600" indent="0">
+              <a:buNone/>
+              <a:defRPr sz="1000"/>
+            </a:lvl4pPr>
+            <a:lvl5pPr marL="1828800" indent="0">
+              <a:buNone/>
+              <a:defRPr sz="1000"/>
+            </a:lvl5pPr>
+            <a:lvl6pPr marL="2286000" indent="0">
+              <a:buNone/>
+              <a:defRPr sz="1000"/>
+            </a:lvl6pPr>
+            <a:lvl7pPr marL="2743200" indent="0">
+              <a:buNone/>
+              <a:defRPr sz="1000"/>
+            </a:lvl7pPr>
+            <a:lvl8pPr marL="3200400" indent="0">
+              <a:buNone/>
+              <a:defRPr sz="1000"/>
+            </a:lvl8pPr>
+            <a:lvl9pPr marL="3657600" indent="0">
+              <a:buNone/>
+              <a:defRPr sz="1000"/>
+            </a:lvl9pPr>
+          </a:lstStyle>
+          <a:p>
+            <a:pPr lvl="0"/>
+            <a:r>
+              <a:rPr lang="en-US" smtClean="0"/>
+              <a:t>Click to edit Master text styles</a:t>
+            </a:r>
+          </a:p>
+        </p:txBody>
+      </p:sp>
+      <p:sp>
+        <p:nvSpPr>
+          <p:cNvPr id="4" name="Text Placeholder 3"/>
+          <p:cNvSpPr>
+            <a:spLocks noGrp="1"/>
+          </p:cNvSpPr>
+          <p:nvPr>
+            <p:ph type="body" sz="half" idx="2"/>
+          </p:nvPr>
+        </p:nvSpPr>
+        <p:spPr>
+          <a:xfrm>
+            <a:off x="1024467" y="3959862"/>
+            <a:ext cx="10151533" cy="679871"/>
+          </a:xfrm>
+        </p:spPr>
+        <p:txBody>
+          <a:bodyPr anchor="ctr">
+            <a:normAutofit/>
+          </a:bodyPr>
+          <a:lstStyle>
+            <a:lvl1pPr marL="0" indent="0">
+              <a:buNone/>
+              <a:defRPr sz="1600"/>
+            </a:lvl1pPr>
+            <a:lvl2pPr marL="457200" indent="0">
+              <a:buNone/>
+              <a:defRPr sz="1400"/>
+            </a:lvl2pPr>
+            <a:lvl3pPr marL="914400" indent="0">
+              <a:buNone/>
+              <a:defRPr sz="1200"/>
+            </a:lvl3pPr>
+            <a:lvl4pPr marL="1371600" indent="0">
+              <a:buNone/>
+              <a:defRPr sz="1000"/>
+            </a:lvl4pPr>
+            <a:lvl5pPr marL="1828800" indent="0">
+              <a:buNone/>
+              <a:defRPr sz="1000"/>
+            </a:lvl5pPr>
+            <a:lvl6pPr marL="2286000" indent="0">
+              <a:buNone/>
+              <a:defRPr sz="1000"/>
+            </a:lvl6pPr>
+            <a:lvl7pPr marL="2743200" indent="0">
+              <a:buNone/>
+              <a:defRPr sz="1000"/>
+            </a:lvl7pPr>
+            <a:lvl8pPr marL="3200400" indent="0">
+              <a:buNone/>
+              <a:defRPr sz="1000"/>
+            </a:lvl8pPr>
+            <a:lvl9pPr marL="3657600" indent="0">
+              <a:buNone/>
+              <a:defRPr sz="1000"/>
+            </a:lvl9pPr>
+          </a:lstStyle>
+          <a:p>
+            <a:pPr lvl="0"/>
+            <a:r>
+              <a:rPr lang="en-US" smtClean="0"/>
+              <a:t>Click to edit Master text styles</a:t>
+            </a:r>
+          </a:p>
+        </p:txBody>
+      </p:sp>
+      <p:sp>
+        <p:nvSpPr>
+          <p:cNvPr id="5" name="Date Placeholder 4"/>
+          <p:cNvSpPr>
+            <a:spLocks noGrp="1"/>
+          </p:cNvSpPr>
+          <p:nvPr>
+            <p:ph type="dt" sz="half" idx="10"/>
+          </p:nvPr>
+        </p:nvSpPr>
+        <p:spPr>
+          <a:xfrm>
+            <a:off x="7814452" y="381000"/>
+            <a:ext cx="2910840" cy="365125"/>
+          </a:xfrm>
+        </p:spPr>
+        <p:txBody>
+          <a:bodyPr/>
+          <a:lstStyle>
+            <a:lvl1pPr algn="r">
+              <a:defRPr/>
+            </a:lvl1pPr>
+          </a:lstStyle>
+          <a:p>
+            <a:fld id="{BDDAFA7A-6445-4002-8C74-4055B96B083F}" type="datetimeFigureOut">
+              <a:rPr lang="en-US" smtClean="0"/>
+              <a:t>5/9/16</a:t>
+            </a:fld>
+            <a:endParaRPr lang="en-US"/>
+          </a:p>
+        </p:txBody>
+      </p:sp>
+      <p:sp>
+        <p:nvSpPr>
+          <p:cNvPr id="6" name="Footer Placeholder 5"/>
+          <p:cNvSpPr>
+            <a:spLocks noGrp="1"/>
+          </p:cNvSpPr>
+          <p:nvPr>
+            <p:ph type="ftr" sz="quarter" idx="11"/>
+          </p:nvPr>
+        </p:nvSpPr>
+        <p:spPr>
+          <a:xfrm>
+            <a:off x="685800" y="379941"/>
+            <a:ext cx="6991492" cy="365125"/>
+          </a:xfrm>
+        </p:spPr>
+        <p:txBody>
+          <a:bodyPr/>
+          <a:lstStyle/>
+          <a:p>
+            <a:endParaRPr lang="en-US"/>
+          </a:p>
+        </p:txBody>
+      </p:sp>
+      <p:sp>
+        <p:nvSpPr>
+          <p:cNvPr id="7" name="Slide Number Placeholder 6"/>
+          <p:cNvSpPr>
+            <a:spLocks noGrp="1"/>
+          </p:cNvSpPr>
+          <p:nvPr>
+            <p:ph type="sldNum" sz="quarter" idx="12"/>
+          </p:nvPr>
+        </p:nvSpPr>
+        <p:spPr>
+          <a:xfrm>
+            <a:off x="10862452" y="381000"/>
+            <a:ext cx="643748" cy="365125"/>
+          </a:xfrm>
+        </p:spPr>
+        <p:txBody>
+          <a:bodyPr/>
+          <a:lstStyle/>
+          <a:p>
+            <a:fld id="{3CE3CCBD-19B9-490E-AA2D-3CF6990B033E}" type="slidenum">
+              <a:rPr lang="en-US" smtClean="0"/>
+              <a:t>‹#›</a:t>
+            </a:fld>
+            <a:endParaRPr lang="en-US"/>
+          </a:p>
+        </p:txBody>
+      </p:sp>
+      <p:sp>
+        <p:nvSpPr>
+          <p:cNvPr id="9" name="TextBox 8"/>
           <p:cNvSpPr txBox="1"/>
           <p:nvPr/>
         </p:nvSpPr>
         <p:spPr>
           <a:xfrm>
-            <a:off x="836612" y="786824"/>
+            <a:off x="476250" y="933450"/>
             <a:ext cx="609600" cy="584776"/>
           </a:xfrm>
           <a:prstGeom prst="rect">
@@ -2851,8 +3051,9 @@
             <a:r>
               <a:rPr lang="en-US" sz="8000" dirty="0">
                 <a:solidFill>
-                  <a:schemeClr val="accent1"/>
+                  <a:schemeClr val="tx1"/>
                 </a:solidFill>
+                <a:effectLst/>
               </a:rPr>
               <a:t>“</a:t>
             </a:r>
@@ -2861,13 +3062,13 @@
       </p:sp>
       <p:sp>
         <p:nvSpPr>
-          <p:cNvPr id="15" name="TextBox 14"/>
+          <p:cNvPr id="10" name="TextBox 9"/>
           <p:cNvSpPr txBox="1"/>
           <p:nvPr/>
         </p:nvSpPr>
         <p:spPr>
           <a:xfrm>
-            <a:off x="10437812" y="2743200"/>
+            <a:off x="10984230" y="2701290"/>
             <a:ext cx="609600" cy="584776"/>
           </a:xfrm>
           <a:prstGeom prst="rect">
@@ -2966,227 +3167,19 @@
             <a:r>
               <a:rPr lang="en-US" sz="8000" dirty="0">
                 <a:solidFill>
-                  <a:schemeClr val="accent1"/>
+                  <a:schemeClr val="tx1"/>
                 </a:solidFill>
+                <a:effectLst/>
               </a:rPr>
               <a:t>”</a:t>
             </a:r>
-          </a:p>
-        </p:txBody>
-      </p:sp>
-      <p:sp>
-        <p:nvSpPr>
-          <p:cNvPr id="2" name="Title 1"/>
-          <p:cNvSpPr>
-            <a:spLocks noGrp="1"/>
-          </p:cNvSpPr>
-          <p:nvPr>
-            <p:ph type="title"/>
-          </p:nvPr>
-        </p:nvSpPr>
-        <p:spPr>
-          <a:xfrm>
-            <a:off x="1446213" y="609601"/>
-            <a:ext cx="9296398" cy="2743199"/>
-          </a:xfrm>
-        </p:spPr>
-        <p:txBody>
-          <a:bodyPr anchor="ctr">
-            <a:normAutofit/>
-          </a:bodyPr>
-          <a:lstStyle>
-            <a:lvl1pPr algn="l">
-              <a:defRPr sz="3200" b="0" cap="all">
-                <a:solidFill>
-                  <a:schemeClr val="tx1"/>
-                </a:solidFill>
-              </a:defRPr>
-            </a:lvl1pPr>
-          </a:lstStyle>
-          <a:p>
-            <a:r>
-              <a:rPr lang="en-US"/>
-              <a:t>Click to edit Master title style</a:t>
-            </a:r>
-            <a:endParaRPr lang="en-US" dirty="0"/>
-          </a:p>
-        </p:txBody>
-      </p:sp>
-      <p:sp>
-        <p:nvSpPr>
-          <p:cNvPr id="10" name="Text Placeholder 9"/>
-          <p:cNvSpPr>
-            <a:spLocks noGrp="1"/>
-          </p:cNvSpPr>
-          <p:nvPr>
-            <p:ph type="body" sz="quarter" idx="13"/>
-          </p:nvPr>
-        </p:nvSpPr>
-        <p:spPr>
-          <a:xfrm>
-            <a:off x="1674812" y="3352800"/>
-            <a:ext cx="8839202" cy="381000"/>
-          </a:xfrm>
-        </p:spPr>
-        <p:txBody>
-          <a:bodyPr anchor="ctr"/>
-          <a:lstStyle>
-            <a:lvl1pPr marL="0" indent="0">
-              <a:buFontTx/>
-              <a:buNone/>
-              <a:defRPr/>
-            </a:lvl1pPr>
-            <a:lvl2pPr marL="457200" indent="0">
-              <a:buFontTx/>
-              <a:buNone/>
-              <a:defRPr/>
-            </a:lvl2pPr>
-            <a:lvl3pPr marL="914400" indent="0">
-              <a:buFontTx/>
-              <a:buNone/>
-              <a:defRPr/>
-            </a:lvl3pPr>
-            <a:lvl4pPr marL="1371600" indent="0">
-              <a:buFontTx/>
-              <a:buNone/>
-              <a:defRPr/>
-            </a:lvl4pPr>
-            <a:lvl5pPr marL="1828800" indent="0">
-              <a:buFontTx/>
-              <a:buNone/>
-              <a:defRPr/>
-            </a:lvl5pPr>
-          </a:lstStyle>
-          <a:p>
-            <a:pPr lvl="0"/>
-            <a:r>
-              <a:rPr lang="en-US"/>
-              <a:t>Click to edit Master text styles</a:t>
-            </a:r>
-          </a:p>
-        </p:txBody>
-      </p:sp>
-      <p:sp>
-        <p:nvSpPr>
-          <p:cNvPr id="3" name="Text Placeholder 2"/>
-          <p:cNvSpPr>
-            <a:spLocks noGrp="1"/>
-          </p:cNvSpPr>
-          <p:nvPr>
-            <p:ph type="body" idx="1"/>
-          </p:nvPr>
-        </p:nvSpPr>
-        <p:spPr>
-          <a:xfrm>
-            <a:off x="1141411" y="4343400"/>
-            <a:ext cx="9906000" cy="1447800"/>
-          </a:xfrm>
-        </p:spPr>
-        <p:txBody>
-          <a:bodyPr vert="horz" lIns="91440" tIns="45720" rIns="91440" bIns="45720" rtlCol="0" anchor="ctr">
-            <a:normAutofit/>
-          </a:bodyPr>
-          <a:lstStyle>
-            <a:lvl1pPr>
-              <a:buNone/>
-              <a:defRPr lang="en-US" sz="2000">
-                <a:gradFill flip="none" rotWithShape="1">
-                  <a:gsLst>
-                    <a:gs pos="0">
-                      <a:schemeClr val="tx1"/>
-                    </a:gs>
-                    <a:gs pos="100000">
-                      <a:schemeClr val="tx1">
-                        <a:lumMod val="75000"/>
-                      </a:schemeClr>
-                    </a:gs>
-                  </a:gsLst>
-                  <a:lin ang="5400000" scaled="0"/>
-                  <a:tileRect/>
-                </a:gradFill>
-              </a:defRPr>
-            </a:lvl1pPr>
-          </a:lstStyle>
-          <a:p>
-            <a:pPr marL="0" lvl="0" indent="0">
-              <a:buNone/>
-            </a:pPr>
-            <a:r>
-              <a:rPr lang="en-US"/>
-              <a:t>Click to edit Master text styles</a:t>
-            </a:r>
-          </a:p>
-        </p:txBody>
-      </p:sp>
-      <p:sp>
-        <p:nvSpPr>
-          <p:cNvPr id="4" name="Date Placeholder 3"/>
-          <p:cNvSpPr>
-            <a:spLocks noGrp="1"/>
-          </p:cNvSpPr>
-          <p:nvPr>
-            <p:ph type="dt" sz="half" idx="10"/>
-          </p:nvPr>
-        </p:nvSpPr>
-        <p:spPr/>
-        <p:txBody>
-          <a:bodyPr/>
-          <a:lstStyle/>
-          <a:p>
-            <a:fld id="{BDDAFA7A-6445-4002-8C74-4055B96B083F}" type="datetimeFigureOut">
-              <a:rPr lang="en-US" smtClean="0"/>
-              <a:t>5/8/2016</a:t>
-            </a:fld>
-            <a:endParaRPr lang="en-US"/>
-          </a:p>
-        </p:txBody>
-      </p:sp>
-      <p:sp>
-        <p:nvSpPr>
-          <p:cNvPr id="5" name="Footer Placeholder 4"/>
-          <p:cNvSpPr>
-            <a:spLocks noGrp="1"/>
-          </p:cNvSpPr>
-          <p:nvPr>
-            <p:ph type="ftr" sz="quarter" idx="11"/>
-          </p:nvPr>
-        </p:nvSpPr>
-        <p:spPr/>
-        <p:txBody>
-          <a:bodyPr/>
-          <a:lstStyle/>
-          <a:p>
-            <a:endParaRPr lang="en-US"/>
-          </a:p>
-        </p:txBody>
-      </p:sp>
-      <p:sp>
-        <p:nvSpPr>
-          <p:cNvPr id="6" name="Slide Number Placeholder 5"/>
-          <p:cNvSpPr>
-            <a:spLocks noGrp="1"/>
-          </p:cNvSpPr>
-          <p:nvPr>
-            <p:ph type="sldNum" sz="quarter" idx="12"/>
-          </p:nvPr>
-        </p:nvSpPr>
-        <p:spPr/>
-        <p:txBody>
-          <a:bodyPr/>
-          <a:lstStyle/>
-          <a:p>
-            <a:fld id="{3CE3CCBD-19B9-490E-AA2D-3CF6990B033E}" type="slidenum">
-              <a:rPr lang="en-US" smtClean="0"/>
-              <a:t>‹#›</a:t>
-            </a:fld>
-            <a:endParaRPr lang="en-US"/>
           </a:p>
         </p:txBody>
       </p:sp>
     </p:spTree>
     <p:extLst>
       <p:ext uri="{BB962C8B-B14F-4D97-AF65-F5344CB8AC3E}">
-        <p14:creationId xmlns:p14="http://schemas.microsoft.com/office/powerpoint/2010/main" val="2959405738"/>
+        <p14:creationId xmlns:p14="http://schemas.microsoft.com/office/powerpoint/2010/main" val="1710021183"/>
       </p:ext>
     </p:extLst>
   </p:cSld>
@@ -3197,7 +3190,7 @@
 </file>
 
 <file path=ppt/slideLayouts/slideLayout13.xml><?xml version="1.0" encoding="utf-8"?>
-<p:sldLayout xmlns:a="http://schemas.openxmlformats.org/drawingml/2006/main" xmlns:r="http://schemas.openxmlformats.org/officeDocument/2006/relationships" xmlns:p="http://schemas.openxmlformats.org/presentationml/2006/main" preserve="1">
+<p:sldLayout xmlns:a="http://schemas.openxmlformats.org/drawingml/2006/main" xmlns:r="http://schemas.openxmlformats.org/officeDocument/2006/relationships" xmlns:p="http://schemas.openxmlformats.org/presentationml/2006/main" showMasterSp="0" preserve="1">
   <p:cSld name="Name Card">
     <p:spTree>
       <p:nvGrpSpPr>
@@ -3213,34 +3206,62 @@
           <a:chExt cx="0" cy="0"/>
         </a:xfrm>
       </p:grpSpPr>
-      <p:sp>
-        <p:nvSpPr>
-          <p:cNvPr id="2" name="Title 1"/>
-          <p:cNvSpPr>
-            <a:spLocks noGrp="1"/>
-          </p:cNvSpPr>
-          <p:nvPr>
-            <p:ph type="title"/>
-          </p:nvPr>
-        </p:nvSpPr>
+      <p:pic>
+        <p:nvPicPr>
+          <p:cNvPr id="9" name="Picture 8" descr="C0-HD-BTM.png"/>
+          <p:cNvPicPr>
+            <a:picLocks noChangeAspect="1"/>
+          </p:cNvPicPr>
+          <p:nvPr/>
+        </p:nvPicPr>
+        <p:blipFill>
+          <a:blip r:embed="rId2">
+            <a:extLst>
+              <a:ext uri="{28A0092B-C50C-407E-A947-70E740481C1C}">
+                <a14:useLocalDpi xmlns:a14="http://schemas.microsoft.com/office/drawing/2010/main" val="0"/>
+              </a:ext>
+            </a:extLst>
+          </a:blip>
+          <a:stretch>
+            <a:fillRect/>
+          </a:stretch>
+        </p:blipFill>
         <p:spPr>
           <a:xfrm>
-            <a:off x="1141412" y="3308581"/>
-            <a:ext cx="9906000" cy="1468800"/>
+            <a:off x="0" y="4375150"/>
+            <a:ext cx="12192000" cy="2482850"/>
+          </a:xfrm>
+          <a:prstGeom prst="rect">
+            <a:avLst/>
+          </a:prstGeom>
+        </p:spPr>
+      </p:pic>
+      <p:sp>
+        <p:nvSpPr>
+          <p:cNvPr id="2" name="Title 1"/>
+          <p:cNvSpPr>
+            <a:spLocks noGrp="1"/>
+          </p:cNvSpPr>
+          <p:nvPr>
+            <p:ph type="title"/>
+          </p:nvPr>
+        </p:nvSpPr>
+        <p:spPr>
+          <a:xfrm>
+            <a:off x="1024495" y="1124701"/>
+            <a:ext cx="10146186" cy="2511835"/>
           </a:xfrm>
         </p:spPr>
         <p:txBody>
-          <a:bodyPr anchor="b">
-            <a:normAutofit/>
-          </a:bodyPr>
+          <a:bodyPr anchor="b"/>
           <a:lstStyle>
             <a:lvl1pPr algn="l">
-              <a:defRPr sz="3200" b="0" cap="all"/>
+              <a:defRPr sz="3200"/>
             </a:lvl1pPr>
           </a:lstStyle>
           <a:p>
             <a:r>
-              <a:rPr lang="en-US"/>
+              <a:rPr lang="en-US" smtClean="0"/>
               <a:t>Click to edit Master title style</a:t>
             </a:r>
             <a:endParaRPr lang="en-US" dirty="0"/>
@@ -3249,100 +3270,128 @@
       </p:sp>
       <p:sp>
         <p:nvSpPr>
-          <p:cNvPr id="3" name="Text Placeholder 2"/>
-          <p:cNvSpPr>
-            <a:spLocks noGrp="1"/>
-          </p:cNvSpPr>
-          <p:nvPr>
-            <p:ph type="body" idx="1"/>
+          <p:cNvPr id="4" name="Text Placeholder 3"/>
+          <p:cNvSpPr>
+            <a:spLocks noGrp="1"/>
+          </p:cNvSpPr>
+          <p:nvPr>
+            <p:ph type="body" sz="half" idx="2"/>
           </p:nvPr>
         </p:nvSpPr>
         <p:spPr>
           <a:xfrm>
-            <a:off x="1141410" y="4777381"/>
-            <a:ext cx="9906001" cy="860400"/>
+            <a:off x="1024467" y="3648315"/>
+            <a:ext cx="10144654" cy="999885"/>
           </a:xfrm>
         </p:spPr>
         <p:txBody>
-          <a:bodyPr vert="horz" lIns="91440" tIns="45720" rIns="91440" bIns="45720" rtlCol="0" anchor="t">
-            <a:normAutofit/>
-          </a:bodyPr>
+          <a:bodyPr anchor="t"/>
           <a:lstStyle>
-            <a:lvl1pPr>
-              <a:defRPr lang="en-US" sz="2000">
-                <a:gradFill flip="none" rotWithShape="1">
-                  <a:gsLst>
-                    <a:gs pos="0">
-                      <a:schemeClr val="tx1"/>
-                    </a:gs>
-                    <a:gs pos="100000">
-                      <a:schemeClr val="tx1">
-                        <a:lumMod val="75000"/>
-                      </a:schemeClr>
-                    </a:gs>
-                  </a:gsLst>
-                  <a:lin ang="5400000" scaled="0"/>
-                  <a:tileRect/>
-                </a:gradFill>
-              </a:defRPr>
+            <a:lvl1pPr marL="0" indent="0">
+              <a:buNone/>
+              <a:defRPr sz="1600"/>
+            </a:lvl1pPr>
+            <a:lvl2pPr marL="457200" indent="0">
+              <a:buNone/>
+              <a:defRPr sz="1400"/>
+            </a:lvl2pPr>
+            <a:lvl3pPr marL="914400" indent="0">
+              <a:buNone/>
+              <a:defRPr sz="1200"/>
+            </a:lvl3pPr>
+            <a:lvl4pPr marL="1371600" indent="0">
+              <a:buNone/>
+              <a:defRPr sz="1000"/>
+            </a:lvl4pPr>
+            <a:lvl5pPr marL="1828800" indent="0">
+              <a:buNone/>
+              <a:defRPr sz="1000"/>
+            </a:lvl5pPr>
+            <a:lvl6pPr marL="2286000" indent="0">
+              <a:buNone/>
+              <a:defRPr sz="1000"/>
+            </a:lvl6pPr>
+            <a:lvl7pPr marL="2743200" indent="0">
+              <a:buNone/>
+              <a:defRPr sz="1000"/>
+            </a:lvl7pPr>
+            <a:lvl8pPr marL="3200400" indent="0">
+              <a:buNone/>
+              <a:defRPr sz="1000"/>
+            </a:lvl8pPr>
+            <a:lvl9pPr marL="3657600" indent="0">
+              <a:buNone/>
+              <a:defRPr sz="1000"/>
+            </a:lvl9pPr>
+          </a:lstStyle>
+          <a:p>
+            <a:pPr lvl="0"/>
+            <a:r>
+              <a:rPr lang="en-US" smtClean="0"/>
+              <a:t>Click to edit Master text styles</a:t>
+            </a:r>
+          </a:p>
+        </p:txBody>
+      </p:sp>
+      <p:sp>
+        <p:nvSpPr>
+          <p:cNvPr id="5" name="Date Placeholder 4"/>
+          <p:cNvSpPr>
+            <a:spLocks noGrp="1"/>
+          </p:cNvSpPr>
+          <p:nvPr>
+            <p:ph type="dt" sz="half" idx="10"/>
+          </p:nvPr>
+        </p:nvSpPr>
+        <p:spPr>
+          <a:xfrm>
+            <a:off x="7814452" y="378883"/>
+            <a:ext cx="2910840" cy="365125"/>
+          </a:xfrm>
+        </p:spPr>
+        <p:txBody>
+          <a:bodyPr/>
+          <a:lstStyle>
+            <a:lvl1pPr algn="r">
+              <a:defRPr/>
             </a:lvl1pPr>
           </a:lstStyle>
           <a:p>
-            <a:pPr marL="0" lvl="0" indent="0">
-              <a:buNone/>
-            </a:pPr>
-            <a:r>
-              <a:rPr lang="en-US"/>
-              <a:t>Click to edit Master text styles</a:t>
-            </a:r>
-          </a:p>
-        </p:txBody>
-      </p:sp>
-      <p:sp>
-        <p:nvSpPr>
-          <p:cNvPr id="4" name="Date Placeholder 3"/>
-          <p:cNvSpPr>
-            <a:spLocks noGrp="1"/>
-          </p:cNvSpPr>
-          <p:nvPr>
-            <p:ph type="dt" sz="half" idx="10"/>
-          </p:nvPr>
-        </p:nvSpPr>
-        <p:spPr/>
+            <a:fld id="{BDDAFA7A-6445-4002-8C74-4055B96B083F}" type="datetimeFigureOut">
+              <a:rPr lang="en-US" smtClean="0"/>
+              <a:t>5/9/16</a:t>
+            </a:fld>
+            <a:endParaRPr lang="en-US"/>
+          </a:p>
+        </p:txBody>
+      </p:sp>
+      <p:sp>
+        <p:nvSpPr>
+          <p:cNvPr id="6" name="Footer Placeholder 5"/>
+          <p:cNvSpPr>
+            <a:spLocks noGrp="1"/>
+          </p:cNvSpPr>
+          <p:nvPr>
+            <p:ph type="ftr" sz="quarter" idx="11"/>
+          </p:nvPr>
+        </p:nvSpPr>
+        <p:spPr>
+          <a:xfrm>
+            <a:off x="685800" y="378883"/>
+            <a:ext cx="6991492" cy="365125"/>
+          </a:xfrm>
+        </p:spPr>
         <p:txBody>
           <a:bodyPr/>
           <a:lstStyle/>
           <a:p>
-            <a:fld id="{BDDAFA7A-6445-4002-8C74-4055B96B083F}" type="datetimeFigureOut">
-              <a:rPr lang="en-US" smtClean="0"/>
-              <a:t>5/8/2016</a:t>
-            </a:fld>
             <a:endParaRPr lang="en-US"/>
           </a:p>
         </p:txBody>
       </p:sp>
       <p:sp>
         <p:nvSpPr>
-          <p:cNvPr id="5" name="Footer Placeholder 4"/>
-          <p:cNvSpPr>
-            <a:spLocks noGrp="1"/>
-          </p:cNvSpPr>
-          <p:nvPr>
-            <p:ph type="ftr" sz="quarter" idx="11"/>
-          </p:nvPr>
-        </p:nvSpPr>
-        <p:spPr/>
-        <p:txBody>
-          <a:bodyPr/>
-          <a:lstStyle/>
-          <a:p>
-            <a:endParaRPr lang="en-US"/>
-          </a:p>
-        </p:txBody>
-      </p:sp>
-      <p:sp>
-        <p:nvSpPr>
-          <p:cNvPr id="6" name="Slide Number Placeholder 5"/>
+          <p:cNvPr id="7" name="Slide Number Placeholder 6"/>
           <p:cNvSpPr>
             <a:spLocks noGrp="1"/>
           </p:cNvSpPr>
@@ -3350,7 +3399,12 @@
             <p:ph type="sldNum" sz="quarter" idx="12"/>
           </p:nvPr>
         </p:nvSpPr>
-        <p:spPr/>
+        <p:spPr>
+          <a:xfrm>
+            <a:off x="10862452" y="381000"/>
+            <a:ext cx="643748" cy="365125"/>
+          </a:xfrm>
+        </p:spPr>
         <p:txBody>
           <a:bodyPr/>
           <a:lstStyle/>
@@ -3366,7 +3420,7 @@
     </p:spTree>
     <p:extLst>
       <p:ext uri="{BB962C8B-B14F-4D97-AF65-F5344CB8AC3E}">
-        <p14:creationId xmlns:p14="http://schemas.microsoft.com/office/powerpoint/2010/main" val="1040134258"/>
+        <p14:creationId xmlns:p14="http://schemas.microsoft.com/office/powerpoint/2010/main" val="552374880"/>
       </p:ext>
     </p:extLst>
   </p:cSld>
@@ -3378,7 +3432,7 @@
 
 <file path=ppt/slideLayouts/slideLayout14.xml><?xml version="1.0" encoding="utf-8"?>
 <p:sldLayout xmlns:a="http://schemas.openxmlformats.org/drawingml/2006/main" xmlns:r="http://schemas.openxmlformats.org/officeDocument/2006/relationships" xmlns:p="http://schemas.openxmlformats.org/presentationml/2006/main" preserve="1">
-  <p:cSld name="Quote Name Card">
+  <p:cSld name="3 Column">
     <p:spTree>
       <p:nvGrpSpPr>
         <p:cNvPr id="1" name=""/>
@@ -3395,369 +3449,117 @@
       </p:grpSpPr>
       <p:sp>
         <p:nvSpPr>
-          <p:cNvPr id="14" name="TextBox 13"/>
-          <p:cNvSpPr txBox="1"/>
-          <p:nvPr/>
+          <p:cNvPr id="15" name="Title 1"/>
+          <p:cNvSpPr>
+            <a:spLocks noGrp="1"/>
+          </p:cNvSpPr>
+          <p:nvPr>
+            <p:ph type="title"/>
+          </p:nvPr>
         </p:nvSpPr>
         <p:spPr>
           <a:xfrm>
-            <a:off x="836612" y="786824"/>
-            <a:ext cx="609600" cy="584776"/>
+            <a:off x="2895600" y="761999"/>
+            <a:ext cx="8610599" cy="1303867"/>
           </a:xfrm>
-          <a:prstGeom prst="rect">
-            <a:avLst/>
-          </a:prstGeom>
         </p:spPr>
         <p:txBody>
-          <a:bodyPr vert="horz" lIns="91440" tIns="45720" rIns="91440" bIns="45720" rtlCol="0" anchor="ctr">
+          <a:bodyPr/>
+          <a:lstStyle/>
+          <a:p>
+            <a:r>
+              <a:rPr lang="en-US" smtClean="0"/>
+              <a:t>Click to edit Master title style</a:t>
+            </a:r>
+            <a:endParaRPr lang="en-US" dirty="0"/>
+          </a:p>
+        </p:txBody>
+      </p:sp>
+      <p:sp>
+        <p:nvSpPr>
+          <p:cNvPr id="7" name="Text Placeholder 2"/>
+          <p:cNvSpPr>
+            <a:spLocks noGrp="1"/>
+          </p:cNvSpPr>
+          <p:nvPr>
+            <p:ph type="body" idx="1"/>
+          </p:nvPr>
+        </p:nvSpPr>
+        <p:spPr>
+          <a:xfrm>
+            <a:off x="685800" y="2202080"/>
+            <a:ext cx="3456432" cy="617320"/>
+          </a:xfrm>
+        </p:spPr>
+        <p:txBody>
+          <a:bodyPr anchor="b">
             <a:noAutofit/>
           </a:bodyPr>
           <a:lstStyle>
-            <a:lvl1pPr>
-              <a:spcBef>
-                <a:spcPct val="0"/>
-              </a:spcBef>
-              <a:buNone/>
-              <a:defRPr sz="3200" b="0" cap="all">
-                <a:ln w="3175" cmpd="sng">
-                  <a:noFill/>
-                </a:ln>
-                <a:effectLst>
-                  <a:glow rad="38100">
-                    <a:schemeClr val="bg1">
-                      <a:lumMod val="65000"/>
-                      <a:lumOff val="35000"/>
-                      <a:alpha val="40000"/>
-                    </a:schemeClr>
-                  </a:glow>
-                  <a:outerShdw blurRad="28575" dist="38100" dir="14040000" algn="tl" rotWithShape="0">
-                    <a:srgbClr val="000000">
-                      <a:alpha val="25000"/>
-                    </a:srgbClr>
-                  </a:outerShdw>
-                </a:effectLst>
+            <a:lvl1pPr marL="0" indent="0">
+              <a:buNone/>
+              <a:defRPr sz="2400" b="0">
+                <a:solidFill>
+                  <a:schemeClr val="tx1"/>
+                </a:solidFill>
               </a:defRPr>
             </a:lvl1pPr>
-            <a:lvl2pPr>
-              <a:defRPr>
-                <a:solidFill>
-                  <a:schemeClr val="tx2"/>
-                </a:solidFill>
-              </a:defRPr>
+            <a:lvl2pPr marL="457200" indent="0">
+              <a:buNone/>
+              <a:defRPr sz="2000" b="1"/>
             </a:lvl2pPr>
-            <a:lvl3pPr>
-              <a:defRPr>
-                <a:solidFill>
-                  <a:schemeClr val="tx2"/>
-                </a:solidFill>
-              </a:defRPr>
+            <a:lvl3pPr marL="914400" indent="0">
+              <a:buNone/>
+              <a:defRPr sz="1800" b="1"/>
             </a:lvl3pPr>
-            <a:lvl4pPr>
-              <a:defRPr>
-                <a:solidFill>
-                  <a:schemeClr val="tx2"/>
-                </a:solidFill>
-              </a:defRPr>
+            <a:lvl4pPr marL="1371600" indent="0">
+              <a:buNone/>
+              <a:defRPr sz="1600" b="1"/>
             </a:lvl4pPr>
-            <a:lvl5pPr>
-              <a:defRPr>
-                <a:solidFill>
-                  <a:schemeClr val="tx2"/>
-                </a:solidFill>
-              </a:defRPr>
+            <a:lvl5pPr marL="1828800" indent="0">
+              <a:buNone/>
+              <a:defRPr sz="1600" b="1"/>
             </a:lvl5pPr>
-            <a:lvl6pPr>
-              <a:defRPr>
-                <a:solidFill>
-                  <a:schemeClr val="tx2"/>
-                </a:solidFill>
-              </a:defRPr>
+            <a:lvl6pPr marL="2286000" indent="0">
+              <a:buNone/>
+              <a:defRPr sz="1600" b="1"/>
             </a:lvl6pPr>
-            <a:lvl7pPr>
-              <a:defRPr>
-                <a:solidFill>
-                  <a:schemeClr val="tx2"/>
-                </a:solidFill>
-              </a:defRPr>
+            <a:lvl7pPr marL="2743200" indent="0">
+              <a:buNone/>
+              <a:defRPr sz="1600" b="1"/>
             </a:lvl7pPr>
-            <a:lvl8pPr>
-              <a:defRPr>
-                <a:solidFill>
-                  <a:schemeClr val="tx2"/>
-                </a:solidFill>
-              </a:defRPr>
+            <a:lvl8pPr marL="3200400" indent="0">
+              <a:buNone/>
+              <a:defRPr sz="1600" b="1"/>
             </a:lvl8pPr>
-            <a:lvl9pPr>
-              <a:defRPr>
-                <a:solidFill>
-                  <a:schemeClr val="tx2"/>
-                </a:solidFill>
-              </a:defRPr>
+            <a:lvl9pPr marL="3657600" indent="0">
+              <a:buNone/>
+              <a:defRPr sz="1600" b="1"/>
             </a:lvl9pPr>
           </a:lstStyle>
           <a:p>
             <a:pPr lvl="0"/>
             <a:r>
-              <a:rPr lang="en-US" sz="8000" dirty="0">
-                <a:solidFill>
-                  <a:schemeClr val="accent1"/>
-                </a:solidFill>
-              </a:rPr>
-              <a:t>“</a:t>
-            </a:r>
-          </a:p>
-        </p:txBody>
-      </p:sp>
-      <p:sp>
-        <p:nvSpPr>
-          <p:cNvPr id="15" name="TextBox 14"/>
-          <p:cNvSpPr txBox="1"/>
-          <p:nvPr/>
+              <a:rPr lang="en-US" smtClean="0"/>
+              <a:t>Click to edit Master text styles</a:t>
+            </a:r>
+          </a:p>
+        </p:txBody>
+      </p:sp>
+      <p:sp>
+        <p:nvSpPr>
+          <p:cNvPr id="8" name="Text Placeholder 3"/>
+          <p:cNvSpPr>
+            <a:spLocks noGrp="1"/>
+          </p:cNvSpPr>
+          <p:nvPr>
+            <p:ph type="body" sz="half" idx="15"/>
+          </p:nvPr>
         </p:nvSpPr>
         <p:spPr>
           <a:xfrm>
-            <a:off x="10437812" y="2743200"/>
-            <a:ext cx="609600" cy="584776"/>
-          </a:xfrm>
-          <a:prstGeom prst="rect">
-            <a:avLst/>
-          </a:prstGeom>
-        </p:spPr>
-        <p:txBody>
-          <a:bodyPr vert="horz" lIns="91440" tIns="45720" rIns="91440" bIns="45720" rtlCol="0" anchor="ctr">
-            <a:noAutofit/>
-          </a:bodyPr>
-          <a:lstStyle>
-            <a:lvl1pPr>
-              <a:spcBef>
-                <a:spcPct val="0"/>
-              </a:spcBef>
-              <a:buNone/>
-              <a:defRPr sz="3200" b="0" cap="all">
-                <a:ln w="3175" cmpd="sng">
-                  <a:noFill/>
-                </a:ln>
-                <a:effectLst>
-                  <a:glow rad="38100">
-                    <a:schemeClr val="bg1">
-                      <a:lumMod val="65000"/>
-                      <a:lumOff val="35000"/>
-                      <a:alpha val="40000"/>
-                    </a:schemeClr>
-                  </a:glow>
-                  <a:outerShdw blurRad="28575" dist="38100" dir="14040000" algn="tl" rotWithShape="0">
-                    <a:srgbClr val="000000">
-                      <a:alpha val="25000"/>
-                    </a:srgbClr>
-                  </a:outerShdw>
-                </a:effectLst>
-              </a:defRPr>
-            </a:lvl1pPr>
-            <a:lvl2pPr>
-              <a:defRPr>
-                <a:solidFill>
-                  <a:schemeClr val="tx2"/>
-                </a:solidFill>
-              </a:defRPr>
-            </a:lvl2pPr>
-            <a:lvl3pPr>
-              <a:defRPr>
-                <a:solidFill>
-                  <a:schemeClr val="tx2"/>
-                </a:solidFill>
-              </a:defRPr>
-            </a:lvl3pPr>
-            <a:lvl4pPr>
-              <a:defRPr>
-                <a:solidFill>
-                  <a:schemeClr val="tx2"/>
-                </a:solidFill>
-              </a:defRPr>
-            </a:lvl4pPr>
-            <a:lvl5pPr>
-              <a:defRPr>
-                <a:solidFill>
-                  <a:schemeClr val="tx2"/>
-                </a:solidFill>
-              </a:defRPr>
-            </a:lvl5pPr>
-            <a:lvl6pPr>
-              <a:defRPr>
-                <a:solidFill>
-                  <a:schemeClr val="tx2"/>
-                </a:solidFill>
-              </a:defRPr>
-            </a:lvl6pPr>
-            <a:lvl7pPr>
-              <a:defRPr>
-                <a:solidFill>
-                  <a:schemeClr val="tx2"/>
-                </a:solidFill>
-              </a:defRPr>
-            </a:lvl7pPr>
-            <a:lvl8pPr>
-              <a:defRPr>
-                <a:solidFill>
-                  <a:schemeClr val="tx2"/>
-                </a:solidFill>
-              </a:defRPr>
-            </a:lvl8pPr>
-            <a:lvl9pPr>
-              <a:defRPr>
-                <a:solidFill>
-                  <a:schemeClr val="tx2"/>
-                </a:solidFill>
-              </a:defRPr>
-            </a:lvl9pPr>
-          </a:lstStyle>
-          <a:p>
-            <a:pPr lvl="0" algn="r"/>
-            <a:r>
-              <a:rPr lang="en-US" sz="8000" dirty="0">
-                <a:solidFill>
-                  <a:schemeClr val="accent1"/>
-                </a:solidFill>
-              </a:rPr>
-              <a:t>”</a:t>
-            </a:r>
-          </a:p>
-        </p:txBody>
-      </p:sp>
-      <p:sp>
-        <p:nvSpPr>
-          <p:cNvPr id="2" name="Title 1"/>
-          <p:cNvSpPr>
-            <a:spLocks noGrp="1"/>
-          </p:cNvSpPr>
-          <p:nvPr>
-            <p:ph type="title"/>
-          </p:nvPr>
-        </p:nvSpPr>
-        <p:spPr>
-          <a:xfrm>
-            <a:off x="1446213" y="609601"/>
-            <a:ext cx="9296398" cy="2743199"/>
-          </a:xfrm>
-        </p:spPr>
-        <p:txBody>
-          <a:bodyPr anchor="ctr">
-            <a:normAutofit/>
-          </a:bodyPr>
-          <a:lstStyle>
-            <a:lvl1pPr algn="l">
-              <a:defRPr sz="3200" b="0" cap="all">
-                <a:gradFill flip="none" rotWithShape="1">
-                  <a:gsLst>
-                    <a:gs pos="0">
-                      <a:schemeClr val="tx1"/>
-                    </a:gs>
-                    <a:gs pos="100000">
-                      <a:schemeClr val="tx1">
-                        <a:lumMod val="75000"/>
-                      </a:schemeClr>
-                    </a:gs>
-                  </a:gsLst>
-                  <a:lin ang="5400000" scaled="0"/>
-                  <a:tileRect/>
-                </a:gradFill>
-              </a:defRPr>
-            </a:lvl1pPr>
-          </a:lstStyle>
-          <a:p>
-            <a:r>
-              <a:rPr lang="en-US"/>
-              <a:t>Click to edit Master title style</a:t>
-            </a:r>
-            <a:endParaRPr lang="en-US" dirty="0"/>
-          </a:p>
-        </p:txBody>
-      </p:sp>
-      <p:sp>
-        <p:nvSpPr>
-          <p:cNvPr id="10" name="Text Placeholder 9"/>
-          <p:cNvSpPr>
-            <a:spLocks noGrp="1"/>
-          </p:cNvSpPr>
-          <p:nvPr>
-            <p:ph type="body" sz="quarter" idx="13"/>
-          </p:nvPr>
-        </p:nvSpPr>
-        <p:spPr>
-          <a:xfrm>
-            <a:off x="1141412" y="3886200"/>
-            <a:ext cx="9906000" cy="889000"/>
-          </a:xfrm>
-        </p:spPr>
-        <p:txBody>
-          <a:bodyPr vert="horz" lIns="91440" tIns="45720" rIns="91440" bIns="45720" rtlCol="0" anchor="b">
-            <a:normAutofit/>
-          </a:bodyPr>
-          <a:lstStyle>
-            <a:lvl1pPr>
-              <a:buNone/>
-              <a:defRPr lang="en-US" sz="2400" b="0" cap="all" dirty="0">
-                <a:ln w="3175" cmpd="sng">
-                  <a:noFill/>
-                </a:ln>
-                <a:gradFill flip="none" rotWithShape="1">
-                  <a:gsLst>
-                    <a:gs pos="0">
-                      <a:schemeClr val="tx1"/>
-                    </a:gs>
-                    <a:gs pos="100000">
-                      <a:schemeClr val="tx1">
-                        <a:lumMod val="75000"/>
-                      </a:schemeClr>
-                    </a:gs>
-                  </a:gsLst>
-                  <a:lin ang="5400000" scaled="0"/>
-                  <a:tileRect/>
-                </a:gradFill>
-                <a:effectLst>
-                  <a:glow rad="38100">
-                    <a:schemeClr val="bg1">
-                      <a:lumMod val="65000"/>
-                      <a:lumOff val="35000"/>
-                      <a:alpha val="40000"/>
-                    </a:schemeClr>
-                  </a:glow>
-                  <a:outerShdw blurRad="28575" dist="38100" dir="14040000" algn="tl" rotWithShape="0">
-                    <a:srgbClr val="000000">
-                      <a:alpha val="25000"/>
-                    </a:srgbClr>
-                  </a:outerShdw>
-                </a:effectLst>
-              </a:defRPr>
-            </a:lvl1pPr>
-          </a:lstStyle>
-          <a:p>
-            <a:pPr marL="0" lvl="0">
-              <a:spcBef>
-                <a:spcPct val="0"/>
-              </a:spcBef>
-              <a:buNone/>
-            </a:pPr>
-            <a:r>
-              <a:rPr lang="en-US"/>
-              <a:t>Click to edit Master text styles</a:t>
-            </a:r>
-          </a:p>
-        </p:txBody>
-      </p:sp>
-      <p:sp>
-        <p:nvSpPr>
-          <p:cNvPr id="3" name="Text Placeholder 2"/>
-          <p:cNvSpPr>
-            <a:spLocks noGrp="1"/>
-          </p:cNvSpPr>
-          <p:nvPr>
-            <p:ph type="body" idx="1"/>
-          </p:nvPr>
-        </p:nvSpPr>
-        <p:spPr>
-          <a:xfrm>
-            <a:off x="1141411" y="4775200"/>
-            <a:ext cx="9906000" cy="1016000"/>
+            <a:off x="685799" y="2904565"/>
+            <a:ext cx="3456432" cy="3314132"/>
           </a:xfrm>
         </p:spPr>
         <p:txBody>
@@ -3765,110 +3567,256 @@
             <a:normAutofit/>
           </a:bodyPr>
           <a:lstStyle>
-            <a:lvl1pPr marL="0" indent="0" algn="l">
-              <a:buNone/>
-              <a:defRPr sz="1800">
-                <a:gradFill flip="none" rotWithShape="1">
-                  <a:gsLst>
-                    <a:gs pos="0">
-                      <a:schemeClr val="tx1"/>
-                    </a:gs>
-                    <a:gs pos="100000">
-                      <a:schemeClr val="tx1">
-                        <a:lumMod val="75000"/>
-                      </a:schemeClr>
-                    </a:gs>
-                  </a:gsLst>
-                  <a:lin ang="5400000" scaled="0"/>
-                  <a:tileRect/>
-                </a:gradFill>
+            <a:lvl1pPr marL="0" indent="0">
+              <a:buNone/>
+              <a:defRPr sz="1400"/>
+            </a:lvl1pPr>
+            <a:lvl2pPr marL="457200" indent="0">
+              <a:buNone/>
+              <a:defRPr sz="1200"/>
+            </a:lvl2pPr>
+            <a:lvl3pPr marL="914400" indent="0">
+              <a:buNone/>
+              <a:defRPr sz="1000"/>
+            </a:lvl3pPr>
+            <a:lvl4pPr marL="1371600" indent="0">
+              <a:buNone/>
+              <a:defRPr sz="900"/>
+            </a:lvl4pPr>
+            <a:lvl5pPr marL="1828800" indent="0">
+              <a:buNone/>
+              <a:defRPr sz="900"/>
+            </a:lvl5pPr>
+            <a:lvl6pPr marL="2286000" indent="0">
+              <a:buNone/>
+              <a:defRPr sz="900"/>
+            </a:lvl6pPr>
+            <a:lvl7pPr marL="2743200" indent="0">
+              <a:buNone/>
+              <a:defRPr sz="900"/>
+            </a:lvl7pPr>
+            <a:lvl8pPr marL="3200400" indent="0">
+              <a:buNone/>
+              <a:defRPr sz="900"/>
+            </a:lvl8pPr>
+            <a:lvl9pPr marL="3657600" indent="0">
+              <a:buNone/>
+              <a:defRPr sz="900"/>
+            </a:lvl9pPr>
+          </a:lstStyle>
+          <a:p>
+            <a:pPr lvl="0"/>
+            <a:r>
+              <a:rPr lang="en-US" smtClean="0"/>
+              <a:t>Click to edit Master text styles</a:t>
+            </a:r>
+          </a:p>
+        </p:txBody>
+      </p:sp>
+      <p:sp>
+        <p:nvSpPr>
+          <p:cNvPr id="9" name="Text Placeholder 4"/>
+          <p:cNvSpPr>
+            <a:spLocks noGrp="1"/>
+          </p:cNvSpPr>
+          <p:nvPr>
+            <p:ph type="body" sz="quarter" idx="3"/>
+          </p:nvPr>
+        </p:nvSpPr>
+        <p:spPr>
+          <a:xfrm>
+            <a:off x="4368800" y="2201333"/>
+            <a:ext cx="3456432" cy="626534"/>
+          </a:xfrm>
+        </p:spPr>
+        <p:txBody>
+          <a:bodyPr anchor="b">
+            <a:noAutofit/>
+          </a:bodyPr>
+          <a:lstStyle>
+            <a:lvl1pPr marL="0" indent="0">
+              <a:buNone/>
+              <a:defRPr sz="2400" b="0">
+                <a:solidFill>
+                  <a:schemeClr val="tx1"/>
+                </a:solidFill>
               </a:defRPr>
             </a:lvl1pPr>
             <a:lvl2pPr marL="457200" indent="0">
               <a:buNone/>
-              <a:defRPr sz="1800">
+              <a:defRPr sz="2000" b="1"/>
+            </a:lvl2pPr>
+            <a:lvl3pPr marL="914400" indent="0">
+              <a:buNone/>
+              <a:defRPr sz="1800" b="1"/>
+            </a:lvl3pPr>
+            <a:lvl4pPr marL="1371600" indent="0">
+              <a:buNone/>
+              <a:defRPr sz="1600" b="1"/>
+            </a:lvl4pPr>
+            <a:lvl5pPr marL="1828800" indent="0">
+              <a:buNone/>
+              <a:defRPr sz="1600" b="1"/>
+            </a:lvl5pPr>
+            <a:lvl6pPr marL="2286000" indent="0">
+              <a:buNone/>
+              <a:defRPr sz="1600" b="1"/>
+            </a:lvl6pPr>
+            <a:lvl7pPr marL="2743200" indent="0">
+              <a:buNone/>
+              <a:defRPr sz="1600" b="1"/>
+            </a:lvl7pPr>
+            <a:lvl8pPr marL="3200400" indent="0">
+              <a:buNone/>
+              <a:defRPr sz="1600" b="1"/>
+            </a:lvl8pPr>
+            <a:lvl9pPr marL="3657600" indent="0">
+              <a:buNone/>
+              <a:defRPr sz="1600" b="1"/>
+            </a:lvl9pPr>
+          </a:lstStyle>
+          <a:p>
+            <a:pPr lvl="0"/>
+            <a:r>
+              <a:rPr lang="en-US" smtClean="0"/>
+              <a:t>Click to edit Master text styles</a:t>
+            </a:r>
+          </a:p>
+        </p:txBody>
+      </p:sp>
+      <p:sp>
+        <p:nvSpPr>
+          <p:cNvPr id="10" name="Text Placeholder 3"/>
+          <p:cNvSpPr>
+            <a:spLocks noGrp="1"/>
+          </p:cNvSpPr>
+          <p:nvPr>
+            <p:ph type="body" sz="half" idx="16"/>
+          </p:nvPr>
+        </p:nvSpPr>
+        <p:spPr>
+          <a:xfrm>
+            <a:off x="4366858" y="2904067"/>
+            <a:ext cx="3456432" cy="3314618"/>
+          </a:xfrm>
+        </p:spPr>
+        <p:txBody>
+          <a:bodyPr anchor="t">
+            <a:normAutofit/>
+          </a:bodyPr>
+          <a:lstStyle>
+            <a:lvl1pPr marL="0" indent="0">
+              <a:buNone/>
+              <a:defRPr sz="1400"/>
+            </a:lvl1pPr>
+            <a:lvl2pPr marL="457200" indent="0">
+              <a:buNone/>
+              <a:defRPr sz="1200"/>
+            </a:lvl2pPr>
+            <a:lvl3pPr marL="914400" indent="0">
+              <a:buNone/>
+              <a:defRPr sz="1000"/>
+            </a:lvl3pPr>
+            <a:lvl4pPr marL="1371600" indent="0">
+              <a:buNone/>
+              <a:defRPr sz="900"/>
+            </a:lvl4pPr>
+            <a:lvl5pPr marL="1828800" indent="0">
+              <a:buNone/>
+              <a:defRPr sz="900"/>
+            </a:lvl5pPr>
+            <a:lvl6pPr marL="2286000" indent="0">
+              <a:buNone/>
+              <a:defRPr sz="900"/>
+            </a:lvl6pPr>
+            <a:lvl7pPr marL="2743200" indent="0">
+              <a:buNone/>
+              <a:defRPr sz="900"/>
+            </a:lvl7pPr>
+            <a:lvl8pPr marL="3200400" indent="0">
+              <a:buNone/>
+              <a:defRPr sz="900"/>
+            </a:lvl8pPr>
+            <a:lvl9pPr marL="3657600" indent="0">
+              <a:buNone/>
+              <a:defRPr sz="900"/>
+            </a:lvl9pPr>
+          </a:lstStyle>
+          <a:p>
+            <a:pPr lvl="0"/>
+            <a:r>
+              <a:rPr lang="en-US" smtClean="0"/>
+              <a:t>Click to edit Master text styles</a:t>
+            </a:r>
+          </a:p>
+        </p:txBody>
+      </p:sp>
+      <p:sp>
+        <p:nvSpPr>
+          <p:cNvPr id="11" name="Text Placeholder 4"/>
+          <p:cNvSpPr>
+            <a:spLocks noGrp="1"/>
+          </p:cNvSpPr>
+          <p:nvPr>
+            <p:ph type="body" sz="quarter" idx="13"/>
+          </p:nvPr>
+        </p:nvSpPr>
+        <p:spPr>
+          <a:xfrm>
+            <a:off x="8051800" y="2192866"/>
+            <a:ext cx="3456432" cy="626534"/>
+          </a:xfrm>
+        </p:spPr>
+        <p:txBody>
+          <a:bodyPr anchor="b">
+            <a:noAutofit/>
+          </a:bodyPr>
+          <a:lstStyle>
+            <a:lvl1pPr marL="0" indent="0">
+              <a:buNone/>
+              <a:defRPr sz="2400" b="0">
                 <a:solidFill>
-                  <a:schemeClr val="tx1">
-                    <a:tint val="75000"/>
-                  </a:schemeClr>
+                  <a:schemeClr val="tx1"/>
                 </a:solidFill>
               </a:defRPr>
+            </a:lvl1pPr>
+            <a:lvl2pPr marL="457200" indent="0">
+              <a:buNone/>
+              <a:defRPr sz="2000" b="1"/>
             </a:lvl2pPr>
             <a:lvl3pPr marL="914400" indent="0">
               <a:buNone/>
-              <a:defRPr sz="1600">
-                <a:solidFill>
-                  <a:schemeClr val="tx1">
-                    <a:tint val="75000"/>
-                  </a:schemeClr>
-                </a:solidFill>
-              </a:defRPr>
+              <a:defRPr sz="1800" b="1"/>
             </a:lvl3pPr>
             <a:lvl4pPr marL="1371600" indent="0">
               <a:buNone/>
-              <a:defRPr sz="1400">
-                <a:solidFill>
-                  <a:schemeClr val="tx1">
-                    <a:tint val="75000"/>
-                  </a:schemeClr>
-                </a:solidFill>
-              </a:defRPr>
+              <a:defRPr sz="1600" b="1"/>
             </a:lvl4pPr>
             <a:lvl5pPr marL="1828800" indent="0">
               <a:buNone/>
-              <a:defRPr sz="1400">
-                <a:solidFill>
-                  <a:schemeClr val="tx1">
-                    <a:tint val="75000"/>
-                  </a:schemeClr>
-                </a:solidFill>
-              </a:defRPr>
+              <a:defRPr sz="1600" b="1"/>
             </a:lvl5pPr>
             <a:lvl6pPr marL="2286000" indent="0">
               <a:buNone/>
-              <a:defRPr sz="1400">
-                <a:solidFill>
-                  <a:schemeClr val="tx1">
-                    <a:tint val="75000"/>
-                  </a:schemeClr>
-                </a:solidFill>
-              </a:defRPr>
+              <a:defRPr sz="1600" b="1"/>
             </a:lvl6pPr>
             <a:lvl7pPr marL="2743200" indent="0">
               <a:buNone/>
-              <a:defRPr sz="1400">
-                <a:solidFill>
-                  <a:schemeClr val="tx1">
-                    <a:tint val="75000"/>
-                  </a:schemeClr>
-                </a:solidFill>
-              </a:defRPr>
+              <a:defRPr sz="1600" b="1"/>
             </a:lvl7pPr>
             <a:lvl8pPr marL="3200400" indent="0">
               <a:buNone/>
-              <a:defRPr sz="1400">
-                <a:solidFill>
-                  <a:schemeClr val="tx1">
-                    <a:tint val="75000"/>
-                  </a:schemeClr>
-                </a:solidFill>
-              </a:defRPr>
+              <a:defRPr sz="1600" b="1"/>
             </a:lvl8pPr>
             <a:lvl9pPr marL="3657600" indent="0">
               <a:buNone/>
-              <a:defRPr sz="1400">
-                <a:solidFill>
-                  <a:schemeClr val="tx1">
-                    <a:tint val="75000"/>
-                  </a:schemeClr>
-                </a:solidFill>
-              </a:defRPr>
+              <a:defRPr sz="1600" b="1"/>
             </a:lvl9pPr>
           </a:lstStyle>
           <a:p>
             <a:pPr lvl="0"/>
             <a:r>
-              <a:rPr lang="en-US"/>
+              <a:rPr lang="en-US" smtClean="0"/>
               <a:t>Click to edit Master text styles</a:t>
             </a:r>
           </a:p>
@@ -3876,7 +3824,74 @@
       </p:sp>
       <p:sp>
         <p:nvSpPr>
-          <p:cNvPr id="4" name="Date Placeholder 3"/>
+          <p:cNvPr id="12" name="Text Placeholder 3"/>
+          <p:cNvSpPr>
+            <a:spLocks noGrp="1"/>
+          </p:cNvSpPr>
+          <p:nvPr>
+            <p:ph type="body" sz="half" idx="17"/>
+          </p:nvPr>
+        </p:nvSpPr>
+        <p:spPr>
+          <a:xfrm>
+            <a:off x="8051801" y="2904565"/>
+            <a:ext cx="3456432" cy="3314132"/>
+          </a:xfrm>
+        </p:spPr>
+        <p:txBody>
+          <a:bodyPr anchor="t">
+            <a:normAutofit/>
+          </a:bodyPr>
+          <a:lstStyle>
+            <a:lvl1pPr marL="0" indent="0">
+              <a:buNone/>
+              <a:defRPr sz="1400"/>
+            </a:lvl1pPr>
+            <a:lvl2pPr marL="457200" indent="0">
+              <a:buNone/>
+              <a:defRPr sz="1200"/>
+            </a:lvl2pPr>
+            <a:lvl3pPr marL="914400" indent="0">
+              <a:buNone/>
+              <a:defRPr sz="1000"/>
+            </a:lvl3pPr>
+            <a:lvl4pPr marL="1371600" indent="0">
+              <a:buNone/>
+              <a:defRPr sz="900"/>
+            </a:lvl4pPr>
+            <a:lvl5pPr marL="1828800" indent="0">
+              <a:buNone/>
+              <a:defRPr sz="900"/>
+            </a:lvl5pPr>
+            <a:lvl6pPr marL="2286000" indent="0">
+              <a:buNone/>
+              <a:defRPr sz="900"/>
+            </a:lvl6pPr>
+            <a:lvl7pPr marL="2743200" indent="0">
+              <a:buNone/>
+              <a:defRPr sz="900"/>
+            </a:lvl7pPr>
+            <a:lvl8pPr marL="3200400" indent="0">
+              <a:buNone/>
+              <a:defRPr sz="900"/>
+            </a:lvl8pPr>
+            <a:lvl9pPr marL="3657600" indent="0">
+              <a:buNone/>
+              <a:defRPr sz="900"/>
+            </a:lvl9pPr>
+          </a:lstStyle>
+          <a:p>
+            <a:pPr lvl="0"/>
+            <a:r>
+              <a:rPr lang="en-US" smtClean="0"/>
+              <a:t>Click to edit Master text styles</a:t>
+            </a:r>
+          </a:p>
+        </p:txBody>
+      </p:sp>
+      <p:sp>
+        <p:nvSpPr>
+          <p:cNvPr id="3" name="Date Placeholder 2"/>
           <p:cNvSpPr>
             <a:spLocks noGrp="1"/>
           </p:cNvSpPr>
@@ -3891,7 +3906,7 @@
           <a:p>
             <a:fld id="{BDDAFA7A-6445-4002-8C74-4055B96B083F}" type="datetimeFigureOut">
               <a:rPr lang="en-US" smtClean="0"/>
-              <a:t>5/8/2016</a:t>
+              <a:t>5/9/16</a:t>
             </a:fld>
             <a:endParaRPr lang="en-US"/>
           </a:p>
@@ -3899,7 +3914,7 @@
       </p:sp>
       <p:sp>
         <p:nvSpPr>
-          <p:cNvPr id="5" name="Footer Placeholder 4"/>
+          <p:cNvPr id="4" name="Footer Placeholder 3"/>
           <p:cNvSpPr>
             <a:spLocks noGrp="1"/>
           </p:cNvSpPr>
@@ -3918,7 +3933,7 @@
       </p:sp>
       <p:sp>
         <p:nvSpPr>
-          <p:cNvPr id="6" name="Slide Number Placeholder 5"/>
+          <p:cNvPr id="5" name="Slide Number Placeholder 4"/>
           <p:cNvSpPr>
             <a:spLocks noGrp="1"/>
           </p:cNvSpPr>
@@ -3942,7 +3957,7 @@
     </p:spTree>
     <p:extLst>
       <p:ext uri="{BB962C8B-B14F-4D97-AF65-F5344CB8AC3E}">
-        <p14:creationId xmlns:p14="http://schemas.microsoft.com/office/powerpoint/2010/main" val="1203526433"/>
+        <p14:creationId xmlns:p14="http://schemas.microsoft.com/office/powerpoint/2010/main" val="192802179"/>
       </p:ext>
     </p:extLst>
   </p:cSld>
@@ -3954,7 +3969,7 @@
 
 <file path=ppt/slideLayouts/slideLayout15.xml><?xml version="1.0" encoding="utf-8"?>
 <p:sldLayout xmlns:a="http://schemas.openxmlformats.org/drawingml/2006/main" xmlns:r="http://schemas.openxmlformats.org/officeDocument/2006/relationships" xmlns:p="http://schemas.openxmlformats.org/presentationml/2006/main" preserve="1">
-  <p:cSld name="True or False">
+  <p:cSld name="3 Picture Column">
     <p:spTree>
       <p:nvGrpSpPr>
         <p:cNvPr id="1" name=""/>
@@ -3971,7 +3986,7 @@
       </p:grpSpPr>
       <p:sp>
         <p:nvSpPr>
-          <p:cNvPr id="2" name="Title 1"/>
+          <p:cNvPr id="30" name="Title 1"/>
           <p:cNvSpPr>
             <a:spLocks noGrp="1"/>
           </p:cNvSpPr>
@@ -3981,226 +3996,522 @@
         </p:nvSpPr>
         <p:spPr>
           <a:xfrm>
-            <a:off x="1141412" y="609601"/>
-            <a:ext cx="9905999" cy="2743199"/>
+            <a:off x="2895600" y="762000"/>
+            <a:ext cx="8610599" cy="1295400"/>
           </a:xfrm>
         </p:spPr>
         <p:txBody>
-          <a:bodyPr vert="horz" lIns="91440" tIns="45720" rIns="91440" bIns="45720" rtlCol="0" anchor="ctr">
-            <a:normAutofit/>
+          <a:bodyPr/>
+          <a:lstStyle/>
+          <a:p>
+            <a:r>
+              <a:rPr lang="en-US" smtClean="0"/>
+              <a:t>Click to edit Master title style</a:t>
+            </a:r>
+            <a:endParaRPr lang="en-US" dirty="0"/>
+          </a:p>
+        </p:txBody>
+      </p:sp>
+      <p:sp>
+        <p:nvSpPr>
+          <p:cNvPr id="19" name="Text Placeholder 2"/>
+          <p:cNvSpPr>
+            <a:spLocks noGrp="1"/>
+          </p:cNvSpPr>
+          <p:nvPr>
+            <p:ph type="body" idx="1"/>
+          </p:nvPr>
+        </p:nvSpPr>
+        <p:spPr>
+          <a:xfrm>
+            <a:off x="688618" y="4191000"/>
+            <a:ext cx="3451582" cy="682765"/>
+          </a:xfrm>
+        </p:spPr>
+        <p:txBody>
+          <a:bodyPr anchor="b">
+            <a:noAutofit/>
           </a:bodyPr>
           <a:lstStyle>
-            <a:lvl1pPr>
-              <a:defRPr lang="en-US" b="0" dirty="0"/>
+            <a:lvl1pPr marL="0" indent="0">
+              <a:buNone/>
+              <a:defRPr sz="2400" b="0">
+                <a:solidFill>
+                  <a:schemeClr val="tx1"/>
+                </a:solidFill>
+              </a:defRPr>
             </a:lvl1pPr>
+            <a:lvl2pPr marL="457200" indent="0">
+              <a:buNone/>
+              <a:defRPr sz="2000" b="1"/>
+            </a:lvl2pPr>
+            <a:lvl3pPr marL="914400" indent="0">
+              <a:buNone/>
+              <a:defRPr sz="1800" b="1"/>
+            </a:lvl3pPr>
+            <a:lvl4pPr marL="1371600" indent="0">
+              <a:buNone/>
+              <a:defRPr sz="1600" b="1"/>
+            </a:lvl4pPr>
+            <a:lvl5pPr marL="1828800" indent="0">
+              <a:buNone/>
+              <a:defRPr sz="1600" b="1"/>
+            </a:lvl5pPr>
+            <a:lvl6pPr marL="2286000" indent="0">
+              <a:buNone/>
+              <a:defRPr sz="1600" b="1"/>
+            </a:lvl6pPr>
+            <a:lvl7pPr marL="2743200" indent="0">
+              <a:buNone/>
+              <a:defRPr sz="1600" b="1"/>
+            </a:lvl7pPr>
+            <a:lvl8pPr marL="3200400" indent="0">
+              <a:buNone/>
+              <a:defRPr sz="1600" b="1"/>
+            </a:lvl8pPr>
+            <a:lvl9pPr marL="3657600" indent="0">
+              <a:buNone/>
+              <a:defRPr sz="1600" b="1"/>
+            </a:lvl9pPr>
           </a:lstStyle>
           <a:p>
-            <a:pPr marL="0" lvl="0"/>
-            <a:r>
-              <a:rPr lang="en-US"/>
-              <a:t>Click to edit Master title style</a:t>
-            </a:r>
-            <a:endParaRPr lang="en-US" dirty="0"/>
-          </a:p>
-        </p:txBody>
-      </p:sp>
-      <p:sp>
-        <p:nvSpPr>
-          <p:cNvPr id="10" name="Text Placeholder 9"/>
-          <p:cNvSpPr>
-            <a:spLocks noGrp="1"/>
-          </p:cNvSpPr>
-          <p:nvPr>
-            <p:ph type="body" sz="quarter" idx="13"/>
+            <a:pPr lvl="0"/>
+            <a:r>
+              <a:rPr lang="en-US" smtClean="0"/>
+              <a:t>Click to edit Master text styles</a:t>
+            </a:r>
+          </a:p>
+        </p:txBody>
+      </p:sp>
+      <p:sp>
+        <p:nvSpPr>
+          <p:cNvPr id="20" name="Picture Placeholder 2"/>
+          <p:cNvSpPr>
+            <a:spLocks noGrp="1" noChangeAspect="1"/>
+          </p:cNvSpPr>
+          <p:nvPr>
+            <p:ph type="pic" idx="15"/>
           </p:nvPr>
         </p:nvSpPr>
         <p:spPr>
           <a:xfrm>
-            <a:off x="1141412" y="3505200"/>
-            <a:ext cx="9906000" cy="838200"/>
+            <a:off x="688618" y="2362200"/>
+            <a:ext cx="3451582" cy="1524000"/>
           </a:xfrm>
-        </p:spPr>
-        <p:txBody>
-          <a:bodyPr vert="horz" lIns="91440" tIns="45720" rIns="91440" bIns="45720" rtlCol="0" anchor="b">
-            <a:normAutofit/>
-          </a:bodyPr>
-          <a:lstStyle>
-            <a:lvl1pPr>
-              <a:buNone/>
-              <a:defRPr lang="en-US" sz="2800" b="0" cap="all" dirty="0">
-                <a:ln w="3175" cmpd="sng">
-                  <a:noFill/>
-                </a:ln>
-                <a:gradFill flip="none" rotWithShape="1">
-                  <a:gsLst>
-                    <a:gs pos="0">
-                      <a:schemeClr val="tx1"/>
-                    </a:gs>
-                    <a:gs pos="100000">
-                      <a:schemeClr val="tx1">
-                        <a:lumMod val="75000"/>
-                      </a:schemeClr>
-                    </a:gs>
-                  </a:gsLst>
-                  <a:lin ang="5400000" scaled="0"/>
-                  <a:tileRect/>
-                </a:gradFill>
-                <a:effectLst>
-                  <a:glow rad="38100">
-                    <a:schemeClr val="bg1">
-                      <a:lumMod val="65000"/>
-                      <a:lumOff val="35000"/>
-                      <a:alpha val="40000"/>
-                    </a:schemeClr>
-                  </a:glow>
-                  <a:outerShdw blurRad="28575" dist="38100" dir="14040000" algn="tl" rotWithShape="0">
-                    <a:srgbClr val="000000">
-                      <a:alpha val="25000"/>
-                    </a:srgbClr>
-                  </a:outerShdw>
-                </a:effectLst>
-              </a:defRPr>
-            </a:lvl1pPr>
-          </a:lstStyle>
-          <a:p>
-            <a:pPr marL="0" lvl="0">
-              <a:spcBef>
-                <a:spcPct val="0"/>
-              </a:spcBef>
-              <a:buNone/>
-            </a:pPr>
-            <a:r>
-              <a:rPr lang="en-US"/>
-              <a:t>Click to edit Master text styles</a:t>
-            </a:r>
-          </a:p>
-        </p:txBody>
-      </p:sp>
-      <p:sp>
-        <p:nvSpPr>
-          <p:cNvPr id="3" name="Text Placeholder 2"/>
-          <p:cNvSpPr>
-            <a:spLocks noGrp="1"/>
-          </p:cNvSpPr>
-          <p:nvPr>
-            <p:ph type="body" idx="1"/>
-          </p:nvPr>
-        </p:nvSpPr>
-        <p:spPr>
-          <a:xfrm>
-            <a:off x="1141411" y="4343400"/>
-            <a:ext cx="9906000" cy="1447800"/>
-          </a:xfrm>
+          <a:prstGeom prst="roundRect">
+            <a:avLst>
+              <a:gd name="adj" fmla="val 0"/>
+            </a:avLst>
+          </a:prstGeom>
+          <a:effectLst>
+            <a:outerShdw blurRad="50800" dist="50800" dir="5400000" algn="tl" rotWithShape="0">
+              <a:srgbClr val="000000">
+                <a:alpha val="43000"/>
+              </a:srgbClr>
+            </a:outerShdw>
+          </a:effectLst>
         </p:spPr>
         <p:txBody>
           <a:bodyPr anchor="t">
             <a:normAutofit/>
           </a:bodyPr>
           <a:lstStyle>
-            <a:lvl1pPr marL="0" indent="0" algn="l">
-              <a:buNone/>
-              <a:defRPr sz="1800">
-                <a:gradFill flip="none" rotWithShape="1">
-                  <a:gsLst>
-                    <a:gs pos="0">
-                      <a:schemeClr val="tx1"/>
-                    </a:gs>
-                    <a:gs pos="100000">
-                      <a:schemeClr val="tx1">
-                        <a:lumMod val="75000"/>
-                      </a:schemeClr>
-                    </a:gs>
-                  </a:gsLst>
-                  <a:lin ang="5400000" scaled="0"/>
-                  <a:tileRect/>
-                </a:gradFill>
+            <a:lvl1pPr marL="0" indent="0" algn="ctr">
+              <a:buNone/>
+              <a:defRPr sz="1600"/>
+            </a:lvl1pPr>
+            <a:lvl2pPr marL="457200" indent="0">
+              <a:buNone/>
+              <a:defRPr sz="1600"/>
+            </a:lvl2pPr>
+            <a:lvl3pPr marL="914400" indent="0">
+              <a:buNone/>
+              <a:defRPr sz="1600"/>
+            </a:lvl3pPr>
+            <a:lvl4pPr marL="1371600" indent="0">
+              <a:buNone/>
+              <a:defRPr sz="1600"/>
+            </a:lvl4pPr>
+            <a:lvl5pPr marL="1828800" indent="0">
+              <a:buNone/>
+              <a:defRPr sz="1600"/>
+            </a:lvl5pPr>
+            <a:lvl6pPr marL="2286000" indent="0">
+              <a:buNone/>
+              <a:defRPr sz="1600"/>
+            </a:lvl6pPr>
+            <a:lvl7pPr marL="2743200" indent="0">
+              <a:buNone/>
+              <a:defRPr sz="1600"/>
+            </a:lvl7pPr>
+            <a:lvl8pPr marL="3200400" indent="0">
+              <a:buNone/>
+              <a:defRPr sz="1600"/>
+            </a:lvl8pPr>
+            <a:lvl9pPr marL="3657600" indent="0">
+              <a:buNone/>
+              <a:defRPr sz="1600"/>
+            </a:lvl9pPr>
+          </a:lstStyle>
+          <a:p>
+            <a:r>
+              <a:rPr lang="en-US" smtClean="0"/>
+              <a:t>Drag picture to placeholder or click icon to add</a:t>
+            </a:r>
+            <a:endParaRPr lang="en-US" dirty="0"/>
+          </a:p>
+        </p:txBody>
+      </p:sp>
+      <p:sp>
+        <p:nvSpPr>
+          <p:cNvPr id="21" name="Text Placeholder 3"/>
+          <p:cNvSpPr>
+            <a:spLocks noGrp="1"/>
+          </p:cNvSpPr>
+          <p:nvPr>
+            <p:ph type="body" sz="half" idx="18"/>
+          </p:nvPr>
+        </p:nvSpPr>
+        <p:spPr>
+          <a:xfrm>
+            <a:off x="688618" y="4873764"/>
+            <a:ext cx="3451582" cy="1344921"/>
+          </a:xfrm>
+        </p:spPr>
+        <p:txBody>
+          <a:bodyPr anchor="t">
+            <a:normAutofit/>
+          </a:bodyPr>
+          <a:lstStyle>
+            <a:lvl1pPr marL="0" indent="0">
+              <a:buNone/>
+              <a:defRPr sz="1400"/>
+            </a:lvl1pPr>
+            <a:lvl2pPr marL="457200" indent="0">
+              <a:buNone/>
+              <a:defRPr sz="1200"/>
+            </a:lvl2pPr>
+            <a:lvl3pPr marL="914400" indent="0">
+              <a:buNone/>
+              <a:defRPr sz="1000"/>
+            </a:lvl3pPr>
+            <a:lvl4pPr marL="1371600" indent="0">
+              <a:buNone/>
+              <a:defRPr sz="900"/>
+            </a:lvl4pPr>
+            <a:lvl5pPr marL="1828800" indent="0">
+              <a:buNone/>
+              <a:defRPr sz="900"/>
+            </a:lvl5pPr>
+            <a:lvl6pPr marL="2286000" indent="0">
+              <a:buNone/>
+              <a:defRPr sz="900"/>
+            </a:lvl6pPr>
+            <a:lvl7pPr marL="2743200" indent="0">
+              <a:buNone/>
+              <a:defRPr sz="900"/>
+            </a:lvl7pPr>
+            <a:lvl8pPr marL="3200400" indent="0">
+              <a:buNone/>
+              <a:defRPr sz="900"/>
+            </a:lvl8pPr>
+            <a:lvl9pPr marL="3657600" indent="0">
+              <a:buNone/>
+              <a:defRPr sz="900"/>
+            </a:lvl9pPr>
+          </a:lstStyle>
+          <a:p>
+            <a:pPr lvl="0"/>
+            <a:r>
+              <a:rPr lang="en-US" smtClean="0"/>
+              <a:t>Click to edit Master text styles</a:t>
+            </a:r>
+          </a:p>
+        </p:txBody>
+      </p:sp>
+      <p:sp>
+        <p:nvSpPr>
+          <p:cNvPr id="22" name="Text Placeholder 4"/>
+          <p:cNvSpPr>
+            <a:spLocks noGrp="1"/>
+          </p:cNvSpPr>
+          <p:nvPr>
+            <p:ph type="body" sz="quarter" idx="3"/>
+          </p:nvPr>
+        </p:nvSpPr>
+        <p:spPr>
+          <a:xfrm>
+            <a:off x="4374263" y="4191000"/>
+            <a:ext cx="3448935" cy="682765"/>
+          </a:xfrm>
+        </p:spPr>
+        <p:txBody>
+          <a:bodyPr anchor="b">
+            <a:noAutofit/>
+          </a:bodyPr>
+          <a:lstStyle>
+            <a:lvl1pPr marL="0" indent="0">
+              <a:buNone/>
+              <a:defRPr sz="2400" b="0">
+                <a:solidFill>
+                  <a:schemeClr val="tx1"/>
+                </a:solidFill>
               </a:defRPr>
             </a:lvl1pPr>
             <a:lvl2pPr marL="457200" indent="0">
               <a:buNone/>
-              <a:defRPr sz="1800">
+              <a:defRPr sz="2000" b="1"/>
+            </a:lvl2pPr>
+            <a:lvl3pPr marL="914400" indent="0">
+              <a:buNone/>
+              <a:defRPr sz="1800" b="1"/>
+            </a:lvl3pPr>
+            <a:lvl4pPr marL="1371600" indent="0">
+              <a:buNone/>
+              <a:defRPr sz="1600" b="1"/>
+            </a:lvl4pPr>
+            <a:lvl5pPr marL="1828800" indent="0">
+              <a:buNone/>
+              <a:defRPr sz="1600" b="1"/>
+            </a:lvl5pPr>
+            <a:lvl6pPr marL="2286000" indent="0">
+              <a:buNone/>
+              <a:defRPr sz="1600" b="1"/>
+            </a:lvl6pPr>
+            <a:lvl7pPr marL="2743200" indent="0">
+              <a:buNone/>
+              <a:defRPr sz="1600" b="1"/>
+            </a:lvl7pPr>
+            <a:lvl8pPr marL="3200400" indent="0">
+              <a:buNone/>
+              <a:defRPr sz="1600" b="1"/>
+            </a:lvl8pPr>
+            <a:lvl9pPr marL="3657600" indent="0">
+              <a:buNone/>
+              <a:defRPr sz="1600" b="1"/>
+            </a:lvl9pPr>
+          </a:lstStyle>
+          <a:p>
+            <a:pPr lvl="0"/>
+            <a:r>
+              <a:rPr lang="en-US" smtClean="0"/>
+              <a:t>Click to edit Master text styles</a:t>
+            </a:r>
+          </a:p>
+        </p:txBody>
+      </p:sp>
+      <p:sp>
+        <p:nvSpPr>
+          <p:cNvPr id="23" name="Picture Placeholder 2"/>
+          <p:cNvSpPr>
+            <a:spLocks noGrp="1" noChangeAspect="1"/>
+          </p:cNvSpPr>
+          <p:nvPr>
+            <p:ph type="pic" idx="21"/>
+          </p:nvPr>
+        </p:nvSpPr>
+        <p:spPr>
+          <a:xfrm>
+            <a:off x="4374263" y="2362200"/>
+            <a:ext cx="3448936" cy="1524000"/>
+          </a:xfrm>
+          <a:prstGeom prst="roundRect">
+            <a:avLst>
+              <a:gd name="adj" fmla="val 0"/>
+            </a:avLst>
+          </a:prstGeom>
+          <a:effectLst>
+            <a:outerShdw blurRad="50800" dist="50800" dir="5400000" algn="tl" rotWithShape="0">
+              <a:srgbClr val="000000">
+                <a:alpha val="43000"/>
+              </a:srgbClr>
+            </a:outerShdw>
+          </a:effectLst>
+        </p:spPr>
+        <p:txBody>
+          <a:bodyPr anchor="t">
+            <a:normAutofit/>
+          </a:bodyPr>
+          <a:lstStyle>
+            <a:lvl1pPr marL="0" indent="0" algn="ctr">
+              <a:buNone/>
+              <a:defRPr sz="1600"/>
+            </a:lvl1pPr>
+            <a:lvl2pPr marL="457200" indent="0">
+              <a:buNone/>
+              <a:defRPr sz="1600"/>
+            </a:lvl2pPr>
+            <a:lvl3pPr marL="914400" indent="0">
+              <a:buNone/>
+              <a:defRPr sz="1600"/>
+            </a:lvl3pPr>
+            <a:lvl4pPr marL="1371600" indent="0">
+              <a:buNone/>
+              <a:defRPr sz="1600"/>
+            </a:lvl4pPr>
+            <a:lvl5pPr marL="1828800" indent="0">
+              <a:buNone/>
+              <a:defRPr sz="1600"/>
+            </a:lvl5pPr>
+            <a:lvl6pPr marL="2286000" indent="0">
+              <a:buNone/>
+              <a:defRPr sz="1600"/>
+            </a:lvl6pPr>
+            <a:lvl7pPr marL="2743200" indent="0">
+              <a:buNone/>
+              <a:defRPr sz="1600"/>
+            </a:lvl7pPr>
+            <a:lvl8pPr marL="3200400" indent="0">
+              <a:buNone/>
+              <a:defRPr sz="1600"/>
+            </a:lvl8pPr>
+            <a:lvl9pPr marL="3657600" indent="0">
+              <a:buNone/>
+              <a:defRPr sz="1600"/>
+            </a:lvl9pPr>
+          </a:lstStyle>
+          <a:p>
+            <a:r>
+              <a:rPr lang="en-US" smtClean="0"/>
+              <a:t>Drag picture to placeholder or click icon to add</a:t>
+            </a:r>
+            <a:endParaRPr lang="en-US" dirty="0"/>
+          </a:p>
+        </p:txBody>
+      </p:sp>
+      <p:sp>
+        <p:nvSpPr>
+          <p:cNvPr id="24" name="Text Placeholder 3"/>
+          <p:cNvSpPr>
+            <a:spLocks noGrp="1"/>
+          </p:cNvSpPr>
+          <p:nvPr>
+            <p:ph type="body" sz="half" idx="19"/>
+          </p:nvPr>
+        </p:nvSpPr>
+        <p:spPr>
+          <a:xfrm>
+            <a:off x="4374264" y="4873763"/>
+            <a:ext cx="3448935" cy="1344921"/>
+          </a:xfrm>
+        </p:spPr>
+        <p:txBody>
+          <a:bodyPr anchor="t">
+            <a:normAutofit/>
+          </a:bodyPr>
+          <a:lstStyle>
+            <a:lvl1pPr marL="0" indent="0">
+              <a:buNone/>
+              <a:defRPr sz="1400"/>
+            </a:lvl1pPr>
+            <a:lvl2pPr marL="457200" indent="0">
+              <a:buNone/>
+              <a:defRPr sz="1200"/>
+            </a:lvl2pPr>
+            <a:lvl3pPr marL="914400" indent="0">
+              <a:buNone/>
+              <a:defRPr sz="1000"/>
+            </a:lvl3pPr>
+            <a:lvl4pPr marL="1371600" indent="0">
+              <a:buNone/>
+              <a:defRPr sz="900"/>
+            </a:lvl4pPr>
+            <a:lvl5pPr marL="1828800" indent="0">
+              <a:buNone/>
+              <a:defRPr sz="900"/>
+            </a:lvl5pPr>
+            <a:lvl6pPr marL="2286000" indent="0">
+              <a:buNone/>
+              <a:defRPr sz="900"/>
+            </a:lvl6pPr>
+            <a:lvl7pPr marL="2743200" indent="0">
+              <a:buNone/>
+              <a:defRPr sz="900"/>
+            </a:lvl7pPr>
+            <a:lvl8pPr marL="3200400" indent="0">
+              <a:buNone/>
+              <a:defRPr sz="900"/>
+            </a:lvl8pPr>
+            <a:lvl9pPr marL="3657600" indent="0">
+              <a:buNone/>
+              <a:defRPr sz="900"/>
+            </a:lvl9pPr>
+          </a:lstStyle>
+          <a:p>
+            <a:pPr lvl="0"/>
+            <a:r>
+              <a:rPr lang="en-US" smtClean="0"/>
+              <a:t>Click to edit Master text styles</a:t>
+            </a:r>
+          </a:p>
+        </p:txBody>
+      </p:sp>
+      <p:sp>
+        <p:nvSpPr>
+          <p:cNvPr id="25" name="Text Placeholder 4"/>
+          <p:cNvSpPr>
+            <a:spLocks noGrp="1"/>
+          </p:cNvSpPr>
+          <p:nvPr>
+            <p:ph type="body" sz="quarter" idx="13"/>
+          </p:nvPr>
+        </p:nvSpPr>
+        <p:spPr>
+          <a:xfrm>
+            <a:off x="8049731" y="4191000"/>
+            <a:ext cx="3456469" cy="682765"/>
+          </a:xfrm>
+        </p:spPr>
+        <p:txBody>
+          <a:bodyPr anchor="b">
+            <a:noAutofit/>
+          </a:bodyPr>
+          <a:lstStyle>
+            <a:lvl1pPr marL="0" indent="0">
+              <a:buNone/>
+              <a:defRPr sz="2400" b="0">
                 <a:solidFill>
-                  <a:schemeClr val="tx1">
-                    <a:tint val="75000"/>
-                  </a:schemeClr>
+                  <a:schemeClr val="tx1"/>
                 </a:solidFill>
               </a:defRPr>
+            </a:lvl1pPr>
+            <a:lvl2pPr marL="457200" indent="0">
+              <a:buNone/>
+              <a:defRPr sz="2000" b="1"/>
             </a:lvl2pPr>
             <a:lvl3pPr marL="914400" indent="0">
               <a:buNone/>
-              <a:defRPr sz="1600">
-                <a:solidFill>
-                  <a:schemeClr val="tx1">
-                    <a:tint val="75000"/>
-                  </a:schemeClr>
-                </a:solidFill>
-              </a:defRPr>
+              <a:defRPr sz="1800" b="1"/>
             </a:lvl3pPr>
             <a:lvl4pPr marL="1371600" indent="0">
               <a:buNone/>
-              <a:defRPr sz="1400">
-                <a:solidFill>
-                  <a:schemeClr val="tx1">
-                    <a:tint val="75000"/>
-                  </a:schemeClr>
-                </a:solidFill>
-              </a:defRPr>
+              <a:defRPr sz="1600" b="1"/>
             </a:lvl4pPr>
             <a:lvl5pPr marL="1828800" indent="0">
               <a:buNone/>
-              <a:defRPr sz="1400">
-                <a:solidFill>
-                  <a:schemeClr val="tx1">
-                    <a:tint val="75000"/>
-                  </a:schemeClr>
-                </a:solidFill>
-              </a:defRPr>
+              <a:defRPr sz="1600" b="1"/>
             </a:lvl5pPr>
             <a:lvl6pPr marL="2286000" indent="0">
               <a:buNone/>
-              <a:defRPr sz="1400">
-                <a:solidFill>
-                  <a:schemeClr val="tx1">
-                    <a:tint val="75000"/>
-                  </a:schemeClr>
-                </a:solidFill>
-              </a:defRPr>
+              <a:defRPr sz="1600" b="1"/>
             </a:lvl6pPr>
             <a:lvl7pPr marL="2743200" indent="0">
               <a:buNone/>
-              <a:defRPr sz="1400">
-                <a:solidFill>
-                  <a:schemeClr val="tx1">
-                    <a:tint val="75000"/>
-                  </a:schemeClr>
-                </a:solidFill>
-              </a:defRPr>
+              <a:defRPr sz="1600" b="1"/>
             </a:lvl7pPr>
             <a:lvl8pPr marL="3200400" indent="0">
               <a:buNone/>
-              <a:defRPr sz="1400">
-                <a:solidFill>
-                  <a:schemeClr val="tx1">
-                    <a:tint val="75000"/>
-                  </a:schemeClr>
-                </a:solidFill>
-              </a:defRPr>
+              <a:defRPr sz="1600" b="1"/>
             </a:lvl8pPr>
             <a:lvl9pPr marL="3657600" indent="0">
               <a:buNone/>
-              <a:defRPr sz="1400">
-                <a:solidFill>
-                  <a:schemeClr val="tx1">
-                    <a:tint val="75000"/>
-                  </a:schemeClr>
-                </a:solidFill>
-              </a:defRPr>
+              <a:defRPr sz="1600" b="1"/>
             </a:lvl9pPr>
           </a:lstStyle>
           <a:p>
             <a:pPr lvl="0"/>
             <a:r>
-              <a:rPr lang="en-US"/>
+              <a:rPr lang="en-US" smtClean="0"/>
               <a:t>Click to edit Master text styles</a:t>
             </a:r>
           </a:p>
@@ -4208,7 +4519,153 @@
       </p:sp>
       <p:sp>
         <p:nvSpPr>
-          <p:cNvPr id="4" name="Date Placeholder 3"/>
+          <p:cNvPr id="26" name="Picture Placeholder 2"/>
+          <p:cNvSpPr>
+            <a:spLocks noGrp="1" noChangeAspect="1"/>
+          </p:cNvSpPr>
+          <p:nvPr>
+            <p:ph type="pic" idx="22"/>
+          </p:nvPr>
+        </p:nvSpPr>
+        <p:spPr>
+          <a:xfrm>
+            <a:off x="8049855" y="2362200"/>
+            <a:ext cx="3447878" cy="1524000"/>
+          </a:xfrm>
+          <a:prstGeom prst="roundRect">
+            <a:avLst>
+              <a:gd name="adj" fmla="val 0"/>
+            </a:avLst>
+          </a:prstGeom>
+          <a:effectLst>
+            <a:outerShdw blurRad="50800" dist="50800" dir="5400000" algn="tl" rotWithShape="0">
+              <a:srgbClr val="000000">
+                <a:alpha val="43000"/>
+              </a:srgbClr>
+            </a:outerShdw>
+          </a:effectLst>
+        </p:spPr>
+        <p:txBody>
+          <a:bodyPr anchor="t">
+            <a:normAutofit/>
+          </a:bodyPr>
+          <a:lstStyle>
+            <a:lvl1pPr marL="0" indent="0" algn="ctr">
+              <a:buNone/>
+              <a:defRPr sz="1600"/>
+            </a:lvl1pPr>
+            <a:lvl2pPr marL="457200" indent="0">
+              <a:buNone/>
+              <a:defRPr sz="1600"/>
+            </a:lvl2pPr>
+            <a:lvl3pPr marL="914400" indent="0">
+              <a:buNone/>
+              <a:defRPr sz="1600"/>
+            </a:lvl3pPr>
+            <a:lvl4pPr marL="1371600" indent="0">
+              <a:buNone/>
+              <a:defRPr sz="1600"/>
+            </a:lvl4pPr>
+            <a:lvl5pPr marL="1828800" indent="0">
+              <a:buNone/>
+              <a:defRPr sz="1600"/>
+            </a:lvl5pPr>
+            <a:lvl6pPr marL="2286000" indent="0">
+              <a:buNone/>
+              <a:defRPr sz="1600"/>
+            </a:lvl6pPr>
+            <a:lvl7pPr marL="2743200" indent="0">
+              <a:buNone/>
+              <a:defRPr sz="1600"/>
+            </a:lvl7pPr>
+            <a:lvl8pPr marL="3200400" indent="0">
+              <a:buNone/>
+              <a:defRPr sz="1600"/>
+            </a:lvl8pPr>
+            <a:lvl9pPr marL="3657600" indent="0">
+              <a:buNone/>
+              <a:defRPr sz="1600"/>
+            </a:lvl9pPr>
+          </a:lstStyle>
+          <a:p>
+            <a:r>
+              <a:rPr lang="en-US" smtClean="0"/>
+              <a:t>Drag picture to placeholder or click icon to add</a:t>
+            </a:r>
+            <a:endParaRPr lang="en-US" dirty="0"/>
+          </a:p>
+        </p:txBody>
+      </p:sp>
+      <p:sp>
+        <p:nvSpPr>
+          <p:cNvPr id="27" name="Text Placeholder 3"/>
+          <p:cNvSpPr>
+            <a:spLocks noGrp="1"/>
+          </p:cNvSpPr>
+          <p:nvPr>
+            <p:ph type="body" sz="half" idx="20"/>
+          </p:nvPr>
+        </p:nvSpPr>
+        <p:spPr>
+          <a:xfrm>
+            <a:off x="8049731" y="4873761"/>
+            <a:ext cx="3452445" cy="1344921"/>
+          </a:xfrm>
+        </p:spPr>
+        <p:txBody>
+          <a:bodyPr anchor="t">
+            <a:normAutofit/>
+          </a:bodyPr>
+          <a:lstStyle>
+            <a:lvl1pPr marL="0" indent="0">
+              <a:buNone/>
+              <a:defRPr sz="1400"/>
+            </a:lvl1pPr>
+            <a:lvl2pPr marL="457200" indent="0">
+              <a:buNone/>
+              <a:defRPr sz="1200"/>
+            </a:lvl2pPr>
+            <a:lvl3pPr marL="914400" indent="0">
+              <a:buNone/>
+              <a:defRPr sz="1000"/>
+            </a:lvl3pPr>
+            <a:lvl4pPr marL="1371600" indent="0">
+              <a:buNone/>
+              <a:defRPr sz="900"/>
+            </a:lvl4pPr>
+            <a:lvl5pPr marL="1828800" indent="0">
+              <a:buNone/>
+              <a:defRPr sz="900"/>
+            </a:lvl5pPr>
+            <a:lvl6pPr marL="2286000" indent="0">
+              <a:buNone/>
+              <a:defRPr sz="900"/>
+            </a:lvl6pPr>
+            <a:lvl7pPr marL="2743200" indent="0">
+              <a:buNone/>
+              <a:defRPr sz="900"/>
+            </a:lvl7pPr>
+            <a:lvl8pPr marL="3200400" indent="0">
+              <a:buNone/>
+              <a:defRPr sz="900"/>
+            </a:lvl8pPr>
+            <a:lvl9pPr marL="3657600" indent="0">
+              <a:buNone/>
+              <a:defRPr sz="900"/>
+            </a:lvl9pPr>
+          </a:lstStyle>
+          <a:p>
+            <a:pPr lvl="0"/>
+            <a:r>
+              <a:rPr lang="en-US" smtClean="0"/>
+              <a:t>Click to edit Master text styles</a:t>
+            </a:r>
+          </a:p>
+        </p:txBody>
+      </p:sp>
+      <p:sp>
+        <p:nvSpPr>
+          <p:cNvPr id="3" name="Date Placeholder 2"/>
           <p:cNvSpPr>
             <a:spLocks noGrp="1"/>
           </p:cNvSpPr>
@@ -4223,7 +4680,7 @@
           <a:p>
             <a:fld id="{BDDAFA7A-6445-4002-8C74-4055B96B083F}" type="datetimeFigureOut">
               <a:rPr lang="en-US" smtClean="0"/>
-              <a:t>5/8/2016</a:t>
+              <a:t>5/9/16</a:t>
             </a:fld>
             <a:endParaRPr lang="en-US"/>
           </a:p>
@@ -4231,7 +4688,7 @@
       </p:sp>
       <p:sp>
         <p:nvSpPr>
-          <p:cNvPr id="5" name="Footer Placeholder 4"/>
+          <p:cNvPr id="4" name="Footer Placeholder 3"/>
           <p:cNvSpPr>
             <a:spLocks noGrp="1"/>
           </p:cNvSpPr>
@@ -4250,7 +4707,7 @@
       </p:sp>
       <p:sp>
         <p:nvSpPr>
-          <p:cNvPr id="6" name="Slide Number Placeholder 5"/>
+          <p:cNvPr id="5" name="Slide Number Placeholder 4"/>
           <p:cNvSpPr>
             <a:spLocks noGrp="1"/>
           </p:cNvSpPr>
@@ -4274,7 +4731,7 @@
     </p:spTree>
     <p:extLst>
       <p:ext uri="{BB962C8B-B14F-4D97-AF65-F5344CB8AC3E}">
-        <p14:creationId xmlns:p14="http://schemas.microsoft.com/office/powerpoint/2010/main" val="4186914831"/>
+        <p14:creationId xmlns:p14="http://schemas.microsoft.com/office/powerpoint/2010/main" val="2020882777"/>
       </p:ext>
     </p:extLst>
   </p:cSld>
@@ -4303,102 +4760,102 @@
       </p:grpSpPr>
       <p:sp>
         <p:nvSpPr>
-          <p:cNvPr id="7" name="Title 1"/>
+          <p:cNvPr id="2" name="Title 1"/>
           <p:cNvSpPr>
             <a:spLocks noGrp="1"/>
           </p:cNvSpPr>
           <p:nvPr>
             <p:ph type="title"/>
+          </p:nvPr>
+        </p:nvSpPr>
+        <p:spPr/>
+        <p:txBody>
+          <a:bodyPr/>
+          <a:lstStyle/>
+          <a:p>
+            <a:r>
+              <a:rPr lang="en-US" smtClean="0"/>
+              <a:t>Click to edit Master title style</a:t>
+            </a:r>
+            <a:endParaRPr lang="en-US" dirty="0"/>
+          </a:p>
+        </p:txBody>
+      </p:sp>
+      <p:sp>
+        <p:nvSpPr>
+          <p:cNvPr id="3" name="Vertical Text Placeholder 2"/>
+          <p:cNvSpPr>
+            <a:spLocks noGrp="1"/>
+          </p:cNvSpPr>
+          <p:nvPr>
+            <p:ph type="body" orient="vert" idx="1"/>
           </p:nvPr>
         </p:nvSpPr>
         <p:spPr>
           <a:xfrm>
-            <a:off x="1141413" y="609600"/>
-            <a:ext cx="9905998" cy="1905000"/>
+            <a:off x="685800" y="2194559"/>
+            <a:ext cx="10820400" cy="4024125"/>
           </a:xfrm>
         </p:spPr>
         <p:txBody>
+          <a:bodyPr vert="eaVert"/>
+          <a:lstStyle/>
+          <a:p>
+            <a:pPr lvl="0"/>
+            <a:r>
+              <a:rPr lang="en-US" smtClean="0"/>
+              <a:t>Click to edit Master text styles</a:t>
+            </a:r>
+          </a:p>
+          <a:p>
+            <a:pPr lvl="1"/>
+            <a:r>
+              <a:rPr lang="en-US" smtClean="0"/>
+              <a:t>Second level</a:t>
+            </a:r>
+          </a:p>
+          <a:p>
+            <a:pPr lvl="2"/>
+            <a:r>
+              <a:rPr lang="en-US" smtClean="0"/>
+              <a:t>Third level</a:t>
+            </a:r>
+          </a:p>
+          <a:p>
+            <a:pPr lvl="3"/>
+            <a:r>
+              <a:rPr lang="en-US" smtClean="0"/>
+              <a:t>Fourth level</a:t>
+            </a:r>
+          </a:p>
+          <a:p>
+            <a:pPr lvl="4"/>
+            <a:r>
+              <a:rPr lang="en-US" smtClean="0"/>
+              <a:t>Fifth level</a:t>
+            </a:r>
+            <a:endParaRPr lang="en-US" dirty="0"/>
+          </a:p>
+        </p:txBody>
+      </p:sp>
+      <p:sp>
+        <p:nvSpPr>
+          <p:cNvPr id="4" name="Date Placeholder 3"/>
+          <p:cNvSpPr>
+            <a:spLocks noGrp="1"/>
+          </p:cNvSpPr>
+          <p:nvPr>
+            <p:ph type="dt" sz="half" idx="10"/>
+          </p:nvPr>
+        </p:nvSpPr>
+        <p:spPr/>
+        <p:txBody>
           <a:bodyPr/>
           <a:lstStyle/>
           <a:p>
-            <a:r>
-              <a:rPr lang="en-US"/>
-              <a:t>Click to edit Master title style</a:t>
-            </a:r>
-            <a:endParaRPr lang="en-US" dirty="0"/>
-          </a:p>
-        </p:txBody>
-      </p:sp>
-      <p:sp>
-        <p:nvSpPr>
-          <p:cNvPr id="3" name="Vertical Text Placeholder 2"/>
-          <p:cNvSpPr>
-            <a:spLocks noGrp="1"/>
-          </p:cNvSpPr>
-          <p:nvPr>
-            <p:ph type="body" orient="vert" idx="1"/>
-          </p:nvPr>
-        </p:nvSpPr>
-        <p:spPr/>
-        <p:txBody>
-          <a:bodyPr vert="eaVert" anchor="t"/>
-          <a:lstStyle/>
-          <a:p>
-            <a:pPr lvl="0"/>
-            <a:r>
-              <a:rPr lang="en-US"/>
-              <a:t>Click to edit Master text styles</a:t>
-            </a:r>
-          </a:p>
-          <a:p>
-            <a:pPr lvl="1"/>
-            <a:r>
-              <a:rPr lang="en-US"/>
-              <a:t>Second level</a:t>
-            </a:r>
-          </a:p>
-          <a:p>
-            <a:pPr lvl="2"/>
-            <a:r>
-              <a:rPr lang="en-US"/>
-              <a:t>Third level</a:t>
-            </a:r>
-          </a:p>
-          <a:p>
-            <a:pPr lvl="3"/>
-            <a:r>
-              <a:rPr lang="en-US"/>
-              <a:t>Fourth level</a:t>
-            </a:r>
-          </a:p>
-          <a:p>
-            <a:pPr lvl="4"/>
-            <a:r>
-              <a:rPr lang="en-US"/>
-              <a:t>Fifth level</a:t>
-            </a:r>
-            <a:endParaRPr lang="en-US" dirty="0"/>
-          </a:p>
-        </p:txBody>
-      </p:sp>
-      <p:sp>
-        <p:nvSpPr>
-          <p:cNvPr id="4" name="Date Placeholder 3"/>
-          <p:cNvSpPr>
-            <a:spLocks noGrp="1"/>
-          </p:cNvSpPr>
-          <p:nvPr>
-            <p:ph type="dt" sz="half" idx="10"/>
-          </p:nvPr>
-        </p:nvSpPr>
-        <p:spPr/>
-        <p:txBody>
-          <a:bodyPr/>
-          <a:lstStyle/>
-          <a:p>
             <a:fld id="{BDDAFA7A-6445-4002-8C74-4055B96B083F}" type="datetimeFigureOut">
               <a:rPr lang="en-US" smtClean="0"/>
-              <a:t>5/8/2016</a:t>
+              <a:t>5/9/16</a:t>
             </a:fld>
             <a:endParaRPr lang="en-US"/>
           </a:p>
@@ -4449,7 +4906,7 @@
     </p:spTree>
     <p:extLst>
       <p:ext uri="{BB962C8B-B14F-4D97-AF65-F5344CB8AC3E}">
-        <p14:creationId xmlns:p14="http://schemas.microsoft.com/office/powerpoint/2010/main" val="1027251337"/>
+        <p14:creationId xmlns:p14="http://schemas.microsoft.com/office/powerpoint/2010/main" val="375472087"/>
       </p:ext>
     </p:extLst>
   </p:cSld>
@@ -4460,7 +4917,7 @@
 </file>
 
 <file path=ppt/slideLayouts/slideLayout17.xml><?xml version="1.0" encoding="utf-8"?>
-<p:sldLayout xmlns:a="http://schemas.openxmlformats.org/drawingml/2006/main" xmlns:r="http://schemas.openxmlformats.org/officeDocument/2006/relationships" xmlns:p="http://schemas.openxmlformats.org/presentationml/2006/main" type="vertTitleAndTx" preserve="1">
+<p:sldLayout xmlns:a="http://schemas.openxmlformats.org/drawingml/2006/main" xmlns:r="http://schemas.openxmlformats.org/officeDocument/2006/relationships" xmlns:p="http://schemas.openxmlformats.org/presentationml/2006/main" showMasterSp="0" type="vertTitleAndTx" preserve="1">
   <p:cSld name="Vertical Title and Text">
     <p:spTree>
       <p:nvGrpSpPr>
@@ -4476,28 +4933,62 @@
           <a:chExt cx="0" cy="0"/>
         </a:xfrm>
       </p:grpSpPr>
-      <p:sp>
-        <p:nvSpPr>
-          <p:cNvPr id="2" name="Vertical Title 1"/>
-          <p:cNvSpPr>
-            <a:spLocks noGrp="1"/>
-          </p:cNvSpPr>
-          <p:nvPr>
-            <p:ph type="title" orient="vert"/>
-          </p:nvPr>
-        </p:nvSpPr>
+      <p:pic>
+        <p:nvPicPr>
+          <p:cNvPr id="8" name="Picture 7" descr="C0-HD-BTM.png"/>
+          <p:cNvPicPr>
+            <a:picLocks noChangeAspect="1"/>
+          </p:cNvPicPr>
+          <p:nvPr/>
+        </p:nvPicPr>
+        <p:blipFill>
+          <a:blip r:embed="rId2">
+            <a:extLst>
+              <a:ext uri="{28A0092B-C50C-407E-A947-70E740481C1C}">
+                <a14:useLocalDpi xmlns:a14="http://schemas.microsoft.com/office/drawing/2010/main" val="0"/>
+              </a:ext>
+            </a:extLst>
+          </a:blip>
+          <a:stretch>
+            <a:fillRect/>
+          </a:stretch>
+        </p:blipFill>
         <p:spPr>
           <a:xfrm>
-            <a:off x="8836898" y="609599"/>
-            <a:ext cx="2210514" cy="5181601"/>
+            <a:off x="0" y="4375150"/>
+            <a:ext cx="12192000" cy="2482850"/>
+          </a:xfrm>
+          <a:prstGeom prst="rect">
+            <a:avLst/>
+          </a:prstGeom>
+        </p:spPr>
+      </p:pic>
+      <p:sp>
+        <p:nvSpPr>
+          <p:cNvPr id="2" name="Vertical Title 1"/>
+          <p:cNvSpPr>
+            <a:spLocks noGrp="1"/>
+          </p:cNvSpPr>
+          <p:nvPr>
+            <p:ph type="title" orient="vert"/>
+          </p:nvPr>
+        </p:nvSpPr>
+        <p:spPr>
+          <a:xfrm>
+            <a:off x="9448800" y="745066"/>
+            <a:ext cx="2057400" cy="3903133"/>
           </a:xfrm>
         </p:spPr>
         <p:txBody>
           <a:bodyPr vert="eaVert"/>
-          <a:lstStyle/>
-          <a:p>
-            <a:r>
-              <a:rPr lang="en-US"/>
+          <a:lstStyle>
+            <a:lvl1pPr algn="l">
+              <a:defRPr/>
+            </a:lvl1pPr>
+          </a:lstStyle>
+          <a:p>
+            <a:r>
+              <a:rPr lang="en-US" smtClean="0"/>
               <a:t>Click to edit Master title style</a:t>
             </a:r>
             <a:endParaRPr lang="en-US" dirty="0"/>
@@ -4516,45 +5007,45 @@
         </p:nvSpPr>
         <p:spPr>
           <a:xfrm>
-            <a:off x="1141412" y="609600"/>
-            <a:ext cx="7543800" cy="5181600"/>
+            <a:off x="1024466" y="745067"/>
+            <a:ext cx="8204201" cy="3903133"/>
           </a:xfrm>
         </p:spPr>
         <p:txBody>
-          <a:bodyPr vert="eaVert" anchor="t"/>
+          <a:bodyPr vert="eaVert"/>
           <a:lstStyle/>
           <a:p>
             <a:pPr lvl="0"/>
             <a:r>
-              <a:rPr lang="en-US"/>
+              <a:rPr lang="en-US" smtClean="0"/>
               <a:t>Click to edit Master text styles</a:t>
             </a:r>
           </a:p>
           <a:p>
             <a:pPr lvl="1"/>
             <a:r>
-              <a:rPr lang="en-US"/>
+              <a:rPr lang="en-US" smtClean="0"/>
               <a:t>Second level</a:t>
             </a:r>
           </a:p>
           <a:p>
             <a:pPr lvl="2"/>
             <a:r>
-              <a:rPr lang="en-US"/>
+              <a:rPr lang="en-US" smtClean="0"/>
               <a:t>Third level</a:t>
             </a:r>
           </a:p>
           <a:p>
             <a:pPr lvl="3"/>
             <a:r>
-              <a:rPr lang="en-US"/>
+              <a:rPr lang="en-US" smtClean="0"/>
               <a:t>Fourth level</a:t>
             </a:r>
           </a:p>
           <a:p>
             <a:pPr lvl="4"/>
             <a:r>
-              <a:rPr lang="en-US"/>
+              <a:rPr lang="en-US" smtClean="0"/>
               <a:t>Fifth level</a:t>
             </a:r>
             <a:endParaRPr lang="en-US" dirty="0"/>
@@ -4571,40 +5062,54 @@
             <p:ph type="dt" sz="half" idx="10"/>
           </p:nvPr>
         </p:nvSpPr>
-        <p:spPr/>
+        <p:spPr>
+          <a:xfrm>
+            <a:off x="7814452" y="379941"/>
+            <a:ext cx="2910840" cy="365125"/>
+          </a:xfrm>
+        </p:spPr>
+        <p:txBody>
+          <a:bodyPr/>
+          <a:lstStyle>
+            <a:lvl1pPr algn="r">
+              <a:defRPr/>
+            </a:lvl1pPr>
+          </a:lstStyle>
+          <a:p>
+            <a:fld id="{BDDAFA7A-6445-4002-8C74-4055B96B083F}" type="datetimeFigureOut">
+              <a:rPr lang="en-US" smtClean="0"/>
+              <a:t>5/9/16</a:t>
+            </a:fld>
+            <a:endParaRPr lang="en-US"/>
+          </a:p>
+        </p:txBody>
+      </p:sp>
+      <p:sp>
+        <p:nvSpPr>
+          <p:cNvPr id="5" name="Footer Placeholder 4"/>
+          <p:cNvSpPr>
+            <a:spLocks noGrp="1"/>
+          </p:cNvSpPr>
+          <p:nvPr>
+            <p:ph type="ftr" sz="quarter" idx="11"/>
+          </p:nvPr>
+        </p:nvSpPr>
+        <p:spPr>
+          <a:xfrm>
+            <a:off x="685800" y="381000"/>
+            <a:ext cx="6991492" cy="365125"/>
+          </a:xfrm>
+        </p:spPr>
         <p:txBody>
           <a:bodyPr/>
           <a:lstStyle/>
           <a:p>
-            <a:fld id="{BDDAFA7A-6445-4002-8C74-4055B96B083F}" type="datetimeFigureOut">
-              <a:rPr lang="en-US" smtClean="0"/>
-              <a:t>5/8/2016</a:t>
-            </a:fld>
             <a:endParaRPr lang="en-US"/>
           </a:p>
         </p:txBody>
       </p:sp>
       <p:sp>
         <p:nvSpPr>
-          <p:cNvPr id="5" name="Footer Placeholder 4"/>
-          <p:cNvSpPr>
-            <a:spLocks noGrp="1"/>
-          </p:cNvSpPr>
-          <p:nvPr>
-            <p:ph type="ftr" sz="quarter" idx="11"/>
-          </p:nvPr>
-        </p:nvSpPr>
-        <p:spPr/>
-        <p:txBody>
-          <a:bodyPr/>
-          <a:lstStyle/>
-          <a:p>
-            <a:endParaRPr lang="en-US"/>
-          </a:p>
-        </p:txBody>
-      </p:sp>
-      <p:sp>
-        <p:nvSpPr>
           <p:cNvPr id="6" name="Slide Number Placeholder 5"/>
           <p:cNvSpPr>
             <a:spLocks noGrp="1"/>
@@ -4613,7 +5118,12 @@
             <p:ph type="sldNum" sz="quarter" idx="12"/>
           </p:nvPr>
         </p:nvSpPr>
-        <p:spPr/>
+        <p:spPr>
+          <a:xfrm>
+            <a:off x="10862452" y="381000"/>
+            <a:ext cx="643748" cy="365125"/>
+          </a:xfrm>
+        </p:spPr>
         <p:txBody>
           <a:bodyPr/>
           <a:lstStyle/>
@@ -4629,13 +5139,18 @@
     </p:spTree>
     <p:extLst>
       <p:ext uri="{BB962C8B-B14F-4D97-AF65-F5344CB8AC3E}">
-        <p14:creationId xmlns:p14="http://schemas.microsoft.com/office/powerpoint/2010/main" val="2151059271"/>
+        <p14:creationId xmlns:p14="http://schemas.microsoft.com/office/powerpoint/2010/main" val="1252411323"/>
       </p:ext>
     </p:extLst>
   </p:cSld>
   <p:clrMapOvr>
     <a:masterClrMapping/>
   </p:clrMapOvr>
+  <p:extLst>
+    <p:ext uri="{DCECCB84-F9BA-43D5-87BE-67443E8EF086}">
+      <p15:sldGuideLst xmlns:p15="http://schemas.microsoft.com/office/powerpoint/2012/main"/>
+    </p:ext>
+  </p:extLst>
 </p:sldLayout>
 </file>
 
@@ -4666,18 +5181,13 @@
             <p:ph type="title"/>
           </p:nvPr>
         </p:nvSpPr>
-        <p:spPr>
-          <a:xfrm>
-            <a:off x="1141412" y="434385"/>
-            <a:ext cx="9905998" cy="1038510"/>
-          </a:xfrm>
-        </p:spPr>
+        <p:spPr/>
         <p:txBody>
           <a:bodyPr/>
           <a:lstStyle/>
           <a:p>
             <a:r>
-              <a:rPr lang="en-US"/>
+              <a:rPr lang="en-US" smtClean="0"/>
               <a:t>Click to edit Master title style</a:t>
             </a:r>
             <a:endParaRPr lang="en-US" dirty="0"/>
@@ -4692,63 +5202,6 @@
           </p:cNvSpPr>
           <p:nvPr>
             <p:ph idx="1"/>
-          </p:nvPr>
-        </p:nvSpPr>
-        <p:spPr>
-          <a:xfrm>
-            <a:off x="1141413" y="1626209"/>
-            <a:ext cx="9905998" cy="4164992"/>
-          </a:xfrm>
-        </p:spPr>
-        <p:txBody>
-          <a:bodyPr anchor="t" anchorCtr="0"/>
-          <a:lstStyle/>
-          <a:p>
-            <a:pPr lvl="0"/>
-            <a:r>
-              <a:rPr lang="en-US"/>
-              <a:t>Click to edit Master text styles</a:t>
-            </a:r>
-          </a:p>
-          <a:p>
-            <a:pPr lvl="1"/>
-            <a:r>
-              <a:rPr lang="en-US"/>
-              <a:t>Second level</a:t>
-            </a:r>
-          </a:p>
-          <a:p>
-            <a:pPr lvl="2"/>
-            <a:r>
-              <a:rPr lang="en-US"/>
-              <a:t>Third level</a:t>
-            </a:r>
-          </a:p>
-          <a:p>
-            <a:pPr lvl="3"/>
-            <a:r>
-              <a:rPr lang="en-US"/>
-              <a:t>Fourth level</a:t>
-            </a:r>
-          </a:p>
-          <a:p>
-            <a:pPr lvl="4"/>
-            <a:r>
-              <a:rPr lang="en-US"/>
-              <a:t>Fifth level</a:t>
-            </a:r>
-            <a:endParaRPr lang="en-US" dirty="0"/>
-          </a:p>
-        </p:txBody>
-      </p:sp>
-      <p:sp>
-        <p:nvSpPr>
-          <p:cNvPr id="4" name="Date Placeholder 3"/>
-          <p:cNvSpPr>
-            <a:spLocks noGrp="1"/>
-          </p:cNvSpPr>
-          <p:nvPr>
-            <p:ph type="dt" sz="half" idx="10"/>
           </p:nvPr>
         </p:nvSpPr>
         <p:spPr/>
@@ -4756,9 +5209,61 @@
           <a:bodyPr/>
           <a:lstStyle/>
           <a:p>
+            <a:pPr lvl="0"/>
+            <a:r>
+              <a:rPr lang="en-US" smtClean="0"/>
+              <a:t>Click to edit Master text styles</a:t>
+            </a:r>
+          </a:p>
+          <a:p>
+            <a:pPr lvl="1"/>
+            <a:r>
+              <a:rPr lang="en-US" smtClean="0"/>
+              <a:t>Second level</a:t>
+            </a:r>
+          </a:p>
+          <a:p>
+            <a:pPr lvl="2"/>
+            <a:r>
+              <a:rPr lang="en-US" smtClean="0"/>
+              <a:t>Third level</a:t>
+            </a:r>
+          </a:p>
+          <a:p>
+            <a:pPr lvl="3"/>
+            <a:r>
+              <a:rPr lang="en-US" smtClean="0"/>
+              <a:t>Fourth level</a:t>
+            </a:r>
+          </a:p>
+          <a:p>
+            <a:pPr lvl="4"/>
+            <a:r>
+              <a:rPr lang="en-US" smtClean="0"/>
+              <a:t>Fifth level</a:t>
+            </a:r>
+            <a:endParaRPr lang="en-US" dirty="0"/>
+          </a:p>
+        </p:txBody>
+      </p:sp>
+      <p:sp>
+        <p:nvSpPr>
+          <p:cNvPr id="4" name="Date Placeholder 3"/>
+          <p:cNvSpPr>
+            <a:spLocks noGrp="1"/>
+          </p:cNvSpPr>
+          <p:nvPr>
+            <p:ph type="dt" sz="half" idx="10"/>
+          </p:nvPr>
+        </p:nvSpPr>
+        <p:spPr/>
+        <p:txBody>
+          <a:bodyPr/>
+          <a:lstStyle/>
+          <a:p>
             <a:fld id="{BDDAFA7A-6445-4002-8C74-4055B96B083F}" type="datetimeFigureOut">
               <a:rPr lang="en-US" smtClean="0"/>
-              <a:t>5/8/2016</a:t>
+              <a:t>5/9/16</a:t>
             </a:fld>
             <a:endParaRPr lang="en-US"/>
           </a:p>
@@ -4809,7 +5314,7 @@
     </p:spTree>
     <p:extLst>
       <p:ext uri="{BB962C8B-B14F-4D97-AF65-F5344CB8AC3E}">
-        <p14:creationId xmlns:p14="http://schemas.microsoft.com/office/powerpoint/2010/main" val="2309606330"/>
+        <p14:creationId xmlns:p14="http://schemas.microsoft.com/office/powerpoint/2010/main" val="1738625680"/>
       </p:ext>
     </p:extLst>
   </p:cSld>
@@ -4820,7 +5325,7 @@
 </file>
 
 <file path=ppt/slideLayouts/slideLayout3.xml><?xml version="1.0" encoding="utf-8"?>
-<p:sldLayout xmlns:a="http://schemas.openxmlformats.org/drawingml/2006/main" xmlns:r="http://schemas.openxmlformats.org/officeDocument/2006/relationships" xmlns:p="http://schemas.openxmlformats.org/presentationml/2006/main" type="secHead" preserve="1">
+<p:sldLayout xmlns:a="http://schemas.openxmlformats.org/drawingml/2006/main" xmlns:r="http://schemas.openxmlformats.org/officeDocument/2006/relationships" xmlns:p="http://schemas.openxmlformats.org/presentationml/2006/main" showMasterSp="0" type="secHead" preserve="1">
   <p:cSld name="Section Header">
     <p:spTree>
       <p:nvGrpSpPr>
@@ -4836,32 +5341,64 @@
           <a:chExt cx="0" cy="0"/>
         </a:xfrm>
       </p:grpSpPr>
-      <p:sp>
-        <p:nvSpPr>
-          <p:cNvPr id="2" name="Title 1"/>
-          <p:cNvSpPr>
-            <a:spLocks noGrp="1"/>
-          </p:cNvSpPr>
-          <p:nvPr>
-            <p:ph type="title"/>
-          </p:nvPr>
-        </p:nvSpPr>
+      <p:pic>
+        <p:nvPicPr>
+          <p:cNvPr id="9" name="Picture 8" descr="C0-HD-BTM.png"/>
+          <p:cNvPicPr>
+            <a:picLocks noChangeAspect="1"/>
+          </p:cNvPicPr>
+          <p:nvPr/>
+        </p:nvPicPr>
+        <p:blipFill>
+          <a:blip r:embed="rId2">
+            <a:extLst>
+              <a:ext uri="{28A0092B-C50C-407E-A947-70E740481C1C}">
+                <a14:useLocalDpi xmlns:a14="http://schemas.microsoft.com/office/drawing/2010/main" val="0"/>
+              </a:ext>
+            </a:extLst>
+          </a:blip>
+          <a:stretch>
+            <a:fillRect/>
+          </a:stretch>
+        </p:blipFill>
         <p:spPr>
           <a:xfrm>
-            <a:off x="1751013" y="3308581"/>
-            <a:ext cx="8686800" cy="1468800"/>
+            <a:off x="0" y="4375150"/>
+            <a:ext cx="12192000" cy="2482850"/>
+          </a:xfrm>
+          <a:prstGeom prst="rect">
+            <a:avLst/>
+          </a:prstGeom>
+        </p:spPr>
+      </p:pic>
+      <p:sp>
+        <p:nvSpPr>
+          <p:cNvPr id="2" name="Title 1"/>
+          <p:cNvSpPr>
+            <a:spLocks noGrp="1"/>
+          </p:cNvSpPr>
+          <p:nvPr>
+            <p:ph type="title"/>
+          </p:nvPr>
+        </p:nvSpPr>
+        <p:spPr>
+          <a:xfrm>
+            <a:off x="685800" y="753533"/>
+            <a:ext cx="10820399" cy="2801935"/>
           </a:xfrm>
         </p:spPr>
         <p:txBody>
-          <a:bodyPr anchor="b"/>
+          <a:bodyPr anchor="b">
+            <a:normAutofit/>
+          </a:bodyPr>
           <a:lstStyle>
             <a:lvl1pPr algn="r">
-              <a:defRPr sz="4000" b="0" cap="all"/>
+              <a:defRPr sz="4000"/>
             </a:lvl1pPr>
           </a:lstStyle>
           <a:p>
             <a:r>
-              <a:rPr lang="en-US"/>
+              <a:rPr lang="en-US" smtClean="0"/>
               <a:t>Click to edit Master title style</a:t>
             </a:r>
             <a:endParaRPr lang="en-US" dirty="0"/>
@@ -4880,37 +5417,28 @@
         </p:nvSpPr>
         <p:spPr>
           <a:xfrm>
-            <a:off x="1751011" y="4777381"/>
-            <a:ext cx="8686801" cy="860400"/>
+            <a:off x="1024467" y="3641725"/>
+            <a:ext cx="10490200" cy="955675"/>
           </a:xfrm>
         </p:spPr>
         <p:txBody>
-          <a:bodyPr anchor="t">
+          <a:bodyPr>
             <a:normAutofit/>
           </a:bodyPr>
           <a:lstStyle>
             <a:lvl1pPr marL="0" indent="0" algn="r">
               <a:buNone/>
-              <a:defRPr sz="2000">
-                <a:gradFill flip="none" rotWithShape="1">
-                  <a:gsLst>
-                    <a:gs pos="0">
-                      <a:schemeClr val="tx1"/>
-                    </a:gs>
-                    <a:gs pos="100000">
-                      <a:schemeClr val="tx1">
-                        <a:lumMod val="75000"/>
-                      </a:schemeClr>
-                    </a:gs>
-                  </a:gsLst>
-                  <a:lin ang="5400000" scaled="0"/>
-                  <a:tileRect/>
-                </a:gradFill>
+              <a:defRPr sz="2200">
+                <a:solidFill>
+                  <a:schemeClr val="tx1">
+                    <a:tint val="75000"/>
+                  </a:schemeClr>
+                </a:solidFill>
               </a:defRPr>
             </a:lvl1pPr>
             <a:lvl2pPr marL="457200" indent="0">
               <a:buNone/>
-              <a:defRPr sz="1800">
+              <a:defRPr sz="2000">
                 <a:solidFill>
                   <a:schemeClr val="tx1">
                     <a:tint val="75000"/>
@@ -4920,7 +5448,7 @@
             </a:lvl2pPr>
             <a:lvl3pPr marL="914400" indent="0">
               <a:buNone/>
-              <a:defRPr sz="1600">
+              <a:defRPr sz="1800">
                 <a:solidFill>
                   <a:schemeClr val="tx1">
                     <a:tint val="75000"/>
@@ -4930,7 +5458,7 @@
             </a:lvl3pPr>
             <a:lvl4pPr marL="1371600" indent="0">
               <a:buNone/>
-              <a:defRPr sz="1400">
+              <a:defRPr sz="1600">
                 <a:solidFill>
                   <a:schemeClr val="tx1">
                     <a:tint val="75000"/>
@@ -4940,7 +5468,7 @@
             </a:lvl4pPr>
             <a:lvl5pPr marL="1828800" indent="0">
               <a:buNone/>
-              <a:defRPr sz="1400">
+              <a:defRPr sz="1600">
                 <a:solidFill>
                   <a:schemeClr val="tx1">
                     <a:tint val="75000"/>
@@ -4950,7 +5478,7 @@
             </a:lvl5pPr>
             <a:lvl6pPr marL="2286000" indent="0">
               <a:buNone/>
-              <a:defRPr sz="1400">
+              <a:defRPr sz="1600">
                 <a:solidFill>
                   <a:schemeClr val="tx1">
                     <a:tint val="75000"/>
@@ -4960,7 +5488,7 @@
             </a:lvl6pPr>
             <a:lvl7pPr marL="2743200" indent="0">
               <a:buNone/>
-              <a:defRPr sz="1400">
+              <a:defRPr sz="1600">
                 <a:solidFill>
                   <a:schemeClr val="tx1">
                     <a:tint val="75000"/>
@@ -4970,7 +5498,7 @@
             </a:lvl7pPr>
             <a:lvl8pPr marL="3200400" indent="0">
               <a:buNone/>
-              <a:defRPr sz="1400">
+              <a:defRPr sz="1600">
                 <a:solidFill>
                   <a:schemeClr val="tx1">
                     <a:tint val="75000"/>
@@ -4980,7 +5508,7 @@
             </a:lvl8pPr>
             <a:lvl9pPr marL="3657600" indent="0">
               <a:buNone/>
-              <a:defRPr sz="1400">
+              <a:defRPr sz="1600">
                 <a:solidFill>
                   <a:schemeClr val="tx1">
                     <a:tint val="75000"/>
@@ -4992,7 +5520,7 @@
           <a:p>
             <a:pPr lvl="0"/>
             <a:r>
-              <a:rPr lang="en-US"/>
+              <a:rPr lang="en-US" smtClean="0"/>
               <a:t>Click to edit Master text styles</a:t>
             </a:r>
           </a:p>
@@ -5008,40 +5536,54 @@
             <p:ph type="dt" sz="half" idx="10"/>
           </p:nvPr>
         </p:nvSpPr>
-        <p:spPr/>
+        <p:spPr>
+          <a:xfrm>
+            <a:off x="7814452" y="381000"/>
+            <a:ext cx="2910840" cy="365125"/>
+          </a:xfrm>
+        </p:spPr>
+        <p:txBody>
+          <a:bodyPr/>
+          <a:lstStyle>
+            <a:lvl1pPr algn="r">
+              <a:defRPr/>
+            </a:lvl1pPr>
+          </a:lstStyle>
+          <a:p>
+            <a:fld id="{BDDAFA7A-6445-4002-8C74-4055B96B083F}" type="datetimeFigureOut">
+              <a:rPr lang="en-US" smtClean="0"/>
+              <a:t>5/9/16</a:t>
+            </a:fld>
+            <a:endParaRPr lang="en-US"/>
+          </a:p>
+        </p:txBody>
+      </p:sp>
+      <p:sp>
+        <p:nvSpPr>
+          <p:cNvPr id="5" name="Footer Placeholder 4"/>
+          <p:cNvSpPr>
+            <a:spLocks noGrp="1"/>
+          </p:cNvSpPr>
+          <p:nvPr>
+            <p:ph type="ftr" sz="quarter" idx="11"/>
+          </p:nvPr>
+        </p:nvSpPr>
+        <p:spPr>
+          <a:xfrm>
+            <a:off x="685800" y="381001"/>
+            <a:ext cx="6991492" cy="364065"/>
+          </a:xfrm>
+        </p:spPr>
         <p:txBody>
           <a:bodyPr/>
           <a:lstStyle/>
           <a:p>
-            <a:fld id="{BDDAFA7A-6445-4002-8C74-4055B96B083F}" type="datetimeFigureOut">
-              <a:rPr lang="en-US" smtClean="0"/>
-              <a:t>5/8/2016</a:t>
-            </a:fld>
             <a:endParaRPr lang="en-US"/>
           </a:p>
         </p:txBody>
       </p:sp>
       <p:sp>
         <p:nvSpPr>
-          <p:cNvPr id="5" name="Footer Placeholder 4"/>
-          <p:cNvSpPr>
-            <a:spLocks noGrp="1"/>
-          </p:cNvSpPr>
-          <p:nvPr>
-            <p:ph type="ftr" sz="quarter" idx="11"/>
-          </p:nvPr>
-        </p:nvSpPr>
-        <p:spPr/>
-        <p:txBody>
-          <a:bodyPr/>
-          <a:lstStyle/>
-          <a:p>
-            <a:endParaRPr lang="en-US"/>
-          </a:p>
-        </p:txBody>
-      </p:sp>
-      <p:sp>
-        <p:nvSpPr>
           <p:cNvPr id="6" name="Slide Number Placeholder 5"/>
           <p:cNvSpPr>
             <a:spLocks noGrp="1"/>
@@ -5050,7 +5592,12 @@
             <p:ph type="sldNum" sz="quarter" idx="12"/>
           </p:nvPr>
         </p:nvSpPr>
-        <p:spPr/>
+        <p:spPr>
+          <a:xfrm>
+            <a:off x="10862452" y="381000"/>
+            <a:ext cx="643748" cy="365125"/>
+          </a:xfrm>
+        </p:spPr>
         <p:txBody>
           <a:bodyPr/>
           <a:lstStyle/>
@@ -5066,13 +5613,18 @@
     </p:spTree>
     <p:extLst>
       <p:ext uri="{BB962C8B-B14F-4D97-AF65-F5344CB8AC3E}">
-        <p14:creationId xmlns:p14="http://schemas.microsoft.com/office/powerpoint/2010/main" val="4107538759"/>
+        <p14:creationId xmlns:p14="http://schemas.microsoft.com/office/powerpoint/2010/main" val="271819031"/>
       </p:ext>
     </p:extLst>
   </p:cSld>
   <p:clrMapOvr>
     <a:masterClrMapping/>
   </p:clrMapOvr>
+  <p:extLst>
+    <p:ext uri="{DCECCB84-F9BA-43D5-87BE-67443E8EF086}">
+      <p15:sldGuideLst xmlns:p15="http://schemas.microsoft.com/office/powerpoint/2012/main"/>
+    </p:ext>
+  </p:extLst>
 </p:sldLayout>
 </file>
 
@@ -5109,7 +5661,7 @@
           <a:lstStyle/>
           <a:p>
             <a:r>
-              <a:rPr lang="en-US"/>
+              <a:rPr lang="en-US" smtClean="0"/>
               <a:t>Click to edit Master title style</a:t>
             </a:r>
             <a:endParaRPr lang="en-US" dirty="0"/>
@@ -5128,75 +5680,45 @@
         </p:nvSpPr>
         <p:spPr>
           <a:xfrm>
-            <a:off x="1141412" y="2666999"/>
-            <a:ext cx="4876800" cy="3124201"/>
+            <a:off x="685800" y="2194559"/>
+            <a:ext cx="5334000" cy="4024125"/>
           </a:xfrm>
         </p:spPr>
         <p:txBody>
-          <a:bodyPr>
-            <a:normAutofit/>
-          </a:bodyPr>
-          <a:lstStyle>
-            <a:lvl1pPr>
-              <a:defRPr sz="1800"/>
-            </a:lvl1pPr>
-            <a:lvl2pPr>
-              <a:defRPr sz="1600"/>
-            </a:lvl2pPr>
-            <a:lvl3pPr>
-              <a:defRPr sz="1400"/>
-            </a:lvl3pPr>
-            <a:lvl4pPr>
-              <a:defRPr sz="1200"/>
-            </a:lvl4pPr>
-            <a:lvl5pPr>
-              <a:defRPr sz="1200"/>
-            </a:lvl5pPr>
-            <a:lvl6pPr>
-              <a:defRPr sz="1200"/>
-            </a:lvl6pPr>
-            <a:lvl7pPr>
-              <a:defRPr sz="1200"/>
-            </a:lvl7pPr>
-            <a:lvl8pPr>
-              <a:defRPr sz="1200"/>
-            </a:lvl8pPr>
-            <a:lvl9pPr>
-              <a:defRPr sz="1200"/>
-            </a:lvl9pPr>
-          </a:lstStyle>
+          <a:bodyPr/>
+          <a:lstStyle/>
           <a:p>
             <a:pPr lvl="0"/>
             <a:r>
-              <a:rPr lang="en-US"/>
+              <a:rPr lang="en-US" smtClean="0"/>
               <a:t>Click to edit Master text styles</a:t>
             </a:r>
           </a:p>
           <a:p>
             <a:pPr lvl="1"/>
             <a:r>
-              <a:rPr lang="en-US"/>
+              <a:rPr lang="en-US" smtClean="0"/>
               <a:t>Second level</a:t>
             </a:r>
           </a:p>
           <a:p>
             <a:pPr lvl="2"/>
             <a:r>
-              <a:rPr lang="en-US"/>
+              <a:rPr lang="en-US" smtClean="0"/>
               <a:t>Third level</a:t>
             </a:r>
           </a:p>
           <a:p>
             <a:pPr lvl="3"/>
             <a:r>
-              <a:rPr lang="en-US"/>
+              <a:rPr lang="en-US" smtClean="0"/>
               <a:t>Fourth level</a:t>
             </a:r>
           </a:p>
           <a:p>
             <a:pPr lvl="4"/>
             <a:r>
-              <a:rPr lang="en-US"/>
+              <a:rPr lang="en-US" smtClean="0"/>
               <a:t>Fifth level</a:t>
             </a:r>
             <a:endParaRPr lang="en-US" dirty="0"/>
@@ -5215,99 +5737,69 @@
         </p:nvSpPr>
         <p:spPr>
           <a:xfrm>
-            <a:off x="6170612" y="2667000"/>
-            <a:ext cx="4876800" cy="3124200"/>
+            <a:off x="6172200" y="2194559"/>
+            <a:ext cx="5334000" cy="4024125"/>
           </a:xfrm>
         </p:spPr>
         <p:txBody>
-          <a:bodyPr>
-            <a:normAutofit/>
-          </a:bodyPr>
-          <a:lstStyle>
-            <a:lvl1pPr>
-              <a:defRPr sz="1800"/>
-            </a:lvl1pPr>
-            <a:lvl2pPr>
-              <a:defRPr sz="1600"/>
-            </a:lvl2pPr>
-            <a:lvl3pPr>
-              <a:defRPr sz="1400"/>
-            </a:lvl3pPr>
-            <a:lvl4pPr>
-              <a:defRPr sz="1200"/>
-            </a:lvl4pPr>
-            <a:lvl5pPr>
-              <a:defRPr sz="1200"/>
-            </a:lvl5pPr>
-            <a:lvl6pPr>
-              <a:defRPr sz="1200"/>
-            </a:lvl6pPr>
-            <a:lvl7pPr>
-              <a:defRPr sz="1200"/>
-            </a:lvl7pPr>
-            <a:lvl8pPr>
-              <a:defRPr sz="1200"/>
-            </a:lvl8pPr>
-            <a:lvl9pPr>
-              <a:defRPr sz="1200"/>
-            </a:lvl9pPr>
-          </a:lstStyle>
-          <a:p>
-            <a:pPr lvl="0"/>
-            <a:r>
-              <a:rPr lang="en-US"/>
-              <a:t>Click to edit Master text styles</a:t>
-            </a:r>
-          </a:p>
-          <a:p>
-            <a:pPr lvl="1"/>
-            <a:r>
-              <a:rPr lang="en-US"/>
-              <a:t>Second level</a:t>
-            </a:r>
-          </a:p>
-          <a:p>
-            <a:pPr lvl="2"/>
-            <a:r>
-              <a:rPr lang="en-US"/>
-              <a:t>Third level</a:t>
-            </a:r>
-          </a:p>
-          <a:p>
-            <a:pPr lvl="3"/>
-            <a:r>
-              <a:rPr lang="en-US"/>
-              <a:t>Fourth level</a:t>
-            </a:r>
-          </a:p>
-          <a:p>
-            <a:pPr lvl="4"/>
-            <a:r>
-              <a:rPr lang="en-US"/>
-              <a:t>Fifth level</a:t>
-            </a:r>
-            <a:endParaRPr lang="en-US" dirty="0"/>
-          </a:p>
-        </p:txBody>
-      </p:sp>
-      <p:sp>
-        <p:nvSpPr>
-          <p:cNvPr id="5" name="Date Placeholder 4"/>
-          <p:cNvSpPr>
-            <a:spLocks noGrp="1"/>
-          </p:cNvSpPr>
-          <p:nvPr>
-            <p:ph type="dt" sz="half" idx="10"/>
-          </p:nvPr>
-        </p:nvSpPr>
-        <p:spPr/>
-        <p:txBody>
           <a:bodyPr/>
           <a:lstStyle/>
           <a:p>
+            <a:pPr lvl="0"/>
+            <a:r>
+              <a:rPr lang="en-US" smtClean="0"/>
+              <a:t>Click to edit Master text styles</a:t>
+            </a:r>
+          </a:p>
+          <a:p>
+            <a:pPr lvl="1"/>
+            <a:r>
+              <a:rPr lang="en-US" smtClean="0"/>
+              <a:t>Second level</a:t>
+            </a:r>
+          </a:p>
+          <a:p>
+            <a:pPr lvl="2"/>
+            <a:r>
+              <a:rPr lang="en-US" smtClean="0"/>
+              <a:t>Third level</a:t>
+            </a:r>
+          </a:p>
+          <a:p>
+            <a:pPr lvl="3"/>
+            <a:r>
+              <a:rPr lang="en-US" smtClean="0"/>
+              <a:t>Fourth level</a:t>
+            </a:r>
+          </a:p>
+          <a:p>
+            <a:pPr lvl="4"/>
+            <a:r>
+              <a:rPr lang="en-US" smtClean="0"/>
+              <a:t>Fifth level</a:t>
+            </a:r>
+            <a:endParaRPr lang="en-US" dirty="0"/>
+          </a:p>
+        </p:txBody>
+      </p:sp>
+      <p:sp>
+        <p:nvSpPr>
+          <p:cNvPr id="5" name="Date Placeholder 4"/>
+          <p:cNvSpPr>
+            <a:spLocks noGrp="1"/>
+          </p:cNvSpPr>
+          <p:nvPr>
+            <p:ph type="dt" sz="half" idx="10"/>
+          </p:nvPr>
+        </p:nvSpPr>
+        <p:spPr/>
+        <p:txBody>
+          <a:bodyPr/>
+          <a:lstStyle/>
+          <a:p>
             <a:fld id="{BDDAFA7A-6445-4002-8C74-4055B96B083F}" type="datetimeFigureOut">
               <a:rPr lang="en-US" smtClean="0"/>
-              <a:t>5/8/2016</a:t>
+              <a:t>5/9/16</a:t>
             </a:fld>
             <a:endParaRPr lang="en-US"/>
           </a:p>
@@ -5358,13 +5850,18 @@
     </p:spTree>
     <p:extLst>
       <p:ext uri="{BB962C8B-B14F-4D97-AF65-F5344CB8AC3E}">
-        <p14:creationId xmlns:p14="http://schemas.microsoft.com/office/powerpoint/2010/main" val="345377657"/>
+        <p14:creationId xmlns:p14="http://schemas.microsoft.com/office/powerpoint/2010/main" val="764736848"/>
       </p:ext>
     </p:extLst>
   </p:cSld>
   <p:clrMapOvr>
     <a:masterClrMapping/>
   </p:clrMapOvr>
+  <p:extLst>
+    <p:ext uri="{DCECCB84-F9BA-43D5-87BE-67443E8EF086}">
+      <p15:sldGuideLst xmlns:p15="http://schemas.microsoft.com/office/powerpoint/2012/main"/>
+    </p:ext>
+  </p:extLst>
 </p:sldLayout>
 </file>
 
@@ -5395,47 +5892,52 @@
             <p:ph type="title"/>
           </p:nvPr>
         </p:nvSpPr>
-        <p:spPr/>
-        <p:txBody>
-          <a:bodyPr/>
-          <a:lstStyle>
-            <a:lvl1pPr>
-              <a:defRPr/>
-            </a:lvl1pPr>
-          </a:lstStyle>
-          <a:p>
-            <a:r>
-              <a:rPr lang="en-US"/>
-              <a:t>Click to edit Master title style</a:t>
-            </a:r>
-            <a:endParaRPr lang="en-US" dirty="0"/>
-          </a:p>
-        </p:txBody>
-      </p:sp>
-      <p:sp>
-        <p:nvSpPr>
-          <p:cNvPr id="3" name="Text Placeholder 2"/>
-          <p:cNvSpPr>
-            <a:spLocks noGrp="1"/>
-          </p:cNvSpPr>
-          <p:nvPr>
-            <p:ph type="body" idx="1"/>
-          </p:nvPr>
-        </p:nvSpPr>
         <p:spPr>
           <a:xfrm>
-            <a:off x="1429280" y="2658533"/>
-            <a:ext cx="4588931" cy="576262"/>
+            <a:off x="2895600" y="762000"/>
+            <a:ext cx="8610600" cy="1295400"/>
           </a:xfrm>
         </p:spPr>
         <p:txBody>
+          <a:bodyPr/>
+          <a:lstStyle/>
+          <a:p>
+            <a:r>
+              <a:rPr lang="en-US" smtClean="0"/>
+              <a:t>Click to edit Master title style</a:t>
+            </a:r>
+            <a:endParaRPr lang="en-US" dirty="0"/>
+          </a:p>
+        </p:txBody>
+      </p:sp>
+      <p:sp>
+        <p:nvSpPr>
+          <p:cNvPr id="3" name="Text Placeholder 2"/>
+          <p:cNvSpPr>
+            <a:spLocks noGrp="1"/>
+          </p:cNvSpPr>
+          <p:nvPr>
+            <p:ph type="body" idx="1"/>
+          </p:nvPr>
+        </p:nvSpPr>
+        <p:spPr>
+          <a:xfrm>
+            <a:off x="914409" y="2183802"/>
+            <a:ext cx="5079991" cy="823912"/>
+          </a:xfrm>
+        </p:spPr>
+        <p:txBody>
           <a:bodyPr anchor="b">
-            <a:noAutofit/>
+            <a:normAutofit/>
           </a:bodyPr>
           <a:lstStyle>
             <a:lvl1pPr marL="0" indent="0">
               <a:buNone/>
-              <a:defRPr sz="2800" b="0"/>
+              <a:defRPr sz="2800" b="0">
+                <a:solidFill>
+                  <a:schemeClr val="tx1"/>
+                </a:solidFill>
+              </a:defRPr>
             </a:lvl1pPr>
             <a:lvl2pPr marL="457200" indent="0">
               <a:buNone/>
@@ -5473,7 +5975,7 @@
           <a:p>
             <a:pPr lvl="0"/>
             <a:r>
-              <a:rPr lang="en-US"/>
+              <a:rPr lang="en-US" smtClean="0"/>
               <a:t>Click to edit Master text styles</a:t>
             </a:r>
           </a:p>
@@ -5491,105 +5993,79 @@
         </p:nvSpPr>
         <p:spPr>
           <a:xfrm>
-            <a:off x="1141412" y="3243262"/>
-            <a:ext cx="4876800" cy="2547937"/>
+            <a:off x="685800" y="3132666"/>
+            <a:ext cx="5311775" cy="3086019"/>
           </a:xfrm>
         </p:spPr>
         <p:txBody>
-          <a:bodyPr anchor="t">
+          <a:bodyPr/>
+          <a:lstStyle/>
+          <a:p>
+            <a:pPr lvl="0"/>
+            <a:r>
+              <a:rPr lang="en-US" smtClean="0"/>
+              <a:t>Click to edit Master text styles</a:t>
+            </a:r>
+          </a:p>
+          <a:p>
+            <a:pPr lvl="1"/>
+            <a:r>
+              <a:rPr lang="en-US" smtClean="0"/>
+              <a:t>Second level</a:t>
+            </a:r>
+          </a:p>
+          <a:p>
+            <a:pPr lvl="2"/>
+            <a:r>
+              <a:rPr lang="en-US" smtClean="0"/>
+              <a:t>Third level</a:t>
+            </a:r>
+          </a:p>
+          <a:p>
+            <a:pPr lvl="3"/>
+            <a:r>
+              <a:rPr lang="en-US" smtClean="0"/>
+              <a:t>Fourth level</a:t>
+            </a:r>
+          </a:p>
+          <a:p>
+            <a:pPr lvl="4"/>
+            <a:r>
+              <a:rPr lang="en-US" smtClean="0"/>
+              <a:t>Fifth level</a:t>
+            </a:r>
+            <a:endParaRPr lang="en-US" dirty="0"/>
+          </a:p>
+        </p:txBody>
+      </p:sp>
+      <p:sp>
+        <p:nvSpPr>
+          <p:cNvPr id="5" name="Text Placeholder 4"/>
+          <p:cNvSpPr>
+            <a:spLocks noGrp="1"/>
+          </p:cNvSpPr>
+          <p:nvPr>
+            <p:ph type="body" sz="quarter" idx="3"/>
+          </p:nvPr>
+        </p:nvSpPr>
+        <p:spPr>
+          <a:xfrm>
+            <a:off x="6400800" y="2183802"/>
+            <a:ext cx="5105400" cy="823912"/>
+          </a:xfrm>
+        </p:spPr>
+        <p:txBody>
+          <a:bodyPr anchor="b">
             <a:normAutofit/>
           </a:bodyPr>
           <a:lstStyle>
-            <a:lvl1pPr>
-              <a:defRPr sz="1800"/>
-            </a:lvl1pPr>
-            <a:lvl2pPr>
-              <a:defRPr sz="1600"/>
-            </a:lvl2pPr>
-            <a:lvl3pPr>
-              <a:defRPr sz="1400"/>
-            </a:lvl3pPr>
-            <a:lvl4pPr>
-              <a:defRPr sz="1200"/>
-            </a:lvl4pPr>
-            <a:lvl5pPr>
-              <a:defRPr sz="1200"/>
-            </a:lvl5pPr>
-            <a:lvl6pPr>
-              <a:defRPr sz="1200"/>
-            </a:lvl6pPr>
-            <a:lvl7pPr>
-              <a:defRPr sz="1200"/>
-            </a:lvl7pPr>
-            <a:lvl8pPr>
-              <a:defRPr sz="1200"/>
-            </a:lvl8pPr>
-            <a:lvl9pPr>
-              <a:defRPr sz="1200"/>
-            </a:lvl9pPr>
-          </a:lstStyle>
-          <a:p>
-            <a:pPr lvl="0"/>
-            <a:r>
-              <a:rPr lang="en-US"/>
-              <a:t>Click to edit Master text styles</a:t>
-            </a:r>
-          </a:p>
-          <a:p>
-            <a:pPr lvl="1"/>
-            <a:r>
-              <a:rPr lang="en-US"/>
-              <a:t>Second level</a:t>
-            </a:r>
-          </a:p>
-          <a:p>
-            <a:pPr lvl="2"/>
-            <a:r>
-              <a:rPr lang="en-US"/>
-              <a:t>Third level</a:t>
-            </a:r>
-          </a:p>
-          <a:p>
-            <a:pPr lvl="3"/>
-            <a:r>
-              <a:rPr lang="en-US"/>
-              <a:t>Fourth level</a:t>
-            </a:r>
-          </a:p>
-          <a:p>
-            <a:pPr lvl="4"/>
-            <a:r>
-              <a:rPr lang="en-US"/>
-              <a:t>Fifth level</a:t>
-            </a:r>
-            <a:endParaRPr lang="en-US" dirty="0"/>
-          </a:p>
-        </p:txBody>
-      </p:sp>
-      <p:sp>
-        <p:nvSpPr>
-          <p:cNvPr id="5" name="Text Placeholder 4"/>
-          <p:cNvSpPr>
-            <a:spLocks noGrp="1"/>
-          </p:cNvSpPr>
-          <p:nvPr>
-            <p:ph type="body" sz="quarter" idx="3"/>
-          </p:nvPr>
-        </p:nvSpPr>
-        <p:spPr>
-          <a:xfrm>
-            <a:off x="6443133" y="2667000"/>
-            <a:ext cx="4604280" cy="576262"/>
-          </a:xfrm>
-        </p:spPr>
-        <p:txBody>
-          <a:bodyPr anchor="b">
-            <a:noAutofit/>
-          </a:bodyPr>
-          <a:lstStyle>
             <a:lvl1pPr marL="0" indent="0">
               <a:buNone/>
-              <a:defRPr sz="2800" b="0"/>
+              <a:defRPr sz="2800" b="0">
+                <a:solidFill>
+                  <a:schemeClr val="tx1"/>
+                </a:solidFill>
+              </a:defRPr>
             </a:lvl1pPr>
             <a:lvl2pPr marL="457200" indent="0">
               <a:buNone/>
@@ -5627,7 +6103,7 @@
           <a:p>
             <a:pPr lvl="0"/>
             <a:r>
-              <a:rPr lang="en-US"/>
+              <a:rPr lang="en-US" smtClean="0"/>
               <a:t>Click to edit Master text styles</a:t>
             </a:r>
           </a:p>
@@ -5645,99 +6121,69 @@
         </p:nvSpPr>
         <p:spPr>
           <a:xfrm>
-            <a:off x="6170612" y="3243262"/>
-            <a:ext cx="4876801" cy="2547937"/>
+            <a:off x="6172200" y="3132666"/>
+            <a:ext cx="5334000" cy="3086019"/>
           </a:xfrm>
         </p:spPr>
         <p:txBody>
-          <a:bodyPr anchor="t">
-            <a:normAutofit/>
-          </a:bodyPr>
-          <a:lstStyle>
-            <a:lvl1pPr>
-              <a:defRPr sz="1800"/>
-            </a:lvl1pPr>
-            <a:lvl2pPr>
-              <a:defRPr sz="1600"/>
-            </a:lvl2pPr>
-            <a:lvl3pPr>
-              <a:defRPr sz="1400"/>
-            </a:lvl3pPr>
-            <a:lvl4pPr>
-              <a:defRPr sz="1200"/>
-            </a:lvl4pPr>
-            <a:lvl5pPr>
-              <a:defRPr sz="1200"/>
-            </a:lvl5pPr>
-            <a:lvl6pPr>
-              <a:defRPr sz="1200"/>
-            </a:lvl6pPr>
-            <a:lvl7pPr>
-              <a:defRPr sz="1200"/>
-            </a:lvl7pPr>
-            <a:lvl8pPr>
-              <a:defRPr sz="1200"/>
-            </a:lvl8pPr>
-            <a:lvl9pPr>
-              <a:defRPr sz="1200"/>
-            </a:lvl9pPr>
-          </a:lstStyle>
-          <a:p>
-            <a:pPr lvl="0"/>
-            <a:r>
-              <a:rPr lang="en-US"/>
-              <a:t>Click to edit Master text styles</a:t>
-            </a:r>
-          </a:p>
-          <a:p>
-            <a:pPr lvl="1"/>
-            <a:r>
-              <a:rPr lang="en-US"/>
-              <a:t>Second level</a:t>
-            </a:r>
-          </a:p>
-          <a:p>
-            <a:pPr lvl="2"/>
-            <a:r>
-              <a:rPr lang="en-US"/>
-              <a:t>Third level</a:t>
-            </a:r>
-          </a:p>
-          <a:p>
-            <a:pPr lvl="3"/>
-            <a:r>
-              <a:rPr lang="en-US"/>
-              <a:t>Fourth level</a:t>
-            </a:r>
-          </a:p>
-          <a:p>
-            <a:pPr lvl="4"/>
-            <a:r>
-              <a:rPr lang="en-US"/>
-              <a:t>Fifth level</a:t>
-            </a:r>
-            <a:endParaRPr lang="en-US" dirty="0"/>
-          </a:p>
-        </p:txBody>
-      </p:sp>
-      <p:sp>
-        <p:nvSpPr>
-          <p:cNvPr id="7" name="Date Placeholder 6"/>
-          <p:cNvSpPr>
-            <a:spLocks noGrp="1"/>
-          </p:cNvSpPr>
-          <p:nvPr>
-            <p:ph type="dt" sz="half" idx="10"/>
-          </p:nvPr>
-        </p:nvSpPr>
-        <p:spPr/>
-        <p:txBody>
           <a:bodyPr/>
           <a:lstStyle/>
           <a:p>
+            <a:pPr lvl="0"/>
+            <a:r>
+              <a:rPr lang="en-US" smtClean="0"/>
+              <a:t>Click to edit Master text styles</a:t>
+            </a:r>
+          </a:p>
+          <a:p>
+            <a:pPr lvl="1"/>
+            <a:r>
+              <a:rPr lang="en-US" smtClean="0"/>
+              <a:t>Second level</a:t>
+            </a:r>
+          </a:p>
+          <a:p>
+            <a:pPr lvl="2"/>
+            <a:r>
+              <a:rPr lang="en-US" smtClean="0"/>
+              <a:t>Third level</a:t>
+            </a:r>
+          </a:p>
+          <a:p>
+            <a:pPr lvl="3"/>
+            <a:r>
+              <a:rPr lang="en-US" smtClean="0"/>
+              <a:t>Fourth level</a:t>
+            </a:r>
+          </a:p>
+          <a:p>
+            <a:pPr lvl="4"/>
+            <a:r>
+              <a:rPr lang="en-US" smtClean="0"/>
+              <a:t>Fifth level</a:t>
+            </a:r>
+            <a:endParaRPr lang="en-US" dirty="0"/>
+          </a:p>
+        </p:txBody>
+      </p:sp>
+      <p:sp>
+        <p:nvSpPr>
+          <p:cNvPr id="7" name="Date Placeholder 6"/>
+          <p:cNvSpPr>
+            <a:spLocks noGrp="1"/>
+          </p:cNvSpPr>
+          <p:nvPr>
+            <p:ph type="dt" sz="half" idx="10"/>
+          </p:nvPr>
+        </p:nvSpPr>
+        <p:spPr/>
+        <p:txBody>
+          <a:bodyPr/>
+          <a:lstStyle/>
+          <a:p>
             <a:fld id="{BDDAFA7A-6445-4002-8C74-4055B96B083F}" type="datetimeFigureOut">
               <a:rPr lang="en-US" smtClean="0"/>
-              <a:t>5/8/2016</a:t>
+              <a:t>5/9/16</a:t>
             </a:fld>
             <a:endParaRPr lang="en-US"/>
           </a:p>
@@ -5788,13 +6234,18 @@
     </p:spTree>
     <p:extLst>
       <p:ext uri="{BB962C8B-B14F-4D97-AF65-F5344CB8AC3E}">
-        <p14:creationId xmlns:p14="http://schemas.microsoft.com/office/powerpoint/2010/main" val="4197961646"/>
+        <p14:creationId xmlns:p14="http://schemas.microsoft.com/office/powerpoint/2010/main" val="242577041"/>
       </p:ext>
     </p:extLst>
   </p:cSld>
   <p:clrMapOvr>
     <a:masterClrMapping/>
   </p:clrMapOvr>
+  <p:extLst>
+    <p:ext uri="{DCECCB84-F9BA-43D5-87BE-67443E8EF086}">
+      <p15:sldGuideLst xmlns:p15="http://schemas.microsoft.com/office/powerpoint/2012/main"/>
+    </p:ext>
+  </p:extLst>
 </p:sldLayout>
 </file>
 
@@ -5831,7 +6282,7 @@
           <a:lstStyle/>
           <a:p>
             <a:r>
-              <a:rPr lang="en-US"/>
+              <a:rPr lang="en-US" smtClean="0"/>
               <a:t>Click to edit Master title style</a:t>
             </a:r>
             <a:endParaRPr lang="en-US" dirty="0"/>
@@ -5855,7 +6306,7 @@
           <a:p>
             <a:fld id="{BDDAFA7A-6445-4002-8C74-4055B96B083F}" type="datetimeFigureOut">
               <a:rPr lang="en-US" smtClean="0"/>
-              <a:t>5/8/2016</a:t>
+              <a:t>5/9/16</a:t>
             </a:fld>
             <a:endParaRPr lang="en-US"/>
           </a:p>
@@ -5906,7 +6357,7 @@
     </p:spTree>
     <p:extLst>
       <p:ext uri="{BB962C8B-B14F-4D97-AF65-F5344CB8AC3E}">
-        <p14:creationId xmlns:p14="http://schemas.microsoft.com/office/powerpoint/2010/main" val="1438856277"/>
+        <p14:creationId xmlns:p14="http://schemas.microsoft.com/office/powerpoint/2010/main" val="1068366081"/>
       </p:ext>
     </p:extLst>
   </p:cSld>
@@ -5950,7 +6401,7 @@
           <a:p>
             <a:fld id="{BDDAFA7A-6445-4002-8C74-4055B96B083F}" type="datetimeFigureOut">
               <a:rPr lang="en-US" smtClean="0"/>
-              <a:t>5/8/2016</a:t>
+              <a:t>5/9/16</a:t>
             </a:fld>
             <a:endParaRPr lang="en-US"/>
           </a:p>
@@ -6001,7 +6452,7 @@
     </p:spTree>
     <p:extLst>
       <p:ext uri="{BB962C8B-B14F-4D97-AF65-F5344CB8AC3E}">
-        <p14:creationId xmlns:p14="http://schemas.microsoft.com/office/powerpoint/2010/main" val="2099149384"/>
+        <p14:creationId xmlns:p14="http://schemas.microsoft.com/office/powerpoint/2010/main" val="917950800"/>
       </p:ext>
     </p:extLst>
   </p:cSld>
@@ -6040,22 +6491,20 @@
         </p:nvSpPr>
         <p:spPr>
           <a:xfrm>
-            <a:off x="1141411" y="1600200"/>
-            <a:ext cx="3549121" cy="1371600"/>
+            <a:off x="685800" y="1524000"/>
+            <a:ext cx="4114800" cy="1600200"/>
           </a:xfrm>
         </p:spPr>
         <p:txBody>
-          <a:bodyPr anchor="b">
-            <a:normAutofit/>
-          </a:bodyPr>
+          <a:bodyPr anchor="b"/>
           <a:lstStyle>
             <a:lvl1pPr algn="l">
-              <a:defRPr sz="2400" b="0"/>
+              <a:defRPr sz="3200"/>
             </a:lvl1pPr>
           </a:lstStyle>
           <a:p>
             <a:r>
-              <a:rPr lang="en-US"/>
+              <a:rPr lang="en-US" smtClean="0"/>
               <a:t>Click to edit Master title style</a:t>
             </a:r>
             <a:endParaRPr lang="en-US" dirty="0"/>
@@ -6074,75 +6523,45 @@
         </p:nvSpPr>
         <p:spPr>
           <a:xfrm>
-            <a:off x="5103812" y="609601"/>
-            <a:ext cx="5943601" cy="5181600"/>
+            <a:off x="4995582" y="746759"/>
+            <a:ext cx="6510618" cy="5471925"/>
           </a:xfrm>
         </p:spPr>
         <p:txBody>
-          <a:bodyPr anchor="ctr">
-            <a:normAutofit/>
-          </a:bodyPr>
-          <a:lstStyle>
-            <a:lvl1pPr>
-              <a:defRPr sz="2000"/>
-            </a:lvl1pPr>
-            <a:lvl2pPr>
-              <a:defRPr sz="1800"/>
-            </a:lvl2pPr>
-            <a:lvl3pPr>
-              <a:defRPr sz="1600"/>
-            </a:lvl3pPr>
-            <a:lvl4pPr>
-              <a:defRPr sz="1400"/>
-            </a:lvl4pPr>
-            <a:lvl5pPr>
-              <a:defRPr sz="1400"/>
-            </a:lvl5pPr>
-            <a:lvl6pPr>
-              <a:defRPr sz="1400"/>
-            </a:lvl6pPr>
-            <a:lvl7pPr>
-              <a:defRPr sz="1400"/>
-            </a:lvl7pPr>
-            <a:lvl8pPr>
-              <a:defRPr sz="1400"/>
-            </a:lvl8pPr>
-            <a:lvl9pPr>
-              <a:defRPr sz="1400"/>
-            </a:lvl9pPr>
-          </a:lstStyle>
+          <a:bodyPr anchor="ctr"/>
+          <a:lstStyle/>
           <a:p>
             <a:pPr lvl="0"/>
             <a:r>
-              <a:rPr lang="en-US"/>
+              <a:rPr lang="en-US" smtClean="0"/>
               <a:t>Click to edit Master text styles</a:t>
             </a:r>
           </a:p>
           <a:p>
             <a:pPr lvl="1"/>
             <a:r>
-              <a:rPr lang="en-US"/>
+              <a:rPr lang="en-US" smtClean="0"/>
               <a:t>Second level</a:t>
             </a:r>
           </a:p>
           <a:p>
             <a:pPr lvl="2"/>
             <a:r>
-              <a:rPr lang="en-US"/>
+              <a:rPr lang="en-US" smtClean="0"/>
               <a:t>Third level</a:t>
             </a:r>
           </a:p>
           <a:p>
             <a:pPr lvl="3"/>
             <a:r>
-              <a:rPr lang="en-US"/>
+              <a:rPr lang="en-US" smtClean="0"/>
               <a:t>Fourth level</a:t>
             </a:r>
           </a:p>
           <a:p>
             <a:pPr lvl="4"/>
             <a:r>
-              <a:rPr lang="en-US"/>
+              <a:rPr lang="en-US" smtClean="0"/>
               <a:t>Fifth level</a:t>
             </a:r>
             <a:endParaRPr lang="en-US" dirty="0"/>
@@ -6161,14 +6580,12 @@
         </p:nvSpPr>
         <p:spPr>
           <a:xfrm>
-            <a:off x="1141411" y="2971800"/>
-            <a:ext cx="3549121" cy="1828800"/>
+            <a:off x="685800" y="3124199"/>
+            <a:ext cx="4114800" cy="3094485"/>
           </a:xfrm>
         </p:spPr>
         <p:txBody>
-          <a:bodyPr>
-            <a:normAutofit/>
-          </a:bodyPr>
+          <a:bodyPr/>
           <a:lstStyle>
             <a:lvl1pPr marL="0" indent="0">
               <a:buNone/>
@@ -6176,41 +6593,41 @@
             </a:lvl1pPr>
             <a:lvl2pPr marL="457200" indent="0">
               <a:buNone/>
-              <a:defRPr sz="1200"/>
+              <a:defRPr sz="1400"/>
             </a:lvl2pPr>
             <a:lvl3pPr marL="914400" indent="0">
               <a:buNone/>
-              <a:defRPr sz="1000"/>
+              <a:defRPr sz="1200"/>
             </a:lvl3pPr>
             <a:lvl4pPr marL="1371600" indent="0">
               <a:buNone/>
-              <a:defRPr sz="900"/>
+              <a:defRPr sz="1000"/>
             </a:lvl4pPr>
             <a:lvl5pPr marL="1828800" indent="0">
               <a:buNone/>
-              <a:defRPr sz="900"/>
+              <a:defRPr sz="1000"/>
             </a:lvl5pPr>
             <a:lvl6pPr marL="2286000" indent="0">
               <a:buNone/>
-              <a:defRPr sz="900"/>
+              <a:defRPr sz="1000"/>
             </a:lvl6pPr>
             <a:lvl7pPr marL="2743200" indent="0">
               <a:buNone/>
-              <a:defRPr sz="900"/>
+              <a:defRPr sz="1000"/>
             </a:lvl7pPr>
             <a:lvl8pPr marL="3200400" indent="0">
               <a:buNone/>
-              <a:defRPr sz="900"/>
+              <a:defRPr sz="1000"/>
             </a:lvl8pPr>
             <a:lvl9pPr marL="3657600" indent="0">
               <a:buNone/>
-              <a:defRPr sz="900"/>
+              <a:defRPr sz="1000"/>
             </a:lvl9pPr>
           </a:lstStyle>
           <a:p>
             <a:pPr lvl="0"/>
             <a:r>
-              <a:rPr lang="en-US"/>
+              <a:rPr lang="en-US" smtClean="0"/>
               <a:t>Click to edit Master text styles</a:t>
             </a:r>
           </a:p>
@@ -6233,7 +6650,7 @@
           <a:p>
             <a:fld id="{BDDAFA7A-6445-4002-8C74-4055B96B083F}" type="datetimeFigureOut">
               <a:rPr lang="en-US" smtClean="0"/>
-              <a:t>5/8/2016</a:t>
+              <a:t>5/9/16</a:t>
             </a:fld>
             <a:endParaRPr lang="en-US"/>
           </a:p>
@@ -6284,13 +6701,18 @@
     </p:spTree>
     <p:extLst>
       <p:ext uri="{BB962C8B-B14F-4D97-AF65-F5344CB8AC3E}">
-        <p14:creationId xmlns:p14="http://schemas.microsoft.com/office/powerpoint/2010/main" val="1880209334"/>
+        <p14:creationId xmlns:p14="http://schemas.microsoft.com/office/powerpoint/2010/main" val="476575552"/>
       </p:ext>
     </p:extLst>
   </p:cSld>
   <p:clrMapOvr>
     <a:masterClrMapping/>
   </p:clrMapOvr>
+  <p:extLst>
+    <p:ext uri="{DCECCB84-F9BA-43D5-87BE-67443E8EF086}">
+      <p15:sldGuideLst xmlns:p15="http://schemas.microsoft.com/office/powerpoint/2012/main"/>
+    </p:ext>
+  </p:extLst>
 </p:sldLayout>
 </file>
 
@@ -6323,22 +6745,20 @@
         </p:nvSpPr>
         <p:spPr>
           <a:xfrm>
-            <a:off x="1141411" y="1600200"/>
-            <a:ext cx="5334001" cy="1371600"/>
+            <a:off x="685800" y="1524000"/>
+            <a:ext cx="6873240" cy="1600200"/>
           </a:xfrm>
         </p:spPr>
         <p:txBody>
-          <a:bodyPr anchor="b">
-            <a:normAutofit/>
-          </a:bodyPr>
+          <a:bodyPr anchor="b"/>
           <a:lstStyle>
             <a:lvl1pPr algn="l">
-              <a:defRPr sz="2800" b="0"/>
+              <a:defRPr sz="3200"/>
             </a:lvl1pPr>
           </a:lstStyle>
           <a:p>
             <a:r>
-              <a:rPr lang="en-US"/>
+              <a:rPr lang="en-US" smtClean="0"/>
               <a:t>Click to edit Master title style</a:t>
             </a:r>
             <a:endParaRPr lang="en-US" dirty="0"/>
@@ -6347,7 +6767,7 @@
       </p:sp>
       <p:sp>
         <p:nvSpPr>
-          <p:cNvPr id="14" name="Picture Placeholder 2"/>
+          <p:cNvPr id="3" name="Picture Placeholder 2"/>
           <p:cNvSpPr>
             <a:spLocks noGrp="1" noChangeAspect="1"/>
           </p:cNvSpPr>
@@ -6357,146 +6777,119 @@
         </p:nvSpPr>
         <p:spPr>
           <a:xfrm>
-            <a:off x="7433733" y="-18288"/>
-            <a:ext cx="3276599" cy="6903720"/>
+            <a:off x="7861238" y="751241"/>
+            <a:ext cx="3644962" cy="5467443"/>
           </a:xfrm>
-          <a:ln w="38100">
-            <a:gradFill flip="none" rotWithShape="1">
-              <a:gsLst>
-                <a:gs pos="0">
-                  <a:schemeClr val="bg2"/>
-                </a:gs>
-                <a:gs pos="100000">
-                  <a:schemeClr val="bg2">
-                    <a:lumMod val="75000"/>
-                  </a:schemeClr>
-                </a:gs>
-              </a:gsLst>
-              <a:lin ang="5400000" scaled="0"/>
-              <a:tileRect/>
-            </a:gradFill>
-          </a:ln>
-          <a:effectLst>
-            <a:innerShdw blurRad="57150" dist="38100" dir="10800000">
-              <a:srgbClr val="000000">
-                <a:alpha val="70000"/>
-              </a:srgbClr>
-            </a:innerShdw>
-          </a:effectLst>
         </p:spPr>
         <p:txBody>
-          <a:bodyPr anchor="t">
-            <a:normAutofit/>
-          </a:bodyPr>
+          <a:bodyPr anchor="t"/>
           <a:lstStyle>
-            <a:lvl1pPr marL="0" indent="0" algn="ctr">
+            <a:lvl1pPr marL="0" indent="0">
+              <a:buNone/>
+              <a:defRPr sz="3200"/>
+            </a:lvl1pPr>
+            <a:lvl2pPr marL="457200" indent="0">
+              <a:buNone/>
+              <a:defRPr sz="2800"/>
+            </a:lvl2pPr>
+            <a:lvl3pPr marL="914400" indent="0">
+              <a:buNone/>
+              <a:defRPr sz="2400"/>
+            </a:lvl3pPr>
+            <a:lvl4pPr marL="1371600" indent="0">
+              <a:buNone/>
+              <a:defRPr sz="2000"/>
+            </a:lvl4pPr>
+            <a:lvl5pPr marL="1828800" indent="0">
+              <a:buNone/>
+              <a:defRPr sz="2000"/>
+            </a:lvl5pPr>
+            <a:lvl6pPr marL="2286000" indent="0">
+              <a:buNone/>
+              <a:defRPr sz="2000"/>
+            </a:lvl6pPr>
+            <a:lvl7pPr marL="2743200" indent="0">
+              <a:buNone/>
+              <a:defRPr sz="2000"/>
+            </a:lvl7pPr>
+            <a:lvl8pPr marL="3200400" indent="0">
+              <a:buNone/>
+              <a:defRPr sz="2000"/>
+            </a:lvl8pPr>
+            <a:lvl9pPr marL="3657600" indent="0">
+              <a:buNone/>
+              <a:defRPr sz="2000"/>
+            </a:lvl9pPr>
+          </a:lstStyle>
+          <a:p>
+            <a:r>
+              <a:rPr lang="en-US" smtClean="0"/>
+              <a:t>Drag picture to placeholder or click icon to add</a:t>
+            </a:r>
+            <a:endParaRPr lang="en-US" dirty="0"/>
+          </a:p>
+        </p:txBody>
+      </p:sp>
+      <p:sp>
+        <p:nvSpPr>
+          <p:cNvPr id="4" name="Text Placeholder 3"/>
+          <p:cNvSpPr>
+            <a:spLocks noGrp="1"/>
+          </p:cNvSpPr>
+          <p:nvPr>
+            <p:ph type="body" sz="half" idx="2"/>
+          </p:nvPr>
+        </p:nvSpPr>
+        <p:spPr>
+          <a:xfrm>
+            <a:off x="685800" y="3124199"/>
+            <a:ext cx="6873240" cy="3094485"/>
+          </a:xfrm>
+        </p:spPr>
+        <p:txBody>
+          <a:bodyPr/>
+          <a:lstStyle>
+            <a:lvl1pPr marL="0" indent="0">
               <a:buNone/>
               <a:defRPr sz="1600"/>
             </a:lvl1pPr>
             <a:lvl2pPr marL="457200" indent="0">
               <a:buNone/>
-              <a:defRPr sz="1600"/>
+              <a:defRPr sz="1400"/>
             </a:lvl2pPr>
             <a:lvl3pPr marL="914400" indent="0">
               <a:buNone/>
-              <a:defRPr sz="1600"/>
+              <a:defRPr sz="1200"/>
             </a:lvl3pPr>
             <a:lvl4pPr marL="1371600" indent="0">
               <a:buNone/>
-              <a:defRPr sz="1600"/>
+              <a:defRPr sz="1000"/>
             </a:lvl4pPr>
             <a:lvl5pPr marL="1828800" indent="0">
               <a:buNone/>
-              <a:defRPr sz="1600"/>
+              <a:defRPr sz="1000"/>
             </a:lvl5pPr>
             <a:lvl6pPr marL="2286000" indent="0">
               <a:buNone/>
-              <a:defRPr sz="1600"/>
+              <a:defRPr sz="1000"/>
             </a:lvl6pPr>
             <a:lvl7pPr marL="2743200" indent="0">
               <a:buNone/>
-              <a:defRPr sz="1600"/>
+              <a:defRPr sz="1000"/>
             </a:lvl7pPr>
             <a:lvl8pPr marL="3200400" indent="0">
               <a:buNone/>
-              <a:defRPr sz="1600"/>
+              <a:defRPr sz="1000"/>
             </a:lvl8pPr>
             <a:lvl9pPr marL="3657600" indent="0">
               <a:buNone/>
-              <a:defRPr sz="1600"/>
+              <a:defRPr sz="1000"/>
             </a:lvl9pPr>
           </a:lstStyle>
           <a:p>
-            <a:r>
-              <a:rPr lang="en-US"/>
-              <a:t>Click icon to add picture</a:t>
-            </a:r>
-            <a:endParaRPr lang="en-US" dirty="0"/>
-          </a:p>
-        </p:txBody>
-      </p:sp>
-      <p:sp>
-        <p:nvSpPr>
-          <p:cNvPr id="4" name="Text Placeholder 3"/>
-          <p:cNvSpPr>
-            <a:spLocks noGrp="1"/>
-          </p:cNvSpPr>
-          <p:nvPr>
-            <p:ph type="body" sz="half" idx="2"/>
-          </p:nvPr>
-        </p:nvSpPr>
-        <p:spPr>
-          <a:xfrm>
-            <a:off x="1141411" y="2971800"/>
-            <a:ext cx="5334001" cy="1828800"/>
-          </a:xfrm>
-        </p:spPr>
-        <p:txBody>
-          <a:bodyPr>
-            <a:normAutofit/>
-          </a:bodyPr>
-          <a:lstStyle>
-            <a:lvl1pPr marL="0" indent="0">
-              <a:buNone/>
-              <a:defRPr sz="1800"/>
-            </a:lvl1pPr>
-            <a:lvl2pPr marL="457200" indent="0">
-              <a:buNone/>
-              <a:defRPr sz="1200"/>
-            </a:lvl2pPr>
-            <a:lvl3pPr marL="914400" indent="0">
-              <a:buNone/>
-              <a:defRPr sz="1000"/>
-            </a:lvl3pPr>
-            <a:lvl4pPr marL="1371600" indent="0">
-              <a:buNone/>
-              <a:defRPr sz="900"/>
-            </a:lvl4pPr>
-            <a:lvl5pPr marL="1828800" indent="0">
-              <a:buNone/>
-              <a:defRPr sz="900"/>
-            </a:lvl5pPr>
-            <a:lvl6pPr marL="2286000" indent="0">
-              <a:buNone/>
-              <a:defRPr sz="900"/>
-            </a:lvl6pPr>
-            <a:lvl7pPr marL="2743200" indent="0">
-              <a:buNone/>
-              <a:defRPr sz="900"/>
-            </a:lvl7pPr>
-            <a:lvl8pPr marL="3200400" indent="0">
-              <a:buNone/>
-              <a:defRPr sz="900"/>
-            </a:lvl8pPr>
-            <a:lvl9pPr marL="3657600" indent="0">
-              <a:buNone/>
-              <a:defRPr sz="900"/>
-            </a:lvl9pPr>
-          </a:lstStyle>
-          <a:p>
             <a:pPr lvl="0"/>
             <a:r>
-              <a:rPr lang="en-US"/>
+              <a:rPr lang="en-US" smtClean="0"/>
               <a:t>Click to edit Master text styles</a:t>
             </a:r>
           </a:p>
@@ -6512,19 +6905,14 @@
             <p:ph type="dt" sz="half" idx="10"/>
           </p:nvPr>
         </p:nvSpPr>
-        <p:spPr>
-          <a:xfrm>
-            <a:off x="6399212" y="5883275"/>
-            <a:ext cx="914400" cy="365125"/>
-          </a:xfrm>
-        </p:spPr>
+        <p:spPr/>
         <p:txBody>
           <a:bodyPr/>
           <a:lstStyle/>
           <a:p>
             <a:fld id="{BDDAFA7A-6445-4002-8C74-4055B96B083F}" type="datetimeFigureOut">
               <a:rPr lang="en-US" smtClean="0"/>
-              <a:t>5/8/2016</a:t>
+              <a:t>5/9/16</a:t>
             </a:fld>
             <a:endParaRPr lang="en-US"/>
           </a:p>
@@ -6540,12 +6928,7 @@
             <p:ph type="ftr" sz="quarter" idx="11"/>
           </p:nvPr>
         </p:nvSpPr>
-        <p:spPr>
-          <a:xfrm>
-            <a:off x="1141412" y="5883275"/>
-            <a:ext cx="5105400" cy="365125"/>
-          </a:xfrm>
-        </p:spPr>
+        <p:spPr/>
         <p:txBody>
           <a:bodyPr/>
           <a:lstStyle/>
@@ -6564,12 +6947,7 @@
             <p:ph type="sldNum" sz="quarter" idx="12"/>
           </p:nvPr>
         </p:nvSpPr>
-        <p:spPr>
-          <a:xfrm>
-            <a:off x="10742612" y="5883275"/>
-            <a:ext cx="322567" cy="365125"/>
-          </a:xfrm>
-        </p:spPr>
+        <p:spPr/>
         <p:txBody>
           <a:bodyPr/>
           <a:lstStyle/>
@@ -6585,7 +6963,7 @@
     </p:spTree>
     <p:extLst>
       <p:ext uri="{BB962C8B-B14F-4D97-AF65-F5344CB8AC3E}">
-        <p14:creationId xmlns:p14="http://schemas.microsoft.com/office/powerpoint/2010/main" val="1241118536"/>
+        <p14:creationId xmlns:p14="http://schemas.microsoft.com/office/powerpoint/2010/main" val="1838782801"/>
       </p:ext>
     </p:extLst>
   </p:cSld>
@@ -6599,8 +6977,8 @@
 <p:sldMaster xmlns:a="http://schemas.openxmlformats.org/drawingml/2006/main" xmlns:r="http://schemas.openxmlformats.org/officeDocument/2006/relationships" xmlns:p="http://schemas.openxmlformats.org/presentationml/2006/main">
   <p:cSld>
     <p:bg>
-      <p:bgRef idx="1003">
-        <a:schemeClr val="bg2"/>
+      <p:bgRef idx="1001">
+        <a:schemeClr val="bg1"/>
       </p:bgRef>
     </p:bg>
     <p:spTree>
@@ -6617,53 +6995,50 @@
           <a:chExt cx="0" cy="0"/>
         </a:xfrm>
       </p:grpSpPr>
-      <p:sp>
-        <p:nvSpPr>
-          <p:cNvPr id="2" name="Title Placeholder 1"/>
-          <p:cNvSpPr>
-            <a:spLocks noGrp="1"/>
-          </p:cNvSpPr>
-          <p:nvPr>
-            <p:ph type="title"/>
-          </p:nvPr>
-        </p:nvSpPr>
+      <p:pic>
+        <p:nvPicPr>
+          <p:cNvPr id="7" name="Picture 6" descr="C0-HD-TOP.png"/>
+          <p:cNvPicPr>
+            <a:picLocks noChangeAspect="1"/>
+          </p:cNvPicPr>
+          <p:nvPr/>
+        </p:nvPicPr>
+        <p:blipFill>
+          <a:blip r:embed="rId19">
+            <a:extLst>
+              <a:ext uri="{28A0092B-C50C-407E-A947-70E740481C1C}">
+                <a14:useLocalDpi xmlns:a14="http://schemas.microsoft.com/office/drawing/2010/main" val="0"/>
+              </a:ext>
+            </a:extLst>
+          </a:blip>
+          <a:stretch>
+            <a:fillRect/>
+          </a:stretch>
+        </p:blipFill>
         <p:spPr>
           <a:xfrm>
-            <a:off x="1141413" y="609600"/>
-            <a:ext cx="9905998" cy="1905000"/>
+            <a:off x="0" y="0"/>
+            <a:ext cx="12192000" cy="1441450"/>
           </a:xfrm>
           <a:prstGeom prst="rect">
             <a:avLst/>
           </a:prstGeom>
         </p:spPr>
-        <p:txBody>
-          <a:bodyPr vert="horz" lIns="91440" tIns="45720" rIns="91440" bIns="45720" rtlCol="0" anchor="ctr">
-            <a:normAutofit/>
-          </a:bodyPr>
-          <a:lstStyle/>
-          <a:p>
-            <a:r>
-              <a:rPr lang="en-US"/>
-              <a:t>Click to edit Master title style</a:t>
-            </a:r>
-            <a:endParaRPr lang="en-US" dirty="0"/>
-          </a:p>
-        </p:txBody>
-      </p:sp>
-      <p:sp>
-        <p:nvSpPr>
-          <p:cNvPr id="3" name="Text Placeholder 2"/>
-          <p:cNvSpPr>
-            <a:spLocks noGrp="1"/>
-          </p:cNvSpPr>
-          <p:nvPr>
-            <p:ph type="body" idx="1"/>
+      </p:pic>
+      <p:sp>
+        <p:nvSpPr>
+          <p:cNvPr id="2" name="Title Placeholder 1"/>
+          <p:cNvSpPr>
+            <a:spLocks noGrp="1"/>
+          </p:cNvSpPr>
+          <p:nvPr>
+            <p:ph type="title"/>
           </p:nvPr>
         </p:nvSpPr>
         <p:spPr>
           <a:xfrm>
-            <a:off x="1141413" y="2666999"/>
-            <a:ext cx="9905998" cy="3124201"/>
+            <a:off x="2895600" y="764373"/>
+            <a:ext cx="8610600" cy="1293028"/>
           </a:xfrm>
           <a:prstGeom prst="rect">
             <a:avLst/>
@@ -6675,38 +7050,9 @@
           </a:bodyPr>
           <a:lstStyle/>
           <a:p>
-            <a:pPr lvl="0"/>
-            <a:r>
-              <a:rPr lang="en-US"/>
-              <a:t>Click to edit Master text styles</a:t>
-            </a:r>
-          </a:p>
-          <a:p>
-            <a:pPr lvl="1"/>
-            <a:r>
-              <a:rPr lang="en-US"/>
-              <a:t>Second level</a:t>
-            </a:r>
-          </a:p>
-          <a:p>
-            <a:pPr lvl="2"/>
-            <a:r>
-              <a:rPr lang="en-US"/>
-              <a:t>Third level</a:t>
-            </a:r>
-          </a:p>
-          <a:p>
-            <a:pPr lvl="3"/>
-            <a:r>
-              <a:rPr lang="en-US"/>
-              <a:t>Fourth level</a:t>
-            </a:r>
-          </a:p>
-          <a:p>
-            <a:pPr lvl="4"/>
-            <a:r>
-              <a:rPr lang="en-US"/>
-              <a:t>Fifth level</a:t>
+            <a:r>
+              <a:rPr lang="en-US" smtClean="0"/>
+              <a:t>Click to edit Master title style</a:t>
             </a:r>
             <a:endParaRPr lang="en-US" dirty="0"/>
           </a:p>
@@ -6714,67 +7060,80 @@
       </p:sp>
       <p:sp>
         <p:nvSpPr>
-          <p:cNvPr id="4" name="Date Placeholder 3"/>
-          <p:cNvSpPr>
-            <a:spLocks noGrp="1"/>
-          </p:cNvSpPr>
-          <p:nvPr>
-            <p:ph type="dt" sz="half" idx="2"/>
+          <p:cNvPr id="3" name="Text Placeholder 2"/>
+          <p:cNvSpPr>
+            <a:spLocks noGrp="1"/>
+          </p:cNvSpPr>
+          <p:nvPr>
+            <p:ph type="body" idx="1"/>
           </p:nvPr>
         </p:nvSpPr>
         <p:spPr>
           <a:xfrm>
-            <a:off x="8837612" y="5883275"/>
-            <a:ext cx="1600200" cy="365125"/>
+            <a:off x="685800" y="2194560"/>
+            <a:ext cx="10820400" cy="4024125"/>
           </a:xfrm>
           <a:prstGeom prst="rect">
             <a:avLst/>
           </a:prstGeom>
         </p:spPr>
         <p:txBody>
-          <a:bodyPr vert="horz" lIns="91440" tIns="45720" rIns="91440" bIns="45720" rtlCol="0" anchor="ctr"/>
-          <a:lstStyle>
-            <a:lvl1pPr algn="r">
-              <a:defRPr sz="900" b="1" i="0">
-                <a:solidFill>
-                  <a:schemeClr val="tx1">
-                    <a:lumMod val="75000"/>
-                  </a:schemeClr>
-                </a:solidFill>
-                <a:effectLst>
-                  <a:outerShdw blurRad="50800" dist="38100" dir="2700000" algn="tl" rotWithShape="0">
-                    <a:srgbClr val="000000">
-                      <a:alpha val="43000"/>
-                    </a:srgbClr>
-                  </a:outerShdw>
-                </a:effectLst>
-                <a:latin typeface="+mn-lt"/>
-              </a:defRPr>
-            </a:lvl1pPr>
-          </a:lstStyle>
-          <a:p>
-            <a:fld id="{BDDAFA7A-6445-4002-8C74-4055B96B083F}" type="datetimeFigureOut">
-              <a:rPr lang="en-US" smtClean="0"/>
-              <a:t>5/8/2016</a:t>
-            </a:fld>
-            <a:endParaRPr lang="en-US"/>
-          </a:p>
-        </p:txBody>
-      </p:sp>
-      <p:sp>
-        <p:nvSpPr>
-          <p:cNvPr id="5" name="Footer Placeholder 4"/>
-          <p:cNvSpPr>
-            <a:spLocks noGrp="1"/>
-          </p:cNvSpPr>
-          <p:nvPr>
-            <p:ph type="ftr" sz="quarter" idx="3"/>
+          <a:bodyPr vert="horz" lIns="91440" tIns="45720" rIns="91440" bIns="45720" rtlCol="0">
+            <a:normAutofit/>
+          </a:bodyPr>
+          <a:lstStyle/>
+          <a:p>
+            <a:pPr lvl="0"/>
+            <a:r>
+              <a:rPr lang="en-US" smtClean="0"/>
+              <a:t>Click to edit Master text styles</a:t>
+            </a:r>
+          </a:p>
+          <a:p>
+            <a:pPr lvl="1"/>
+            <a:r>
+              <a:rPr lang="en-US" smtClean="0"/>
+              <a:t>Second level</a:t>
+            </a:r>
+          </a:p>
+          <a:p>
+            <a:pPr lvl="2"/>
+            <a:r>
+              <a:rPr lang="en-US" smtClean="0"/>
+              <a:t>Third level</a:t>
+            </a:r>
+          </a:p>
+          <a:p>
+            <a:pPr lvl="3"/>
+            <a:r>
+              <a:rPr lang="en-US" smtClean="0"/>
+              <a:t>Fourth level</a:t>
+            </a:r>
+          </a:p>
+          <a:p>
+            <a:pPr lvl="4"/>
+            <a:r>
+              <a:rPr lang="en-US" smtClean="0"/>
+              <a:t>Fifth level</a:t>
+            </a:r>
+            <a:endParaRPr lang="en-US" dirty="0"/>
+          </a:p>
+        </p:txBody>
+      </p:sp>
+      <p:sp>
+        <p:nvSpPr>
+          <p:cNvPr id="4" name="Date Placeholder 3"/>
+          <p:cNvSpPr>
+            <a:spLocks noGrp="1"/>
+          </p:cNvSpPr>
+          <p:nvPr>
+            <p:ph type="dt" sz="half" idx="2"/>
           </p:nvPr>
         </p:nvSpPr>
         <p:spPr>
           <a:xfrm>
-            <a:off x="1141412" y="5883275"/>
-            <a:ext cx="7543800" cy="365125"/>
+            <a:off x="8595360" y="6356350"/>
+            <a:ext cx="2910840" cy="365125"/>
           </a:xfrm>
           <a:prstGeom prst="rect">
             <a:avLst/>
@@ -6783,43 +7142,39 @@
         <p:txBody>
           <a:bodyPr vert="horz" lIns="91440" tIns="45720" rIns="91440" bIns="45720" rtlCol="0" anchor="ctr"/>
           <a:lstStyle>
-            <a:lvl1pPr algn="l">
-              <a:defRPr sz="900" b="1" i="0">
+            <a:lvl1pPr algn="r">
+              <a:defRPr sz="1050">
                 <a:solidFill>
                   <a:schemeClr val="tx1">
-                    <a:lumMod val="75000"/>
+                    <a:tint val="75000"/>
                   </a:schemeClr>
                 </a:solidFill>
-                <a:effectLst>
-                  <a:outerShdw blurRad="50800" dist="38100" dir="2700000" algn="tl" rotWithShape="0">
-                    <a:srgbClr val="000000">
-                      <a:alpha val="43000"/>
-                    </a:srgbClr>
-                  </a:outerShdw>
-                </a:effectLst>
-                <a:latin typeface="+mn-lt"/>
               </a:defRPr>
             </a:lvl1pPr>
           </a:lstStyle>
           <a:p>
+            <a:fld id="{BDDAFA7A-6445-4002-8C74-4055B96B083F}" type="datetimeFigureOut">
+              <a:rPr lang="en-US" smtClean="0"/>
+              <a:t>5/9/16</a:t>
+            </a:fld>
             <a:endParaRPr lang="en-US"/>
           </a:p>
         </p:txBody>
       </p:sp>
       <p:sp>
         <p:nvSpPr>
-          <p:cNvPr id="6" name="Slide Number Placeholder 5"/>
-          <p:cNvSpPr>
-            <a:spLocks noGrp="1"/>
-          </p:cNvSpPr>
-          <p:nvPr>
-            <p:ph type="sldNum" sz="quarter" idx="4"/>
+          <p:cNvPr id="5" name="Footer Placeholder 4"/>
+          <p:cNvSpPr>
+            <a:spLocks noGrp="1"/>
+          </p:cNvSpPr>
+          <p:nvPr>
+            <p:ph type="ftr" sz="quarter" idx="3"/>
           </p:nvPr>
         </p:nvSpPr>
         <p:spPr>
           <a:xfrm>
-            <a:off x="10514012" y="5883275"/>
-            <a:ext cx="551167" cy="365125"/>
+            <a:off x="685800" y="6355845"/>
+            <a:ext cx="7772400" cy="365125"/>
           </a:xfrm>
           <a:prstGeom prst="rect">
             <a:avLst/>
@@ -6828,25 +7183,54 @@
         <p:txBody>
           <a:bodyPr vert="horz" lIns="91440" tIns="45720" rIns="91440" bIns="45720" rtlCol="0" anchor="ctr"/>
           <a:lstStyle>
-            <a:lvl1pPr algn="r">
-              <a:defRPr sz="900" b="1" i="0">
+            <a:lvl1pPr algn="l">
+              <a:defRPr sz="1050">
                 <a:solidFill>
                   <a:schemeClr val="tx1">
-                    <a:lumMod val="75000"/>
+                    <a:tint val="75000"/>
                   </a:schemeClr>
                 </a:solidFill>
-                <a:effectLst>
-                  <a:outerShdw blurRad="50800" dist="38100" dir="2700000" algn="tl" rotWithShape="0">
-                    <a:srgbClr val="000000">
-                      <a:alpha val="43000"/>
-                    </a:srgbClr>
-                  </a:outerShdw>
-                </a:effectLst>
-                <a:latin typeface="+mn-lt"/>
               </a:defRPr>
             </a:lvl1pPr>
           </a:lstStyle>
           <a:p>
+            <a:endParaRPr lang="en-US"/>
+          </a:p>
+        </p:txBody>
+      </p:sp>
+      <p:sp>
+        <p:nvSpPr>
+          <p:cNvPr id="6" name="Slide Number Placeholder 5"/>
+          <p:cNvSpPr>
+            <a:spLocks noGrp="1"/>
+          </p:cNvSpPr>
+          <p:nvPr>
+            <p:ph type="sldNum" sz="quarter" idx="4"/>
+          </p:nvPr>
+        </p:nvSpPr>
+        <p:spPr>
+          <a:xfrm>
+            <a:off x="8763000" y="381000"/>
+            <a:ext cx="2743200" cy="365125"/>
+          </a:xfrm>
+          <a:prstGeom prst="rect">
+            <a:avLst/>
+          </a:prstGeom>
+        </p:spPr>
+        <p:txBody>
+          <a:bodyPr vert="horz" lIns="91440" tIns="45720" rIns="91440" bIns="45720" rtlCol="0" anchor="ctr"/>
+          <a:lstStyle>
+            <a:lvl1pPr algn="r">
+              <a:defRPr sz="1050">
+                <a:solidFill>
+                  <a:schemeClr val="tx1">
+                    <a:tint val="75000"/>
+                  </a:schemeClr>
+                </a:solidFill>
+              </a:defRPr>
+            </a:lvl1pPr>
+          </a:lstStyle>
+          <a:p>
             <a:fld id="{3CE3CCBD-19B9-490E-AA2D-3CF6990B033E}" type="slidenum">
               <a:rPr lang="en-US" smtClean="0"/>
               <a:t>‹#›</a:t>
@@ -6858,550 +7242,208 @@
     </p:spTree>
     <p:extLst>
       <p:ext uri="{BB962C8B-B14F-4D97-AF65-F5344CB8AC3E}">
-        <p14:creationId xmlns:p14="http://schemas.microsoft.com/office/powerpoint/2010/main" val="3059133432"/>
+        <p14:creationId xmlns:p14="http://schemas.microsoft.com/office/powerpoint/2010/main" val="1804780042"/>
       </p:ext>
     </p:extLst>
   </p:cSld>
   <p:clrMap bg1="dk1" tx1="lt1" bg2="dk2" tx2="lt2" accent1="accent1" accent2="accent2" accent3="accent3" accent4="accent4" accent5="accent5" accent6="accent6" hlink="hlink" folHlink="folHlink"/>
   <p:sldLayoutIdLst>
-    <p:sldLayoutId id="2147483661" r:id="rId1"/>
-    <p:sldLayoutId id="2147483662" r:id="rId2"/>
-    <p:sldLayoutId id="2147483663" r:id="rId3"/>
-    <p:sldLayoutId id="2147483664" r:id="rId4"/>
-    <p:sldLayoutId id="2147483665" r:id="rId5"/>
-    <p:sldLayoutId id="2147483666" r:id="rId6"/>
-    <p:sldLayoutId id="2147483667" r:id="rId7"/>
-    <p:sldLayoutId id="2147483668" r:id="rId8"/>
-    <p:sldLayoutId id="2147483669" r:id="rId9"/>
-    <p:sldLayoutId id="2147483670" r:id="rId10"/>
-    <p:sldLayoutId id="2147483671" r:id="rId11"/>
-    <p:sldLayoutId id="2147483672" r:id="rId12"/>
-    <p:sldLayoutId id="2147483673" r:id="rId13"/>
-    <p:sldLayoutId id="2147483674" r:id="rId14"/>
-    <p:sldLayoutId id="2147483675" r:id="rId15"/>
-    <p:sldLayoutId id="2147483676" r:id="rId16"/>
-    <p:sldLayoutId id="2147483677" r:id="rId17"/>
+    <p:sldLayoutId id="2147484285" r:id="rId1"/>
+    <p:sldLayoutId id="2147484286" r:id="rId2"/>
+    <p:sldLayoutId id="2147484287" r:id="rId3"/>
+    <p:sldLayoutId id="2147484288" r:id="rId4"/>
+    <p:sldLayoutId id="2147484289" r:id="rId5"/>
+    <p:sldLayoutId id="2147484290" r:id="rId6"/>
+    <p:sldLayoutId id="2147484291" r:id="rId7"/>
+    <p:sldLayoutId id="2147484292" r:id="rId8"/>
+    <p:sldLayoutId id="2147484293" r:id="rId9"/>
+    <p:sldLayoutId id="2147484294" r:id="rId10"/>
+    <p:sldLayoutId id="2147484295" r:id="rId11"/>
+    <p:sldLayoutId id="2147484296" r:id="rId12"/>
+    <p:sldLayoutId id="2147484297" r:id="rId13"/>
+    <p:sldLayoutId id="2147484298" r:id="rId14"/>
+    <p:sldLayoutId id="2147484299" r:id="rId15"/>
+    <p:sldLayoutId id="2147484300" r:id="rId16"/>
+    <p:sldLayoutId id="2147484301" r:id="rId17"/>
   </p:sldLayoutIdLst>
   <p:txStyles>
     <p:titleStyle>
-      <a:lvl1pPr algn="l" defTabSz="457200" rtl="0" eaLnBrk="1" latinLnBrk="0" hangingPunct="1">
+      <a:lvl1pPr algn="r" defTabSz="914400" rtl="0" eaLnBrk="1" latinLnBrk="0" hangingPunct="1">
+        <a:lnSpc>
+          <a:spcPct val="90000"/>
+        </a:lnSpc>
         <a:spcBef>
           <a:spcPct val="0"/>
         </a:spcBef>
         <a:buNone/>
-        <a:defRPr sz="3200" kern="1200" cap="all">
-          <a:ln w="3175" cmpd="sng">
-            <a:noFill/>
-          </a:ln>
-          <a:gradFill flip="none" rotWithShape="1">
-            <a:gsLst>
-              <a:gs pos="0">
-                <a:schemeClr val="tx1"/>
-              </a:gs>
-              <a:gs pos="100000">
-                <a:schemeClr val="tx1">
-                  <a:lumMod val="65000"/>
-                </a:schemeClr>
-              </a:gs>
-            </a:gsLst>
-            <a:lin ang="5580000" scaled="0"/>
-            <a:tileRect/>
-          </a:gradFill>
-          <a:effectLst>
-            <a:glow rad="38100">
-              <a:schemeClr val="bg1">
-                <a:lumMod val="65000"/>
-                <a:lumOff val="35000"/>
-                <a:alpha val="40000"/>
-              </a:schemeClr>
-            </a:glow>
-            <a:outerShdw blurRad="28575" dist="38100" dir="14040000" algn="tl" rotWithShape="0">
-              <a:srgbClr val="000000">
-                <a:alpha val="25000"/>
-              </a:srgbClr>
-            </a:outerShdw>
-          </a:effectLst>
+        <a:defRPr sz="4000" kern="1200" cap="all" baseline="0">
+          <a:solidFill>
+            <a:schemeClr val="tx1"/>
+          </a:solidFill>
           <a:latin typeface="+mj-lt"/>
           <a:ea typeface="+mj-ea"/>
           <a:cs typeface="+mj-cs"/>
         </a:defRPr>
       </a:lvl1pPr>
-      <a:lvl2pPr eaLnBrk="1" hangingPunct="1">
-        <a:defRPr>
-          <a:solidFill>
-            <a:schemeClr val="tx2"/>
-          </a:solidFill>
-        </a:defRPr>
-      </a:lvl2pPr>
-      <a:lvl3pPr eaLnBrk="1" hangingPunct="1">
-        <a:defRPr>
-          <a:solidFill>
-            <a:schemeClr val="tx2"/>
-          </a:solidFill>
-        </a:defRPr>
-      </a:lvl3pPr>
-      <a:lvl4pPr eaLnBrk="1" hangingPunct="1">
-        <a:defRPr>
-          <a:solidFill>
-            <a:schemeClr val="tx2"/>
-          </a:solidFill>
-        </a:defRPr>
-      </a:lvl4pPr>
-      <a:lvl5pPr eaLnBrk="1" hangingPunct="1">
-        <a:defRPr>
-          <a:solidFill>
-            <a:schemeClr val="tx2"/>
-          </a:solidFill>
-        </a:defRPr>
-      </a:lvl5pPr>
-      <a:lvl6pPr eaLnBrk="1" hangingPunct="1">
-        <a:defRPr>
-          <a:solidFill>
-            <a:schemeClr val="tx2"/>
-          </a:solidFill>
-        </a:defRPr>
-      </a:lvl6pPr>
-      <a:lvl7pPr eaLnBrk="1" hangingPunct="1">
-        <a:defRPr>
-          <a:solidFill>
-            <a:schemeClr val="tx2"/>
-          </a:solidFill>
-        </a:defRPr>
-      </a:lvl7pPr>
-      <a:lvl8pPr eaLnBrk="1" hangingPunct="1">
-        <a:defRPr>
-          <a:solidFill>
-            <a:schemeClr val="tx2"/>
-          </a:solidFill>
-        </a:defRPr>
-      </a:lvl8pPr>
-      <a:lvl9pPr eaLnBrk="1" hangingPunct="1">
-        <a:defRPr>
-          <a:solidFill>
-            <a:schemeClr val="tx2"/>
-          </a:solidFill>
-        </a:defRPr>
-      </a:lvl9pPr>
     </p:titleStyle>
     <p:bodyStyle>
-      <a:lvl1pPr marL="285750" indent="-285750" algn="l" defTabSz="457200" rtl="0" eaLnBrk="1" latinLnBrk="0" hangingPunct="1">
+      <a:lvl1pPr marL="228600" indent="-228600" algn="l" defTabSz="914400" rtl="0" eaLnBrk="1" latinLnBrk="0" hangingPunct="1">
+        <a:lnSpc>
+          <a:spcPct val="90000"/>
+        </a:lnSpc>
         <a:spcBef>
-          <a:spcPct val="20000"/>
+          <a:spcPts val="1000"/>
         </a:spcBef>
-        <a:spcAft>
-          <a:spcPts val="600"/>
-        </a:spcAft>
-        <a:buClr>
-          <a:schemeClr val="tx1"/>
-        </a:buClr>
-        <a:buSzPct val="100000"/>
-        <a:buFont typeface="Arial"/>
+        <a:buFont typeface="Arial" panose="020B0604020202020204" pitchFamily="34" charset="0"/>
         <a:buChar char="•"/>
-        <a:defRPr sz="2000" kern="1200" cap="small">
-          <a:gradFill flip="none" rotWithShape="1">
-            <a:gsLst>
-              <a:gs pos="0">
-                <a:schemeClr val="tx1"/>
-              </a:gs>
-              <a:gs pos="100000">
-                <a:schemeClr val="tx1">
-                  <a:lumMod val="75000"/>
-                </a:schemeClr>
-              </a:gs>
-            </a:gsLst>
-            <a:lin ang="5580000" scaled="0"/>
-            <a:tileRect/>
-          </a:gradFill>
-          <a:effectLst>
-            <a:glow rad="38100">
-              <a:schemeClr val="bg1">
-                <a:lumMod val="50000"/>
-                <a:lumOff val="50000"/>
-                <a:alpha val="20000"/>
-              </a:schemeClr>
-            </a:glow>
-            <a:outerShdw blurRad="44450" dist="12700" dir="13860000" algn="tl" rotWithShape="0">
-              <a:srgbClr val="000000">
-                <a:alpha val="20000"/>
-              </a:srgbClr>
-            </a:outerShdw>
-          </a:effectLst>
+        <a:defRPr sz="2200" kern="1200">
+          <a:solidFill>
+            <a:schemeClr val="tx1"/>
+          </a:solidFill>
           <a:latin typeface="+mn-lt"/>
           <a:ea typeface="+mn-ea"/>
           <a:cs typeface="+mn-cs"/>
         </a:defRPr>
       </a:lvl1pPr>
-      <a:lvl2pPr marL="742950" indent="-285750" algn="l" defTabSz="457200" rtl="0" eaLnBrk="1" latinLnBrk="0" hangingPunct="1">
+      <a:lvl2pPr marL="685800" indent="-228600" algn="l" defTabSz="914400" rtl="0" eaLnBrk="1" latinLnBrk="0" hangingPunct="1">
+        <a:lnSpc>
+          <a:spcPct val="90000"/>
+        </a:lnSpc>
         <a:spcBef>
-          <a:spcPct val="20000"/>
+          <a:spcPts val="500"/>
         </a:spcBef>
-        <a:spcAft>
-          <a:spcPts val="600"/>
-        </a:spcAft>
-        <a:buClr>
-          <a:schemeClr val="tx1"/>
-        </a:buClr>
-        <a:buSzPct val="100000"/>
-        <a:buFont typeface="Arial"/>
+        <a:buFont typeface="Arial" panose="020B0604020202020204" pitchFamily="34" charset="0"/>
         <a:buChar char="•"/>
-        <a:defRPr sz="1800" kern="1200" cap="small">
-          <a:gradFill flip="none" rotWithShape="1">
-            <a:gsLst>
-              <a:gs pos="0">
-                <a:schemeClr val="tx1"/>
-              </a:gs>
-              <a:gs pos="100000">
-                <a:schemeClr val="tx1">
-                  <a:lumMod val="75000"/>
-                </a:schemeClr>
-              </a:gs>
-            </a:gsLst>
-            <a:lin ang="5580000" scaled="0"/>
-            <a:tileRect/>
-          </a:gradFill>
-          <a:effectLst>
-            <a:glow rad="38100">
-              <a:schemeClr val="bg1">
-                <a:lumMod val="50000"/>
-                <a:lumOff val="50000"/>
-                <a:alpha val="20000"/>
-              </a:schemeClr>
-            </a:glow>
-            <a:outerShdw blurRad="44450" dist="12700" dir="13860000" algn="tl" rotWithShape="0">
-              <a:srgbClr val="000000">
-                <a:alpha val="20000"/>
-              </a:srgbClr>
-            </a:outerShdw>
-          </a:effectLst>
+        <a:defRPr sz="2000" kern="1200">
+          <a:solidFill>
+            <a:schemeClr val="tx1"/>
+          </a:solidFill>
           <a:latin typeface="+mn-lt"/>
           <a:ea typeface="+mn-ea"/>
           <a:cs typeface="+mn-cs"/>
         </a:defRPr>
       </a:lvl2pPr>
-      <a:lvl3pPr marL="1200150" indent="-285750" algn="l" defTabSz="457200" rtl="0" eaLnBrk="1" latinLnBrk="0" hangingPunct="1">
+      <a:lvl3pPr marL="1143000" indent="-228600" algn="l" defTabSz="914400" rtl="0" eaLnBrk="1" latinLnBrk="0" hangingPunct="1">
+        <a:lnSpc>
+          <a:spcPct val="90000"/>
+        </a:lnSpc>
         <a:spcBef>
-          <a:spcPct val="20000"/>
+          <a:spcPts val="500"/>
         </a:spcBef>
-        <a:spcAft>
-          <a:spcPts val="600"/>
-        </a:spcAft>
-        <a:buClr>
-          <a:schemeClr val="tx1"/>
-        </a:buClr>
-        <a:buSzPct val="100000"/>
-        <a:buFont typeface="Arial"/>
+        <a:buFont typeface="Arial" panose="020B0604020202020204" pitchFamily="34" charset="0"/>
         <a:buChar char="•"/>
-        <a:defRPr sz="1600" kern="1200" cap="small">
-          <a:gradFill flip="none" rotWithShape="1">
-            <a:gsLst>
-              <a:gs pos="0">
-                <a:schemeClr val="tx1"/>
-              </a:gs>
-              <a:gs pos="100000">
-                <a:schemeClr val="tx1">
-                  <a:lumMod val="75000"/>
-                </a:schemeClr>
-              </a:gs>
-            </a:gsLst>
-            <a:lin ang="5580000" scaled="0"/>
-            <a:tileRect/>
-          </a:gradFill>
-          <a:effectLst>
-            <a:glow rad="38100">
-              <a:schemeClr val="bg1">
-                <a:lumMod val="50000"/>
-                <a:lumOff val="50000"/>
-                <a:alpha val="20000"/>
-              </a:schemeClr>
-            </a:glow>
-            <a:outerShdw blurRad="44450" dist="12700" dir="13860000" algn="tl" rotWithShape="0">
-              <a:srgbClr val="000000">
-                <a:alpha val="20000"/>
-              </a:srgbClr>
-            </a:outerShdw>
-          </a:effectLst>
+        <a:defRPr sz="1800" kern="1200">
+          <a:solidFill>
+            <a:schemeClr val="tx1"/>
+          </a:solidFill>
           <a:latin typeface="+mn-lt"/>
           <a:ea typeface="+mn-ea"/>
           <a:cs typeface="+mn-cs"/>
         </a:defRPr>
       </a:lvl3pPr>
-      <a:lvl4pPr marL="1543050" indent="-171450" algn="l" defTabSz="457200" rtl="0" eaLnBrk="1" latinLnBrk="0" hangingPunct="1">
+      <a:lvl4pPr marL="1600200" indent="-228600" algn="l" defTabSz="914400" rtl="0" eaLnBrk="1" latinLnBrk="0" hangingPunct="1">
+        <a:lnSpc>
+          <a:spcPct val="90000"/>
+        </a:lnSpc>
         <a:spcBef>
-          <a:spcPct val="20000"/>
+          <a:spcPts val="500"/>
         </a:spcBef>
-        <a:spcAft>
-          <a:spcPts val="600"/>
-        </a:spcAft>
-        <a:buClr>
-          <a:schemeClr val="tx1"/>
-        </a:buClr>
-        <a:buSzPct val="100000"/>
-        <a:buFont typeface="Arial"/>
+        <a:buFont typeface="Arial" panose="020B0604020202020204" pitchFamily="34" charset="0"/>
         <a:buChar char="•"/>
-        <a:defRPr sz="1400" kern="1200" cap="small">
-          <a:gradFill flip="none" rotWithShape="1">
-            <a:gsLst>
-              <a:gs pos="0">
-                <a:schemeClr val="tx1"/>
-              </a:gs>
-              <a:gs pos="100000">
-                <a:schemeClr val="tx1">
-                  <a:lumMod val="75000"/>
-                </a:schemeClr>
-              </a:gs>
-            </a:gsLst>
-            <a:lin ang="5580000" scaled="0"/>
-            <a:tileRect/>
-          </a:gradFill>
-          <a:effectLst>
-            <a:glow rad="38100">
-              <a:schemeClr val="bg1">
-                <a:lumMod val="50000"/>
-                <a:lumOff val="50000"/>
-                <a:alpha val="20000"/>
-              </a:schemeClr>
-            </a:glow>
-            <a:outerShdw blurRad="44450" dist="12700" dir="13860000" algn="tl" rotWithShape="0">
-              <a:srgbClr val="000000">
-                <a:alpha val="20000"/>
-              </a:srgbClr>
-            </a:outerShdw>
-          </a:effectLst>
+        <a:defRPr sz="1600" kern="1200">
+          <a:solidFill>
+            <a:schemeClr val="tx1"/>
+          </a:solidFill>
           <a:latin typeface="+mn-lt"/>
           <a:ea typeface="+mn-ea"/>
           <a:cs typeface="+mn-cs"/>
         </a:defRPr>
       </a:lvl4pPr>
-      <a:lvl5pPr marL="2000250" indent="-171450" algn="l" defTabSz="457200" rtl="0" eaLnBrk="1" latinLnBrk="0" hangingPunct="1">
+      <a:lvl5pPr marL="2057400" indent="-228600" algn="l" defTabSz="914400" rtl="0" eaLnBrk="1" latinLnBrk="0" hangingPunct="1">
+        <a:lnSpc>
+          <a:spcPct val="90000"/>
+        </a:lnSpc>
         <a:spcBef>
-          <a:spcPct val="20000"/>
+          <a:spcPts val="500"/>
         </a:spcBef>
-        <a:spcAft>
-          <a:spcPts val="600"/>
-        </a:spcAft>
-        <a:buClr>
-          <a:schemeClr val="tx1"/>
-        </a:buClr>
-        <a:buSzPct val="100000"/>
-        <a:buFont typeface="Arial"/>
+        <a:buFont typeface="Arial" panose="020B0604020202020204" pitchFamily="34" charset="0"/>
         <a:buChar char="•"/>
-        <a:defRPr sz="1400" kern="1200" cap="small">
-          <a:gradFill flip="none" rotWithShape="1">
-            <a:gsLst>
-              <a:gs pos="0">
-                <a:schemeClr val="tx1"/>
-              </a:gs>
-              <a:gs pos="100000">
-                <a:schemeClr val="tx1">
-                  <a:lumMod val="75000"/>
-                </a:schemeClr>
-              </a:gs>
-            </a:gsLst>
-            <a:lin ang="5580000" scaled="0"/>
-            <a:tileRect/>
-          </a:gradFill>
-          <a:effectLst>
-            <a:glow rad="38100">
-              <a:schemeClr val="bg1">
-                <a:lumMod val="50000"/>
-                <a:lumOff val="50000"/>
-                <a:alpha val="20000"/>
-              </a:schemeClr>
-            </a:glow>
-            <a:outerShdw blurRad="44450" dist="12700" dir="13860000" algn="tl" rotWithShape="0">
-              <a:srgbClr val="000000">
-                <a:alpha val="20000"/>
-              </a:srgbClr>
-            </a:outerShdw>
-          </a:effectLst>
+        <a:defRPr sz="1600" kern="1200">
+          <a:solidFill>
+            <a:schemeClr val="tx1"/>
+          </a:solidFill>
           <a:latin typeface="+mn-lt"/>
           <a:ea typeface="+mn-ea"/>
           <a:cs typeface="+mn-cs"/>
         </a:defRPr>
       </a:lvl5pPr>
-      <a:lvl6pPr marL="2514600" indent="-228600" algn="l" defTabSz="457200" rtl="0" eaLnBrk="1" latinLnBrk="0" hangingPunct="1">
+      <a:lvl6pPr marL="2514600" indent="-228600" algn="l" defTabSz="914400" rtl="0" eaLnBrk="1" latinLnBrk="0" hangingPunct="1">
+        <a:lnSpc>
+          <a:spcPct val="90000"/>
+        </a:lnSpc>
         <a:spcBef>
-          <a:spcPct val="20000"/>
+          <a:spcPts val="500"/>
         </a:spcBef>
-        <a:spcAft>
-          <a:spcPts val="600"/>
-        </a:spcAft>
-        <a:buClr>
-          <a:schemeClr val="tx1"/>
-        </a:buClr>
-        <a:buSzPct val="100000"/>
-        <a:buFont typeface="Arial"/>
+        <a:buFont typeface="Arial" panose="020B0604020202020204" pitchFamily="34" charset="0"/>
         <a:buChar char="•"/>
-        <a:defRPr sz="1200" kern="1200" cap="small">
-          <a:gradFill flip="none" rotWithShape="1">
-            <a:gsLst>
-              <a:gs pos="0">
-                <a:schemeClr val="tx1"/>
-              </a:gs>
-              <a:gs pos="100000">
-                <a:schemeClr val="tx1">
-                  <a:lumMod val="75000"/>
-                </a:schemeClr>
-              </a:gs>
-            </a:gsLst>
-            <a:lin ang="5580000" scaled="0"/>
-            <a:tileRect/>
-          </a:gradFill>
-          <a:effectLst>
-            <a:glow rad="38100">
-              <a:schemeClr val="bg1">
-                <a:lumMod val="50000"/>
-                <a:lumOff val="50000"/>
-                <a:alpha val="20000"/>
-              </a:schemeClr>
-            </a:glow>
-            <a:outerShdw blurRad="44450" dist="12700" dir="13860000" algn="tl" rotWithShape="0">
-              <a:srgbClr val="000000">
-                <a:alpha val="20000"/>
-              </a:srgbClr>
-            </a:outerShdw>
-          </a:effectLst>
+        <a:defRPr sz="1600" kern="1200">
+          <a:solidFill>
+            <a:schemeClr val="tx1"/>
+          </a:solidFill>
           <a:latin typeface="+mn-lt"/>
           <a:ea typeface="+mn-ea"/>
           <a:cs typeface="+mn-cs"/>
         </a:defRPr>
       </a:lvl6pPr>
-      <a:lvl7pPr marL="2971800" indent="-228600" algn="l" defTabSz="457200" rtl="0" eaLnBrk="1" latinLnBrk="0" hangingPunct="1">
+      <a:lvl7pPr marL="2971800" indent="-228600" algn="l" defTabSz="914400" rtl="0" eaLnBrk="1" latinLnBrk="0" hangingPunct="1">
+        <a:lnSpc>
+          <a:spcPct val="90000"/>
+        </a:lnSpc>
         <a:spcBef>
-          <a:spcPct val="20000"/>
+          <a:spcPts val="500"/>
         </a:spcBef>
-        <a:spcAft>
-          <a:spcPts val="600"/>
-        </a:spcAft>
-        <a:buClr>
-          <a:schemeClr val="tx1"/>
-        </a:buClr>
-        <a:buSzPct val="100000"/>
-        <a:buFont typeface="Arial"/>
+        <a:buFont typeface="Arial" panose="020B0604020202020204" pitchFamily="34" charset="0"/>
         <a:buChar char="•"/>
-        <a:defRPr sz="1200" kern="1200" cap="small">
-          <a:gradFill flip="none" rotWithShape="1">
-            <a:gsLst>
-              <a:gs pos="0">
-                <a:schemeClr val="tx1"/>
-              </a:gs>
-              <a:gs pos="100000">
-                <a:schemeClr val="tx1">
-                  <a:lumMod val="75000"/>
-                </a:schemeClr>
-              </a:gs>
-            </a:gsLst>
-            <a:lin ang="5580000" scaled="0"/>
-            <a:tileRect/>
-          </a:gradFill>
-          <a:effectLst>
-            <a:glow rad="38100">
-              <a:schemeClr val="bg1">
-                <a:lumMod val="50000"/>
-                <a:lumOff val="50000"/>
-                <a:alpha val="20000"/>
-              </a:schemeClr>
-            </a:glow>
-            <a:outerShdw blurRad="44450" dist="12700" dir="13860000" algn="tl" rotWithShape="0">
-              <a:srgbClr val="000000">
-                <a:alpha val="20000"/>
-              </a:srgbClr>
-            </a:outerShdw>
-          </a:effectLst>
+        <a:defRPr sz="1600" kern="1200">
+          <a:solidFill>
+            <a:schemeClr val="tx1"/>
+          </a:solidFill>
           <a:latin typeface="+mn-lt"/>
           <a:ea typeface="+mn-ea"/>
           <a:cs typeface="+mn-cs"/>
         </a:defRPr>
       </a:lvl7pPr>
-      <a:lvl8pPr marL="3429000" indent="-228600" algn="l" defTabSz="457200" rtl="0" eaLnBrk="1" latinLnBrk="0" hangingPunct="1">
+      <a:lvl8pPr marL="3429000" indent="-228600" algn="l" defTabSz="914400" rtl="0" eaLnBrk="1" latinLnBrk="0" hangingPunct="1">
+        <a:lnSpc>
+          <a:spcPct val="90000"/>
+        </a:lnSpc>
         <a:spcBef>
-          <a:spcPct val="20000"/>
+          <a:spcPts val="500"/>
         </a:spcBef>
-        <a:spcAft>
-          <a:spcPts val="600"/>
-        </a:spcAft>
-        <a:buClr>
-          <a:schemeClr val="tx1"/>
-        </a:buClr>
-        <a:buSzPct val="100000"/>
-        <a:buFont typeface="Arial"/>
+        <a:buFont typeface="Arial" panose="020B0604020202020204" pitchFamily="34" charset="0"/>
         <a:buChar char="•"/>
-        <a:defRPr sz="1200" kern="1200" cap="small">
-          <a:gradFill flip="none" rotWithShape="1">
-            <a:gsLst>
-              <a:gs pos="0">
-                <a:schemeClr val="tx1"/>
-              </a:gs>
-              <a:gs pos="100000">
-                <a:schemeClr val="tx1">
-                  <a:lumMod val="75000"/>
-                </a:schemeClr>
-              </a:gs>
-            </a:gsLst>
-            <a:lin ang="5580000" scaled="0"/>
-            <a:tileRect/>
-          </a:gradFill>
-          <a:effectLst>
-            <a:glow rad="38100">
-              <a:schemeClr val="bg1">
-                <a:lumMod val="50000"/>
-                <a:lumOff val="50000"/>
-                <a:alpha val="20000"/>
-              </a:schemeClr>
-            </a:glow>
-            <a:outerShdw blurRad="44450" dist="12700" dir="13860000" algn="tl" rotWithShape="0">
-              <a:srgbClr val="000000">
-                <a:alpha val="20000"/>
-              </a:srgbClr>
-            </a:outerShdw>
-          </a:effectLst>
+        <a:defRPr sz="1600" kern="1200">
+          <a:solidFill>
+            <a:schemeClr val="tx1"/>
+          </a:solidFill>
           <a:latin typeface="+mn-lt"/>
           <a:ea typeface="+mn-ea"/>
           <a:cs typeface="+mn-cs"/>
         </a:defRPr>
       </a:lvl8pPr>
-      <a:lvl9pPr marL="3886200" indent="-228600" algn="l" defTabSz="457200" rtl="0" eaLnBrk="1" latinLnBrk="0" hangingPunct="1">
+      <a:lvl9pPr marL="3886200" indent="-228600" algn="l" defTabSz="914400" rtl="0" eaLnBrk="1" latinLnBrk="0" hangingPunct="1">
+        <a:lnSpc>
+          <a:spcPct val="90000"/>
+        </a:lnSpc>
         <a:spcBef>
-          <a:spcPct val="20000"/>
+          <a:spcPts val="500"/>
         </a:spcBef>
-        <a:spcAft>
-          <a:spcPts val="600"/>
-        </a:spcAft>
-        <a:buClr>
-          <a:schemeClr val="tx1"/>
-        </a:buClr>
-        <a:buSzPct val="100000"/>
-        <a:buFont typeface="Arial"/>
+        <a:buFont typeface="Arial" panose="020B0604020202020204" pitchFamily="34" charset="0"/>
         <a:buChar char="•"/>
-        <a:defRPr sz="1200" kern="1200" cap="small">
-          <a:gradFill flip="none" rotWithShape="1">
-            <a:gsLst>
-              <a:gs pos="0">
-                <a:schemeClr val="tx1"/>
-              </a:gs>
-              <a:gs pos="100000">
-                <a:schemeClr val="tx1">
-                  <a:lumMod val="75000"/>
-                </a:schemeClr>
-              </a:gs>
-            </a:gsLst>
-            <a:lin ang="5580000" scaled="0"/>
-            <a:tileRect/>
-          </a:gradFill>
-          <a:effectLst>
-            <a:glow rad="38100">
-              <a:schemeClr val="bg1">
-                <a:lumMod val="50000"/>
-                <a:lumOff val="50000"/>
-                <a:alpha val="20000"/>
-              </a:schemeClr>
-            </a:glow>
-            <a:outerShdw blurRad="44450" dist="12700" dir="13860000" algn="tl" rotWithShape="0">
-              <a:srgbClr val="000000">
-                <a:alpha val="20000"/>
-              </a:srgbClr>
-            </a:outerShdw>
-          </a:effectLst>
+        <a:defRPr sz="1600" kern="1200">
+          <a:solidFill>
+            <a:schemeClr val="tx1"/>
+          </a:solidFill>
           <a:latin typeface="+mn-lt"/>
           <a:ea typeface="+mn-ea"/>
           <a:cs typeface="+mn-cs"/>
@@ -7412,7 +7454,7 @@
       <a:defPPr>
         <a:defRPr lang="en-US"/>
       </a:defPPr>
-      <a:lvl1pPr marL="0" algn="l" defTabSz="457200" rtl="0" eaLnBrk="1" latinLnBrk="0" hangingPunct="1">
+      <a:lvl1pPr marL="0" algn="l" defTabSz="914400" rtl="0" eaLnBrk="1" latinLnBrk="0" hangingPunct="1">
         <a:defRPr sz="1800" kern="1200">
           <a:solidFill>
             <a:schemeClr val="tx1"/>
@@ -7422,7 +7464,7 @@
           <a:cs typeface="+mn-cs"/>
         </a:defRPr>
       </a:lvl1pPr>
-      <a:lvl2pPr marL="457200" algn="l" defTabSz="457200" rtl="0" eaLnBrk="1" latinLnBrk="0" hangingPunct="1">
+      <a:lvl2pPr marL="457200" algn="l" defTabSz="914400" rtl="0" eaLnBrk="1" latinLnBrk="0" hangingPunct="1">
         <a:defRPr sz="1800" kern="1200">
           <a:solidFill>
             <a:schemeClr val="tx1"/>
@@ -7432,7 +7474,7 @@
           <a:cs typeface="+mn-cs"/>
         </a:defRPr>
       </a:lvl2pPr>
-      <a:lvl3pPr marL="914400" algn="l" defTabSz="457200" rtl="0" eaLnBrk="1" latinLnBrk="0" hangingPunct="1">
+      <a:lvl3pPr marL="914400" algn="l" defTabSz="914400" rtl="0" eaLnBrk="1" latinLnBrk="0" hangingPunct="1">
         <a:defRPr sz="1800" kern="1200">
           <a:solidFill>
             <a:schemeClr val="tx1"/>
@@ -7442,7 +7484,7 @@
           <a:cs typeface="+mn-cs"/>
         </a:defRPr>
       </a:lvl3pPr>
-      <a:lvl4pPr marL="1371600" algn="l" defTabSz="457200" rtl="0" eaLnBrk="1" latinLnBrk="0" hangingPunct="1">
+      <a:lvl4pPr marL="1371600" algn="l" defTabSz="914400" rtl="0" eaLnBrk="1" latinLnBrk="0" hangingPunct="1">
         <a:defRPr sz="1800" kern="1200">
           <a:solidFill>
             <a:schemeClr val="tx1"/>
@@ -7452,7 +7494,7 @@
           <a:cs typeface="+mn-cs"/>
         </a:defRPr>
       </a:lvl4pPr>
-      <a:lvl5pPr marL="1828800" algn="l" defTabSz="457200" rtl="0" eaLnBrk="1" latinLnBrk="0" hangingPunct="1">
+      <a:lvl5pPr marL="1828800" algn="l" defTabSz="914400" rtl="0" eaLnBrk="1" latinLnBrk="0" hangingPunct="1">
         <a:defRPr sz="1800" kern="1200">
           <a:solidFill>
             <a:schemeClr val="tx1"/>
@@ -7462,7 +7504,7 @@
           <a:cs typeface="+mn-cs"/>
         </a:defRPr>
       </a:lvl5pPr>
-      <a:lvl6pPr marL="2286000" algn="l" defTabSz="457200" rtl="0" eaLnBrk="1" latinLnBrk="0" hangingPunct="1">
+      <a:lvl6pPr marL="2286000" algn="l" defTabSz="914400" rtl="0" eaLnBrk="1" latinLnBrk="0" hangingPunct="1">
         <a:defRPr sz="1800" kern="1200">
           <a:solidFill>
             <a:schemeClr val="tx1"/>
@@ -7472,7 +7514,7 @@
           <a:cs typeface="+mn-cs"/>
         </a:defRPr>
       </a:lvl6pPr>
-      <a:lvl7pPr marL="2743200" algn="l" defTabSz="457200" rtl="0" eaLnBrk="1" latinLnBrk="0" hangingPunct="1">
+      <a:lvl7pPr marL="2743200" algn="l" defTabSz="914400" rtl="0" eaLnBrk="1" latinLnBrk="0" hangingPunct="1">
         <a:defRPr sz="1800" kern="1200">
           <a:solidFill>
             <a:schemeClr val="tx1"/>
@@ -7482,7 +7524,7 @@
           <a:cs typeface="+mn-cs"/>
         </a:defRPr>
       </a:lvl7pPr>
-      <a:lvl8pPr marL="3200400" algn="l" defTabSz="457200" rtl="0" eaLnBrk="1" latinLnBrk="0" hangingPunct="1">
+      <a:lvl8pPr marL="3200400" algn="l" defTabSz="914400" rtl="0" eaLnBrk="1" latinLnBrk="0" hangingPunct="1">
         <a:defRPr sz="1800" kern="1200">
           <a:solidFill>
             <a:schemeClr val="tx1"/>
@@ -7492,7 +7534,7 @@
           <a:cs typeface="+mn-cs"/>
         </a:defRPr>
       </a:lvl8pPr>
-      <a:lvl9pPr marL="3657600" algn="l" defTabSz="457200" rtl="0" eaLnBrk="1" latinLnBrk="0" hangingPunct="1">
+      <a:lvl9pPr marL="3657600" algn="l" defTabSz="914400" rtl="0" eaLnBrk="1" latinLnBrk="0" hangingPunct="1">
         <a:defRPr sz="1800" kern="1200">
           <a:solidFill>
             <a:schemeClr val="tx1"/>
@@ -7504,27 +7546,17 @@
       </a:lvl9pPr>
     </p:otherStyle>
   </p:txStyles>
+  <p:extLst>
+    <p:ext uri="{27BBF7A9-308A-43DC-89C8-2F10F3537804}">
+      <p15:sldGuideLst xmlns:p15="http://schemas.microsoft.com/office/powerpoint/2012/main"/>
+    </p:ext>
+  </p:extLst>
 </p:sldMaster>
 </file>
 
 <file path=ppt/slides/slide1.xml><?xml version="1.0" encoding="utf-8"?>
 <p:sld xmlns:a="http://schemas.openxmlformats.org/drawingml/2006/main" xmlns:r="http://schemas.openxmlformats.org/officeDocument/2006/relationships" xmlns:p="http://schemas.openxmlformats.org/presentationml/2006/main">
   <p:cSld>
-    <p:bg>
-      <p:bgPr>
-        <a:pattFill prst="pct50">
-          <a:fgClr>
-            <a:schemeClr val="tx1"/>
-          </a:fgClr>
-          <a:bgClr>
-            <a:schemeClr val="tx1">
-              <a:lumMod val="95000"/>
-            </a:schemeClr>
-          </a:bgClr>
-        </a:pattFill>
-        <a:effectLst/>
-      </p:bgPr>
-    </p:bg>
     <p:spTree>
       <p:nvGrpSpPr>
         <p:cNvPr id="1" name=""/>
@@ -7551,7 +7583,7 @@
         </p:nvSpPr>
         <p:spPr>
           <a:xfrm>
-            <a:off x="662152" y="1813033"/>
+            <a:off x="663087" y="1177603"/>
             <a:ext cx="10909738" cy="1996967"/>
           </a:xfrm>
         </p:spPr>
@@ -7562,16 +7594,30 @@
           <a:lstStyle/>
           <a:p>
             <a:r>
-              <a:rPr lang="en-US" sz="6000" b="1" dirty="0"/>
-              <a:t/>
-            </a:r>
-            <a:br>
-              <a:rPr lang="en-US" sz="6000" b="1" dirty="0"/>
-            </a:br>
-            <a:r>
               <a:rPr lang="en-US" sz="6000" b="1" dirty="0">
                 <a:solidFill>
-                  <a:schemeClr val="bg1"/>
+                  <a:schemeClr val="tx1">
+                    <a:lumMod val="95000"/>
+                  </a:schemeClr>
+                </a:solidFill>
+              </a:rPr>
+              <a:t/>
+            </a:r>
+            <a:br>
+              <a:rPr lang="en-US" sz="6000" b="1" dirty="0">
+                <a:solidFill>
+                  <a:schemeClr val="tx1">
+                    <a:lumMod val="95000"/>
+                  </a:schemeClr>
+                </a:solidFill>
+              </a:rPr>
+            </a:br>
+            <a:r>
+              <a:rPr lang="en-US" sz="6000" b="1" dirty="0">
+                <a:solidFill>
+                  <a:schemeClr val="tx1">
+                    <a:lumMod val="95000"/>
+                  </a:schemeClr>
                 </a:solidFill>
               </a:rPr>
               <a:t>Home Depot</a:t>
@@ -7579,21 +7625,27 @@
             <a:br>
               <a:rPr lang="en-US" sz="6000" b="1" dirty="0">
                 <a:solidFill>
-                  <a:schemeClr val="bg1"/>
+                  <a:schemeClr val="tx1">
+                    <a:lumMod val="95000"/>
+                  </a:schemeClr>
                 </a:solidFill>
               </a:rPr>
             </a:br>
             <a:r>
               <a:rPr lang="en-US" sz="6000" b="1" dirty="0">
                 <a:solidFill>
-                  <a:schemeClr val="bg1"/>
+                  <a:schemeClr val="tx1">
+                    <a:lumMod val="95000"/>
+                  </a:schemeClr>
                 </a:solidFill>
               </a:rPr>
               <a:t>Product Search Relevance</a:t>
             </a:r>
             <a:endParaRPr lang="en-US" sz="3600" b="1" cap="small" dirty="0">
               <a:solidFill>
-                <a:schemeClr val="bg1"/>
+                <a:schemeClr val="tx1">
+                  <a:lumMod val="95000"/>
+                </a:schemeClr>
               </a:solidFill>
               <a:effectLst>
                 <a:glow rad="38100">
@@ -7626,108 +7678,84 @@
             <p:ph type="subTitle" idx="1"/>
           </p:nvPr>
         </p:nvSpPr>
-        <p:spPr/>
-        <p:txBody>
-          <a:bodyPr/>
+        <p:spPr>
+          <a:xfrm>
+            <a:off x="1371600" y="3632200"/>
+            <a:ext cx="9492712" cy="1854199"/>
+          </a:xfrm>
+        </p:spPr>
+        <p:txBody>
+          <a:bodyPr>
+            <a:noAutofit/>
+          </a:bodyPr>
           <a:lstStyle/>
           <a:p>
-            <a:r>
-              <a:rPr lang="en-US" dirty="0">
-                <a:solidFill>
-                  <a:schemeClr val="bg1"/>
-                </a:solidFill>
-              </a:rPr>
-              <a:t>Team</a:t>
-            </a:r>
-          </a:p>
-          <a:p>
-            <a:r>
-              <a:rPr lang="en-US" sz="3200" b="1" dirty="0">
-                <a:solidFill>
-                  <a:schemeClr val="bg1"/>
-                </a:solidFill>
-              </a:rPr>
-              <a:t>phi1337</a:t>
-            </a:r>
-          </a:p>
-          <a:p>
-            <a:r>
-              <a:rPr lang="en-GB" dirty="0" err="1">
-                <a:solidFill>
-                  <a:schemeClr val="bg1"/>
-                </a:solidFill>
+            <a:pPr algn="ctr"/>
+            <a:r>
+              <a:rPr lang="en-US" sz="3200" dirty="0" smtClean="0"/>
+              <a:t>Team </a:t>
+            </a:r>
+            <a:r>
+              <a:rPr lang="en-US" sz="3200" b="1" dirty="0" smtClean="0"/>
+              <a:t>P</a:t>
+            </a:r>
+            <a:r>
+              <a:rPr lang="en-US" sz="3200" b="1" dirty="0" smtClean="0"/>
+              <a:t>hi1337</a:t>
+            </a:r>
+            <a:endParaRPr lang="en-US" sz="3200" b="1" dirty="0"/>
+          </a:p>
+          <a:p>
+            <a:pPr algn="ctr"/>
+            <a:r>
+              <a:rPr lang="en-GB" sz="3200" dirty="0" err="1">
                 <a:effectLst/>
               </a:rPr>
               <a:t>Antonios</a:t>
             </a:r>
             <a:r>
-              <a:rPr lang="en-GB" dirty="0">
-                <a:solidFill>
-                  <a:schemeClr val="bg1"/>
-                </a:solidFill>
+              <a:rPr lang="en-GB" sz="3200" dirty="0">
                 <a:effectLst/>
               </a:rPr>
               <a:t>, </a:t>
             </a:r>
             <a:r>
-              <a:rPr lang="en-GB" dirty="0" err="1">
-                <a:solidFill>
-                  <a:schemeClr val="bg1"/>
-                </a:solidFill>
+              <a:rPr lang="en-GB" sz="3200" dirty="0" err="1">
                 <a:effectLst/>
               </a:rPr>
               <a:t>Nikolaos</a:t>
             </a:r>
             <a:r>
-              <a:rPr lang="en-GB" dirty="0">
-                <a:solidFill>
-                  <a:schemeClr val="bg1"/>
-                </a:solidFill>
+              <a:rPr lang="en-GB" sz="3200" dirty="0">
                 <a:effectLst/>
               </a:rPr>
               <a:t>, Napoleon, </a:t>
             </a:r>
             <a:r>
-              <a:rPr lang="en-GB" dirty="0" err="1">
-                <a:solidFill>
-                  <a:schemeClr val="bg1"/>
-                </a:solidFill>
+              <a:rPr lang="en-GB" sz="3200" dirty="0" err="1">
                 <a:effectLst/>
               </a:rPr>
               <a:t>Adisorn</a:t>
             </a:r>
             <a:r>
-              <a:rPr lang="en-GB" dirty="0">
-                <a:solidFill>
-                  <a:schemeClr val="bg1"/>
-                </a:solidFill>
+              <a:rPr lang="en-GB" sz="3200" dirty="0">
                 <a:effectLst/>
               </a:rPr>
               <a:t>, </a:t>
             </a:r>
             <a:r>
-              <a:rPr lang="en-GB" dirty="0" err="1">
-                <a:solidFill>
-                  <a:schemeClr val="bg1"/>
-                </a:solidFill>
+              <a:rPr lang="en-GB" sz="3200" dirty="0" err="1">
                 <a:effectLst/>
               </a:rPr>
               <a:t>Emmanouil</a:t>
             </a:r>
             <a:r>
-              <a:rPr lang="en-GB" dirty="0">
-                <a:solidFill>
-                  <a:schemeClr val="bg1"/>
-                </a:solidFill>
+              <a:rPr lang="en-GB" sz="3200" dirty="0">
                 <a:effectLst/>
               </a:rPr>
               <a:t> &amp; Ali</a:t>
             </a:r>
-            <a:endParaRPr lang="en-US" dirty="0">
-              <a:solidFill>
-                <a:schemeClr val="bg1"/>
-              </a:solidFill>
-            </a:endParaRPr>
+            <a:endParaRPr lang="en-US" sz="3200" dirty="0"/>
           </a:p>
         </p:txBody>
       </p:sp>
@@ -7741,27 +7769,19 @@
   <p:clrMapOvr>
     <a:masterClrMapping/>
   </p:clrMapOvr>
+  <p:timing>
+    <p:tnLst>
+      <p:par>
+        <p:cTn id="1" dur="indefinite" restart="never" nodeType="tmRoot"/>
+      </p:par>
+    </p:tnLst>
+  </p:timing>
 </p:sld>
 </file>
 
 <file path=ppt/slides/slide10.xml><?xml version="1.0" encoding="utf-8"?>
 <p:sld xmlns:a="http://schemas.openxmlformats.org/drawingml/2006/main" xmlns:r="http://schemas.openxmlformats.org/officeDocument/2006/relationships" xmlns:p="http://schemas.openxmlformats.org/presentationml/2006/main">
   <p:cSld>
-    <p:bg>
-      <p:bgPr>
-        <a:pattFill prst="pct50">
-          <a:fgClr>
-            <a:schemeClr val="tx1"/>
-          </a:fgClr>
-          <a:bgClr>
-            <a:schemeClr val="tx1">
-              <a:lumMod val="95000"/>
-            </a:schemeClr>
-          </a:bgClr>
-        </a:pattFill>
-        <a:effectLst/>
-      </p:bgPr>
-    </p:bg>
     <p:spTree>
       <p:nvGrpSpPr>
         <p:cNvPr id="1" name=""/>
@@ -7794,11 +7814,7 @@
           <a:lstStyle/>
           <a:p>
             <a:r>
-              <a:rPr lang="en-US" sz="3600" b="1" dirty="0">
-                <a:solidFill>
-                  <a:schemeClr val="bg1"/>
-                </a:solidFill>
-              </a:rPr>
+              <a:rPr lang="en-US" sz="3600" b="1" dirty="0"/>
               <a:t>conclusion</a:t>
             </a:r>
           </a:p>
@@ -7821,39 +7837,23 @@
           </a:bodyPr>
           <a:lstStyle/>
           <a:p>
-            <a:endParaRPr lang="en-US" sz="3200" dirty="0">
-              <a:solidFill>
-                <a:schemeClr val="bg1"/>
-              </a:solidFill>
-            </a:endParaRPr>
-          </a:p>
-          <a:p>
-            <a:r>
-              <a:rPr lang="en-US" sz="3200" dirty="0" smtClean="0">
-                <a:solidFill>
-                  <a:schemeClr val="bg1"/>
-                </a:solidFill>
-              </a:rPr>
+            <a:endParaRPr lang="en-US" sz="3200" dirty="0"/>
+          </a:p>
+          <a:p>
+            <a:r>
+              <a:rPr lang="en-US" sz="3200" dirty="0" smtClean="0"/>
               <a:t>Noisy dataset</a:t>
             </a:r>
           </a:p>
           <a:p>
             <a:r>
-              <a:rPr lang="en-US" sz="3200" dirty="0" smtClean="0">
-                <a:solidFill>
-                  <a:schemeClr val="bg1"/>
-                </a:solidFill>
-              </a:rPr>
+              <a:rPr lang="en-US" sz="3200" dirty="0" smtClean="0"/>
               <a:t>Models prone to overfitting</a:t>
             </a:r>
           </a:p>
           <a:p>
             <a:r>
-              <a:rPr lang="en-US" sz="3200" dirty="0" smtClean="0">
-                <a:solidFill>
-                  <a:schemeClr val="bg1"/>
-                </a:solidFill>
-              </a:rPr>
+              <a:rPr lang="en-US" sz="3200" dirty="0" smtClean="0"/>
               <a:t>Preprocessing and feature extraction key to success</a:t>
             </a:r>
             <a:endParaRPr lang="en-US" sz="3200" dirty="0"/>
@@ -7883,21 +7883,6 @@
 <file path=ppt/slides/slide2.xml><?xml version="1.0" encoding="utf-8"?>
 <p:sld xmlns:a="http://schemas.openxmlformats.org/drawingml/2006/main" xmlns:r="http://schemas.openxmlformats.org/officeDocument/2006/relationships" xmlns:p="http://schemas.openxmlformats.org/presentationml/2006/main">
   <p:cSld>
-    <p:bg>
-      <p:bgPr>
-        <a:pattFill prst="pct50">
-          <a:fgClr>
-            <a:schemeClr val="tx1"/>
-          </a:fgClr>
-          <a:bgClr>
-            <a:schemeClr val="tx1">
-              <a:lumMod val="95000"/>
-            </a:schemeClr>
-          </a:bgClr>
-        </a:pattFill>
-        <a:effectLst/>
-      </p:bgPr>
-    </p:bg>
     <p:spTree>
       <p:nvGrpSpPr>
         <p:cNvPr id="1" name=""/>
@@ -7932,7 +7917,9 @@
             <a:r>
               <a:rPr lang="en-US" sz="3600" b="1" dirty="0">
                 <a:solidFill>
-                  <a:schemeClr val="bg1"/>
+                  <a:schemeClr val="tx1">
+                    <a:lumMod val="95000"/>
+                  </a:schemeClr>
                 </a:solidFill>
               </a:rPr>
               <a:t>Agenda</a:t>
@@ -7952,7 +7939,7 @@
         </p:nvSpPr>
         <p:spPr>
           <a:xfrm>
-            <a:off x="1141413" y="1626209"/>
+            <a:off x="1141413" y="1905179"/>
             <a:ext cx="9905998" cy="4207032"/>
           </a:xfrm>
         </p:spPr>
@@ -7965,7 +7952,9 @@
             <a:r>
               <a:rPr lang="en-US" dirty="0">
                 <a:solidFill>
-                  <a:schemeClr val="bg1"/>
+                  <a:schemeClr val="tx1">
+                    <a:lumMod val="95000"/>
+                  </a:schemeClr>
                 </a:solidFill>
               </a:rPr>
               <a:t>The Scenario</a:t>
@@ -7976,7 +7965,9 @@
             <a:r>
               <a:rPr lang="en-US" sz="2000" dirty="0">
                 <a:solidFill>
-                  <a:schemeClr val="bg1"/>
+                  <a:schemeClr val="tx1">
+                    <a:lumMod val="95000"/>
+                  </a:schemeClr>
                 </a:solidFill>
               </a:rPr>
               <a:t>The Project</a:t>
@@ -7987,7 +7978,9 @@
             <a:r>
               <a:rPr lang="en-US" sz="2000" dirty="0">
                 <a:solidFill>
-                  <a:schemeClr val="bg1"/>
+                  <a:schemeClr val="tx1">
+                    <a:lumMod val="95000"/>
+                  </a:schemeClr>
                 </a:solidFill>
               </a:rPr>
               <a:t>The data</a:t>
@@ -7997,7 +7990,9 @@
             <a:r>
               <a:rPr lang="en-US" dirty="0">
                 <a:solidFill>
-                  <a:schemeClr val="bg1"/>
+                  <a:schemeClr val="tx1">
+                    <a:lumMod val="95000"/>
+                  </a:schemeClr>
                 </a:solidFill>
               </a:rPr>
               <a:t>The Analytics</a:t>
@@ -8008,7 +8003,9 @@
             <a:r>
               <a:rPr lang="en-US" sz="2000" dirty="0">
                 <a:solidFill>
-                  <a:schemeClr val="bg1"/>
+                  <a:schemeClr val="tx1">
+                    <a:lumMod val="95000"/>
+                  </a:schemeClr>
                 </a:solidFill>
               </a:rPr>
               <a:t>Data Pre-processing</a:t>
@@ -8019,7 +8016,9 @@
             <a:r>
               <a:rPr lang="en-US" sz="2000" dirty="0">
                 <a:solidFill>
-                  <a:schemeClr val="bg1"/>
+                  <a:schemeClr val="tx1">
+                    <a:lumMod val="95000"/>
+                  </a:schemeClr>
                 </a:solidFill>
               </a:rPr>
               <a:t>Feature Engineering</a:t>
@@ -8030,7 +8029,9 @@
             <a:r>
               <a:rPr lang="en-US" sz="2000" dirty="0">
                 <a:solidFill>
-                  <a:schemeClr val="bg1"/>
+                  <a:schemeClr val="tx1">
+                    <a:lumMod val="95000"/>
+                  </a:schemeClr>
                 </a:solidFill>
               </a:rPr>
               <a:t>Data Modelling Algorithms</a:t>
@@ -8041,7 +8042,9 @@
             <a:r>
               <a:rPr lang="en-US" sz="2000" dirty="0">
                 <a:solidFill>
-                  <a:schemeClr val="bg1"/>
+                  <a:schemeClr val="tx1">
+                    <a:lumMod val="95000"/>
+                  </a:schemeClr>
                 </a:solidFill>
               </a:rPr>
               <a:t>Analytics Results</a:t>
@@ -8051,7 +8054,9 @@
             <a:r>
               <a:rPr lang="en-US" dirty="0">
                 <a:solidFill>
-                  <a:schemeClr val="bg1"/>
+                  <a:schemeClr val="tx1">
+                    <a:lumMod val="95000"/>
+                  </a:schemeClr>
                 </a:solidFill>
               </a:rPr>
               <a:t>Conclusion</a:t>
@@ -8059,7 +8064,13 @@
           </a:p>
           <a:p>
             <a:pPr lvl="1"/>
-            <a:endParaRPr lang="en-US" dirty="0"/>
+            <a:endParaRPr lang="en-US" dirty="0">
+              <a:solidFill>
+                <a:schemeClr val="tx1">
+                  <a:lumMod val="95000"/>
+                </a:schemeClr>
+              </a:solidFill>
+            </a:endParaRPr>
           </a:p>
         </p:txBody>
       </p:sp>
@@ -8073,27 +8084,19 @@
   <p:clrMapOvr>
     <a:masterClrMapping/>
   </p:clrMapOvr>
+  <p:timing>
+    <p:tnLst>
+      <p:par>
+        <p:cTn id="1" dur="indefinite" restart="never" nodeType="tmRoot"/>
+      </p:par>
+    </p:tnLst>
+  </p:timing>
 </p:sld>
 </file>
 
 <file path=ppt/slides/slide3.xml><?xml version="1.0" encoding="utf-8"?>
 <p:sld xmlns:a="http://schemas.openxmlformats.org/drawingml/2006/main" xmlns:r="http://schemas.openxmlformats.org/officeDocument/2006/relationships" xmlns:p="http://schemas.openxmlformats.org/presentationml/2006/main">
   <p:cSld>
-    <p:bg>
-      <p:bgPr>
-        <a:pattFill prst="pct50">
-          <a:fgClr>
-            <a:schemeClr val="tx1"/>
-          </a:fgClr>
-          <a:bgClr>
-            <a:schemeClr val="tx1">
-              <a:lumMod val="95000"/>
-            </a:schemeClr>
-          </a:bgClr>
-        </a:pattFill>
-        <a:effectLst/>
-      </p:bgPr>
-    </p:bg>
     <p:spTree>
       <p:nvGrpSpPr>
         <p:cNvPr id="1" name=""/>
@@ -8128,7 +8131,9 @@
             <a:r>
               <a:rPr lang="en-US" sz="3600" b="1" dirty="0">
                 <a:solidFill>
-                  <a:schemeClr val="bg1"/>
+                  <a:schemeClr val="tx1">
+                    <a:lumMod val="95000"/>
+                  </a:schemeClr>
                 </a:solidFill>
               </a:rPr>
               <a:t>The Project</a:t>
@@ -8153,7 +8158,9 @@
           <a:p>
             <a:endParaRPr lang="en-US" sz="3200" dirty="0">
               <a:solidFill>
-                <a:schemeClr val="bg1"/>
+                <a:schemeClr val="tx1">
+                  <a:lumMod val="95000"/>
+                </a:schemeClr>
               </a:solidFill>
             </a:endParaRPr>
           </a:p>
@@ -8161,7 +8168,9 @@
             <a:r>
               <a:rPr lang="en-US" sz="3200" dirty="0">
                 <a:solidFill>
-                  <a:schemeClr val="bg1"/>
+                  <a:schemeClr val="tx1">
+                    <a:lumMod val="95000"/>
+                  </a:schemeClr>
                 </a:solidFill>
               </a:rPr>
               <a:t>The Problem:</a:t>
@@ -8172,7 +8181,9 @@
             <a:r>
               <a:rPr lang="en-US" sz="3000" dirty="0">
                 <a:solidFill>
-                  <a:schemeClr val="bg1"/>
+                  <a:schemeClr val="tx1">
+                    <a:lumMod val="95000"/>
+                  </a:schemeClr>
                 </a:solidFill>
               </a:rPr>
               <a:t>Supervised Learning Problem</a:t>
@@ -8182,7 +8193,9 @@
             <a:r>
               <a:rPr lang="en-US" sz="3200" dirty="0">
                 <a:solidFill>
-                  <a:schemeClr val="bg1"/>
+                  <a:schemeClr val="tx1">
+                    <a:lumMod val="95000"/>
+                  </a:schemeClr>
                 </a:solidFill>
               </a:rPr>
               <a:t>The Objective:</a:t>
@@ -8193,14 +8206,22 @@
             <a:r>
               <a:rPr lang="en-US" sz="3000" dirty="0">
                 <a:solidFill>
-                  <a:schemeClr val="bg1"/>
+                  <a:schemeClr val="tx1">
+                    <a:lumMod val="95000"/>
+                  </a:schemeClr>
                 </a:solidFill>
               </a:rPr>
               <a:t>Predict the relevance of Search Results.</a:t>
             </a:r>
           </a:p>
           <a:p>
-            <a:endParaRPr lang="en-US" dirty="0"/>
+            <a:endParaRPr lang="en-US" dirty="0">
+              <a:solidFill>
+                <a:schemeClr val="tx1">
+                  <a:lumMod val="95000"/>
+                </a:schemeClr>
+              </a:solidFill>
+            </a:endParaRPr>
           </a:p>
         </p:txBody>
       </p:sp>
@@ -8214,27 +8235,19 @@
   <p:clrMapOvr>
     <a:masterClrMapping/>
   </p:clrMapOvr>
+  <p:timing>
+    <p:tnLst>
+      <p:par>
+        <p:cTn id="1" dur="indefinite" restart="never" nodeType="tmRoot"/>
+      </p:par>
+    </p:tnLst>
+  </p:timing>
 </p:sld>
 </file>
 
 <file path=ppt/slides/slide4.xml><?xml version="1.0" encoding="utf-8"?>
 <p:sld xmlns:a="http://schemas.openxmlformats.org/drawingml/2006/main" xmlns:r="http://schemas.openxmlformats.org/officeDocument/2006/relationships" xmlns:p="http://schemas.openxmlformats.org/presentationml/2006/main">
   <p:cSld>
-    <p:bg>
-      <p:bgPr>
-        <a:pattFill prst="pct50">
-          <a:fgClr>
-            <a:schemeClr val="tx1"/>
-          </a:fgClr>
-          <a:bgClr>
-            <a:schemeClr val="tx1">
-              <a:lumMod val="95000"/>
-            </a:schemeClr>
-          </a:bgClr>
-        </a:pattFill>
-        <a:effectLst/>
-      </p:bgPr>
-    </p:bg>
     <p:spTree>
       <p:nvGrpSpPr>
         <p:cNvPr id="1" name=""/>
@@ -8269,7 +8282,9 @@
             <a:r>
               <a:rPr lang="en-GB" sz="3600" b="1" dirty="0">
                 <a:solidFill>
-                  <a:schemeClr val="bg1"/>
+                  <a:schemeClr val="tx1">
+                    <a:lumMod val="95000"/>
+                  </a:schemeClr>
                 </a:solidFill>
               </a:rPr>
               <a:t>The Data</a:t>
@@ -8296,7 +8311,9 @@
           <a:p>
             <a:endParaRPr lang="en-GB" sz="3600" dirty="0">
               <a:solidFill>
-                <a:schemeClr val="bg1"/>
+                <a:schemeClr val="tx1">
+                  <a:lumMod val="95000"/>
+                </a:schemeClr>
               </a:solidFill>
             </a:endParaRPr>
           </a:p>
@@ -8304,7 +8321,9 @@
             <a:r>
               <a:rPr lang="en-GB" sz="3600" dirty="0">
                 <a:solidFill>
-                  <a:schemeClr val="bg1"/>
+                  <a:schemeClr val="tx1">
+                    <a:lumMod val="95000"/>
+                  </a:schemeClr>
                 </a:solidFill>
               </a:rPr>
               <a:t>Search </a:t>
@@ -8312,7 +8331,9 @@
             <a:r>
               <a:rPr lang="en-GB" sz="3600" dirty="0" smtClean="0">
                 <a:solidFill>
-                  <a:schemeClr val="bg1"/>
+                  <a:schemeClr val="tx1">
+                    <a:lumMod val="95000"/>
+                  </a:schemeClr>
                 </a:solidFill>
               </a:rPr>
               <a:t>Queries</a:t>
@@ -8322,14 +8343,18 @@
             <a:r>
               <a:rPr lang="en-GB" sz="3600" dirty="0" smtClean="0">
                 <a:solidFill>
-                  <a:schemeClr val="bg1"/>
+                  <a:schemeClr val="tx1">
+                    <a:lumMod val="95000"/>
+                  </a:schemeClr>
                 </a:solidFill>
               </a:rPr>
               <a:t>Relevance Scores</a:t>
             </a:r>
             <a:endParaRPr lang="en-GB" sz="3600" dirty="0">
               <a:solidFill>
-                <a:schemeClr val="bg1"/>
+                <a:schemeClr val="tx1">
+                  <a:lumMod val="95000"/>
+                </a:schemeClr>
               </a:solidFill>
             </a:endParaRPr>
           </a:p>
@@ -8337,14 +8362,18 @@
             <a:r>
               <a:rPr lang="en-US" sz="3600" dirty="0" smtClean="0">
                 <a:solidFill>
-                  <a:schemeClr val="bg1"/>
+                  <a:schemeClr val="tx1">
+                    <a:lumMod val="95000"/>
+                  </a:schemeClr>
                 </a:solidFill>
               </a:rPr>
               <a:t>Product Information</a:t>
             </a:r>
             <a:endParaRPr lang="en-GB" sz="3600" dirty="0">
               <a:solidFill>
-                <a:schemeClr val="bg1"/>
+                <a:schemeClr val="tx1">
+                  <a:lumMod val="95000"/>
+                </a:schemeClr>
               </a:solidFill>
             </a:endParaRPr>
           </a:p>
@@ -8354,7 +8383,9 @@
             </a:pPr>
             <a:endParaRPr lang="en-GB" sz="3600" dirty="0">
               <a:solidFill>
-                <a:schemeClr val="bg1"/>
+                <a:schemeClr val="tx1">
+                  <a:lumMod val="95000"/>
+                </a:schemeClr>
               </a:solidFill>
             </a:endParaRPr>
           </a:p>
@@ -8370,27 +8401,19 @@
   <p:clrMapOvr>
     <a:masterClrMapping/>
   </p:clrMapOvr>
+  <p:timing>
+    <p:tnLst>
+      <p:par>
+        <p:cTn id="1" dur="indefinite" restart="never" nodeType="tmRoot"/>
+      </p:par>
+    </p:tnLst>
+  </p:timing>
 </p:sld>
 </file>
 
 <file path=ppt/slides/slide5.xml><?xml version="1.0" encoding="utf-8"?>
 <p:sld xmlns:a="http://schemas.openxmlformats.org/drawingml/2006/main" xmlns:r="http://schemas.openxmlformats.org/officeDocument/2006/relationships" xmlns:p="http://schemas.openxmlformats.org/presentationml/2006/main">
   <p:cSld>
-    <p:bg>
-      <p:bgPr>
-        <a:pattFill prst="pct50">
-          <a:fgClr>
-            <a:schemeClr val="tx1"/>
-          </a:fgClr>
-          <a:bgClr>
-            <a:schemeClr val="tx1">
-              <a:lumMod val="95000"/>
-            </a:schemeClr>
-          </a:bgClr>
-        </a:pattFill>
-        <a:effectLst/>
-      </p:bgPr>
-    </p:bg>
     <p:spTree>
       <p:nvGrpSpPr>
         <p:cNvPr id="1" name=""/>
@@ -8425,7 +8448,9 @@
             <a:r>
               <a:rPr lang="en-US" sz="3600" b="1" dirty="0">
                 <a:solidFill>
-                  <a:schemeClr val="bg1"/>
+                  <a:schemeClr val="tx1">
+                    <a:lumMod val="95000"/>
+                  </a:schemeClr>
                 </a:solidFill>
               </a:rPr>
               <a:t>Data Pre-processing</a:t>
@@ -8445,7 +8470,7 @@
         </p:nvSpPr>
         <p:spPr>
           <a:xfrm>
-            <a:off x="1141412" y="1626209"/>
+            <a:off x="1187907" y="1920677"/>
             <a:ext cx="9310603" cy="4164992"/>
           </a:xfrm>
         </p:spPr>
@@ -8457,7 +8482,9 @@
           <a:p>
             <a:endParaRPr lang="en-US" sz="2800" dirty="0">
               <a:solidFill>
-                <a:schemeClr val="bg1"/>
+                <a:schemeClr val="tx1">
+                  <a:lumMod val="95000"/>
+                </a:schemeClr>
               </a:solidFill>
             </a:endParaRPr>
           </a:p>
@@ -8465,7 +8492,9 @@
             <a:r>
               <a:rPr lang="en-US" sz="2800" dirty="0">
                 <a:solidFill>
-                  <a:schemeClr val="bg1"/>
+                  <a:schemeClr val="tx1">
+                    <a:lumMod val="95000"/>
+                  </a:schemeClr>
                 </a:solidFill>
               </a:rPr>
               <a:t>Special Characters</a:t>
@@ -8475,7 +8504,9 @@
             <a:r>
               <a:rPr lang="en-US" sz="2800" dirty="0">
                 <a:solidFill>
-                  <a:schemeClr val="bg1"/>
+                  <a:schemeClr val="tx1">
+                    <a:lumMod val="95000"/>
+                  </a:schemeClr>
                 </a:solidFill>
               </a:rPr>
               <a:t>Punctuation/ </a:t>
@@ -8483,7 +8514,9 @@
             <a:r>
               <a:rPr lang="en-US" sz="2800" dirty="0" smtClean="0">
                 <a:solidFill>
-                  <a:schemeClr val="bg1"/>
+                  <a:schemeClr val="tx1">
+                    <a:lumMod val="95000"/>
+                  </a:schemeClr>
                 </a:solidFill>
               </a:rPr>
               <a:t>Typographical </a:t>
@@ -8491,7 +8524,9 @@
             <a:r>
               <a:rPr lang="en-US" sz="2800" dirty="0">
                 <a:solidFill>
-                  <a:schemeClr val="bg1"/>
+                  <a:schemeClr val="tx1">
+                    <a:lumMod val="95000"/>
+                  </a:schemeClr>
                 </a:solidFill>
               </a:rPr>
               <a:t>Errors</a:t>
@@ -8501,7 +8536,9 @@
             <a:r>
               <a:rPr lang="en-US" sz="2800" dirty="0" smtClean="0">
                 <a:solidFill>
-                  <a:schemeClr val="bg1"/>
+                  <a:schemeClr val="tx1">
+                    <a:lumMod val="95000"/>
+                  </a:schemeClr>
                 </a:solidFill>
               </a:rPr>
               <a:t>Units </a:t>
@@ -8509,7 +8546,9 @@
             <a:r>
               <a:rPr lang="en-US" sz="2800" dirty="0">
                 <a:solidFill>
-                  <a:schemeClr val="bg1"/>
+                  <a:schemeClr val="tx1">
+                    <a:lumMod val="95000"/>
+                  </a:schemeClr>
                 </a:solidFill>
               </a:rPr>
               <a:t>of Measurement </a:t>
@@ -8517,14 +8556,18 @@
             <a:r>
               <a:rPr lang="en-US" sz="2800" dirty="0" smtClean="0">
                 <a:solidFill>
-                  <a:schemeClr val="bg1"/>
+                  <a:schemeClr val="tx1">
+                    <a:lumMod val="95000"/>
+                  </a:schemeClr>
                 </a:solidFill>
               </a:rPr>
               <a:t>handling</a:t>
             </a:r>
             <a:endParaRPr lang="en-US" sz="2800" dirty="0">
               <a:solidFill>
-                <a:schemeClr val="bg1"/>
+                <a:schemeClr val="tx1">
+                  <a:lumMod val="95000"/>
+                </a:schemeClr>
               </a:solidFill>
             </a:endParaRPr>
           </a:p>
@@ -8532,14 +8575,22 @@
             <a:r>
               <a:rPr lang="en-US" sz="2800" dirty="0">
                 <a:solidFill>
-                  <a:schemeClr val="bg1"/>
+                  <a:schemeClr val="tx1">
+                    <a:lumMod val="95000"/>
+                  </a:schemeClr>
                 </a:solidFill>
               </a:rPr>
               <a:t>Tokenizing/Stemming and Stopwords</a:t>
             </a:r>
           </a:p>
           <a:p>
-            <a:endParaRPr lang="en-US" dirty="0"/>
+            <a:endParaRPr lang="en-US" dirty="0">
+              <a:solidFill>
+                <a:schemeClr val="tx1">
+                  <a:lumMod val="95000"/>
+                </a:schemeClr>
+              </a:solidFill>
+            </a:endParaRPr>
           </a:p>
         </p:txBody>
       </p:sp>
@@ -8553,27 +8604,19 @@
   <p:clrMapOvr>
     <a:masterClrMapping/>
   </p:clrMapOvr>
+  <p:timing>
+    <p:tnLst>
+      <p:par>
+        <p:cTn id="1" dur="indefinite" restart="never" nodeType="tmRoot"/>
+      </p:par>
+    </p:tnLst>
+  </p:timing>
 </p:sld>
 </file>
 
 <file path=ppt/slides/slide6.xml><?xml version="1.0" encoding="utf-8"?>
 <p:sld xmlns:a="http://schemas.openxmlformats.org/drawingml/2006/main" xmlns:r="http://schemas.openxmlformats.org/officeDocument/2006/relationships" xmlns:p="http://schemas.openxmlformats.org/presentationml/2006/main">
   <p:cSld>
-    <p:bg>
-      <p:bgPr>
-        <a:pattFill prst="pct50">
-          <a:fgClr>
-            <a:schemeClr val="tx1"/>
-          </a:fgClr>
-          <a:bgClr>
-            <a:schemeClr val="tx1">
-              <a:lumMod val="95000"/>
-            </a:schemeClr>
-          </a:bgClr>
-        </a:pattFill>
-        <a:effectLst/>
-      </p:bgPr>
-    </p:bg>
     <p:spTree>
       <p:nvGrpSpPr>
         <p:cNvPr id="1" name=""/>
@@ -8598,7 +8641,12 @@
             <p:ph type="title"/>
           </p:nvPr>
         </p:nvSpPr>
-        <p:spPr/>
+        <p:spPr>
+          <a:xfrm>
+            <a:off x="762000" y="559678"/>
+            <a:ext cx="3391546" cy="5059457"/>
+          </a:xfrm>
+        </p:spPr>
         <p:txBody>
           <a:bodyPr>
             <a:normAutofit/>
@@ -8608,7 +8656,9 @@
             <a:r>
               <a:rPr lang="en-US" sz="3600" b="1" dirty="0">
                 <a:solidFill>
-                  <a:schemeClr val="bg1"/>
+                  <a:schemeClr val="tx1">
+                    <a:lumMod val="95000"/>
+                  </a:schemeClr>
                 </a:solidFill>
               </a:rPr>
               <a:t>Feature Engineering</a:t>
@@ -8628,20 +8678,22 @@
         </p:nvSpPr>
         <p:spPr>
           <a:xfrm>
-            <a:off x="1141412" y="1626209"/>
-            <a:ext cx="9310603" cy="4164992"/>
+            <a:off x="4324027" y="1626209"/>
+            <a:ext cx="6127988" cy="4164992"/>
           </a:xfrm>
         </p:spPr>
         <p:txBody>
           <a:bodyPr>
-            <a:normAutofit lnSpcReduction="10000"/>
+            <a:normAutofit fontScale="92500"/>
           </a:bodyPr>
           <a:lstStyle/>
           <a:p>
             <a:r>
               <a:rPr lang="en-US" sz="3600" dirty="0">
                 <a:solidFill>
-                  <a:schemeClr val="bg1"/>
+                  <a:schemeClr val="tx1">
+                    <a:lumMod val="95000"/>
+                  </a:schemeClr>
                 </a:solidFill>
               </a:rPr>
               <a:t>Common word Ratios</a:t>
@@ -8651,14 +8703,18 @@
             <a:r>
               <a:rPr lang="en-US" sz="3600" dirty="0" err="1">
                 <a:solidFill>
-                  <a:schemeClr val="bg1"/>
+                  <a:schemeClr val="tx1">
+                    <a:lumMod val="95000"/>
+                  </a:schemeClr>
                 </a:solidFill>
               </a:rPr>
               <a:t>TF-IDF</a:t>
             </a:r>
             <a:endParaRPr lang="en-US" sz="3600" dirty="0">
               <a:solidFill>
-                <a:schemeClr val="bg1"/>
+                <a:schemeClr val="tx1">
+                  <a:lumMod val="95000"/>
+                </a:schemeClr>
               </a:solidFill>
             </a:endParaRPr>
           </a:p>
@@ -8666,7 +8722,9 @@
             <a:r>
               <a:rPr lang="en-US" sz="3600" dirty="0" err="1">
                 <a:solidFill>
-                  <a:schemeClr val="bg1"/>
+                  <a:schemeClr val="tx1">
+                    <a:lumMod val="95000"/>
+                  </a:schemeClr>
                 </a:solidFill>
               </a:rPr>
               <a:t>LSA</a:t>
@@ -8674,7 +8732,9 @@
             <a:r>
               <a:rPr lang="en-US" sz="3600" dirty="0">
                 <a:solidFill>
-                  <a:schemeClr val="bg1"/>
+                  <a:schemeClr val="tx1">
+                    <a:lumMod val="95000"/>
+                  </a:schemeClr>
                 </a:solidFill>
               </a:rPr>
               <a:t> with </a:t>
@@ -8682,14 +8742,18 @@
             <a:r>
               <a:rPr lang="en-US" sz="3600" dirty="0" err="1">
                 <a:solidFill>
-                  <a:schemeClr val="bg1"/>
+                  <a:schemeClr val="tx1">
+                    <a:lumMod val="95000"/>
+                  </a:schemeClr>
                 </a:solidFill>
               </a:rPr>
               <a:t>SVD</a:t>
             </a:r>
             <a:endParaRPr lang="en-US" sz="3600" dirty="0">
               <a:solidFill>
-                <a:schemeClr val="bg1"/>
+                <a:schemeClr val="tx1">
+                  <a:lumMod val="95000"/>
+                </a:schemeClr>
               </a:solidFill>
             </a:endParaRPr>
           </a:p>
@@ -8697,7 +8761,9 @@
             <a:r>
               <a:rPr lang="en-US" sz="3600" dirty="0">
                 <a:solidFill>
-                  <a:schemeClr val="bg1"/>
+                  <a:schemeClr val="tx1">
+                    <a:lumMod val="95000"/>
+                  </a:schemeClr>
                 </a:solidFill>
               </a:rPr>
               <a:t>Analyzing the Search Query</a:t>
@@ -8707,7 +8773,9 @@
             <a:r>
               <a:rPr lang="en-US" sz="3600" dirty="0">
                 <a:solidFill>
-                  <a:schemeClr val="bg1"/>
+                  <a:schemeClr val="tx1">
+                    <a:lumMod val="95000"/>
+                  </a:schemeClr>
                 </a:solidFill>
               </a:rPr>
               <a:t>Exploring the Brands</a:t>
@@ -8717,7 +8785,9 @@
             <a:r>
               <a:rPr lang="en-US" sz="3600" dirty="0" smtClean="0">
                 <a:solidFill>
-                  <a:schemeClr val="bg1"/>
+                  <a:schemeClr val="tx1">
+                    <a:lumMod val="95000"/>
+                  </a:schemeClr>
                 </a:solidFill>
               </a:rPr>
               <a:t>Special </a:t>
@@ -8725,14 +8795,22 @@
             <a:r>
               <a:rPr lang="en-US" sz="3600" dirty="0">
                 <a:solidFill>
-                  <a:schemeClr val="bg1"/>
+                  <a:schemeClr val="tx1">
+                    <a:lumMod val="95000"/>
+                  </a:schemeClr>
                 </a:solidFill>
               </a:rPr>
               <a:t>word counts as features</a:t>
             </a:r>
           </a:p>
           <a:p>
-            <a:endParaRPr lang="en-US" dirty="0"/>
+            <a:endParaRPr lang="en-US" dirty="0">
+              <a:solidFill>
+                <a:schemeClr val="tx1">
+                  <a:lumMod val="95000"/>
+                </a:schemeClr>
+              </a:solidFill>
+            </a:endParaRPr>
           </a:p>
         </p:txBody>
       </p:sp>
@@ -8746,27 +8824,19 @@
   <p:clrMapOvr>
     <a:overrideClrMapping bg1="dk1" tx1="lt1" bg2="dk2" tx2="lt2" accent1="accent1" accent2="accent2" accent3="accent3" accent4="accent4" accent5="accent5" accent6="accent6" hlink="hlink" folHlink="folHlink"/>
   </p:clrMapOvr>
+  <p:timing>
+    <p:tnLst>
+      <p:par>
+        <p:cTn id="1" dur="indefinite" restart="never" nodeType="tmRoot"/>
+      </p:par>
+    </p:tnLst>
+  </p:timing>
 </p:sld>
 </file>
 
 <file path=ppt/slides/slide7.xml><?xml version="1.0" encoding="utf-8"?>
 <p:sld xmlns:a="http://schemas.openxmlformats.org/drawingml/2006/main" xmlns:r="http://schemas.openxmlformats.org/officeDocument/2006/relationships" xmlns:p="http://schemas.openxmlformats.org/presentationml/2006/main">
   <p:cSld>
-    <p:bg>
-      <p:bgPr>
-        <a:pattFill prst="pct50">
-          <a:fgClr>
-            <a:schemeClr val="tx1"/>
-          </a:fgClr>
-          <a:bgClr>
-            <a:schemeClr val="tx1">
-              <a:lumMod val="95000"/>
-            </a:schemeClr>
-          </a:bgClr>
-        </a:pattFill>
-        <a:effectLst/>
-      </p:bgPr>
-    </p:bg>
     <p:spTree>
       <p:nvGrpSpPr>
         <p:cNvPr id="1" name=""/>
@@ -8801,7 +8871,9 @@
             <a:r>
               <a:rPr lang="en-US" sz="3600" b="1" dirty="0">
                 <a:solidFill>
-                  <a:schemeClr val="bg1"/>
+                  <a:schemeClr val="tx1">
+                    <a:lumMod val="95000"/>
+                  </a:schemeClr>
                 </a:solidFill>
               </a:rPr>
               <a:t>Data Modelling ALGORITHMS</a:t>
@@ -8826,13 +8898,21 @@
           </a:bodyPr>
           <a:lstStyle/>
           <a:p>
-            <a:endParaRPr lang="en-US" sz="3200" dirty="0"/>
+            <a:endParaRPr lang="en-US" sz="3200" dirty="0">
+              <a:solidFill>
+                <a:schemeClr val="tx1">
+                  <a:lumMod val="95000"/>
+                </a:schemeClr>
+              </a:solidFill>
+            </a:endParaRPr>
           </a:p>
           <a:p>
             <a:r>
               <a:rPr lang="en-US" sz="3600" dirty="0">
                 <a:solidFill>
-                  <a:schemeClr val="bg1"/>
+                  <a:schemeClr val="tx1">
+                    <a:lumMod val="95000"/>
+                  </a:schemeClr>
                 </a:solidFill>
               </a:rPr>
               <a:t>Linear Regression</a:t>
@@ -8842,7 +8922,9 @@
             <a:r>
               <a:rPr lang="en-US" sz="3600" dirty="0">
                 <a:solidFill>
-                  <a:schemeClr val="bg1"/>
+                  <a:schemeClr val="tx1">
+                    <a:lumMod val="95000"/>
+                  </a:schemeClr>
                 </a:solidFill>
               </a:rPr>
               <a:t>Support Vector Machines</a:t>
@@ -8852,7 +8934,9 @@
             <a:r>
               <a:rPr lang="en-US" sz="3600" dirty="0">
                 <a:solidFill>
-                  <a:schemeClr val="bg1"/>
+                  <a:schemeClr val="tx1">
+                    <a:lumMod val="95000"/>
+                  </a:schemeClr>
                 </a:solidFill>
               </a:rPr>
               <a:t>Random Forest </a:t>
@@ -8860,14 +8944,18 @@
             <a:r>
               <a:rPr lang="en-US" sz="3600" dirty="0" err="1">
                 <a:solidFill>
-                  <a:schemeClr val="bg1"/>
+                  <a:schemeClr val="tx1">
+                    <a:lumMod val="95000"/>
+                  </a:schemeClr>
                 </a:solidFill>
               </a:rPr>
               <a:t>Regressor</a:t>
             </a:r>
             <a:endParaRPr lang="en-US" sz="3600" dirty="0">
               <a:solidFill>
-                <a:schemeClr val="bg1"/>
+                <a:schemeClr val="tx1">
+                  <a:lumMod val="95000"/>
+                </a:schemeClr>
               </a:solidFill>
             </a:endParaRPr>
           </a:p>
@@ -8883,27 +8971,19 @@
   <p:clrMapOvr>
     <a:masterClrMapping/>
   </p:clrMapOvr>
+  <p:timing>
+    <p:tnLst>
+      <p:par>
+        <p:cTn id="1" dur="indefinite" restart="never" nodeType="tmRoot"/>
+      </p:par>
+    </p:tnLst>
+  </p:timing>
 </p:sld>
 </file>
 
 <file path=ppt/slides/slide8.xml><?xml version="1.0" encoding="utf-8"?>
 <p:sld xmlns:a="http://schemas.openxmlformats.org/drawingml/2006/main" xmlns:r="http://schemas.openxmlformats.org/officeDocument/2006/relationships" xmlns:p="http://schemas.openxmlformats.org/presentationml/2006/main">
   <p:cSld>
-    <p:bg>
-      <p:bgPr>
-        <a:pattFill prst="pct50">
-          <a:fgClr>
-            <a:schemeClr val="tx1"/>
-          </a:fgClr>
-          <a:bgClr>
-            <a:schemeClr val="tx1">
-              <a:lumMod val="95000"/>
-            </a:schemeClr>
-          </a:bgClr>
-        </a:pattFill>
-        <a:effectLst/>
-      </p:bgPr>
-    </p:bg>
     <p:spTree>
       <p:nvGrpSpPr>
         <p:cNvPr id="1" name=""/>
@@ -8918,6 +8998,44 @@
           <a:chExt cx="0" cy="0"/>
         </a:xfrm>
       </p:grpSpPr>
+      <p:sp>
+        <p:nvSpPr>
+          <p:cNvPr id="4" name="Title 3"/>
+          <p:cNvSpPr>
+            <a:spLocks noGrp="1"/>
+          </p:cNvSpPr>
+          <p:nvPr>
+            <p:ph type="title"/>
+          </p:nvPr>
+        </p:nvSpPr>
+        <p:spPr/>
+        <p:txBody>
+          <a:bodyPr>
+            <a:normAutofit/>
+          </a:bodyPr>
+          <a:lstStyle/>
+          <a:p>
+            <a:pPr algn="ctr"/>
+            <a:r>
+              <a:rPr lang="en-US" sz="3600" b="1" dirty="0" smtClean="0">
+                <a:solidFill>
+                  <a:schemeClr val="tx1">
+                    <a:lumMod val="95000"/>
+                  </a:schemeClr>
+                </a:solidFill>
+              </a:rPr>
+              <a:t>FEATURE IMPORTANCE</a:t>
+            </a:r>
+            <a:endParaRPr lang="en-GB" sz="3600" b="1" dirty="0">
+              <a:solidFill>
+                <a:schemeClr val="tx1">
+                  <a:lumMod val="95000"/>
+                </a:schemeClr>
+              </a:solidFill>
+            </a:endParaRPr>
+          </a:p>
+        </p:txBody>
+      </p:sp>
       <p:pic>
         <p:nvPicPr>
           <p:cNvPr id="5" name="Content Placeholder 4"/>
@@ -8942,45 +9060,11 @@
         </p:blipFill>
         <p:spPr>
           <a:xfrm>
-            <a:off x="880837" y="1390265"/>
-            <a:ext cx="10427147" cy="5467735"/>
+            <a:off x="2258366" y="2193925"/>
+            <a:ext cx="7675267" cy="4024313"/>
           </a:xfrm>
         </p:spPr>
       </p:pic>
-      <p:sp>
-        <p:nvSpPr>
-          <p:cNvPr id="4" name="Title 3"/>
-          <p:cNvSpPr>
-            <a:spLocks noGrp="1"/>
-          </p:cNvSpPr>
-          <p:nvPr>
-            <p:ph type="title"/>
-          </p:nvPr>
-        </p:nvSpPr>
-        <p:spPr/>
-        <p:txBody>
-          <a:bodyPr>
-            <a:normAutofit/>
-          </a:bodyPr>
-          <a:lstStyle/>
-          <a:p>
-            <a:pPr algn="ctr"/>
-            <a:r>
-              <a:rPr lang="en-US" sz="3600" b="1" dirty="0" smtClean="0">
-                <a:solidFill>
-                  <a:schemeClr val="bg1"/>
-                </a:solidFill>
-              </a:rPr>
-              <a:t>FEATURE IMPORTANCE</a:t>
-            </a:r>
-            <a:endParaRPr lang="en-GB" sz="3600" b="1" dirty="0">
-              <a:solidFill>
-                <a:schemeClr val="bg1"/>
-              </a:solidFill>
-            </a:endParaRPr>
-          </a:p>
-        </p:txBody>
-      </p:sp>
     </p:spTree>
     <p:extLst>
       <p:ext uri="{BB962C8B-B14F-4D97-AF65-F5344CB8AC3E}">
@@ -8991,27 +9075,19 @@
   <p:clrMapOvr>
     <a:masterClrMapping/>
   </p:clrMapOvr>
+  <p:timing>
+    <p:tnLst>
+      <p:par>
+        <p:cTn id="1" dur="indefinite" restart="never" nodeType="tmRoot"/>
+      </p:par>
+    </p:tnLst>
+  </p:timing>
 </p:sld>
 </file>
 
 <file path=ppt/slides/slide9.xml><?xml version="1.0" encoding="utf-8"?>
 <p:sld xmlns:a="http://schemas.openxmlformats.org/drawingml/2006/main" xmlns:r="http://schemas.openxmlformats.org/officeDocument/2006/relationships" xmlns:p="http://schemas.openxmlformats.org/presentationml/2006/main">
   <p:cSld>
-    <p:bg>
-      <p:bgPr>
-        <a:pattFill prst="pct50">
-          <a:fgClr>
-            <a:schemeClr val="tx1"/>
-          </a:fgClr>
-          <a:bgClr>
-            <a:schemeClr val="tx1">
-              <a:lumMod val="95000"/>
-            </a:schemeClr>
-          </a:bgClr>
-        </a:pattFill>
-        <a:effectLst/>
-      </p:bgPr>
-    </p:bg>
     <p:spTree>
       <p:nvGrpSpPr>
         <p:cNvPr id="1" name=""/>
@@ -9046,7 +9122,9 @@
             <a:r>
               <a:rPr lang="en-US" sz="3600" b="1" dirty="0">
                 <a:solidFill>
-                  <a:schemeClr val="bg1"/>
+                  <a:schemeClr val="tx1">
+                    <a:lumMod val="95000"/>
+                  </a:schemeClr>
                 </a:solidFill>
               </a:rPr>
               <a:t>Analytics results</a:t>
@@ -9064,13 +9142,13 @@
             <p:ph idx="1"/>
             <p:extLst>
               <p:ext uri="{D42A27DB-BD31-4B8C-83A1-F6EECF244321}">
-                <p14:modId xmlns:p14="http://schemas.microsoft.com/office/powerpoint/2010/main" val="3198823252"/>
+                <p14:modId xmlns:p14="http://schemas.microsoft.com/office/powerpoint/2010/main" val="818670022"/>
               </p:ext>
             </p:extLst>
           </p:nvPr>
         </p:nvGraphicFramePr>
         <p:xfrm>
-          <a:off x="415636" y="1608082"/>
+          <a:off x="460305" y="2057401"/>
           <a:ext cx="11045895" cy="4127699"/>
         </p:xfrm>
         <a:graphic>
@@ -9081,28 +9159,28 @@
                 <a:gridCol w="2650380">
                   <a:extLst>
                     <a:ext uri="{9D8B030D-6E8A-4147-A177-3AD203B41FA5}">
-                      <a16:colId xmlns="" xmlns:a16="http://schemas.microsoft.com/office/drawing/2014/main" val="20000"/>
+                      <a16:colId xmlns:a16="http://schemas.microsoft.com/office/drawing/2014/main" xmlns="" val="20000"/>
                     </a:ext>
                   </a:extLst>
                 </a:gridCol>
                 <a:gridCol w="2650380">
                   <a:extLst>
                     <a:ext uri="{9D8B030D-6E8A-4147-A177-3AD203B41FA5}">
-                      <a16:colId xmlns="" xmlns:a16="http://schemas.microsoft.com/office/drawing/2014/main" val="1446668731"/>
+                      <a16:colId xmlns:a16="http://schemas.microsoft.com/office/drawing/2014/main" xmlns="" val="1446668731"/>
                     </a:ext>
                   </a:extLst>
                 </a:gridCol>
                 <a:gridCol w="2650380">
                   <a:extLst>
                     <a:ext uri="{9D8B030D-6E8A-4147-A177-3AD203B41FA5}">
-                      <a16:colId xmlns="" xmlns:a16="http://schemas.microsoft.com/office/drawing/2014/main" val="3945954696"/>
+                      <a16:colId xmlns:a16="http://schemas.microsoft.com/office/drawing/2014/main" xmlns="" val="3945954696"/>
                     </a:ext>
                   </a:extLst>
                 </a:gridCol>
                 <a:gridCol w="3094755">
                   <a:extLst>
                     <a:ext uri="{9D8B030D-6E8A-4147-A177-3AD203B41FA5}">
-                      <a16:colId xmlns="" xmlns:a16="http://schemas.microsoft.com/office/drawing/2014/main" val="20001"/>
+                      <a16:colId xmlns:a16="http://schemas.microsoft.com/office/drawing/2014/main" xmlns="" val="20001"/>
                     </a:ext>
                   </a:extLst>
                 </a:gridCol>
@@ -9163,6 +9241,12 @@
                       <a:headEnd type="none" w="med" len="med"/>
                       <a:tailEnd type="none" w="med" len="med"/>
                     </a:lnB>
+                    <a:solidFill>
+                      <a:schemeClr val="accent5">
+                        <a:lumMod val="40000"/>
+                        <a:lumOff val="60000"/>
+                      </a:schemeClr>
+                    </a:solidFill>
                   </a:tcPr>
                 </a:tc>
                 <a:tc>
@@ -9220,6 +9304,12 @@
                       <a:headEnd type="none" w="med" len="med"/>
                       <a:tailEnd type="none" w="med" len="med"/>
                     </a:lnB>
+                    <a:solidFill>
+                      <a:schemeClr val="accent5">
+                        <a:lumMod val="40000"/>
+                        <a:lumOff val="60000"/>
+                      </a:schemeClr>
+                    </a:solidFill>
                   </a:tcPr>
                 </a:tc>
                 <a:tc>
@@ -9277,6 +9367,12 @@
                       <a:headEnd type="none" w="med" len="med"/>
                       <a:tailEnd type="none" w="med" len="med"/>
                     </a:lnB>
+                    <a:solidFill>
+                      <a:schemeClr val="accent5">
+                        <a:lumMod val="40000"/>
+                        <a:lumOff val="60000"/>
+                      </a:schemeClr>
+                    </a:solidFill>
                   </a:tcPr>
                 </a:tc>
                 <a:tc>
@@ -9347,11 +9443,17 @@
                       <a:headEnd type="none" w="med" len="med"/>
                       <a:tailEnd type="none" w="med" len="med"/>
                     </a:lnB>
+                    <a:solidFill>
+                      <a:schemeClr val="accent5">
+                        <a:lumMod val="40000"/>
+                        <a:lumOff val="60000"/>
+                      </a:schemeClr>
+                    </a:solidFill>
                   </a:tcPr>
                 </a:tc>
                 <a:extLst>
                   <a:ext uri="{0D108BD9-81ED-4DB2-BD59-A6C34878D82A}">
-                    <a16:rowId xmlns="" xmlns:a16="http://schemas.microsoft.com/office/drawing/2014/main" val="10000"/>
+                    <a16:rowId xmlns:a16="http://schemas.microsoft.com/office/drawing/2014/main" xmlns="" val="10000"/>
                   </a:ext>
                 </a:extLst>
               </a:tr>
@@ -9411,6 +9513,12 @@
                       <a:headEnd type="none" w="med" len="med"/>
                       <a:tailEnd type="none" w="med" len="med"/>
                     </a:lnB>
+                    <a:solidFill>
+                      <a:schemeClr val="accent5">
+                        <a:lumMod val="40000"/>
+                        <a:lumOff val="60000"/>
+                      </a:schemeClr>
+                    </a:solidFill>
                   </a:tcPr>
                 </a:tc>
                 <a:tc>
@@ -9468,6 +9576,12 @@
                       <a:headEnd type="none" w="med" len="med"/>
                       <a:tailEnd type="none" w="med" len="med"/>
                     </a:lnB>
+                    <a:solidFill>
+                      <a:schemeClr val="accent5">
+                        <a:lumMod val="40000"/>
+                        <a:lumOff val="60000"/>
+                      </a:schemeClr>
+                    </a:solidFill>
                   </a:tcPr>
                 </a:tc>
                 <a:tc>
@@ -9525,6 +9639,12 @@
                       <a:headEnd type="none" w="med" len="med"/>
                       <a:tailEnd type="none" w="med" len="med"/>
                     </a:lnB>
+                    <a:solidFill>
+                      <a:schemeClr val="accent5">
+                        <a:lumMod val="40000"/>
+                        <a:lumOff val="60000"/>
+                      </a:schemeClr>
+                    </a:solidFill>
                   </a:tcPr>
                 </a:tc>
                 <a:tc>
@@ -9582,11 +9702,17 @@
                       <a:headEnd type="none" w="med" len="med"/>
                       <a:tailEnd type="none" w="med" len="med"/>
                     </a:lnB>
+                    <a:solidFill>
+                      <a:schemeClr val="accent5">
+                        <a:lumMod val="40000"/>
+                        <a:lumOff val="60000"/>
+                      </a:schemeClr>
+                    </a:solidFill>
                   </a:tcPr>
                 </a:tc>
                 <a:extLst>
                   <a:ext uri="{0D108BD9-81ED-4DB2-BD59-A6C34878D82A}">
-                    <a16:rowId xmlns="" xmlns:a16="http://schemas.microsoft.com/office/drawing/2014/main" val="10001"/>
+                    <a16:rowId xmlns:a16="http://schemas.microsoft.com/office/drawing/2014/main" xmlns="" val="10001"/>
                   </a:ext>
                 </a:extLst>
               </a:tr>
@@ -9663,6 +9789,12 @@
                       <a:headEnd type="none" w="med" len="med"/>
                       <a:tailEnd type="none" w="med" len="med"/>
                     </a:lnB>
+                    <a:solidFill>
+                      <a:schemeClr val="accent5">
+                        <a:lumMod val="40000"/>
+                        <a:lumOff val="60000"/>
+                      </a:schemeClr>
+                    </a:solidFill>
                   </a:tcPr>
                 </a:tc>
                 <a:tc>
@@ -9720,6 +9852,12 @@
                       <a:headEnd type="none" w="med" len="med"/>
                       <a:tailEnd type="none" w="med" len="med"/>
                     </a:lnB>
+                    <a:solidFill>
+                      <a:schemeClr val="accent5">
+                        <a:lumMod val="40000"/>
+                        <a:lumOff val="60000"/>
+                      </a:schemeClr>
+                    </a:solidFill>
                   </a:tcPr>
                 </a:tc>
                 <a:tc>
@@ -9777,6 +9915,12 @@
                       <a:headEnd type="none" w="med" len="med"/>
                       <a:tailEnd type="none" w="med" len="med"/>
                     </a:lnB>
+                    <a:solidFill>
+                      <a:schemeClr val="accent5">
+                        <a:lumMod val="40000"/>
+                        <a:lumOff val="60000"/>
+                      </a:schemeClr>
+                    </a:solidFill>
                   </a:tcPr>
                 </a:tc>
                 <a:tc>
@@ -9834,11 +9978,17 @@
                       <a:headEnd type="none" w="med" len="med"/>
                       <a:tailEnd type="none" w="med" len="med"/>
                     </a:lnB>
+                    <a:solidFill>
+                      <a:schemeClr val="accent5">
+                        <a:lumMod val="40000"/>
+                        <a:lumOff val="60000"/>
+                      </a:schemeClr>
+                    </a:solidFill>
                   </a:tcPr>
                 </a:tc>
                 <a:extLst>
                   <a:ext uri="{0D108BD9-81ED-4DB2-BD59-A6C34878D82A}">
-                    <a16:rowId xmlns="" xmlns:a16="http://schemas.microsoft.com/office/drawing/2014/main" val="10002"/>
+                    <a16:rowId xmlns:a16="http://schemas.microsoft.com/office/drawing/2014/main" xmlns="" val="10002"/>
                   </a:ext>
                 </a:extLst>
               </a:tr>
@@ -9898,6 +10048,12 @@
                       <a:headEnd type="none" w="med" len="med"/>
                       <a:tailEnd type="none" w="med" len="med"/>
                     </a:lnB>
+                    <a:solidFill>
+                      <a:schemeClr val="accent5">
+                        <a:lumMod val="40000"/>
+                        <a:lumOff val="60000"/>
+                      </a:schemeClr>
+                    </a:solidFill>
                   </a:tcPr>
                 </a:tc>
                 <a:tc>
@@ -9955,6 +10111,12 @@
                       <a:headEnd type="none" w="med" len="med"/>
                       <a:tailEnd type="none" w="med" len="med"/>
                     </a:lnB>
+                    <a:solidFill>
+                      <a:schemeClr val="accent5">
+                        <a:lumMod val="40000"/>
+                        <a:lumOff val="60000"/>
+                      </a:schemeClr>
+                    </a:solidFill>
                   </a:tcPr>
                 </a:tc>
                 <a:tc>
@@ -10012,6 +10174,12 @@
                       <a:headEnd type="none" w="med" len="med"/>
                       <a:tailEnd type="none" w="med" len="med"/>
                     </a:lnB>
+                    <a:solidFill>
+                      <a:schemeClr val="accent5">
+                        <a:lumMod val="40000"/>
+                        <a:lumOff val="60000"/>
+                      </a:schemeClr>
+                    </a:solidFill>
                   </a:tcPr>
                 </a:tc>
                 <a:tc>
@@ -10069,11 +10237,17 @@
                       <a:headEnd type="none" w="med" len="med"/>
                       <a:tailEnd type="none" w="med" len="med"/>
                     </a:lnB>
+                    <a:solidFill>
+                      <a:schemeClr val="accent5">
+                        <a:lumMod val="40000"/>
+                        <a:lumOff val="60000"/>
+                      </a:schemeClr>
+                    </a:solidFill>
                   </a:tcPr>
                 </a:tc>
                 <a:extLst>
                   <a:ext uri="{0D108BD9-81ED-4DB2-BD59-A6C34878D82A}">
-                    <a16:rowId xmlns="" xmlns:a16="http://schemas.microsoft.com/office/drawing/2014/main" val="10003"/>
+                    <a16:rowId xmlns:a16="http://schemas.microsoft.com/office/drawing/2014/main" xmlns="" val="10003"/>
                   </a:ext>
                 </a:extLst>
               </a:tr>
@@ -10102,9 +10276,9 @@
 </file>
 
 <file path=ppt/theme/theme1.xml><?xml version="1.0" encoding="utf-8"?>
-<a:theme xmlns:a="http://schemas.openxmlformats.org/drawingml/2006/main" name="Mesh">
+<a:theme xmlns:a="http://schemas.openxmlformats.org/drawingml/2006/main" name="Vapor Trail">
   <a:themeElements>
-    <a:clrScheme name="Mesh">
+    <a:clrScheme name="Vapor Trail">
       <a:dk1>
         <a:sysClr val="windowText" lastClr="000000"/>
       </a:dk1>
@@ -10112,48 +10286,83 @@
         <a:sysClr val="window" lastClr="FFFFFF"/>
       </a:lt1>
       <a:dk2>
-        <a:srgbClr val="363D46"/>
+        <a:srgbClr val="454545"/>
       </a:dk2>
       <a:lt2>
-        <a:srgbClr val="EBEBEB"/>
+        <a:srgbClr val="DADADA"/>
       </a:lt2>
       <a:accent1>
-        <a:srgbClr val="6F6F6F"/>
+        <a:srgbClr val="DF2E28"/>
       </a:accent1>
       <a:accent2>
-        <a:srgbClr val="BFBFA5"/>
+        <a:srgbClr val="FE801A"/>
       </a:accent2>
       <a:accent3>
-        <a:srgbClr val="DCD084"/>
+        <a:srgbClr val="E9BF35"/>
       </a:accent3>
       <a:accent4>
-        <a:srgbClr val="E7BF5F"/>
+        <a:srgbClr val="81BB42"/>
       </a:accent4>
       <a:accent5>
-        <a:srgbClr val="E9A039"/>
+        <a:srgbClr val="32C7A9"/>
       </a:accent5>
       <a:accent6>
-        <a:srgbClr val="CF7133"/>
+        <a:srgbClr val="4A9BDC"/>
       </a:accent6>
       <a:hlink>
-        <a:srgbClr val="F28943"/>
+        <a:srgbClr val="F0532B"/>
       </a:hlink>
       <a:folHlink>
-        <a:srgbClr val="F1B76C"/>
+        <a:srgbClr val="F38B53"/>
       </a:folHlink>
     </a:clrScheme>
-    <a:fontScheme name="Mesh">
+    <a:fontScheme name="Vapor Trail">
       <a:majorFont>
         <a:latin typeface="Century Gothic" panose="020B0502020202020204"/>
         <a:ea typeface=""/>
         <a:cs typeface=""/>
-        <a:font script="Jpan" typeface="ＭＳ ゴシック"/>
+        <a:font script="Jpan" typeface="ＭＳ Ｐゴシック"/>
         <a:font script="Hang" typeface="맑은 고딕"/>
         <a:font script="Hans" typeface="宋体"/>
         <a:font script="Hant" typeface="新細明體"/>
-        <a:font script="Arab" typeface="Tahoma"/>
-        <a:font script="Hebr" typeface="Gisha"/>
-        <a:font script="Thai" typeface="DilleniaUPC"/>
+        <a:font script="Arab" typeface="Times New Roman"/>
+        <a:font script="Hebr" typeface="Times New Roman"/>
+        <a:font script="Thai" typeface="Angsana New"/>
+        <a:font script="Ethi" typeface="Nyala"/>
+        <a:font script="Beng" typeface="Vrinda"/>
+        <a:font script="Gujr" typeface="Shruti"/>
+        <a:font script="Khmr" typeface="MoolBoran"/>
+        <a:font script="Knda" typeface="Tunga"/>
+        <a:font script="Guru" typeface="Raavi"/>
+        <a:font script="Cans" typeface="Euphemia"/>
+        <a:font script="Cher" typeface="Plantagenet Cherokee"/>
+        <a:font script="Yiii" typeface="Microsoft Yi Baiti"/>
+        <a:font script="Tibt" typeface="Microsoft Himalaya"/>
+        <a:font script="Thaa" typeface="MV Boli"/>
+        <a:font script="Deva" typeface="Mangal"/>
+        <a:font script="Telu" typeface="Gautami"/>
+        <a:font script="Taml" typeface="Latha"/>
+        <a:font script="Syrc" typeface="Estrangelo Edessa"/>
+        <a:font script="Orya" typeface="Kalinga"/>
+        <a:font script="Mlym" typeface="Kartika"/>
+        <a:font script="Laoo" typeface="DokChampa"/>
+        <a:font script="Sinh" typeface="Iskoola Pota"/>
+        <a:font script="Mong" typeface="Mongolian Baiti"/>
+        <a:font script="Viet" typeface="Times New Roman"/>
+        <a:font script="Uigh" typeface="Microsoft Uighur"/>
+        <a:font script="Geor" typeface="Sylfaen"/>
+      </a:majorFont>
+      <a:minorFont>
+        <a:latin typeface="Century Gothic" panose="020B0502020202020204"/>
+        <a:ea typeface=""/>
+        <a:cs typeface=""/>
+        <a:font script="Jpan" typeface="ＭＳ Ｐゴシック"/>
+        <a:font script="Hang" typeface="맑은 고딕"/>
+        <a:font script="Hans" typeface="宋体"/>
+        <a:font script="Hant" typeface="新細明體"/>
+        <a:font script="Arab" typeface="Arial"/>
+        <a:font script="Hebr" typeface="Arial"/>
+        <a:font script="Thai" typeface="Cordia New"/>
         <a:font script="Ethi" typeface="Nyala"/>
         <a:font script="Beng" typeface="Vrinda"/>
         <a:font script="Gujr" typeface="Shruti"/>
@@ -10174,47 +10383,12 @@
         <a:font script="Laoo" typeface="DokChampa"/>
         <a:font script="Sinh" typeface="Iskoola Pota"/>
         <a:font script="Mong" typeface="Mongolian Baiti"/>
-        <a:font script="Viet" typeface="Tahoma"/>
-        <a:font script="Uigh" typeface="Microsoft Uighur"/>
-        <a:font script="Geor" typeface="Sylfaen"/>
-      </a:majorFont>
-      <a:minorFont>
-        <a:latin typeface="Century Gothic" panose="020B0502020202020204"/>
-        <a:ea typeface=""/>
-        <a:cs typeface=""/>
-        <a:font script="Jpan" typeface="ＭＳ ゴシック"/>
-        <a:font script="Hang" typeface="맑은 고딕"/>
-        <a:font script="Hans" typeface="宋体"/>
-        <a:font script="Hant" typeface="新細明體"/>
-        <a:font script="Arab" typeface="Tahoma"/>
-        <a:font script="Hebr" typeface="Gisha"/>
-        <a:font script="Thai" typeface="DilleniaUPC"/>
-        <a:font script="Ethi" typeface="Nyala"/>
-        <a:font script="Beng" typeface="Vrinda"/>
-        <a:font script="Gujr" typeface="Shruti"/>
-        <a:font script="Khmr" typeface="DaunPenh"/>
-        <a:font script="Knda" typeface="Tunga"/>
-        <a:font script="Guru" typeface="Raavi"/>
-        <a:font script="Cans" typeface="Euphemia"/>
-        <a:font script="Cher" typeface="Plantagenet Cherokee"/>
-        <a:font script="Yiii" typeface="Microsoft Yi Baiti"/>
-        <a:font script="Tibt" typeface="Microsoft Himalaya"/>
-        <a:font script="Thaa" typeface="MV Boli"/>
-        <a:font script="Deva" typeface="Mangal"/>
-        <a:font script="Telu" typeface="Gautami"/>
-        <a:font script="Taml" typeface="Latha"/>
-        <a:font script="Syrc" typeface="Estrangelo Edessa"/>
-        <a:font script="Orya" typeface="Kalinga"/>
-        <a:font script="Mlym" typeface="Kartika"/>
-        <a:font script="Laoo" typeface="DokChampa"/>
-        <a:font script="Sinh" typeface="Iskoola Pota"/>
-        <a:font script="Mong" typeface="Mongolian Baiti"/>
-        <a:font script="Viet" typeface="Verdana"/>
+        <a:font script="Viet" typeface="Arial"/>
         <a:font script="Uigh" typeface="Microsoft Uighur"/>
         <a:font script="Geor" typeface="Sylfaen"/>
       </a:minorFont>
     </a:fontScheme>
-    <a:fmtScheme name="Mesh">
+    <a:fmtScheme name="Vapor Trail">
       <a:fillStyleLst>
         <a:solidFill>
           <a:schemeClr val="phClr"/>
@@ -10223,13 +10397,24 @@
           <a:gsLst>
             <a:gs pos="0">
               <a:schemeClr val="phClr">
-                <a:tint val="60000"/>
+                <a:tint val="69000"/>
+                <a:alpha val="100000"/>
+                <a:satMod val="109000"/>
                 <a:lumMod val="110000"/>
+              </a:schemeClr>
+            </a:gs>
+            <a:gs pos="52000">
+              <a:schemeClr val="phClr">
+                <a:tint val="74000"/>
+                <a:satMod val="100000"/>
+                <a:lumMod val="104000"/>
               </a:schemeClr>
             </a:gs>
             <a:gs pos="100000">
               <a:schemeClr val="phClr">
-                <a:tint val="82000"/>
+                <a:tint val="78000"/>
+                <a:satMod val="100000"/>
+                <a:lumMod val="100000"/>
               </a:schemeClr>
             </a:gs>
           </a:gsLst>
@@ -10240,13 +10425,15 @@
             <a:gs pos="0">
               <a:schemeClr val="phClr">
                 <a:tint val="96000"/>
+                <a:satMod val="100000"/>
                 <a:lumMod val="104000"/>
               </a:schemeClr>
             </a:gs>
-            <a:gs pos="100000">
+            <a:gs pos="78000">
               <a:schemeClr val="phClr">
-                <a:shade val="84000"/>
-                <a:lumMod val="84000"/>
+                <a:shade val="100000"/>
+                <a:satMod val="110000"/>
+                <a:lumMod val="100000"/>
               </a:schemeClr>
             </a:gs>
           </a:gsLst>
@@ -10254,19 +10441,19 @@
         </a:gradFill>
       </a:fillStyleLst>
       <a:lnStyleLst>
-        <a:ln w="9525" cap="rnd" cmpd="sng" algn="ctr">
+        <a:ln w="9525" cap="flat" cmpd="sng" algn="ctr">
           <a:solidFill>
             <a:schemeClr val="phClr"/>
           </a:solidFill>
           <a:prstDash val="solid"/>
         </a:ln>
-        <a:ln w="19050" cap="rnd" cmpd="sng" algn="ctr">
+        <a:ln w="12700" cap="flat" cmpd="sng" algn="ctr">
           <a:solidFill>
             <a:schemeClr val="phClr"/>
           </a:solidFill>
           <a:prstDash val="solid"/>
         </a:ln>
-        <a:ln w="25400" cap="rnd" cmpd="sng" algn="ctr">
+        <a:ln w="19050" cap="flat" cmpd="sng" algn="ctr">
           <a:solidFill>
             <a:schemeClr val="phClr"/>
           </a:solidFill>
@@ -10278,19 +10465,22 @@
           <a:effectLst/>
         </a:effectStyle>
         <a:effectStyle>
-          <a:effectLst>
-            <a:innerShdw blurRad="50800" dist="25400" dir="13500000">
-              <a:srgbClr val="000000">
-                <a:alpha val="55000"/>
-              </a:srgbClr>
-            </a:innerShdw>
-          </a:effectLst>
+          <a:effectLst/>
+          <a:scene3d>
+            <a:camera prst="orthographicFront">
+              <a:rot lat="0" lon="0" rev="0"/>
+            </a:camera>
+            <a:lightRig rig="threePt" dir="t"/>
+          </a:scene3d>
+          <a:sp3d>
+            <a:bevelT w="25400" h="12700"/>
+          </a:sp3d>
         </a:effectStyle>
         <a:effectStyle>
           <a:effectLst>
-            <a:outerShdw blurRad="50800" dist="38100" dir="5400000" rotWithShape="0">
+            <a:outerShdw blurRad="57150" dist="19050" dir="5400000" algn="ctr" rotWithShape="0">
               <a:srgbClr val="000000">
-                <a:alpha val="60000"/>
+                <a:alpha val="48000"/>
               </a:srgbClr>
             </a:outerShdw>
           </a:effectLst>
@@ -10298,10 +10488,10 @@
             <a:camera prst="orthographicFront">
               <a:rot lat="0" lon="0" rev="0"/>
             </a:camera>
-            <a:lightRig rig="threePt" dir="tl"/>
+            <a:lightRig rig="threePt" dir="t"/>
           </a:scene3d>
           <a:sp3d>
-            <a:bevelT w="25400" h="25400" prst="slope"/>
+            <a:bevelT w="50800" h="25400"/>
           </a:sp3d>
         </a:effectStyle>
       </a:effectStyleLst>
@@ -10309,41 +10499,39 @@
         <a:solidFill>
           <a:schemeClr val="phClr"/>
         </a:solidFill>
+        <a:solidFill>
+          <a:schemeClr val="phClr">
+            <a:tint val="95000"/>
+            <a:satMod val="170000"/>
+          </a:schemeClr>
+        </a:solidFill>
         <a:gradFill rotWithShape="1">
           <a:gsLst>
             <a:gs pos="0">
               <a:schemeClr val="phClr">
-                <a:tint val="90000"/>
-                <a:lumMod val="110000"/>
+                <a:tint val="93000"/>
+                <a:shade val="98000"/>
+                <a:satMod val="150000"/>
+                <a:lumMod val="102000"/>
+              </a:schemeClr>
+            </a:gs>
+            <a:gs pos="50000">
+              <a:schemeClr val="phClr">
+                <a:tint val="98000"/>
+                <a:shade val="90000"/>
+                <a:satMod val="130000"/>
+                <a:lumMod val="103000"/>
               </a:schemeClr>
             </a:gs>
             <a:gs pos="100000">
               <a:schemeClr val="phClr">
-                <a:shade val="64000"/>
-                <a:lumMod val="98000"/>
+                <a:shade val="63000"/>
+                <a:satMod val="120000"/>
               </a:schemeClr>
             </a:gs>
           </a:gsLst>
           <a:lin ang="5400000" scaled="0"/>
         </a:gradFill>
-        <a:blipFill rotWithShape="1">
-          <a:blip xmlns:r="http://schemas.openxmlformats.org/officeDocument/2006/relationships" r:embed="rId1">
-            <a:duotone>
-              <a:schemeClr val="phClr">
-                <a:shade val="28000"/>
-                <a:satMod val="94000"/>
-                <a:lumMod val="20000"/>
-              </a:schemeClr>
-              <a:schemeClr val="phClr">
-                <a:tint val="94000"/>
-                <a:shade val="84000"/>
-                <a:satMod val="148000"/>
-                <a:lumMod val="114000"/>
-              </a:schemeClr>
-            </a:duotone>
-          </a:blip>
-          <a:stretch/>
-        </a:blipFill>
       </a:bgFillStyleLst>
     </a:fmtScheme>
   </a:themeElements>
@@ -10351,7 +10539,7 @@
   <a:extraClrSchemeLst/>
   <a:extLst>
     <a:ext uri="{05A4C25C-085E-4340-85A3-A5531E510DB2}">
-      <thm15:themeFamily xmlns:thm15="http://schemas.microsoft.com/office/thememl/2012/main" name="Mesh" id="{789EC3FE-34FD-429C-9918-760025E6C145}" vid="{B8BE45C0-8141-4D58-8C71-A009BC26FBBB}"/>
+      <thm15:themeFamily xmlns:thm15="http://schemas.microsoft.com/office/thememl/2012/main" name="Vapor Trail" id="{4FDF2955-7D9C-493C-B9F9-C205151B46CD}" vid="{8F31A783-2159-4870-BC29-2BA7D038EA44}"/>
     </a:ext>
   </a:extLst>
 </a:theme>
@@ -10616,47 +10804,4 @@
     </a:ext>
   </a:extLst>
 </a:theme>
-</file>
-
-<file path=ppt/theme/themeOverride1.xml><?xml version="1.0" encoding="utf-8"?>
-<a:themeOverride xmlns:a="http://schemas.openxmlformats.org/drawingml/2006/main">
-  <a:clrScheme name="Mesh">
-    <a:dk1>
-      <a:sysClr val="windowText" lastClr="000000"/>
-    </a:dk1>
-    <a:lt1>
-      <a:sysClr val="window" lastClr="FFFFFF"/>
-    </a:lt1>
-    <a:dk2>
-      <a:srgbClr val="363D46"/>
-    </a:dk2>
-    <a:lt2>
-      <a:srgbClr val="EBEBEB"/>
-    </a:lt2>
-    <a:accent1>
-      <a:srgbClr val="6F6F6F"/>
-    </a:accent1>
-    <a:accent2>
-      <a:srgbClr val="BFBFA5"/>
-    </a:accent2>
-    <a:accent3>
-      <a:srgbClr val="DCD084"/>
-    </a:accent3>
-    <a:accent4>
-      <a:srgbClr val="E7BF5F"/>
-    </a:accent4>
-    <a:accent5>
-      <a:srgbClr val="E9A039"/>
-    </a:accent5>
-    <a:accent6>
-      <a:srgbClr val="CF7133"/>
-    </a:accent6>
-    <a:hlink>
-      <a:srgbClr val="F28943"/>
-    </a:hlink>
-    <a:folHlink>
-      <a:srgbClr val="F1B76C"/>
-    </a:folHlink>
-  </a:clrScheme>
-</a:themeOverride>
 </file>